--- a/ProjectExecution/BA/SpecsWireframes/new001Wireframes.pptx
+++ b/ProjectExecution/BA/SpecsWireframes/new001Wireframes.pptx
@@ -3701,7 +3701,7 @@
         </p:nvSpPr>
         <p:spPr>
           <a:xfrm>
-            <a:off x="17168" y="1001950"/>
+            <a:off x="17169" y="1063333"/>
             <a:ext cx="9144000" cy="5451386"/>
           </a:xfrm>
           <a:prstGeom prst="rect">
@@ -3709,14 +3709,14 @@
           </a:prstGeom>
           <a:gradFill flip="none" rotWithShape="1">
             <a:gsLst>
-              <a:gs pos="82000">
+              <a:gs pos="98000">
                 <a:srgbClr val="6F6FEF"/>
+              </a:gs>
+              <a:gs pos="47089">
+                <a:srgbClr val="9F9FF6"/>
               </a:gs>
               <a:gs pos="1000">
                 <a:srgbClr val="DFDFFF"/>
-              </a:gs>
-              <a:gs pos="47000">
-                <a:srgbClr val="CFCFFF"/>
               </a:gs>
             </a:gsLst>
             <a:lin ang="16200000" scaled="1"/>
@@ -3773,10 +3773,7 @@
                 <a:srgbClr val="6F6FEF"/>
               </a:gs>
               <a:gs pos="100000">
-                <a:schemeClr val="accent1">
-                  <a:tint val="23500"/>
-                  <a:satMod val="160000"/>
-                </a:schemeClr>
+                <a:srgbClr val="FFFFFF"/>
               </a:gs>
             </a:gsLst>
             <a:lin ang="5400000" scaled="1"/>
@@ -3804,12 +3801,18 @@
           <a:p>
             <a:pPr lvl="1"/>
             <a:r>
-              <a:rPr lang="en-AU" sz="3600" dirty="0" smtClean="0">
+              <a:rPr lang="en-AU" sz="3600" dirty="0" err="1" smtClean="0">
+                <a:solidFill>
+                  <a:schemeClr val="bg1"/>
+                </a:solidFill>
                 <a:latin typeface="Cooper Black" panose="0208090404030B020404" pitchFamily="18" charset="0"/>
               </a:rPr>
               <a:t>nodiam</a:t>
             </a:r>
             <a:endParaRPr lang="en-AU" sz="3600" dirty="0">
+              <a:solidFill>
+                <a:schemeClr val="bg1"/>
+              </a:solidFill>
               <a:latin typeface="Cooper Black" panose="0208090404030B020404" pitchFamily="18" charset="0"/>
             </a:endParaRPr>
           </a:p>
@@ -4003,15 +4006,19 @@
             <a:r>
               <a:rPr lang="en-AU" b="1" dirty="0" smtClean="0">
                 <a:solidFill>
-                  <a:srgbClr val="BFBFFF"/>
+                  <a:srgbClr val="0F0F7F"/>
                 </a:solidFill>
+                <a:latin typeface="Arial" panose="020B0604020202020204" pitchFamily="34" charset="0"/>
+                <a:cs typeface="Arial" panose="020B0604020202020204" pitchFamily="34" charset="0"/>
               </a:rPr>
               <a:t>Sign Up</a:t>
             </a:r>
             <a:endParaRPr lang="en-AU" b="1" dirty="0">
               <a:solidFill>
-                <a:srgbClr val="BFBFFF"/>
+                <a:srgbClr val="0F0F7F"/>
               </a:solidFill>
+              <a:latin typeface="Arial" panose="020B0604020202020204" pitchFamily="34" charset="0"/>
+              <a:cs typeface="Arial" panose="020B0604020202020204" pitchFamily="34" charset="0"/>
             </a:endParaRPr>
           </a:p>
         </p:txBody>
@@ -4063,7 +4070,7 @@
             <a:r>
               <a:rPr lang="en-AU" b="1" dirty="0" smtClean="0">
                 <a:solidFill>
-                  <a:srgbClr val="BFBFFF"/>
+                  <a:srgbClr val="0F0F7F"/>
                 </a:solidFill>
                 <a:latin typeface="Arial" panose="020B0604020202020204" pitchFamily="34" charset="0"/>
                 <a:cs typeface="Arial" panose="020B0604020202020204" pitchFamily="34" charset="0"/>
@@ -4072,7 +4079,7 @@
             </a:r>
             <a:endParaRPr lang="en-AU" b="1" dirty="0">
               <a:solidFill>
-                <a:srgbClr val="BFBFFF"/>
+                <a:srgbClr val="0F0F7F"/>
               </a:solidFill>
               <a:latin typeface="Arial" panose="020B0604020202020204" pitchFamily="34" charset="0"/>
               <a:cs typeface="Arial" panose="020B0604020202020204" pitchFamily="34" charset="0"/>
@@ -4155,6 +4162,1167 @@
           <a:lstStyle/>
           <a:p>
             <a:endParaRPr lang="en-AU"/>
+          </a:p>
+        </p:txBody>
+      </p:sp>
+      <p:cxnSp>
+        <p:nvCxnSpPr>
+          <p:cNvPr id="14" name="Straight Arrow Connector 13"/>
+          <p:cNvCxnSpPr/>
+          <p:nvPr/>
+        </p:nvCxnSpPr>
+        <p:spPr>
+          <a:xfrm flipH="1">
+            <a:off x="9144000" y="160338"/>
+            <a:ext cx="756592" cy="0"/>
+          </a:xfrm>
+          <a:prstGeom prst="straightConnector1">
+            <a:avLst/>
+          </a:prstGeom>
+          <a:ln>
+            <a:solidFill>
+              <a:schemeClr val="tx2"/>
+            </a:solidFill>
+            <a:tailEnd type="arrow"/>
+          </a:ln>
+        </p:spPr>
+        <p:style>
+          <a:lnRef idx="1">
+            <a:schemeClr val="accent1"/>
+          </a:lnRef>
+          <a:fillRef idx="0">
+            <a:schemeClr val="accent1"/>
+          </a:fillRef>
+          <a:effectRef idx="0">
+            <a:schemeClr val="accent1"/>
+          </a:effectRef>
+          <a:fontRef idx="minor">
+            <a:schemeClr val="tx1"/>
+          </a:fontRef>
+        </p:style>
+      </p:cxnSp>
+      <p:sp>
+        <p:nvSpPr>
+          <p:cNvPr id="15" name="Rectangle 14"/>
+          <p:cNvSpPr/>
+          <p:nvPr/>
+        </p:nvSpPr>
+        <p:spPr>
+          <a:xfrm>
+            <a:off x="9933853" y="-43723"/>
+            <a:ext cx="1656184" cy="304800"/>
+          </a:xfrm>
+          <a:prstGeom prst="rect">
+            <a:avLst/>
+          </a:prstGeom>
+        </p:spPr>
+        <p:style>
+          <a:lnRef idx="2">
+            <a:schemeClr val="accent1">
+              <a:shade val="50000"/>
+            </a:schemeClr>
+          </a:lnRef>
+          <a:fillRef idx="1">
+            <a:schemeClr val="accent1"/>
+          </a:fillRef>
+          <a:effectRef idx="0">
+            <a:schemeClr val="accent1"/>
+          </a:effectRef>
+          <a:fontRef idx="minor">
+            <a:schemeClr val="lt1"/>
+          </a:fontRef>
+        </p:style>
+        <p:txBody>
+          <a:bodyPr rtlCol="0" anchor="ctr"/>
+          <a:lstStyle/>
+          <a:p>
+            <a:r>
+              <a:rPr lang="en-AU" sz="1600" dirty="0" smtClean="0">
+                <a:solidFill>
+                  <a:schemeClr val="bg1"/>
+                </a:solidFill>
+              </a:rPr>
+              <a:t>#0f0f7f, 30 </a:t>
+            </a:r>
+            <a:r>
+              <a:rPr lang="en-AU" sz="1600" dirty="0" err="1" smtClean="0">
+                <a:solidFill>
+                  <a:schemeClr val="bg1"/>
+                </a:solidFill>
+              </a:rPr>
+              <a:t>px</a:t>
+            </a:r>
+            <a:endParaRPr lang="en-AU" sz="1600" dirty="0">
+              <a:solidFill>
+                <a:schemeClr val="bg1"/>
+              </a:solidFill>
+            </a:endParaRPr>
+          </a:p>
+        </p:txBody>
+      </p:sp>
+      <p:cxnSp>
+        <p:nvCxnSpPr>
+          <p:cNvPr id="17" name="Straight Arrow Connector 16"/>
+          <p:cNvCxnSpPr/>
+          <p:nvPr/>
+        </p:nvCxnSpPr>
+        <p:spPr>
+          <a:xfrm flipH="1">
+            <a:off x="9161169" y="983729"/>
+            <a:ext cx="772684" cy="0"/>
+          </a:xfrm>
+          <a:prstGeom prst="straightConnector1">
+            <a:avLst/>
+          </a:prstGeom>
+          <a:ln>
+            <a:solidFill>
+              <a:schemeClr val="tx2"/>
+            </a:solidFill>
+            <a:tailEnd type="arrow"/>
+          </a:ln>
+        </p:spPr>
+        <p:style>
+          <a:lnRef idx="1">
+            <a:schemeClr val="accent1"/>
+          </a:lnRef>
+          <a:fillRef idx="0">
+            <a:schemeClr val="accent1"/>
+          </a:fillRef>
+          <a:effectRef idx="0">
+            <a:schemeClr val="accent1"/>
+          </a:effectRef>
+          <a:fontRef idx="minor">
+            <a:schemeClr val="tx1"/>
+          </a:fontRef>
+        </p:style>
+      </p:cxnSp>
+      <p:sp>
+        <p:nvSpPr>
+          <p:cNvPr id="19" name="Rectangle 18"/>
+          <p:cNvSpPr/>
+          <p:nvPr/>
+        </p:nvSpPr>
+        <p:spPr>
+          <a:xfrm>
+            <a:off x="9939339" y="674479"/>
+            <a:ext cx="2049485" cy="810305"/>
+          </a:xfrm>
+          <a:prstGeom prst="rect">
+            <a:avLst/>
+          </a:prstGeom>
+        </p:spPr>
+        <p:style>
+          <a:lnRef idx="2">
+            <a:schemeClr val="accent1">
+              <a:shade val="50000"/>
+            </a:schemeClr>
+          </a:lnRef>
+          <a:fillRef idx="1">
+            <a:schemeClr val="accent1"/>
+          </a:fillRef>
+          <a:effectRef idx="0">
+            <a:schemeClr val="accent1"/>
+          </a:effectRef>
+          <a:fontRef idx="minor">
+            <a:schemeClr val="lt1"/>
+          </a:fontRef>
+        </p:style>
+        <p:txBody>
+          <a:bodyPr rtlCol="0" anchor="ctr"/>
+          <a:lstStyle/>
+          <a:p>
+            <a:r>
+              <a:rPr lang="en-AU" sz="1600" dirty="0" smtClean="0">
+                <a:solidFill>
+                  <a:schemeClr val="bg1"/>
+                </a:solidFill>
+              </a:rPr>
+              <a:t>#6f6fef-67%</a:t>
+            </a:r>
+          </a:p>
+          <a:p>
+            <a:r>
+              <a:rPr lang="en-AU" sz="1600" dirty="0" smtClean="0">
+                <a:solidFill>
+                  <a:schemeClr val="bg1"/>
+                </a:solidFill>
+              </a:rPr>
+              <a:t>#fff-100%, 100 </a:t>
+            </a:r>
+            <a:r>
+              <a:rPr lang="en-AU" sz="1600" dirty="0" err="1" smtClean="0">
+                <a:solidFill>
+                  <a:schemeClr val="bg1"/>
+                </a:solidFill>
+              </a:rPr>
+              <a:t>Px</a:t>
+            </a:r>
+            <a:r>
+              <a:rPr lang="en-AU" sz="1600" dirty="0" smtClean="0">
+                <a:solidFill>
+                  <a:schemeClr val="bg1"/>
+                </a:solidFill>
+              </a:rPr>
+              <a:t>,</a:t>
+            </a:r>
+          </a:p>
+          <a:p>
+            <a:r>
+              <a:rPr lang="en-AU" sz="1600" dirty="0" smtClean="0">
+                <a:solidFill>
+                  <a:schemeClr val="bg1"/>
+                </a:solidFill>
+              </a:rPr>
+              <a:t>Header</a:t>
+            </a:r>
+            <a:endParaRPr lang="en-AU" sz="1600" dirty="0">
+              <a:solidFill>
+                <a:schemeClr val="bg1"/>
+              </a:solidFill>
+            </a:endParaRPr>
+          </a:p>
+        </p:txBody>
+      </p:sp>
+      <p:cxnSp>
+        <p:nvCxnSpPr>
+          <p:cNvPr id="21" name="Straight Arrow Connector 20"/>
+          <p:cNvCxnSpPr/>
+          <p:nvPr/>
+        </p:nvCxnSpPr>
+        <p:spPr>
+          <a:xfrm flipV="1">
+            <a:off x="-684584" y="744130"/>
+            <a:ext cx="792088" cy="20574"/>
+          </a:xfrm>
+          <a:prstGeom prst="straightConnector1">
+            <a:avLst/>
+          </a:prstGeom>
+          <a:ln>
+            <a:solidFill>
+              <a:schemeClr val="tx2"/>
+            </a:solidFill>
+            <a:tailEnd type="arrow"/>
+          </a:ln>
+        </p:spPr>
+        <p:style>
+          <a:lnRef idx="1">
+            <a:schemeClr val="accent1"/>
+          </a:lnRef>
+          <a:fillRef idx="0">
+            <a:schemeClr val="accent1"/>
+          </a:fillRef>
+          <a:effectRef idx="0">
+            <a:schemeClr val="accent1"/>
+          </a:effectRef>
+          <a:fontRef idx="minor">
+            <a:schemeClr val="tx1"/>
+          </a:fontRef>
+        </p:style>
+      </p:cxnSp>
+      <p:sp>
+        <p:nvSpPr>
+          <p:cNvPr id="22" name="Rectangle 21"/>
+          <p:cNvSpPr/>
+          <p:nvPr/>
+        </p:nvSpPr>
+        <p:spPr>
+          <a:xfrm>
+            <a:off x="-2916832" y="309916"/>
+            <a:ext cx="2232248" cy="1085264"/>
+          </a:xfrm>
+          <a:prstGeom prst="rect">
+            <a:avLst/>
+          </a:prstGeom>
+        </p:spPr>
+        <p:style>
+          <a:lnRef idx="2">
+            <a:schemeClr val="accent1">
+              <a:shade val="50000"/>
+            </a:schemeClr>
+          </a:lnRef>
+          <a:fillRef idx="1">
+            <a:schemeClr val="accent1"/>
+          </a:fillRef>
+          <a:effectRef idx="0">
+            <a:schemeClr val="accent1"/>
+          </a:effectRef>
+          <a:fontRef idx="minor">
+            <a:schemeClr val="lt1"/>
+          </a:fontRef>
+        </p:style>
+        <p:txBody>
+          <a:bodyPr rtlCol="0" anchor="ctr"/>
+          <a:lstStyle/>
+          <a:p>
+            <a:r>
+              <a:rPr lang="en-AU" sz="1600" dirty="0" smtClean="0"/>
+              <a:t>Logo Reverse colour right aligned. 15 </a:t>
+            </a:r>
+            <a:r>
+              <a:rPr lang="en-AU" sz="1600" dirty="0" err="1" smtClean="0"/>
+              <a:t>Px</a:t>
+            </a:r>
+            <a:r>
+              <a:rPr lang="en-AU" sz="1600" dirty="0" smtClean="0"/>
+              <a:t> gape from the left wall</a:t>
+            </a:r>
+            <a:endParaRPr lang="en-AU" sz="1600" dirty="0"/>
+          </a:p>
+        </p:txBody>
+      </p:sp>
+      <p:cxnSp>
+        <p:nvCxnSpPr>
+          <p:cNvPr id="26" name="Straight Arrow Connector 25"/>
+          <p:cNvCxnSpPr/>
+          <p:nvPr/>
+        </p:nvCxnSpPr>
+        <p:spPr>
+          <a:xfrm flipV="1">
+            <a:off x="899592" y="983729"/>
+            <a:ext cx="0" cy="717079"/>
+          </a:xfrm>
+          <a:prstGeom prst="straightConnector1">
+            <a:avLst/>
+          </a:prstGeom>
+          <a:ln>
+            <a:solidFill>
+              <a:schemeClr val="tx2"/>
+            </a:solidFill>
+            <a:tailEnd type="arrow"/>
+          </a:ln>
+        </p:spPr>
+        <p:style>
+          <a:lnRef idx="1">
+            <a:schemeClr val="accent1"/>
+          </a:lnRef>
+          <a:fillRef idx="0">
+            <a:schemeClr val="accent1"/>
+          </a:fillRef>
+          <a:effectRef idx="0">
+            <a:schemeClr val="accent1"/>
+          </a:effectRef>
+          <a:fontRef idx="minor">
+            <a:schemeClr val="tx1"/>
+          </a:fontRef>
+        </p:style>
+      </p:cxnSp>
+      <p:sp>
+        <p:nvSpPr>
+          <p:cNvPr id="27" name="Rectangle 26"/>
+          <p:cNvSpPr/>
+          <p:nvPr/>
+        </p:nvSpPr>
+        <p:spPr>
+          <a:xfrm>
+            <a:off x="345130" y="1700808"/>
+            <a:ext cx="1346550" cy="504056"/>
+          </a:xfrm>
+          <a:prstGeom prst="rect">
+            <a:avLst/>
+          </a:prstGeom>
+        </p:spPr>
+        <p:style>
+          <a:lnRef idx="2">
+            <a:schemeClr val="accent1">
+              <a:shade val="50000"/>
+            </a:schemeClr>
+          </a:lnRef>
+          <a:fillRef idx="1">
+            <a:schemeClr val="accent1"/>
+          </a:fillRef>
+          <a:effectRef idx="0">
+            <a:schemeClr val="accent1"/>
+          </a:effectRef>
+          <a:fontRef idx="minor">
+            <a:schemeClr val="lt1"/>
+          </a:fontRef>
+        </p:style>
+        <p:txBody>
+          <a:bodyPr rtlCol="0" anchor="ctr"/>
+          <a:lstStyle/>
+          <a:p>
+            <a:r>
+              <a:rPr lang="en-AU" sz="1600" dirty="0" smtClean="0"/>
+              <a:t> cooper black, 36, #</a:t>
+            </a:r>
+            <a:r>
+              <a:rPr lang="en-AU" sz="1600" dirty="0" err="1" smtClean="0"/>
+              <a:t>fff</a:t>
+            </a:r>
+            <a:endParaRPr lang="en-AU" sz="1600" dirty="0"/>
+          </a:p>
+        </p:txBody>
+      </p:sp>
+      <p:cxnSp>
+        <p:nvCxnSpPr>
+          <p:cNvPr id="29" name="Straight Arrow Connector 28"/>
+          <p:cNvCxnSpPr/>
+          <p:nvPr/>
+        </p:nvCxnSpPr>
+        <p:spPr>
+          <a:xfrm flipV="1">
+            <a:off x="2339752" y="764704"/>
+            <a:ext cx="648072" cy="19073"/>
+          </a:xfrm>
+          <a:prstGeom prst="straightConnector1">
+            <a:avLst/>
+          </a:prstGeom>
+          <a:ln>
+            <a:solidFill>
+              <a:schemeClr val="tx2"/>
+            </a:solidFill>
+            <a:headEnd type="arrow"/>
+            <a:tailEnd type="arrow"/>
+          </a:ln>
+        </p:spPr>
+        <p:style>
+          <a:lnRef idx="1">
+            <a:schemeClr val="accent1"/>
+          </a:lnRef>
+          <a:fillRef idx="0">
+            <a:schemeClr val="accent1"/>
+          </a:fillRef>
+          <a:effectRef idx="0">
+            <a:schemeClr val="accent1"/>
+          </a:effectRef>
+          <a:fontRef idx="minor">
+            <a:schemeClr val="tx1"/>
+          </a:fontRef>
+        </p:style>
+      </p:cxnSp>
+      <p:sp>
+        <p:nvSpPr>
+          <p:cNvPr id="30" name="Rounded Rectangle 29"/>
+          <p:cNvSpPr/>
+          <p:nvPr/>
+        </p:nvSpPr>
+        <p:spPr>
+          <a:xfrm>
+            <a:off x="2339752" y="436358"/>
+            <a:ext cx="648072" cy="238121"/>
+          </a:xfrm>
+          <a:prstGeom prst="roundRect">
+            <a:avLst/>
+          </a:prstGeom>
+        </p:spPr>
+        <p:style>
+          <a:lnRef idx="2">
+            <a:schemeClr val="accent1">
+              <a:shade val="50000"/>
+            </a:schemeClr>
+          </a:lnRef>
+          <a:fillRef idx="1">
+            <a:schemeClr val="accent1"/>
+          </a:fillRef>
+          <a:effectRef idx="0">
+            <a:schemeClr val="accent1"/>
+          </a:effectRef>
+          <a:fontRef idx="minor">
+            <a:schemeClr val="lt1"/>
+          </a:fontRef>
+        </p:style>
+        <p:txBody>
+          <a:bodyPr rtlCol="0" anchor="ctr"/>
+          <a:lstStyle/>
+          <a:p>
+            <a:pPr algn="ctr"/>
+            <a:r>
+              <a:rPr lang="en-AU" sz="1400" dirty="0" smtClean="0">
+                <a:solidFill>
+                  <a:schemeClr val="bg1"/>
+                </a:solidFill>
+              </a:rPr>
+              <a:t>50 </a:t>
+            </a:r>
+            <a:r>
+              <a:rPr lang="en-AU" sz="1400" dirty="0" err="1" smtClean="0">
+                <a:solidFill>
+                  <a:schemeClr val="bg1"/>
+                </a:solidFill>
+              </a:rPr>
+              <a:t>px</a:t>
+            </a:r>
+            <a:endParaRPr lang="en-AU" sz="1400" dirty="0">
+              <a:solidFill>
+                <a:schemeClr val="bg1"/>
+              </a:solidFill>
+            </a:endParaRPr>
+          </a:p>
+        </p:txBody>
+      </p:sp>
+      <p:cxnSp>
+        <p:nvCxnSpPr>
+          <p:cNvPr id="32" name="Straight Arrow Connector 31"/>
+          <p:cNvCxnSpPr/>
+          <p:nvPr/>
+        </p:nvCxnSpPr>
+        <p:spPr>
+          <a:xfrm flipV="1">
+            <a:off x="3275856" y="983729"/>
+            <a:ext cx="0" cy="717079"/>
+          </a:xfrm>
+          <a:prstGeom prst="straightConnector1">
+            <a:avLst/>
+          </a:prstGeom>
+          <a:ln>
+            <a:solidFill>
+              <a:schemeClr val="tx2"/>
+            </a:solidFill>
+            <a:tailEnd type="arrow"/>
+          </a:ln>
+        </p:spPr>
+        <p:style>
+          <a:lnRef idx="1">
+            <a:schemeClr val="accent1"/>
+          </a:lnRef>
+          <a:fillRef idx="0">
+            <a:schemeClr val="accent1"/>
+          </a:fillRef>
+          <a:effectRef idx="0">
+            <a:schemeClr val="accent1"/>
+          </a:effectRef>
+          <a:fontRef idx="minor">
+            <a:schemeClr val="tx1"/>
+          </a:fontRef>
+        </p:style>
+      </p:cxnSp>
+      <p:sp>
+        <p:nvSpPr>
+          <p:cNvPr id="34" name="Rectangle 33"/>
+          <p:cNvSpPr/>
+          <p:nvPr/>
+        </p:nvSpPr>
+        <p:spPr>
+          <a:xfrm>
+            <a:off x="2447764" y="1700808"/>
+            <a:ext cx="1656184" cy="792088"/>
+          </a:xfrm>
+          <a:prstGeom prst="rect">
+            <a:avLst/>
+          </a:prstGeom>
+        </p:spPr>
+        <p:style>
+          <a:lnRef idx="2">
+            <a:schemeClr val="accent1">
+              <a:shade val="50000"/>
+            </a:schemeClr>
+          </a:lnRef>
+          <a:fillRef idx="1">
+            <a:schemeClr val="accent1"/>
+          </a:fillRef>
+          <a:effectRef idx="0">
+            <a:schemeClr val="accent1"/>
+          </a:effectRef>
+          <a:fontRef idx="minor">
+            <a:schemeClr val="lt1"/>
+          </a:fontRef>
+        </p:style>
+        <p:txBody>
+          <a:bodyPr rtlCol="0" anchor="ctr"/>
+          <a:lstStyle/>
+          <a:p>
+            <a:r>
+              <a:rPr lang="en-AU" sz="1600" dirty="0" smtClean="0">
+                <a:solidFill>
+                  <a:schemeClr val="bg1"/>
+                </a:solidFill>
+              </a:rPr>
+              <a:t>200 </a:t>
+            </a:r>
+            <a:r>
+              <a:rPr lang="en-AU" sz="1600" dirty="0" err="1" smtClean="0">
+                <a:solidFill>
+                  <a:schemeClr val="bg1"/>
+                </a:solidFill>
+              </a:rPr>
+              <a:t>px</a:t>
+            </a:r>
+            <a:r>
+              <a:rPr lang="en-AU" sz="1600" dirty="0" smtClean="0">
+                <a:solidFill>
+                  <a:schemeClr val="bg1"/>
+                </a:solidFill>
+              </a:rPr>
+              <a:t> horizontal, 40 </a:t>
+            </a:r>
+            <a:r>
+              <a:rPr lang="en-AU" sz="1600" dirty="0" err="1" smtClean="0">
+                <a:solidFill>
+                  <a:schemeClr val="bg1"/>
+                </a:solidFill>
+              </a:rPr>
+              <a:t>px</a:t>
+            </a:r>
+            <a:r>
+              <a:rPr lang="en-AU" sz="1600" dirty="0" smtClean="0">
+                <a:solidFill>
+                  <a:schemeClr val="bg1"/>
+                </a:solidFill>
+              </a:rPr>
+              <a:t> vertical,  #</a:t>
+            </a:r>
+            <a:r>
+              <a:rPr lang="en-AU" sz="1600" dirty="0" err="1" smtClean="0">
+                <a:solidFill>
+                  <a:schemeClr val="bg1"/>
+                </a:solidFill>
+              </a:rPr>
+              <a:t>fff</a:t>
+            </a:r>
+            <a:endParaRPr lang="en-AU" sz="1600" dirty="0">
+              <a:solidFill>
+                <a:schemeClr val="bg1"/>
+              </a:solidFill>
+            </a:endParaRPr>
+          </a:p>
+        </p:txBody>
+      </p:sp>
+      <p:cxnSp>
+        <p:nvCxnSpPr>
+          <p:cNvPr id="38" name="Straight Arrow Connector 37"/>
+          <p:cNvCxnSpPr/>
+          <p:nvPr/>
+        </p:nvCxnSpPr>
+        <p:spPr>
+          <a:xfrm flipV="1">
+            <a:off x="4589169" y="852548"/>
+            <a:ext cx="0" cy="848260"/>
+          </a:xfrm>
+          <a:prstGeom prst="straightConnector1">
+            <a:avLst/>
+          </a:prstGeom>
+          <a:ln>
+            <a:solidFill>
+              <a:schemeClr val="tx2"/>
+            </a:solidFill>
+            <a:tailEnd type="arrow"/>
+          </a:ln>
+        </p:spPr>
+        <p:style>
+          <a:lnRef idx="1">
+            <a:schemeClr val="accent1"/>
+          </a:lnRef>
+          <a:fillRef idx="0">
+            <a:schemeClr val="accent1"/>
+          </a:fillRef>
+          <a:effectRef idx="0">
+            <a:schemeClr val="accent1"/>
+          </a:effectRef>
+          <a:fontRef idx="minor">
+            <a:schemeClr val="tx1"/>
+          </a:fontRef>
+        </p:style>
+      </p:cxnSp>
+      <p:sp>
+        <p:nvSpPr>
+          <p:cNvPr id="39" name="Rectangle 38"/>
+          <p:cNvSpPr/>
+          <p:nvPr/>
+        </p:nvSpPr>
+        <p:spPr>
+          <a:xfrm>
+            <a:off x="4355976" y="1700808"/>
+            <a:ext cx="1512168" cy="792088"/>
+          </a:xfrm>
+          <a:prstGeom prst="rect">
+            <a:avLst/>
+          </a:prstGeom>
+        </p:spPr>
+        <p:style>
+          <a:lnRef idx="2">
+            <a:schemeClr val="accent1">
+              <a:shade val="50000"/>
+            </a:schemeClr>
+          </a:lnRef>
+          <a:fillRef idx="1">
+            <a:schemeClr val="accent1"/>
+          </a:fillRef>
+          <a:effectRef idx="0">
+            <a:schemeClr val="accent1"/>
+          </a:effectRef>
+          <a:fontRef idx="minor">
+            <a:schemeClr val="lt1"/>
+          </a:fontRef>
+        </p:style>
+        <p:txBody>
+          <a:bodyPr rtlCol="0" anchor="ctr"/>
+          <a:lstStyle/>
+          <a:p>
+            <a:r>
+              <a:rPr lang="en-AU" sz="1600" dirty="0" smtClean="0">
+                <a:solidFill>
+                  <a:schemeClr val="bg1"/>
+                </a:solidFill>
+              </a:rPr>
+              <a:t>Arial, 16, #</a:t>
+            </a:r>
+            <a:r>
+              <a:rPr lang="en-AU" sz="1600" dirty="0" err="1" smtClean="0">
+                <a:solidFill>
+                  <a:schemeClr val="bg1"/>
+                </a:solidFill>
+              </a:rPr>
+              <a:t>afafff</a:t>
+            </a:r>
+            <a:r>
+              <a:rPr lang="en-AU" sz="1600" dirty="0" smtClean="0">
+                <a:solidFill>
+                  <a:schemeClr val="bg1"/>
+                </a:solidFill>
+              </a:rPr>
+              <a:t>, Middle alignment</a:t>
+            </a:r>
+            <a:endParaRPr lang="en-AU" sz="1600" dirty="0">
+              <a:solidFill>
+                <a:schemeClr val="bg1"/>
+              </a:solidFill>
+            </a:endParaRPr>
+          </a:p>
+        </p:txBody>
+      </p:sp>
+      <p:cxnSp>
+        <p:nvCxnSpPr>
+          <p:cNvPr id="43" name="Straight Arrow Connector 42"/>
+          <p:cNvCxnSpPr>
+            <a:endCxn id="9" idx="2"/>
+          </p:cNvCxnSpPr>
+          <p:nvPr/>
+        </p:nvCxnSpPr>
+        <p:spPr>
+          <a:xfrm flipV="1">
+            <a:off x="6596270" y="947725"/>
+            <a:ext cx="0" cy="753083"/>
+          </a:xfrm>
+          <a:prstGeom prst="straightConnector1">
+            <a:avLst/>
+          </a:prstGeom>
+          <a:ln>
+            <a:solidFill>
+              <a:schemeClr val="tx2"/>
+            </a:solidFill>
+            <a:tailEnd type="arrow"/>
+          </a:ln>
+        </p:spPr>
+        <p:style>
+          <a:lnRef idx="1">
+            <a:schemeClr val="accent1"/>
+          </a:lnRef>
+          <a:fillRef idx="0">
+            <a:schemeClr val="accent1"/>
+          </a:fillRef>
+          <a:effectRef idx="0">
+            <a:schemeClr val="accent1"/>
+          </a:effectRef>
+          <a:fontRef idx="minor">
+            <a:schemeClr val="tx1"/>
+          </a:fontRef>
+        </p:style>
+      </p:cxnSp>
+      <p:sp>
+        <p:nvSpPr>
+          <p:cNvPr id="44" name="Rectangle 43"/>
+          <p:cNvSpPr/>
+          <p:nvPr/>
+        </p:nvSpPr>
+        <p:spPr>
+          <a:xfrm>
+            <a:off x="6084168" y="1700808"/>
+            <a:ext cx="1124170" cy="648072"/>
+          </a:xfrm>
+          <a:prstGeom prst="rect">
+            <a:avLst/>
+          </a:prstGeom>
+        </p:spPr>
+        <p:style>
+          <a:lnRef idx="2">
+            <a:schemeClr val="accent1">
+              <a:shade val="50000"/>
+            </a:schemeClr>
+          </a:lnRef>
+          <a:fillRef idx="1">
+            <a:schemeClr val="accent1"/>
+          </a:fillRef>
+          <a:effectRef idx="0">
+            <a:schemeClr val="accent1"/>
+          </a:effectRef>
+          <a:fontRef idx="minor">
+            <a:schemeClr val="lt1"/>
+          </a:fontRef>
+        </p:style>
+        <p:txBody>
+          <a:bodyPr rtlCol="0" anchor="ctr"/>
+          <a:lstStyle/>
+          <a:p>
+            <a:pPr algn="ctr"/>
+            <a:r>
+              <a:rPr lang="en-AU" sz="1600" dirty="0" smtClean="0">
+                <a:solidFill>
+                  <a:schemeClr val="bg1"/>
+                </a:solidFill>
+              </a:rPr>
+              <a:t>Arial, 18, B, 0f0f7f</a:t>
+            </a:r>
+            <a:endParaRPr lang="en-AU" sz="1600" dirty="0">
+              <a:solidFill>
+                <a:schemeClr val="bg1"/>
+              </a:solidFill>
+            </a:endParaRPr>
+          </a:p>
+        </p:txBody>
+      </p:sp>
+      <p:cxnSp>
+        <p:nvCxnSpPr>
+          <p:cNvPr id="46" name="Straight Arrow Connector 45"/>
+          <p:cNvCxnSpPr>
+            <a:endCxn id="11" idx="2"/>
+          </p:cNvCxnSpPr>
+          <p:nvPr/>
+        </p:nvCxnSpPr>
+        <p:spPr>
+          <a:xfrm flipV="1">
+            <a:off x="8064388" y="908720"/>
+            <a:ext cx="0" cy="792088"/>
+          </a:xfrm>
+          <a:prstGeom prst="straightConnector1">
+            <a:avLst/>
+          </a:prstGeom>
+          <a:ln>
+            <a:solidFill>
+              <a:srgbClr val="2F2FAF"/>
+            </a:solidFill>
+            <a:tailEnd type="arrow"/>
+          </a:ln>
+        </p:spPr>
+        <p:style>
+          <a:lnRef idx="1">
+            <a:schemeClr val="accent1"/>
+          </a:lnRef>
+          <a:fillRef idx="0">
+            <a:schemeClr val="accent1"/>
+          </a:fillRef>
+          <a:effectRef idx="0">
+            <a:schemeClr val="accent1"/>
+          </a:effectRef>
+          <a:fontRef idx="minor">
+            <a:schemeClr val="tx1"/>
+          </a:fontRef>
+        </p:style>
+      </p:cxnSp>
+      <p:sp>
+        <p:nvSpPr>
+          <p:cNvPr id="48" name="Rectangle 47"/>
+          <p:cNvSpPr/>
+          <p:nvPr/>
+        </p:nvSpPr>
+        <p:spPr>
+          <a:xfrm>
+            <a:off x="7524328" y="1700808"/>
+            <a:ext cx="1152128" cy="648072"/>
+          </a:xfrm>
+          <a:prstGeom prst="rect">
+            <a:avLst/>
+          </a:prstGeom>
+        </p:spPr>
+        <p:style>
+          <a:lnRef idx="2">
+            <a:schemeClr val="accent1">
+              <a:shade val="50000"/>
+            </a:schemeClr>
+          </a:lnRef>
+          <a:fillRef idx="1">
+            <a:schemeClr val="accent1"/>
+          </a:fillRef>
+          <a:effectRef idx="0">
+            <a:schemeClr val="accent1"/>
+          </a:effectRef>
+          <a:fontRef idx="minor">
+            <a:schemeClr val="lt1"/>
+          </a:fontRef>
+        </p:style>
+        <p:txBody>
+          <a:bodyPr rtlCol="0" anchor="ctr"/>
+          <a:lstStyle/>
+          <a:p>
+            <a:pPr algn="ctr"/>
+            <a:r>
+              <a:rPr lang="en-AU" sz="1600" dirty="0">
+                <a:solidFill>
+                  <a:schemeClr val="bg1"/>
+                </a:solidFill>
+              </a:rPr>
+              <a:t>Arial, 18, B, 0f0f7f</a:t>
+            </a:r>
+            <a:endParaRPr lang="en-AU" sz="1600" dirty="0">
+              <a:solidFill>
+                <a:schemeClr val="bg1"/>
+              </a:solidFill>
+            </a:endParaRPr>
+          </a:p>
+        </p:txBody>
+      </p:sp>
+      <p:cxnSp>
+        <p:nvCxnSpPr>
+          <p:cNvPr id="53" name="Straight Arrow Connector 52"/>
+          <p:cNvCxnSpPr/>
+          <p:nvPr/>
+        </p:nvCxnSpPr>
+        <p:spPr>
+          <a:xfrm flipH="1">
+            <a:off x="6084168" y="6700051"/>
+            <a:ext cx="3816424" cy="1"/>
+          </a:xfrm>
+          <a:prstGeom prst="straightConnector1">
+            <a:avLst/>
+          </a:prstGeom>
+          <a:ln>
+            <a:solidFill>
+              <a:srgbClr val="2F2FAF"/>
+            </a:solidFill>
+            <a:tailEnd type="arrow"/>
+          </a:ln>
+        </p:spPr>
+        <p:style>
+          <a:lnRef idx="1">
+            <a:schemeClr val="accent1"/>
+          </a:lnRef>
+          <a:fillRef idx="0">
+            <a:schemeClr val="accent1"/>
+          </a:fillRef>
+          <a:effectRef idx="0">
+            <a:schemeClr val="accent1"/>
+          </a:effectRef>
+          <a:fontRef idx="minor">
+            <a:schemeClr val="tx1"/>
+          </a:fontRef>
+        </p:style>
+      </p:cxnSp>
+      <p:sp>
+        <p:nvSpPr>
+          <p:cNvPr id="54" name="Rectangle 53"/>
+          <p:cNvSpPr/>
+          <p:nvPr/>
+        </p:nvSpPr>
+        <p:spPr>
+          <a:xfrm>
+            <a:off x="9939339" y="6381329"/>
+            <a:ext cx="1185389" cy="504056"/>
+          </a:xfrm>
+          <a:prstGeom prst="rect">
+            <a:avLst/>
+          </a:prstGeom>
+        </p:spPr>
+        <p:style>
+          <a:lnRef idx="2">
+            <a:schemeClr val="accent1">
+              <a:shade val="50000"/>
+            </a:schemeClr>
+          </a:lnRef>
+          <a:fillRef idx="1">
+            <a:schemeClr val="accent1"/>
+          </a:fillRef>
+          <a:effectRef idx="0">
+            <a:schemeClr val="accent1"/>
+          </a:effectRef>
+          <a:fontRef idx="minor">
+            <a:schemeClr val="lt1"/>
+          </a:fontRef>
+        </p:style>
+        <p:txBody>
+          <a:bodyPr rtlCol="0" anchor="ctr"/>
+          <a:lstStyle/>
+          <a:p>
+            <a:r>
+              <a:rPr lang="en-AU" sz="1600" dirty="0" smtClean="0">
+                <a:solidFill>
+                  <a:schemeClr val="bg1"/>
+                </a:solidFill>
+              </a:rPr>
+              <a:t>Arial, #</a:t>
+            </a:r>
+            <a:r>
+              <a:rPr lang="en-AU" sz="1600" dirty="0" err="1" smtClean="0">
+                <a:solidFill>
+                  <a:schemeClr val="bg1"/>
+                </a:solidFill>
+              </a:rPr>
+              <a:t>fff</a:t>
+            </a:r>
+            <a:r>
+              <a:rPr lang="en-AU" sz="1600" dirty="0" smtClean="0">
+                <a:solidFill>
+                  <a:schemeClr val="bg1"/>
+                </a:solidFill>
+              </a:rPr>
+              <a:t>, 14</a:t>
+            </a:r>
+            <a:endParaRPr lang="en-AU" sz="1600" dirty="0">
+              <a:solidFill>
+                <a:schemeClr val="bg1"/>
+              </a:solidFill>
+            </a:endParaRPr>
+          </a:p>
+        </p:txBody>
+      </p:sp>
+      <p:cxnSp>
+        <p:nvCxnSpPr>
+          <p:cNvPr id="57" name="Straight Arrow Connector 56"/>
+          <p:cNvCxnSpPr/>
+          <p:nvPr/>
+        </p:nvCxnSpPr>
+        <p:spPr>
+          <a:xfrm>
+            <a:off x="-288540" y="6633357"/>
+            <a:ext cx="444115" cy="0"/>
+          </a:xfrm>
+          <a:prstGeom prst="straightConnector1">
+            <a:avLst/>
+          </a:prstGeom>
+          <a:ln>
+            <a:tailEnd type="arrow"/>
+          </a:ln>
+        </p:spPr>
+        <p:style>
+          <a:lnRef idx="1">
+            <a:schemeClr val="accent1"/>
+          </a:lnRef>
+          <a:fillRef idx="0">
+            <a:schemeClr val="accent1"/>
+          </a:fillRef>
+          <a:effectRef idx="0">
+            <a:schemeClr val="accent1"/>
+          </a:effectRef>
+          <a:fontRef idx="minor">
+            <a:schemeClr val="tx1"/>
+          </a:fontRef>
+        </p:style>
+      </p:cxnSp>
+      <p:sp>
+        <p:nvSpPr>
+          <p:cNvPr id="58" name="Rectangle 57"/>
+          <p:cNvSpPr/>
+          <p:nvPr/>
+        </p:nvSpPr>
+        <p:spPr>
+          <a:xfrm>
+            <a:off x="-1332656" y="6422645"/>
+            <a:ext cx="1044116" cy="462740"/>
+          </a:xfrm>
+          <a:prstGeom prst="rect">
+            <a:avLst/>
+          </a:prstGeom>
+        </p:spPr>
+        <p:style>
+          <a:lnRef idx="2">
+            <a:schemeClr val="accent1">
+              <a:shade val="50000"/>
+            </a:schemeClr>
+          </a:lnRef>
+          <a:fillRef idx="1">
+            <a:schemeClr val="accent1"/>
+          </a:fillRef>
+          <a:effectRef idx="0">
+            <a:schemeClr val="accent1"/>
+          </a:effectRef>
+          <a:fontRef idx="minor">
+            <a:schemeClr val="lt1"/>
+          </a:fontRef>
+        </p:style>
+        <p:txBody>
+          <a:bodyPr rtlCol="0" anchor="ctr"/>
+          <a:lstStyle/>
+          <a:p>
+            <a:r>
+              <a:rPr lang="en-AU" sz="1600" dirty="0" smtClean="0"/>
+              <a:t>35 %, #0f0f7f</a:t>
+            </a:r>
+            <a:endParaRPr lang="en-AU" sz="1600" dirty="0"/>
+          </a:p>
+        </p:txBody>
+      </p:sp>
+      <p:cxnSp>
+        <p:nvCxnSpPr>
+          <p:cNvPr id="62" name="Straight Arrow Connector 61"/>
+          <p:cNvCxnSpPr/>
+          <p:nvPr/>
+        </p:nvCxnSpPr>
+        <p:spPr>
+          <a:xfrm>
+            <a:off x="-66483" y="852548"/>
+            <a:ext cx="0" cy="5696202"/>
+          </a:xfrm>
+          <a:prstGeom prst="straightConnector1">
+            <a:avLst/>
+          </a:prstGeom>
+          <a:ln>
+            <a:solidFill>
+              <a:srgbClr val="2F2FAF"/>
+            </a:solidFill>
+            <a:headEnd type="arrow"/>
+            <a:tailEnd type="arrow"/>
+          </a:ln>
+        </p:spPr>
+        <p:style>
+          <a:lnRef idx="1">
+            <a:schemeClr val="accent1"/>
+          </a:lnRef>
+          <a:fillRef idx="0">
+            <a:schemeClr val="accent1"/>
+          </a:fillRef>
+          <a:effectRef idx="0">
+            <a:schemeClr val="accent1"/>
+          </a:effectRef>
+          <a:fontRef idx="minor">
+            <a:schemeClr val="tx1"/>
+          </a:fontRef>
+        </p:style>
+      </p:cxnSp>
+      <p:sp>
+        <p:nvSpPr>
+          <p:cNvPr id="63" name="Rectangle 62"/>
+          <p:cNvSpPr/>
+          <p:nvPr/>
+        </p:nvSpPr>
+        <p:spPr>
+          <a:xfrm>
+            <a:off x="-1476672" y="3212976"/>
+            <a:ext cx="1410189" cy="576050"/>
+          </a:xfrm>
+          <a:prstGeom prst="rect">
+            <a:avLst/>
+          </a:prstGeom>
+        </p:spPr>
+        <p:style>
+          <a:lnRef idx="2">
+            <a:schemeClr val="accent1">
+              <a:shade val="50000"/>
+            </a:schemeClr>
+          </a:lnRef>
+          <a:fillRef idx="1">
+            <a:schemeClr val="accent1"/>
+          </a:fillRef>
+          <a:effectRef idx="0">
+            <a:schemeClr val="accent1"/>
+          </a:effectRef>
+          <a:fontRef idx="minor">
+            <a:schemeClr val="lt1"/>
+          </a:fontRef>
+        </p:style>
+        <p:txBody>
+          <a:bodyPr rtlCol="0" anchor="ctr"/>
+          <a:lstStyle/>
+          <a:p>
+            <a:r>
+              <a:rPr lang="en-AU" sz="1600" dirty="0"/>
+              <a:t>#6f6fef, 98%, 47%, #</a:t>
+            </a:r>
+            <a:r>
+              <a:rPr lang="en-AU" sz="1600" dirty="0" err="1"/>
+              <a:t>fff</a:t>
+            </a:r>
+            <a:r>
+              <a:rPr lang="en-AU" sz="1600" dirty="0"/>
+              <a:t> 1%</a:t>
+            </a:r>
           </a:p>
         </p:txBody>
       </p:sp>

--- a/ProjectExecution/BA/SpecsWireframes/new001Wireframes.pptx
+++ b/ProjectExecution/BA/SpecsWireframes/new001Wireframes.pptx
@@ -5,10 +5,12 @@
     <p:sldMasterId id="2147483648" r:id="rId1"/>
   </p:sldMasterIdLst>
   <p:notesMasterIdLst>
-    <p:notesMasterId r:id="rId3"/>
+    <p:notesMasterId r:id="rId5"/>
   </p:notesMasterIdLst>
   <p:sldIdLst>
     <p:sldId id="256" r:id="rId2"/>
+    <p:sldId id="257" r:id="rId3"/>
+    <p:sldId id="258" r:id="rId4"/>
   </p:sldIdLst>
   <p:sldSz cx="9144000" cy="6858000" type="screen4x3"/>
   <p:notesSz cx="6858000" cy="9144000"/>
@@ -192,7 +194,7 @@
           <a:p>
             <a:fld id="{26483215-80E3-4A52-98A5-4C379A79CA39}" type="datetimeFigureOut">
               <a:rPr lang="en-AU" smtClean="0"/>
-              <a:t>11/08/2020</a:t>
+              <a:t>12/08/2020</a:t>
             </a:fld>
             <a:endParaRPr lang="en-AU"/>
           </a:p>
@@ -725,7 +727,7 @@
           <a:p>
             <a:fld id="{BB2A88D7-68F7-4681-80B5-BDD492DE1B81}" type="datetimeFigureOut">
               <a:rPr lang="en-AU" smtClean="0"/>
-              <a:t>11/08/2020</a:t>
+              <a:t>12/08/2020</a:t>
             </a:fld>
             <a:endParaRPr lang="en-AU"/>
           </a:p>
@@ -895,7 +897,7 @@
           <a:p>
             <a:fld id="{BB2A88D7-68F7-4681-80B5-BDD492DE1B81}" type="datetimeFigureOut">
               <a:rPr lang="en-AU" smtClean="0"/>
-              <a:t>11/08/2020</a:t>
+              <a:t>12/08/2020</a:t>
             </a:fld>
             <a:endParaRPr lang="en-AU"/>
           </a:p>
@@ -1075,7 +1077,7 @@
           <a:p>
             <a:fld id="{BB2A88D7-68F7-4681-80B5-BDD492DE1B81}" type="datetimeFigureOut">
               <a:rPr lang="en-AU" smtClean="0"/>
-              <a:t>11/08/2020</a:t>
+              <a:t>12/08/2020</a:t>
             </a:fld>
             <a:endParaRPr lang="en-AU"/>
           </a:p>
@@ -1245,7 +1247,7 @@
           <a:p>
             <a:fld id="{BB2A88D7-68F7-4681-80B5-BDD492DE1B81}" type="datetimeFigureOut">
               <a:rPr lang="en-AU" smtClean="0"/>
-              <a:t>11/08/2020</a:t>
+              <a:t>12/08/2020</a:t>
             </a:fld>
             <a:endParaRPr lang="en-AU"/>
           </a:p>
@@ -1491,7 +1493,7 @@
           <a:p>
             <a:fld id="{BB2A88D7-68F7-4681-80B5-BDD492DE1B81}" type="datetimeFigureOut">
               <a:rPr lang="en-AU" smtClean="0"/>
-              <a:t>11/08/2020</a:t>
+              <a:t>12/08/2020</a:t>
             </a:fld>
             <a:endParaRPr lang="en-AU"/>
           </a:p>
@@ -1779,7 +1781,7 @@
           <a:p>
             <a:fld id="{BB2A88D7-68F7-4681-80B5-BDD492DE1B81}" type="datetimeFigureOut">
               <a:rPr lang="en-AU" smtClean="0"/>
-              <a:t>11/08/2020</a:t>
+              <a:t>12/08/2020</a:t>
             </a:fld>
             <a:endParaRPr lang="en-AU"/>
           </a:p>
@@ -2201,7 +2203,7 @@
           <a:p>
             <a:fld id="{BB2A88D7-68F7-4681-80B5-BDD492DE1B81}" type="datetimeFigureOut">
               <a:rPr lang="en-AU" smtClean="0"/>
-              <a:t>11/08/2020</a:t>
+              <a:t>12/08/2020</a:t>
             </a:fld>
             <a:endParaRPr lang="en-AU"/>
           </a:p>
@@ -2319,7 +2321,7 @@
           <a:p>
             <a:fld id="{BB2A88D7-68F7-4681-80B5-BDD492DE1B81}" type="datetimeFigureOut">
               <a:rPr lang="en-AU" smtClean="0"/>
-              <a:t>11/08/2020</a:t>
+              <a:t>12/08/2020</a:t>
             </a:fld>
             <a:endParaRPr lang="en-AU"/>
           </a:p>
@@ -2414,7 +2416,7 @@
           <a:p>
             <a:fld id="{BB2A88D7-68F7-4681-80B5-BDD492DE1B81}" type="datetimeFigureOut">
               <a:rPr lang="en-AU" smtClean="0"/>
-              <a:t>11/08/2020</a:t>
+              <a:t>12/08/2020</a:t>
             </a:fld>
             <a:endParaRPr lang="en-AU"/>
           </a:p>
@@ -2691,7 +2693,7 @@
           <a:p>
             <a:fld id="{BB2A88D7-68F7-4681-80B5-BDD492DE1B81}" type="datetimeFigureOut">
               <a:rPr lang="en-AU" smtClean="0"/>
-              <a:t>11/08/2020</a:t>
+              <a:t>12/08/2020</a:t>
             </a:fld>
             <a:endParaRPr lang="en-AU"/>
           </a:p>
@@ -2944,7 +2946,7 @@
           <a:p>
             <a:fld id="{BB2A88D7-68F7-4681-80B5-BDD492DE1B81}" type="datetimeFigureOut">
               <a:rPr lang="en-AU" smtClean="0"/>
-              <a:t>11/08/2020</a:t>
+              <a:t>12/08/2020</a:t>
             </a:fld>
             <a:endParaRPr lang="en-AU"/>
           </a:p>
@@ -3157,7 +3159,7 @@
           <a:p>
             <a:fld id="{BB2A88D7-68F7-4681-80B5-BDD492DE1B81}" type="datetimeFigureOut">
               <a:rPr lang="en-AU" smtClean="0"/>
-              <a:t>11/08/2020</a:t>
+              <a:t>12/08/2020</a:t>
             </a:fld>
             <a:endParaRPr lang="en-AU"/>
           </a:p>
@@ -3701,8 +3703,8 @@
         </p:nvSpPr>
         <p:spPr>
           <a:xfrm>
-            <a:off x="17169" y="1063333"/>
-            <a:ext cx="9144000" cy="5451386"/>
+            <a:off x="0" y="1063333"/>
+            <a:ext cx="9161169" cy="5451386"/>
           </a:xfrm>
           <a:prstGeom prst="rect">
             <a:avLst/>
@@ -4165,42 +4167,6 @@
           </a:p>
         </p:txBody>
       </p:sp>
-      <p:cxnSp>
-        <p:nvCxnSpPr>
-          <p:cNvPr id="14" name="Straight Arrow Connector 13"/>
-          <p:cNvCxnSpPr/>
-          <p:nvPr/>
-        </p:nvCxnSpPr>
-        <p:spPr>
-          <a:xfrm flipH="1">
-            <a:off x="9144000" y="160338"/>
-            <a:ext cx="756592" cy="0"/>
-          </a:xfrm>
-          <a:prstGeom prst="straightConnector1">
-            <a:avLst/>
-          </a:prstGeom>
-          <a:ln>
-            <a:solidFill>
-              <a:schemeClr val="tx2"/>
-            </a:solidFill>
-            <a:tailEnd type="arrow"/>
-          </a:ln>
-        </p:spPr>
-        <p:style>
-          <a:lnRef idx="1">
-            <a:schemeClr val="accent1"/>
-          </a:lnRef>
-          <a:fillRef idx="0">
-            <a:schemeClr val="accent1"/>
-          </a:fillRef>
-          <a:effectRef idx="0">
-            <a:schemeClr val="accent1"/>
-          </a:effectRef>
-          <a:fontRef idx="minor">
-            <a:schemeClr val="tx1"/>
-          </a:fontRef>
-        </p:style>
-      </p:cxnSp>
       <p:sp>
         <p:nvSpPr>
           <p:cNvPr id="15" name="Rectangle 14"/>
@@ -4209,12 +4175,18 @@
         </p:nvSpPr>
         <p:spPr>
           <a:xfrm>
-            <a:off x="9933853" y="-43723"/>
+            <a:off x="6336196" y="-17083"/>
             <a:ext cx="1656184" cy="304800"/>
           </a:xfrm>
           <a:prstGeom prst="rect">
             <a:avLst/>
           </a:prstGeom>
+          <a:solidFill>
+            <a:schemeClr val="accent2">
+              <a:lumMod val="60000"/>
+              <a:lumOff val="40000"/>
+            </a:schemeClr>
+          </a:solidFill>
         </p:spPr>
         <p:style>
           <a:lnRef idx="2">
@@ -4242,10 +4214,18 @@
                   <a:schemeClr val="bg1"/>
                 </a:solidFill>
               </a:rPr>
-              <a:t>#0f0f7f, 30 </a:t>
-            </a:r>
-            <a:r>
-              <a:rPr lang="en-AU" sz="1600" dirty="0" err="1" smtClean="0">
+              <a:t>#0f0f7f, </a:t>
+            </a:r>
+            <a:r>
+              <a:rPr lang="en-AU" sz="1600" dirty="0" smtClean="0">
+                <a:solidFill>
+                  <a:schemeClr val="bg1"/>
+                </a:solidFill>
+              </a:rPr>
+              <a:t>40</a:t>
+            </a:r>
+            <a:r>
+              <a:rPr lang="en-AU" sz="1600" dirty="0" smtClean="0">
                 <a:solidFill>
                   <a:schemeClr val="bg1"/>
                 </a:solidFill>
@@ -4260,42 +4240,6 @@
           </a:p>
         </p:txBody>
       </p:sp>
-      <p:cxnSp>
-        <p:nvCxnSpPr>
-          <p:cNvPr id="17" name="Straight Arrow Connector 16"/>
-          <p:cNvCxnSpPr/>
-          <p:nvPr/>
-        </p:nvCxnSpPr>
-        <p:spPr>
-          <a:xfrm flipH="1">
-            <a:off x="9161169" y="983729"/>
-            <a:ext cx="772684" cy="0"/>
-          </a:xfrm>
-          <a:prstGeom prst="straightConnector1">
-            <a:avLst/>
-          </a:prstGeom>
-          <a:ln>
-            <a:solidFill>
-              <a:schemeClr val="tx2"/>
-            </a:solidFill>
-            <a:tailEnd type="arrow"/>
-          </a:ln>
-        </p:spPr>
-        <p:style>
-          <a:lnRef idx="1">
-            <a:schemeClr val="accent1"/>
-          </a:lnRef>
-          <a:fillRef idx="0">
-            <a:schemeClr val="accent1"/>
-          </a:fillRef>
-          <a:effectRef idx="0">
-            <a:schemeClr val="accent1"/>
-          </a:effectRef>
-          <a:fontRef idx="minor">
-            <a:schemeClr val="tx1"/>
-          </a:fontRef>
-        </p:style>
-      </p:cxnSp>
       <p:sp>
         <p:nvSpPr>
           <p:cNvPr id="19" name="Rectangle 18"/>
@@ -4304,12 +4248,18 @@
         </p:nvSpPr>
         <p:spPr>
           <a:xfrm>
-            <a:off x="9939339" y="674479"/>
+            <a:off x="7099818" y="3095848"/>
             <a:ext cx="2049485" cy="810305"/>
           </a:xfrm>
           <a:prstGeom prst="rect">
             <a:avLst/>
           </a:prstGeom>
+          <a:solidFill>
+            <a:schemeClr val="accent2">
+              <a:lumMod val="60000"/>
+              <a:lumOff val="40000"/>
+            </a:schemeClr>
+          </a:solidFill>
         </p:spPr>
         <p:style>
           <a:lnRef idx="2">
@@ -4332,7 +4282,7 @@
           <a:lstStyle/>
           <a:p>
             <a:r>
-              <a:rPr lang="en-AU" sz="1600" dirty="0" smtClean="0">
+              <a:rPr lang="en-AU" sz="1600" dirty="0">
                 <a:solidFill>
                   <a:schemeClr val="bg1"/>
                 </a:solidFill>
@@ -4342,15 +4292,31 @@
           </a:p>
           <a:p>
             <a:r>
-              <a:rPr lang="en-AU" sz="1600" dirty="0" smtClean="0">
+              <a:rPr lang="en-AU" sz="1600" dirty="0">
                 <a:solidFill>
                   <a:schemeClr val="bg1"/>
                 </a:solidFill>
               </a:rPr>
-              <a:t>#fff-100%, 100 </a:t>
-            </a:r>
-            <a:r>
-              <a:rPr lang="en-AU" sz="1600" dirty="0" err="1" smtClean="0">
+              <a:t>#fff-100%, </a:t>
+            </a:r>
+            <a:r>
+              <a:rPr lang="en-AU" sz="1600" dirty="0">
+                <a:solidFill>
+                  <a:schemeClr val="bg1"/>
+                </a:solidFill>
+              </a:rPr>
+              <a:t>100</a:t>
+            </a:r>
+            <a:r>
+              <a:rPr lang="en-AU" sz="1600" dirty="0">
+                <a:solidFill>
+                  <a:schemeClr val="bg1"/>
+                </a:solidFill>
+              </a:rPr>
+              <a:t> </a:t>
+            </a:r>
+            <a:r>
+              <a:rPr lang="en-AU" sz="1600" dirty="0" err="1">
                 <a:solidFill>
                   <a:schemeClr val="bg1"/>
                 </a:solidFill>
@@ -4358,7 +4324,7 @@
               <a:t>Px</a:t>
             </a:r>
             <a:r>
-              <a:rPr lang="en-AU" sz="1600" dirty="0" smtClean="0">
+              <a:rPr lang="en-AU" sz="1600" dirty="0">
                 <a:solidFill>
                   <a:schemeClr val="bg1"/>
                 </a:solidFill>
@@ -4368,7 +4334,7 @@
           </a:p>
           <a:p>
             <a:r>
-              <a:rPr lang="en-AU" sz="1600" dirty="0" smtClean="0">
+              <a:rPr lang="en-AU" sz="1600" dirty="0">
                 <a:solidFill>
                   <a:schemeClr val="bg1"/>
                 </a:solidFill>
@@ -4383,42 +4349,6 @@
           </a:p>
         </p:txBody>
       </p:sp>
-      <p:cxnSp>
-        <p:nvCxnSpPr>
-          <p:cNvPr id="21" name="Straight Arrow Connector 20"/>
-          <p:cNvCxnSpPr/>
-          <p:nvPr/>
-        </p:nvCxnSpPr>
-        <p:spPr>
-          <a:xfrm flipV="1">
-            <a:off x="-684584" y="744130"/>
-            <a:ext cx="792088" cy="20574"/>
-          </a:xfrm>
-          <a:prstGeom prst="straightConnector1">
-            <a:avLst/>
-          </a:prstGeom>
-          <a:ln>
-            <a:solidFill>
-              <a:schemeClr val="tx2"/>
-            </a:solidFill>
-            <a:tailEnd type="arrow"/>
-          </a:ln>
-        </p:spPr>
-        <p:style>
-          <a:lnRef idx="1">
-            <a:schemeClr val="accent1"/>
-          </a:lnRef>
-          <a:fillRef idx="0">
-            <a:schemeClr val="accent1"/>
-          </a:fillRef>
-          <a:effectRef idx="0">
-            <a:schemeClr val="accent1"/>
-          </a:effectRef>
-          <a:fontRef idx="minor">
-            <a:schemeClr val="tx1"/>
-          </a:fontRef>
-        </p:style>
-      </p:cxnSp>
       <p:sp>
         <p:nvSpPr>
           <p:cNvPr id="22" name="Rectangle 21"/>
@@ -4427,12 +4357,18 @@
         </p:nvSpPr>
         <p:spPr>
           <a:xfrm>
-            <a:off x="-2916832" y="309916"/>
+            <a:off x="0" y="2820889"/>
             <a:ext cx="2232248" cy="1085264"/>
           </a:xfrm>
           <a:prstGeom prst="rect">
             <a:avLst/>
           </a:prstGeom>
+          <a:solidFill>
+            <a:schemeClr val="accent2">
+              <a:lumMod val="60000"/>
+              <a:lumOff val="40000"/>
+            </a:schemeClr>
+          </a:solidFill>
         </p:spPr>
         <p:style>
           <a:lnRef idx="2">
@@ -4486,7 +4422,7 @@
           </a:prstGeom>
           <a:ln>
             <a:solidFill>
-              <a:schemeClr val="tx2"/>
+              <a:schemeClr val="bg1"/>
             </a:solidFill>
             <a:tailEnd type="arrow"/>
           </a:ln>
@@ -4520,6 +4456,12 @@
           <a:prstGeom prst="rect">
             <a:avLst/>
           </a:prstGeom>
+          <a:solidFill>
+            <a:schemeClr val="accent2">
+              <a:lumMod val="60000"/>
+              <a:lumOff val="40000"/>
+            </a:schemeClr>
+          </a:solidFill>
         </p:spPr>
         <p:style>
           <a:lnRef idx="2">
@@ -4569,7 +4511,7 @@
           </a:prstGeom>
           <a:ln>
             <a:solidFill>
-              <a:schemeClr val="tx2"/>
+              <a:schemeClr val="bg1"/>
             </a:solidFill>
             <a:headEnd type="arrow"/>
             <a:tailEnd type="arrow"/>
@@ -4604,6 +4546,12 @@
           <a:prstGeom prst="roundRect">
             <a:avLst/>
           </a:prstGeom>
+          <a:solidFill>
+            <a:schemeClr val="accent2">
+              <a:lumMod val="60000"/>
+              <a:lumOff val="40000"/>
+            </a:schemeClr>
+          </a:solidFill>
         </p:spPr>
         <p:style>
           <a:lnRef idx="2">
@@ -4632,15 +4580,7 @@
                   <a:schemeClr val="bg1"/>
                 </a:solidFill>
               </a:rPr>
-              <a:t>50 </a:t>
-            </a:r>
-            <a:r>
-              <a:rPr lang="en-AU" sz="1400" dirty="0" err="1" smtClean="0">
-                <a:solidFill>
-                  <a:schemeClr val="bg1"/>
-                </a:solidFill>
-              </a:rPr>
-              <a:t>px</a:t>
+              <a:t>60px</a:t>
             </a:r>
             <a:endParaRPr lang="en-AU" sz="1400" dirty="0">
               <a:solidFill>
@@ -4666,7 +4606,7 @@
           </a:prstGeom>
           <a:ln>
             <a:solidFill>
-              <a:schemeClr val="tx2"/>
+              <a:schemeClr val="bg1"/>
             </a:solidFill>
             <a:tailEnd type="arrow"/>
           </a:ln>
@@ -4700,6 +4640,12 @@
           <a:prstGeom prst="rect">
             <a:avLst/>
           </a:prstGeom>
+          <a:solidFill>
+            <a:schemeClr val="accent2">
+              <a:lumMod val="60000"/>
+              <a:lumOff val="40000"/>
+            </a:schemeClr>
+          </a:solidFill>
         </p:spPr>
         <p:style>
           <a:lnRef idx="2">
@@ -4793,7 +4739,7 @@
           </a:prstGeom>
           <a:ln>
             <a:solidFill>
-              <a:schemeClr val="tx2"/>
+              <a:schemeClr val="bg1"/>
             </a:solidFill>
             <a:tailEnd type="arrow"/>
           </a:ln>
@@ -4827,6 +4773,12 @@
           <a:prstGeom prst="rect">
             <a:avLst/>
           </a:prstGeom>
+          <a:solidFill>
+            <a:schemeClr val="accent2">
+              <a:lumMod val="60000"/>
+              <a:lumOff val="40000"/>
+            </a:schemeClr>
+          </a:solidFill>
         </p:spPr>
         <p:style>
           <a:lnRef idx="2">
@@ -4898,7 +4850,7 @@
           </a:prstGeom>
           <a:ln>
             <a:solidFill>
-              <a:schemeClr val="tx2"/>
+              <a:schemeClr val="bg1"/>
             </a:solidFill>
             <a:tailEnd type="arrow"/>
           </a:ln>
@@ -4932,6 +4884,12 @@
           <a:prstGeom prst="rect">
             <a:avLst/>
           </a:prstGeom>
+          <a:solidFill>
+            <a:schemeClr val="accent2">
+              <a:lumMod val="60000"/>
+              <a:lumOff val="40000"/>
+            </a:schemeClr>
+          </a:solidFill>
         </p:spPr>
         <p:style>
           <a:lnRef idx="2">
@@ -4953,14 +4911,21 @@
           <a:bodyPr rtlCol="0" anchor="ctr"/>
           <a:lstStyle/>
           <a:p>
-            <a:pPr algn="ctr"/>
+            <a:r>
+              <a:rPr lang="en-AU" sz="1600" dirty="0">
+                <a:solidFill>
+                  <a:schemeClr val="bg1"/>
+                </a:solidFill>
+              </a:rPr>
+              <a:t>Arial</a:t>
+            </a:r>
             <a:r>
               <a:rPr lang="en-AU" sz="1600" dirty="0" smtClean="0">
                 <a:solidFill>
                   <a:schemeClr val="bg1"/>
                 </a:solidFill>
               </a:rPr>
-              <a:t>Arial, 18, B, 0f0f7f</a:t>
+              <a:t>, 18, B, 0f0f7f</a:t>
             </a:r>
             <a:endParaRPr lang="en-AU" sz="1600" dirty="0">
               <a:solidFill>
@@ -4988,7 +4953,7 @@
           </a:prstGeom>
           <a:ln>
             <a:solidFill>
-              <a:srgbClr val="2F2FAF"/>
+              <a:schemeClr val="bg1"/>
             </a:solidFill>
             <a:tailEnd type="arrow"/>
           </a:ln>
@@ -5022,6 +4987,12 @@
           <a:prstGeom prst="rect">
             <a:avLst/>
           </a:prstGeom>
+          <a:solidFill>
+            <a:schemeClr val="accent2">
+              <a:lumMod val="60000"/>
+              <a:lumOff val="40000"/>
+            </a:schemeClr>
+          </a:solidFill>
         </p:spPr>
         <p:style>
           <a:lnRef idx="2">
@@ -5043,20 +5014,30 @@
           <a:bodyPr rtlCol="0" anchor="ctr"/>
           <a:lstStyle/>
           <a:p>
-            <a:pPr algn="ctr"/>
             <a:r>
               <a:rPr lang="en-AU" sz="1600" dirty="0">
                 <a:solidFill>
                   <a:schemeClr val="bg1"/>
                 </a:solidFill>
               </a:rPr>
-              <a:t>Arial, 18, B, 0f0f7f</a:t>
-            </a:r>
-            <a:endParaRPr lang="en-AU" sz="1600" dirty="0">
-              <a:solidFill>
-                <a:schemeClr val="bg1"/>
-              </a:solidFill>
-            </a:endParaRPr>
+              <a:t>Arial</a:t>
+            </a:r>
+            <a:r>
+              <a:rPr lang="en-AU" sz="1600" dirty="0">
+                <a:solidFill>
+                  <a:schemeClr val="bg1"/>
+                </a:solidFill>
+              </a:rPr>
+              <a:t>, 18, B, </a:t>
+            </a:r>
+            <a:r>
+              <a:rPr lang="en-AU" sz="1600" dirty="0">
+                <a:solidFill>
+                  <a:schemeClr val="bg1"/>
+                </a:solidFill>
+              </a:rPr>
+              <a:t>0f0f7f</a:t>
+            </a:r>
           </a:p>
         </p:txBody>
       </p:sp>
@@ -5067,16 +5048,16 @@
           <p:nvPr/>
         </p:nvCxnSpPr>
         <p:spPr>
-          <a:xfrm flipH="1">
-            <a:off x="6084168" y="6700051"/>
-            <a:ext cx="3816424" cy="1"/>
+          <a:xfrm>
+            <a:off x="6084168" y="5733256"/>
+            <a:ext cx="0" cy="966796"/>
           </a:xfrm>
           <a:prstGeom prst="straightConnector1">
             <a:avLst/>
           </a:prstGeom>
           <a:ln>
             <a:solidFill>
-              <a:srgbClr val="2F2FAF"/>
+              <a:schemeClr val="bg1"/>
             </a:solidFill>
             <a:tailEnd type="arrow"/>
           </a:ln>
@@ -5104,12 +5085,18 @@
         </p:nvSpPr>
         <p:spPr>
           <a:xfrm>
-            <a:off x="9939339" y="6381329"/>
+            <a:off x="5508104" y="5229200"/>
             <a:ext cx="1185389" cy="504056"/>
           </a:xfrm>
           <a:prstGeom prst="rect">
             <a:avLst/>
           </a:prstGeom>
+          <a:solidFill>
+            <a:schemeClr val="accent2">
+              <a:lumMod val="60000"/>
+              <a:lumOff val="40000"/>
+            </a:schemeClr>
+          </a:solidFill>
         </p:spPr>
         <p:style>
           <a:lnRef idx="2">
@@ -5163,39 +5150,6 @@
           </a:p>
         </p:txBody>
       </p:sp>
-      <p:cxnSp>
-        <p:nvCxnSpPr>
-          <p:cNvPr id="57" name="Straight Arrow Connector 56"/>
-          <p:cNvCxnSpPr/>
-          <p:nvPr/>
-        </p:nvCxnSpPr>
-        <p:spPr>
-          <a:xfrm>
-            <a:off x="-288540" y="6633357"/>
-            <a:ext cx="444115" cy="0"/>
-          </a:xfrm>
-          <a:prstGeom prst="straightConnector1">
-            <a:avLst/>
-          </a:prstGeom>
-          <a:ln>
-            <a:tailEnd type="arrow"/>
-          </a:ln>
-        </p:spPr>
-        <p:style>
-          <a:lnRef idx="1">
-            <a:schemeClr val="accent1"/>
-          </a:lnRef>
-          <a:fillRef idx="0">
-            <a:schemeClr val="accent1"/>
-          </a:fillRef>
-          <a:effectRef idx="0">
-            <a:schemeClr val="accent1"/>
-          </a:effectRef>
-          <a:fontRef idx="minor">
-            <a:schemeClr val="tx1"/>
-          </a:fontRef>
-        </p:style>
-      </p:cxnSp>
       <p:sp>
         <p:nvSpPr>
           <p:cNvPr id="58" name="Rectangle 57"/>
@@ -5204,12 +5158,18 @@
         </p:nvSpPr>
         <p:spPr>
           <a:xfrm>
-            <a:off x="-1332656" y="6422645"/>
+            <a:off x="460375" y="6395260"/>
             <a:ext cx="1044116" cy="462740"/>
           </a:xfrm>
           <a:prstGeom prst="rect">
             <a:avLst/>
           </a:prstGeom>
+          <a:solidFill>
+            <a:schemeClr val="accent2">
+              <a:lumMod val="60000"/>
+              <a:lumOff val="40000"/>
+            </a:schemeClr>
+          </a:solidFill>
         </p:spPr>
         <p:style>
           <a:lnRef idx="2">
@@ -5247,7 +5207,7 @@
         </p:nvCxnSpPr>
         <p:spPr>
           <a:xfrm>
-            <a:off x="-66483" y="852548"/>
+            <a:off x="2267744" y="852548"/>
             <a:ext cx="0" cy="5696202"/>
           </a:xfrm>
           <a:prstGeom prst="straightConnector1">
@@ -5255,7 +5215,7 @@
           </a:prstGeom>
           <a:ln>
             <a:solidFill>
-              <a:srgbClr val="2F2FAF"/>
+              <a:schemeClr val="bg1"/>
             </a:solidFill>
             <a:headEnd type="arrow"/>
             <a:tailEnd type="arrow"/>
@@ -5284,12 +5244,18 @@
         </p:nvSpPr>
         <p:spPr>
           <a:xfrm>
-            <a:off x="-1476672" y="3212976"/>
+            <a:off x="2282729" y="4437112"/>
             <a:ext cx="1410189" cy="576050"/>
           </a:xfrm>
           <a:prstGeom prst="rect">
             <a:avLst/>
           </a:prstGeom>
+          <a:solidFill>
+            <a:schemeClr val="accent2">
+              <a:lumMod val="60000"/>
+              <a:lumOff val="40000"/>
+            </a:schemeClr>
+          </a:solidFill>
         </p:spPr>
         <p:style>
           <a:lnRef idx="2">
@@ -5326,10 +5292,1816 @@
           </a:p>
         </p:txBody>
       </p:sp>
+      <p:cxnSp>
+        <p:nvCxnSpPr>
+          <p:cNvPr id="16" name="Straight Arrow Connector 15"/>
+          <p:cNvCxnSpPr/>
+          <p:nvPr/>
+        </p:nvCxnSpPr>
+        <p:spPr>
+          <a:xfrm>
+            <a:off x="5868144" y="7937"/>
+            <a:ext cx="0" cy="253140"/>
+          </a:xfrm>
+          <a:prstGeom prst="straightConnector1">
+            <a:avLst/>
+          </a:prstGeom>
+          <a:ln>
+            <a:solidFill>
+              <a:schemeClr val="bg1"/>
+            </a:solidFill>
+            <a:headEnd type="arrow"/>
+            <a:tailEnd type="arrow"/>
+          </a:ln>
+        </p:spPr>
+        <p:style>
+          <a:lnRef idx="1">
+            <a:schemeClr val="accent1"/>
+          </a:lnRef>
+          <a:fillRef idx="0">
+            <a:schemeClr val="accent1"/>
+          </a:fillRef>
+          <a:effectRef idx="0">
+            <a:schemeClr val="accent1"/>
+          </a:effectRef>
+          <a:fontRef idx="minor">
+            <a:schemeClr val="tx1"/>
+          </a:fontRef>
+        </p:style>
+      </p:cxnSp>
+      <p:cxnSp>
+        <p:nvCxnSpPr>
+          <p:cNvPr id="20" name="Straight Arrow Connector 19"/>
+          <p:cNvCxnSpPr/>
+          <p:nvPr/>
+        </p:nvCxnSpPr>
+        <p:spPr>
+          <a:xfrm flipV="1">
+            <a:off x="8892480" y="947725"/>
+            <a:ext cx="0" cy="2121235"/>
+          </a:xfrm>
+          <a:prstGeom prst="straightConnector1">
+            <a:avLst/>
+          </a:prstGeom>
+          <a:ln>
+            <a:solidFill>
+              <a:schemeClr val="bg1"/>
+            </a:solidFill>
+            <a:tailEnd type="arrow"/>
+          </a:ln>
+        </p:spPr>
+        <p:style>
+          <a:lnRef idx="1">
+            <a:schemeClr val="accent1"/>
+          </a:lnRef>
+          <a:fillRef idx="0">
+            <a:schemeClr val="accent1"/>
+          </a:fillRef>
+          <a:effectRef idx="0">
+            <a:schemeClr val="accent1"/>
+          </a:effectRef>
+          <a:fontRef idx="minor">
+            <a:schemeClr val="tx1"/>
+          </a:fontRef>
+        </p:style>
+      </p:cxnSp>
+      <p:cxnSp>
+        <p:nvCxnSpPr>
+          <p:cNvPr id="47" name="Straight Arrow Connector 46"/>
+          <p:cNvCxnSpPr/>
+          <p:nvPr/>
+        </p:nvCxnSpPr>
+        <p:spPr>
+          <a:xfrm>
+            <a:off x="307975" y="6548750"/>
+            <a:ext cx="0" cy="309250"/>
+          </a:xfrm>
+          <a:prstGeom prst="straightConnector1">
+            <a:avLst/>
+          </a:prstGeom>
+          <a:ln>
+            <a:solidFill>
+              <a:schemeClr val="bg1"/>
+            </a:solidFill>
+            <a:headEnd type="arrow"/>
+            <a:tailEnd type="arrow"/>
+          </a:ln>
+        </p:spPr>
+        <p:style>
+          <a:lnRef idx="1">
+            <a:schemeClr val="accent1"/>
+          </a:lnRef>
+          <a:fillRef idx="0">
+            <a:schemeClr val="accent1"/>
+          </a:fillRef>
+          <a:effectRef idx="0">
+            <a:schemeClr val="accent1"/>
+          </a:effectRef>
+          <a:fontRef idx="minor">
+            <a:schemeClr val="tx1"/>
+          </a:fontRef>
+        </p:style>
+      </p:cxnSp>
+      <p:cxnSp>
+        <p:nvCxnSpPr>
+          <p:cNvPr id="50" name="Straight Arrow Connector 49"/>
+          <p:cNvCxnSpPr/>
+          <p:nvPr/>
+        </p:nvCxnSpPr>
+        <p:spPr>
+          <a:xfrm flipH="1" flipV="1">
+            <a:off x="155575" y="872716"/>
+            <a:ext cx="1" cy="1948174"/>
+          </a:xfrm>
+          <a:prstGeom prst="straightConnector1">
+            <a:avLst/>
+          </a:prstGeom>
+          <a:ln>
+            <a:solidFill>
+              <a:schemeClr val="bg1"/>
+            </a:solidFill>
+            <a:tailEnd type="arrow"/>
+          </a:ln>
+        </p:spPr>
+        <p:style>
+          <a:lnRef idx="1">
+            <a:schemeClr val="accent1"/>
+          </a:lnRef>
+          <a:fillRef idx="0">
+            <a:schemeClr val="accent1"/>
+          </a:fillRef>
+          <a:effectRef idx="0">
+            <a:schemeClr val="accent1"/>
+          </a:effectRef>
+          <a:fontRef idx="minor">
+            <a:schemeClr val="tx1"/>
+          </a:fontRef>
+        </p:style>
+      </p:cxnSp>
+      <p:cxnSp>
+        <p:nvCxnSpPr>
+          <p:cNvPr id="55" name="Straight Arrow Connector 54"/>
+          <p:cNvCxnSpPr>
+            <a:stCxn id="8" idx="3"/>
+          </p:cNvCxnSpPr>
+          <p:nvPr/>
+        </p:nvCxnSpPr>
+        <p:spPr>
+          <a:xfrm flipV="1">
+            <a:off x="5508104" y="764704"/>
+            <a:ext cx="592694" cy="429"/>
+          </a:xfrm>
+          <a:prstGeom prst="straightConnector1">
+            <a:avLst/>
+          </a:prstGeom>
+          <a:ln>
+            <a:solidFill>
+              <a:schemeClr val="bg1"/>
+            </a:solidFill>
+            <a:headEnd type="arrow"/>
+            <a:tailEnd type="arrow"/>
+          </a:ln>
+        </p:spPr>
+        <p:style>
+          <a:lnRef idx="1">
+            <a:schemeClr val="accent1"/>
+          </a:lnRef>
+          <a:fillRef idx="0">
+            <a:schemeClr val="accent1"/>
+          </a:fillRef>
+          <a:effectRef idx="0">
+            <a:schemeClr val="accent1"/>
+          </a:effectRef>
+          <a:fontRef idx="minor">
+            <a:schemeClr val="tx1"/>
+          </a:fontRef>
+        </p:style>
+      </p:cxnSp>
+      <p:sp>
+        <p:nvSpPr>
+          <p:cNvPr id="64" name="Rounded Rectangle 63"/>
+          <p:cNvSpPr/>
+          <p:nvPr/>
+        </p:nvSpPr>
+        <p:spPr>
+          <a:xfrm>
+            <a:off x="5508104" y="410662"/>
+            <a:ext cx="648072" cy="238121"/>
+          </a:xfrm>
+          <a:prstGeom prst="roundRect">
+            <a:avLst/>
+          </a:prstGeom>
+          <a:solidFill>
+            <a:schemeClr val="accent2">
+              <a:lumMod val="60000"/>
+              <a:lumOff val="40000"/>
+            </a:schemeClr>
+          </a:solidFill>
+        </p:spPr>
+        <p:style>
+          <a:lnRef idx="2">
+            <a:schemeClr val="accent1">
+              <a:shade val="50000"/>
+            </a:schemeClr>
+          </a:lnRef>
+          <a:fillRef idx="1">
+            <a:schemeClr val="accent1"/>
+          </a:fillRef>
+          <a:effectRef idx="0">
+            <a:schemeClr val="accent1"/>
+          </a:effectRef>
+          <a:fontRef idx="minor">
+            <a:schemeClr val="lt1"/>
+          </a:fontRef>
+        </p:style>
+        <p:txBody>
+          <a:bodyPr rtlCol="0" anchor="ctr"/>
+          <a:lstStyle/>
+          <a:p>
+            <a:pPr algn="ctr"/>
+            <a:r>
+              <a:rPr lang="en-AU" sz="1400" dirty="0" smtClean="0">
+                <a:solidFill>
+                  <a:schemeClr val="bg1"/>
+                </a:solidFill>
+              </a:rPr>
+              <a:t>60px</a:t>
+            </a:r>
+            <a:endParaRPr lang="en-AU" sz="1400" dirty="0">
+              <a:solidFill>
+                <a:schemeClr val="bg1"/>
+              </a:solidFill>
+            </a:endParaRPr>
+          </a:p>
+        </p:txBody>
+      </p:sp>
+      <p:cxnSp>
+        <p:nvCxnSpPr>
+          <p:cNvPr id="67" name="Straight Arrow Connector 66"/>
+          <p:cNvCxnSpPr/>
+          <p:nvPr/>
+        </p:nvCxnSpPr>
+        <p:spPr>
+          <a:xfrm flipV="1">
+            <a:off x="7099818" y="782277"/>
+            <a:ext cx="592694" cy="429"/>
+          </a:xfrm>
+          <a:prstGeom prst="straightConnector1">
+            <a:avLst/>
+          </a:prstGeom>
+          <a:ln>
+            <a:solidFill>
+              <a:schemeClr val="bg1"/>
+            </a:solidFill>
+            <a:headEnd type="arrow"/>
+            <a:tailEnd type="arrow"/>
+          </a:ln>
+        </p:spPr>
+        <p:style>
+          <a:lnRef idx="1">
+            <a:schemeClr val="accent1"/>
+          </a:lnRef>
+          <a:fillRef idx="0">
+            <a:schemeClr val="accent1"/>
+          </a:fillRef>
+          <a:effectRef idx="0">
+            <a:schemeClr val="accent1"/>
+          </a:effectRef>
+          <a:fontRef idx="minor">
+            <a:schemeClr val="tx1"/>
+          </a:fontRef>
+        </p:style>
+      </p:cxnSp>
+      <p:cxnSp>
+        <p:nvCxnSpPr>
+          <p:cNvPr id="68" name="Straight Arrow Connector 67"/>
+          <p:cNvCxnSpPr/>
+          <p:nvPr/>
+        </p:nvCxnSpPr>
+        <p:spPr>
+          <a:xfrm flipV="1">
+            <a:off x="8380109" y="784206"/>
+            <a:ext cx="592694" cy="429"/>
+          </a:xfrm>
+          <a:prstGeom prst="straightConnector1">
+            <a:avLst/>
+          </a:prstGeom>
+          <a:ln>
+            <a:solidFill>
+              <a:schemeClr val="bg1"/>
+            </a:solidFill>
+            <a:headEnd type="arrow"/>
+            <a:tailEnd type="arrow"/>
+          </a:ln>
+        </p:spPr>
+        <p:style>
+          <a:lnRef idx="1">
+            <a:schemeClr val="accent1"/>
+          </a:lnRef>
+          <a:fillRef idx="0">
+            <a:schemeClr val="accent1"/>
+          </a:fillRef>
+          <a:effectRef idx="0">
+            <a:schemeClr val="accent1"/>
+          </a:effectRef>
+          <a:fontRef idx="minor">
+            <a:schemeClr val="tx1"/>
+          </a:fontRef>
+        </p:style>
+      </p:cxnSp>
+      <p:sp>
+        <p:nvSpPr>
+          <p:cNvPr id="70" name="Rounded Rectangle 69"/>
+          <p:cNvSpPr/>
+          <p:nvPr/>
+        </p:nvSpPr>
+        <p:spPr>
+          <a:xfrm>
+            <a:off x="7164288" y="454575"/>
+            <a:ext cx="648072" cy="238121"/>
+          </a:xfrm>
+          <a:prstGeom prst="roundRect">
+            <a:avLst/>
+          </a:prstGeom>
+          <a:solidFill>
+            <a:schemeClr val="accent2">
+              <a:lumMod val="60000"/>
+              <a:lumOff val="40000"/>
+            </a:schemeClr>
+          </a:solidFill>
+        </p:spPr>
+        <p:style>
+          <a:lnRef idx="2">
+            <a:schemeClr val="accent1">
+              <a:shade val="50000"/>
+            </a:schemeClr>
+          </a:lnRef>
+          <a:fillRef idx="1">
+            <a:schemeClr val="accent1"/>
+          </a:fillRef>
+          <a:effectRef idx="0">
+            <a:schemeClr val="accent1"/>
+          </a:effectRef>
+          <a:fontRef idx="minor">
+            <a:schemeClr val="lt1"/>
+          </a:fontRef>
+        </p:style>
+        <p:txBody>
+          <a:bodyPr rtlCol="0" anchor="ctr"/>
+          <a:lstStyle/>
+          <a:p>
+            <a:pPr algn="ctr"/>
+            <a:r>
+              <a:rPr lang="en-AU" sz="1400" dirty="0" smtClean="0">
+                <a:solidFill>
+                  <a:schemeClr val="bg1"/>
+                </a:solidFill>
+              </a:rPr>
+              <a:t>60px</a:t>
+            </a:r>
+            <a:endParaRPr lang="en-AU" sz="1400" dirty="0">
+              <a:solidFill>
+                <a:schemeClr val="bg1"/>
+              </a:solidFill>
+            </a:endParaRPr>
+          </a:p>
+        </p:txBody>
+      </p:sp>
+      <p:sp>
+        <p:nvSpPr>
+          <p:cNvPr id="71" name="Rounded Rectangle 70"/>
+          <p:cNvSpPr/>
+          <p:nvPr/>
+        </p:nvSpPr>
+        <p:spPr>
+          <a:xfrm>
+            <a:off x="8460432" y="454575"/>
+            <a:ext cx="648072" cy="238121"/>
+          </a:xfrm>
+          <a:prstGeom prst="roundRect">
+            <a:avLst/>
+          </a:prstGeom>
+          <a:solidFill>
+            <a:schemeClr val="accent2">
+              <a:lumMod val="60000"/>
+              <a:lumOff val="40000"/>
+            </a:schemeClr>
+          </a:solidFill>
+        </p:spPr>
+        <p:style>
+          <a:lnRef idx="2">
+            <a:schemeClr val="accent1">
+              <a:shade val="50000"/>
+            </a:schemeClr>
+          </a:lnRef>
+          <a:fillRef idx="1">
+            <a:schemeClr val="accent1"/>
+          </a:fillRef>
+          <a:effectRef idx="0">
+            <a:schemeClr val="accent1"/>
+          </a:effectRef>
+          <a:fontRef idx="minor">
+            <a:schemeClr val="lt1"/>
+          </a:fontRef>
+        </p:style>
+        <p:txBody>
+          <a:bodyPr rtlCol="0" anchor="ctr"/>
+          <a:lstStyle/>
+          <a:p>
+            <a:pPr algn="ctr"/>
+            <a:r>
+              <a:rPr lang="en-AU" sz="1400" dirty="0" smtClean="0">
+                <a:solidFill>
+                  <a:schemeClr val="bg1"/>
+                </a:solidFill>
+              </a:rPr>
+              <a:t>60px</a:t>
+            </a:r>
+            <a:endParaRPr lang="en-AU" sz="1400" dirty="0">
+              <a:solidFill>
+                <a:schemeClr val="bg1"/>
+              </a:solidFill>
+            </a:endParaRPr>
+          </a:p>
+        </p:txBody>
+      </p:sp>
     </p:spTree>
     <p:extLst>
       <p:ext uri="{BB962C8B-B14F-4D97-AF65-F5344CB8AC3E}">
         <p14:creationId xmlns:p14="http://schemas.microsoft.com/office/powerpoint/2010/main" val="345626616"/>
+      </p:ext>
+    </p:extLst>
+  </p:cSld>
+  <p:clrMapOvr>
+    <a:masterClrMapping/>
+  </p:clrMapOvr>
+</p:sld>
+</file>
+
+<file path=ppt/slides/slide2.xml><?xml version="1.0" encoding="utf-8"?>
+<p:sld xmlns:a="http://schemas.openxmlformats.org/drawingml/2006/main" xmlns:r="http://schemas.openxmlformats.org/officeDocument/2006/relationships" xmlns:p="http://schemas.openxmlformats.org/presentationml/2006/main">
+  <p:cSld>
+    <p:spTree>
+      <p:nvGrpSpPr>
+        <p:cNvPr id="1" name=""/>
+        <p:cNvGrpSpPr/>
+        <p:nvPr/>
+      </p:nvGrpSpPr>
+      <p:grpSpPr>
+        <a:xfrm>
+          <a:off x="0" y="0"/>
+          <a:ext cx="0" cy="0"/>
+          <a:chOff x="0" y="0"/>
+          <a:chExt cx="0" cy="0"/>
+        </a:xfrm>
+      </p:grpSpPr>
+      <p:sp>
+        <p:nvSpPr>
+          <p:cNvPr id="2" name="Rectangle 1"/>
+          <p:cNvSpPr/>
+          <p:nvPr/>
+        </p:nvSpPr>
+        <p:spPr>
+          <a:xfrm>
+            <a:off x="0" y="1063333"/>
+            <a:ext cx="9161169" cy="5451386"/>
+          </a:xfrm>
+          <a:prstGeom prst="rect">
+            <a:avLst/>
+          </a:prstGeom>
+          <a:gradFill flip="none" rotWithShape="1">
+            <a:gsLst>
+              <a:gs pos="98000">
+                <a:srgbClr val="6F6FEF"/>
+              </a:gs>
+              <a:gs pos="47089">
+                <a:srgbClr val="9F9FF6"/>
+              </a:gs>
+              <a:gs pos="1000">
+                <a:srgbClr val="DFDFFF"/>
+              </a:gs>
+            </a:gsLst>
+            <a:lin ang="16200000" scaled="1"/>
+            <a:tileRect/>
+          </a:gradFill>
+          <a:ln>
+            <a:noFill/>
+          </a:ln>
+        </p:spPr>
+        <p:style>
+          <a:lnRef idx="2">
+            <a:schemeClr val="accent1">
+              <a:shade val="50000"/>
+            </a:schemeClr>
+          </a:lnRef>
+          <a:fillRef idx="1">
+            <a:schemeClr val="accent1"/>
+          </a:fillRef>
+          <a:effectRef idx="0">
+            <a:schemeClr val="accent1"/>
+          </a:effectRef>
+          <a:fontRef idx="minor">
+            <a:schemeClr val="lt1"/>
+          </a:fontRef>
+        </p:style>
+        <p:txBody>
+          <a:bodyPr rtlCol="0" anchor="ctr"/>
+          <a:lstStyle/>
+          <a:p>
+            <a:pPr algn="ctr"/>
+            <a:endParaRPr lang="en-AU" b="1" dirty="0">
+              <a:solidFill>
+                <a:srgbClr val="0F0F7F"/>
+              </a:solidFill>
+              <a:latin typeface="Arial" panose="020B0604020202020204" pitchFamily="34" charset="0"/>
+              <a:cs typeface="Arial" panose="020B0604020202020204" pitchFamily="34" charset="0"/>
+            </a:endParaRPr>
+          </a:p>
+        </p:txBody>
+      </p:sp>
+      <p:sp>
+        <p:nvSpPr>
+          <p:cNvPr id="3" name="Rectangle 2"/>
+          <p:cNvSpPr/>
+          <p:nvPr/>
+        </p:nvSpPr>
+        <p:spPr>
+          <a:xfrm>
+            <a:off x="0" y="0"/>
+            <a:ext cx="9144000" cy="872716"/>
+          </a:xfrm>
+          <a:prstGeom prst="rect">
+            <a:avLst/>
+          </a:prstGeom>
+          <a:solidFill>
+            <a:srgbClr val="0F0F7F"/>
+          </a:solidFill>
+        </p:spPr>
+        <p:style>
+          <a:lnRef idx="2">
+            <a:schemeClr val="accent1">
+              <a:shade val="50000"/>
+            </a:schemeClr>
+          </a:lnRef>
+          <a:fillRef idx="1">
+            <a:schemeClr val="accent1"/>
+          </a:fillRef>
+          <a:effectRef idx="0">
+            <a:schemeClr val="accent1"/>
+          </a:effectRef>
+          <a:fontRef idx="minor">
+            <a:schemeClr val="lt1"/>
+          </a:fontRef>
+        </p:style>
+        <p:txBody>
+          <a:bodyPr rtlCol="0" anchor="ctr"/>
+          <a:lstStyle/>
+          <a:p>
+            <a:pPr algn="ctr"/>
+            <a:endParaRPr lang="en-AU"/>
+          </a:p>
+        </p:txBody>
+      </p:sp>
+      <p:sp>
+        <p:nvSpPr>
+          <p:cNvPr id="4" name="Rounded Rectangle 3"/>
+          <p:cNvSpPr/>
+          <p:nvPr/>
+        </p:nvSpPr>
+        <p:spPr>
+          <a:xfrm>
+            <a:off x="0" y="261077"/>
+            <a:ext cx="9144000" cy="1008112"/>
+          </a:xfrm>
+          <a:prstGeom prst="roundRect">
+            <a:avLst/>
+          </a:prstGeom>
+          <a:gradFill>
+            <a:gsLst>
+              <a:gs pos="67000">
+                <a:srgbClr val="6F6FEF"/>
+              </a:gs>
+              <a:gs pos="100000">
+                <a:srgbClr val="FFFFFF"/>
+              </a:gs>
+            </a:gsLst>
+            <a:lin ang="5400000" scaled="1"/>
+          </a:gradFill>
+        </p:spPr>
+        <p:style>
+          <a:lnRef idx="2">
+            <a:schemeClr val="accent1">
+              <a:shade val="50000"/>
+            </a:schemeClr>
+          </a:lnRef>
+          <a:fillRef idx="1">
+            <a:schemeClr val="accent1"/>
+          </a:fillRef>
+          <a:effectRef idx="0">
+            <a:schemeClr val="accent1"/>
+          </a:effectRef>
+          <a:fontRef idx="minor">
+            <a:schemeClr val="lt1"/>
+          </a:fontRef>
+        </p:style>
+        <p:txBody>
+          <a:bodyPr rtlCol="0" anchor="ctr"/>
+          <a:lstStyle/>
+          <a:p>
+            <a:pPr lvl="1"/>
+            <a:r>
+              <a:rPr lang="en-AU" sz="3600" dirty="0" err="1" smtClean="0">
+                <a:solidFill>
+                  <a:schemeClr val="bg1"/>
+                </a:solidFill>
+                <a:latin typeface="Cooper Black" panose="0208090404030B020404" pitchFamily="18" charset="0"/>
+              </a:rPr>
+              <a:t>nodiam</a:t>
+            </a:r>
+            <a:endParaRPr lang="en-AU" sz="3600" dirty="0">
+              <a:solidFill>
+                <a:schemeClr val="bg1"/>
+              </a:solidFill>
+              <a:latin typeface="Cooper Black" panose="0208090404030B020404" pitchFamily="18" charset="0"/>
+            </a:endParaRPr>
+          </a:p>
+        </p:txBody>
+      </p:sp>
+      <p:pic>
+        <p:nvPicPr>
+          <p:cNvPr id="5" name="Picture 2" descr="D:\Anodiam\Docs\ProjectExecution\BA\ImageResources\AnodiamLogoReverseColorRightAligned.bmp"/>
+          <p:cNvPicPr>
+            <a:picLocks noChangeAspect="1" noChangeArrowheads="1"/>
+          </p:cNvPicPr>
+          <p:nvPr/>
+        </p:nvPicPr>
+        <p:blipFill>
+          <a:blip r:embed="rId2">
+            <a:extLst>
+              <a:ext uri="{28A0092B-C50C-407E-A947-70E740481C1C}">
+                <a14:useLocalDpi xmlns:a14="http://schemas.microsoft.com/office/drawing/2010/main" val="0"/>
+              </a:ext>
+            </a:extLst>
+          </a:blip>
+          <a:srcRect/>
+          <a:stretch>
+            <a:fillRect/>
+          </a:stretch>
+        </p:blipFill>
+        <p:spPr bwMode="auto">
+          <a:xfrm>
+            <a:off x="107504" y="471528"/>
+            <a:ext cx="475253" cy="509200"/>
+          </a:xfrm>
+          <a:prstGeom prst="rect">
+            <a:avLst/>
+          </a:prstGeom>
+          <a:noFill/>
+          <a:extLst>
+            <a:ext uri="{909E8E84-426E-40DD-AFC4-6F175D3DCCD1}">
+              <a14:hiddenFill xmlns:a14="http://schemas.microsoft.com/office/drawing/2010/main">
+                <a:solidFill>
+                  <a:srgbClr val="FFFFFF"/>
+                </a:solidFill>
+              </a14:hiddenFill>
+            </a:ext>
+          </a:extLst>
+        </p:spPr>
+      </p:pic>
+      <p:sp>
+        <p:nvSpPr>
+          <p:cNvPr id="6" name="Rectangle 5"/>
+          <p:cNvSpPr/>
+          <p:nvPr/>
+        </p:nvSpPr>
+        <p:spPr>
+          <a:xfrm>
+            <a:off x="0" y="6514719"/>
+            <a:ext cx="9144000" cy="370665"/>
+          </a:xfrm>
+          <a:prstGeom prst="rect">
+            <a:avLst/>
+          </a:prstGeom>
+          <a:solidFill>
+            <a:srgbClr val="0F0F7F"/>
+          </a:solidFill>
+        </p:spPr>
+        <p:style>
+          <a:lnRef idx="2">
+            <a:schemeClr val="accent1">
+              <a:shade val="50000"/>
+            </a:schemeClr>
+          </a:lnRef>
+          <a:fillRef idx="1">
+            <a:schemeClr val="accent1"/>
+          </a:fillRef>
+          <a:effectRef idx="0">
+            <a:schemeClr val="accent1"/>
+          </a:effectRef>
+          <a:fontRef idx="minor">
+            <a:schemeClr val="lt1"/>
+          </a:fontRef>
+        </p:style>
+        <p:txBody>
+          <a:bodyPr lIns="180000" rIns="180000" bIns="108000" rtlCol="0" anchor="ctr">
+            <a:spAutoFit/>
+          </a:bodyPr>
+          <a:lstStyle/>
+          <a:p>
+            <a:pPr algn="ctr"/>
+            <a:r>
+              <a:rPr lang="en-AU" sz="1400" b="1" dirty="0" smtClean="0">
+                <a:solidFill>
+                  <a:srgbClr val="FFFFFF"/>
+                </a:solidFill>
+                <a:latin typeface="Cooper Black" panose="0208090404030B020404" pitchFamily="18" charset="0"/>
+              </a:rPr>
+              <a:t>© </a:t>
+            </a:r>
+            <a:r>
+              <a:rPr lang="en-AU" sz="1400" b="1" dirty="0" smtClean="0">
+                <a:solidFill>
+                  <a:srgbClr val="FFFFFF"/>
+                </a:solidFill>
+                <a:latin typeface="Arial" panose="020B0604020202020204" pitchFamily="34" charset="0"/>
+                <a:cs typeface="Arial" panose="020B0604020202020204" pitchFamily="34" charset="0"/>
+              </a:rPr>
+              <a:t>2020</a:t>
+            </a:r>
+            <a:r>
+              <a:rPr lang="en-AU" sz="1400" b="1" dirty="0" smtClean="0">
+                <a:solidFill>
+                  <a:srgbClr val="FFFFFF"/>
+                </a:solidFill>
+                <a:latin typeface="Cooper Black" panose="0208090404030B020404" pitchFamily="18" charset="0"/>
+              </a:rPr>
+              <a:t>  </a:t>
+            </a:r>
+            <a:r>
+              <a:rPr lang="en-AU" sz="1400" b="1" dirty="0" smtClean="0">
+                <a:solidFill>
+                  <a:srgbClr val="FFFFFF"/>
+                </a:solidFill>
+                <a:latin typeface="Arial" panose="020B0604020202020204" pitchFamily="34" charset="0"/>
+                <a:cs typeface="Arial" panose="020B0604020202020204" pitchFamily="34" charset="0"/>
+              </a:rPr>
+              <a:t>Anodia</a:t>
+            </a:r>
+            <a:r>
+              <a:rPr lang="en-AU" sz="1400" b="1" dirty="0">
+                <a:solidFill>
+                  <a:srgbClr val="FFFFFF"/>
+                </a:solidFill>
+                <a:latin typeface="Arial" panose="020B0604020202020204" pitchFamily="34" charset="0"/>
+                <a:cs typeface="Arial" panose="020B0604020202020204" pitchFamily="34" charset="0"/>
+              </a:rPr>
+              <a:t>m</a:t>
+            </a:r>
+            <a:r>
+              <a:rPr lang="en-AU" sz="1400" b="1" dirty="0" smtClean="0">
+                <a:solidFill>
+                  <a:srgbClr val="FFFFFF"/>
+                </a:solidFill>
+                <a:latin typeface="Cooper Black" panose="0208090404030B020404" pitchFamily="18" charset="0"/>
+              </a:rPr>
+              <a:t>  </a:t>
+            </a:r>
+            <a:r>
+              <a:rPr lang="en-AU" sz="1400" b="1" dirty="0" smtClean="0">
+                <a:solidFill>
+                  <a:srgbClr val="FFFFFF"/>
+                </a:solidFill>
+                <a:latin typeface="Arial" panose="020B0604020202020204" pitchFamily="34" charset="0"/>
+                <a:cs typeface="Arial" panose="020B0604020202020204" pitchFamily="34" charset="0"/>
+              </a:rPr>
+              <a:t>All rights reserved</a:t>
+            </a:r>
+            <a:endParaRPr lang="en-AU" sz="1400" b="1" dirty="0">
+              <a:solidFill>
+                <a:srgbClr val="FFFFFF"/>
+              </a:solidFill>
+              <a:latin typeface="Arial" panose="020B0604020202020204" pitchFamily="34" charset="0"/>
+              <a:cs typeface="Arial" panose="020B0604020202020204" pitchFamily="34" charset="0"/>
+            </a:endParaRPr>
+          </a:p>
+        </p:txBody>
+      </p:sp>
+      <p:sp>
+        <p:nvSpPr>
+          <p:cNvPr id="7" name="Rectangle 6"/>
+          <p:cNvSpPr/>
+          <p:nvPr/>
+        </p:nvSpPr>
+        <p:spPr>
+          <a:xfrm>
+            <a:off x="2987824" y="546537"/>
+            <a:ext cx="2520280" cy="437192"/>
+          </a:xfrm>
+          <a:prstGeom prst="rect">
+            <a:avLst/>
+          </a:prstGeom>
+          <a:ln>
+            <a:solidFill>
+              <a:srgbClr val="6F6FEF"/>
+            </a:solidFill>
+          </a:ln>
+        </p:spPr>
+        <p:style>
+          <a:lnRef idx="2">
+            <a:schemeClr val="dk1"/>
+          </a:lnRef>
+          <a:fillRef idx="1">
+            <a:schemeClr val="lt1"/>
+          </a:fillRef>
+          <a:effectRef idx="0">
+            <a:schemeClr val="dk1"/>
+          </a:effectRef>
+          <a:fontRef idx="minor">
+            <a:schemeClr val="dk1"/>
+          </a:fontRef>
+        </p:style>
+        <p:txBody>
+          <a:bodyPr rtlCol="0" anchor="ctr"/>
+          <a:lstStyle/>
+          <a:p>
+            <a:pPr algn="ctr"/>
+            <a:r>
+              <a:rPr lang="en-AU" sz="1600" dirty="0" smtClean="0">
+                <a:solidFill>
+                  <a:srgbClr val="BFBFFF"/>
+                </a:solidFill>
+                <a:latin typeface="Arial" panose="020B0604020202020204" pitchFamily="34" charset="0"/>
+                <a:cs typeface="Arial" panose="020B0604020202020204" pitchFamily="34" charset="0"/>
+              </a:rPr>
+              <a:t>Type Here</a:t>
+            </a:r>
+            <a:endParaRPr lang="en-AU" sz="1600" dirty="0">
+              <a:solidFill>
+                <a:srgbClr val="BFBFFF"/>
+              </a:solidFill>
+              <a:latin typeface="Arial" panose="020B0604020202020204" pitchFamily="34" charset="0"/>
+              <a:cs typeface="Arial" panose="020B0604020202020204" pitchFamily="34" charset="0"/>
+            </a:endParaRPr>
+          </a:p>
+        </p:txBody>
+      </p:sp>
+      <p:sp>
+        <p:nvSpPr>
+          <p:cNvPr id="8" name="Rectangle 7"/>
+          <p:cNvSpPr/>
+          <p:nvPr/>
+        </p:nvSpPr>
+        <p:spPr>
+          <a:xfrm>
+            <a:off x="6592161" y="580467"/>
+            <a:ext cx="184730" cy="369332"/>
+          </a:xfrm>
+          <a:prstGeom prst="rect">
+            <a:avLst/>
+          </a:prstGeom>
+        </p:spPr>
+        <p:txBody>
+          <a:bodyPr wrap="none">
+            <a:spAutoFit/>
+          </a:bodyPr>
+          <a:lstStyle/>
+          <a:p>
+            <a:pPr algn="ctr"/>
+            <a:endParaRPr lang="en-AU" b="1" dirty="0">
+              <a:solidFill>
+                <a:srgbClr val="0F0F7F"/>
+              </a:solidFill>
+              <a:latin typeface="Arial" panose="020B0604020202020204" pitchFamily="34" charset="0"/>
+              <a:cs typeface="Arial" panose="020B0604020202020204" pitchFamily="34" charset="0"/>
+            </a:endParaRPr>
+          </a:p>
+        </p:txBody>
+      </p:sp>
+      <p:sp>
+        <p:nvSpPr>
+          <p:cNvPr id="10" name="TextBox 9"/>
+          <p:cNvSpPr txBox="1"/>
+          <p:nvPr/>
+        </p:nvSpPr>
+        <p:spPr>
+          <a:xfrm>
+            <a:off x="6012160" y="726128"/>
+            <a:ext cx="2880320" cy="369332"/>
+          </a:xfrm>
+          <a:prstGeom prst="rect">
+            <a:avLst/>
+          </a:prstGeom>
+          <a:noFill/>
+        </p:spPr>
+        <p:txBody>
+          <a:bodyPr wrap="square" rtlCol="0">
+            <a:spAutoFit/>
+          </a:bodyPr>
+          <a:lstStyle/>
+          <a:p>
+            <a:r>
+              <a:rPr lang="en-AU" b="1" dirty="0" smtClean="0">
+                <a:solidFill>
+                  <a:srgbClr val="0F0F7F"/>
+                </a:solidFill>
+                <a:latin typeface="Arial" panose="020B0604020202020204" pitchFamily="34" charset="0"/>
+                <a:cs typeface="Arial" panose="020B0604020202020204" pitchFamily="34" charset="0"/>
+              </a:rPr>
+              <a:t>Sign Up               Login</a:t>
+            </a:r>
+            <a:endParaRPr lang="en-AU" b="1" dirty="0">
+              <a:solidFill>
+                <a:srgbClr val="0F0F7F"/>
+              </a:solidFill>
+              <a:latin typeface="Arial" panose="020B0604020202020204" pitchFamily="34" charset="0"/>
+              <a:cs typeface="Arial" panose="020B0604020202020204" pitchFamily="34" charset="0"/>
+            </a:endParaRPr>
+          </a:p>
+        </p:txBody>
+      </p:sp>
+      <p:pic>
+        <p:nvPicPr>
+          <p:cNvPr id="1026" name="Picture 2"/>
+          <p:cNvPicPr>
+            <a:picLocks noChangeAspect="1" noChangeArrowheads="1"/>
+          </p:cNvPicPr>
+          <p:nvPr/>
+        </p:nvPicPr>
+        <p:blipFill>
+          <a:blip r:embed="rId3">
+            <a:extLst>
+              <a:ext uri="{28A0092B-C50C-407E-A947-70E740481C1C}">
+                <a14:useLocalDpi xmlns:a14="http://schemas.microsoft.com/office/drawing/2010/main" val="0"/>
+              </a:ext>
+            </a:extLst>
+          </a:blip>
+          <a:srcRect/>
+          <a:stretch>
+            <a:fillRect/>
+          </a:stretch>
+        </p:blipFill>
+        <p:spPr bwMode="auto">
+          <a:xfrm>
+            <a:off x="17169" y="4315202"/>
+            <a:ext cx="9132887" cy="2181225"/>
+          </a:xfrm>
+          <a:prstGeom prst="rect">
+            <a:avLst/>
+          </a:prstGeom>
+          <a:noFill/>
+          <a:ln>
+            <a:noFill/>
+          </a:ln>
+          <a:extLst>
+            <a:ext uri="{909E8E84-426E-40DD-AFC4-6F175D3DCCD1}">
+              <a14:hiddenFill xmlns:a14="http://schemas.microsoft.com/office/drawing/2010/main">
+                <a:solidFill>
+                  <a:schemeClr val="accent1"/>
+                </a:solidFill>
+              </a14:hiddenFill>
+            </a:ext>
+            <a:ext uri="{91240B29-F687-4F45-9708-019B960494DF}">
+              <a14:hiddenLine xmlns:a14="http://schemas.microsoft.com/office/drawing/2010/main" w="9525">
+                <a:solidFill>
+                  <a:schemeClr val="tx1"/>
+                </a:solidFill>
+                <a:miter lim="800000"/>
+                <a:headEnd/>
+                <a:tailEnd/>
+              </a14:hiddenLine>
+            </a:ext>
+          </a:extLst>
+        </p:spPr>
+      </p:pic>
+      <p:pic>
+        <p:nvPicPr>
+          <p:cNvPr id="1027" name="Picture 3"/>
+          <p:cNvPicPr>
+            <a:picLocks noChangeAspect="1" noChangeArrowheads="1"/>
+          </p:cNvPicPr>
+          <p:nvPr/>
+        </p:nvPicPr>
+        <p:blipFill>
+          <a:blip r:embed="rId4">
+            <a:extLst>
+              <a:ext uri="{28A0092B-C50C-407E-A947-70E740481C1C}">
+                <a14:useLocalDpi xmlns:a14="http://schemas.microsoft.com/office/drawing/2010/main" val="0"/>
+              </a:ext>
+            </a:extLst>
+          </a:blip>
+          <a:srcRect/>
+          <a:stretch>
+            <a:fillRect/>
+          </a:stretch>
+        </p:blipFill>
+        <p:spPr bwMode="auto">
+          <a:xfrm>
+            <a:off x="1300861" y="1269189"/>
+            <a:ext cx="6576616" cy="2840821"/>
+          </a:xfrm>
+          <a:prstGeom prst="rect">
+            <a:avLst/>
+          </a:prstGeom>
+          <a:noFill/>
+          <a:ln>
+            <a:noFill/>
+          </a:ln>
+          <a:extLst>
+            <a:ext uri="{909E8E84-426E-40DD-AFC4-6F175D3DCCD1}">
+              <a14:hiddenFill xmlns:a14="http://schemas.microsoft.com/office/drawing/2010/main">
+                <a:solidFill>
+                  <a:schemeClr val="accent1"/>
+                </a:solidFill>
+              </a14:hiddenFill>
+            </a:ext>
+            <a:ext uri="{91240B29-F687-4F45-9708-019B960494DF}">
+              <a14:hiddenLine xmlns:a14="http://schemas.microsoft.com/office/drawing/2010/main" w="9525">
+                <a:solidFill>
+                  <a:schemeClr val="tx1"/>
+                </a:solidFill>
+                <a:miter lim="800000"/>
+                <a:headEnd/>
+                <a:tailEnd/>
+              </a14:hiddenLine>
+            </a:ext>
+          </a:extLst>
+        </p:spPr>
+      </p:pic>
+      <p:cxnSp>
+        <p:nvCxnSpPr>
+          <p:cNvPr id="12" name="Straight Arrow Connector 11"/>
+          <p:cNvCxnSpPr/>
+          <p:nvPr/>
+        </p:nvCxnSpPr>
+        <p:spPr>
+          <a:xfrm>
+            <a:off x="8172400" y="1269189"/>
+            <a:ext cx="0" cy="2840821"/>
+          </a:xfrm>
+          <a:prstGeom prst="straightConnector1">
+            <a:avLst/>
+          </a:prstGeom>
+          <a:ln>
+            <a:solidFill>
+              <a:schemeClr val="bg1"/>
+            </a:solidFill>
+            <a:headEnd type="arrow"/>
+            <a:tailEnd type="arrow"/>
+          </a:ln>
+        </p:spPr>
+        <p:style>
+          <a:lnRef idx="1">
+            <a:schemeClr val="accent1"/>
+          </a:lnRef>
+          <a:fillRef idx="0">
+            <a:schemeClr val="accent1"/>
+          </a:fillRef>
+          <a:effectRef idx="0">
+            <a:schemeClr val="accent1"/>
+          </a:effectRef>
+          <a:fontRef idx="minor">
+            <a:schemeClr val="tx1"/>
+          </a:fontRef>
+        </p:style>
+      </p:cxnSp>
+      <p:sp>
+        <p:nvSpPr>
+          <p:cNvPr id="13" name="Rectangle 12"/>
+          <p:cNvSpPr/>
+          <p:nvPr/>
+        </p:nvSpPr>
+        <p:spPr>
+          <a:xfrm>
+            <a:off x="8172400" y="1700808"/>
+            <a:ext cx="988769" cy="1944216"/>
+          </a:xfrm>
+          <a:prstGeom prst="rect">
+            <a:avLst/>
+          </a:prstGeom>
+          <a:solidFill>
+            <a:schemeClr val="accent2">
+              <a:lumMod val="60000"/>
+              <a:lumOff val="40000"/>
+            </a:schemeClr>
+          </a:solidFill>
+        </p:spPr>
+        <p:style>
+          <a:lnRef idx="2">
+            <a:schemeClr val="accent1">
+              <a:shade val="50000"/>
+            </a:schemeClr>
+          </a:lnRef>
+          <a:fillRef idx="1">
+            <a:schemeClr val="accent1"/>
+          </a:fillRef>
+          <a:effectRef idx="0">
+            <a:schemeClr val="accent1"/>
+          </a:effectRef>
+          <a:fontRef idx="minor">
+            <a:schemeClr val="lt1"/>
+          </a:fontRef>
+        </p:style>
+        <p:txBody>
+          <a:bodyPr rtlCol="0" anchor="ctr"/>
+          <a:lstStyle/>
+          <a:p>
+            <a:r>
+              <a:rPr lang="en-AU" sz="1600" dirty="0" smtClean="0"/>
+              <a:t>Carousel with notes will display one by one within 4 sec</a:t>
+            </a:r>
+            <a:endParaRPr lang="en-AU" sz="1600" dirty="0"/>
+          </a:p>
+        </p:txBody>
+      </p:sp>
+      <p:cxnSp>
+        <p:nvCxnSpPr>
+          <p:cNvPr id="16" name="Straight Arrow Connector 15"/>
+          <p:cNvCxnSpPr/>
+          <p:nvPr/>
+        </p:nvCxnSpPr>
+        <p:spPr>
+          <a:xfrm>
+            <a:off x="251520" y="4315202"/>
+            <a:ext cx="0" cy="2181225"/>
+          </a:xfrm>
+          <a:prstGeom prst="straightConnector1">
+            <a:avLst/>
+          </a:prstGeom>
+          <a:ln>
+            <a:solidFill>
+              <a:schemeClr val="bg1"/>
+            </a:solidFill>
+            <a:headEnd type="arrow"/>
+            <a:tailEnd type="arrow"/>
+          </a:ln>
+        </p:spPr>
+        <p:style>
+          <a:lnRef idx="1">
+            <a:schemeClr val="accent1"/>
+          </a:lnRef>
+          <a:fillRef idx="0">
+            <a:schemeClr val="accent1"/>
+          </a:fillRef>
+          <a:effectRef idx="0">
+            <a:schemeClr val="accent1"/>
+          </a:effectRef>
+          <a:fontRef idx="minor">
+            <a:schemeClr val="tx1"/>
+          </a:fontRef>
+        </p:style>
+      </p:cxnSp>
+      <p:sp>
+        <p:nvSpPr>
+          <p:cNvPr id="17" name="Rectangle 16"/>
+          <p:cNvSpPr/>
+          <p:nvPr/>
+        </p:nvSpPr>
+        <p:spPr>
+          <a:xfrm>
+            <a:off x="347388" y="5629357"/>
+            <a:ext cx="1049341" cy="1090612"/>
+          </a:xfrm>
+          <a:prstGeom prst="rect">
+            <a:avLst/>
+          </a:prstGeom>
+          <a:solidFill>
+            <a:schemeClr val="accent2">
+              <a:lumMod val="60000"/>
+              <a:lumOff val="40000"/>
+            </a:schemeClr>
+          </a:solidFill>
+        </p:spPr>
+        <p:style>
+          <a:lnRef idx="2">
+            <a:schemeClr val="accent1">
+              <a:shade val="50000"/>
+            </a:schemeClr>
+          </a:lnRef>
+          <a:fillRef idx="1">
+            <a:schemeClr val="accent1"/>
+          </a:fillRef>
+          <a:effectRef idx="0">
+            <a:schemeClr val="accent1"/>
+          </a:effectRef>
+          <a:fontRef idx="minor">
+            <a:schemeClr val="lt1"/>
+          </a:fontRef>
+        </p:style>
+        <p:txBody>
+          <a:bodyPr rtlCol="0" anchor="ctr"/>
+          <a:lstStyle/>
+          <a:p>
+            <a:pPr algn="ctr"/>
+            <a:r>
+              <a:rPr lang="en-AU" sz="1400" dirty="0" smtClean="0"/>
+              <a:t>Carousel will display 3 featured courses  at a time </a:t>
+            </a:r>
+            <a:endParaRPr lang="en-AU" sz="1400" dirty="0"/>
+          </a:p>
+        </p:txBody>
+      </p:sp>
+    </p:spTree>
+    <p:extLst>
+      <p:ext uri="{BB962C8B-B14F-4D97-AF65-F5344CB8AC3E}">
+        <p14:creationId xmlns:p14="http://schemas.microsoft.com/office/powerpoint/2010/main" val="1912319321"/>
+      </p:ext>
+    </p:extLst>
+  </p:cSld>
+  <p:clrMapOvr>
+    <a:masterClrMapping/>
+  </p:clrMapOvr>
+</p:sld>
+</file>
+
+<file path=ppt/slides/slide3.xml><?xml version="1.0" encoding="utf-8"?>
+<p:sld xmlns:a="http://schemas.openxmlformats.org/drawingml/2006/main" xmlns:r="http://schemas.openxmlformats.org/officeDocument/2006/relationships" xmlns:p="http://schemas.openxmlformats.org/presentationml/2006/main">
+  <p:cSld>
+    <p:spTree>
+      <p:nvGrpSpPr>
+        <p:cNvPr id="1" name=""/>
+        <p:cNvGrpSpPr/>
+        <p:nvPr/>
+      </p:nvGrpSpPr>
+      <p:grpSpPr>
+        <a:xfrm>
+          <a:off x="0" y="0"/>
+          <a:ext cx="0" cy="0"/>
+          <a:chOff x="0" y="0"/>
+          <a:chExt cx="0" cy="0"/>
+        </a:xfrm>
+      </p:grpSpPr>
+      <p:sp>
+        <p:nvSpPr>
+          <p:cNvPr id="2" name="Rectangle 1"/>
+          <p:cNvSpPr/>
+          <p:nvPr/>
+        </p:nvSpPr>
+        <p:spPr>
+          <a:xfrm>
+            <a:off x="0" y="0"/>
+            <a:ext cx="9161169" cy="6858000"/>
+          </a:xfrm>
+          <a:prstGeom prst="rect">
+            <a:avLst/>
+          </a:prstGeom>
+          <a:gradFill flip="none" rotWithShape="1">
+            <a:gsLst>
+              <a:gs pos="98000">
+                <a:srgbClr val="6F6FEF"/>
+              </a:gs>
+              <a:gs pos="60000">
+                <a:srgbClr val="9F9FF6"/>
+              </a:gs>
+              <a:gs pos="1000">
+                <a:srgbClr val="FFFFFF"/>
+              </a:gs>
+            </a:gsLst>
+            <a:lin ang="16200000" scaled="1"/>
+            <a:tileRect/>
+          </a:gradFill>
+          <a:ln>
+            <a:noFill/>
+          </a:ln>
+        </p:spPr>
+        <p:style>
+          <a:lnRef idx="2">
+            <a:schemeClr val="accent1">
+              <a:shade val="50000"/>
+            </a:schemeClr>
+          </a:lnRef>
+          <a:fillRef idx="1">
+            <a:schemeClr val="accent1"/>
+          </a:fillRef>
+          <a:effectRef idx="0">
+            <a:schemeClr val="accent1"/>
+          </a:effectRef>
+          <a:fontRef idx="minor">
+            <a:schemeClr val="lt1"/>
+          </a:fontRef>
+        </p:style>
+        <p:txBody>
+          <a:bodyPr rtlCol="0" anchor="ctr"/>
+          <a:lstStyle/>
+          <a:p>
+            <a:pPr lvl="1"/>
+            <a:endParaRPr lang="en-AU" sz="2400" dirty="0">
+              <a:solidFill>
+                <a:schemeClr val="bg1"/>
+              </a:solidFill>
+              <a:latin typeface="Cooper Black" panose="0208090404030B020404" pitchFamily="18" charset="0"/>
+            </a:endParaRPr>
+          </a:p>
+        </p:txBody>
+      </p:sp>
+      <p:sp>
+        <p:nvSpPr>
+          <p:cNvPr id="3" name="Rectangle 2"/>
+          <p:cNvSpPr/>
+          <p:nvPr/>
+        </p:nvSpPr>
+        <p:spPr>
+          <a:xfrm>
+            <a:off x="539552" y="332656"/>
+            <a:ext cx="2404826" cy="646331"/>
+          </a:xfrm>
+          <a:prstGeom prst="rect">
+            <a:avLst/>
+          </a:prstGeom>
+        </p:spPr>
+        <p:txBody>
+          <a:bodyPr wrap="none">
+            <a:spAutoFit/>
+          </a:bodyPr>
+          <a:lstStyle/>
+          <a:p>
+            <a:pPr lvl="1"/>
+            <a:r>
+              <a:rPr lang="en-AU" sz="3600" dirty="0" err="1">
+                <a:solidFill>
+                  <a:schemeClr val="bg1"/>
+                </a:solidFill>
+                <a:latin typeface="Cooper Black" panose="0208090404030B020404" pitchFamily="18" charset="0"/>
+              </a:rPr>
+              <a:t>nodiam</a:t>
+            </a:r>
+            <a:endParaRPr lang="en-AU" sz="3600" dirty="0">
+              <a:solidFill>
+                <a:schemeClr val="bg1"/>
+              </a:solidFill>
+              <a:latin typeface="Cooper Black" panose="0208090404030B020404" pitchFamily="18" charset="0"/>
+            </a:endParaRPr>
+          </a:p>
+        </p:txBody>
+      </p:sp>
+      <p:pic>
+        <p:nvPicPr>
+          <p:cNvPr id="4" name="Picture 2" descr="D:\Anodiam\Docs\ProjectExecution\BA\ImageResources\AnodiamLogoReverseColorRightAligned.bmp"/>
+          <p:cNvPicPr>
+            <a:picLocks noChangeAspect="1" noChangeArrowheads="1"/>
+          </p:cNvPicPr>
+          <p:nvPr/>
+        </p:nvPicPr>
+        <p:blipFill>
+          <a:blip r:embed="rId2">
+            <a:extLst>
+              <a:ext uri="{28A0092B-C50C-407E-A947-70E740481C1C}">
+                <a14:useLocalDpi xmlns:a14="http://schemas.microsoft.com/office/drawing/2010/main" val="0"/>
+              </a:ext>
+            </a:extLst>
+          </a:blip>
+          <a:srcRect/>
+          <a:stretch>
+            <a:fillRect/>
+          </a:stretch>
+        </p:blipFill>
+        <p:spPr bwMode="auto">
+          <a:xfrm>
+            <a:off x="568355" y="404664"/>
+            <a:ext cx="475253" cy="509200"/>
+          </a:xfrm>
+          <a:prstGeom prst="rect">
+            <a:avLst/>
+          </a:prstGeom>
+          <a:noFill/>
+          <a:extLst>
+            <a:ext uri="{909E8E84-426E-40DD-AFC4-6F175D3DCCD1}">
+              <a14:hiddenFill xmlns:a14="http://schemas.microsoft.com/office/drawing/2010/main">
+                <a:solidFill>
+                  <a:srgbClr val="FFFFFF"/>
+                </a:solidFill>
+              </a14:hiddenFill>
+            </a:ext>
+          </a:extLst>
+        </p:spPr>
+      </p:pic>
+      <p:sp>
+        <p:nvSpPr>
+          <p:cNvPr id="5" name="Rectangle 4"/>
+          <p:cNvSpPr/>
+          <p:nvPr/>
+        </p:nvSpPr>
+        <p:spPr>
+          <a:xfrm>
+            <a:off x="7164288" y="548680"/>
+            <a:ext cx="1800200" cy="936104"/>
+          </a:xfrm>
+          <a:prstGeom prst="rect">
+            <a:avLst/>
+          </a:prstGeom>
+          <a:solidFill>
+            <a:schemeClr val="accent2">
+              <a:lumMod val="60000"/>
+              <a:lumOff val="40000"/>
+            </a:schemeClr>
+          </a:solidFill>
+        </p:spPr>
+        <p:style>
+          <a:lnRef idx="2">
+            <a:schemeClr val="accent1">
+              <a:shade val="50000"/>
+            </a:schemeClr>
+          </a:lnRef>
+          <a:fillRef idx="1">
+            <a:schemeClr val="accent1"/>
+          </a:fillRef>
+          <a:effectRef idx="0">
+            <a:schemeClr val="accent1"/>
+          </a:effectRef>
+          <a:fontRef idx="minor">
+            <a:schemeClr val="lt1"/>
+          </a:fontRef>
+        </p:style>
+        <p:txBody>
+          <a:bodyPr rtlCol="0" anchor="ctr"/>
+          <a:lstStyle/>
+          <a:p>
+            <a:r>
+              <a:rPr lang="en-AU" sz="1600" dirty="0"/>
+              <a:t>#</a:t>
+            </a:r>
+            <a:r>
+              <a:rPr lang="en-AU" sz="1600" dirty="0" smtClean="0"/>
+              <a:t>6f6fef 98%, #9f9fff 60%, #</a:t>
+            </a:r>
+            <a:r>
+              <a:rPr lang="en-AU" sz="1600" dirty="0" err="1" smtClean="0"/>
+              <a:t>fff</a:t>
+            </a:r>
+            <a:r>
+              <a:rPr lang="en-AU" sz="1600" dirty="0" smtClean="0"/>
+              <a:t> 1%, Linier gradient</a:t>
+            </a:r>
+            <a:endParaRPr lang="en-AU" sz="1600" dirty="0"/>
+          </a:p>
+        </p:txBody>
+      </p:sp>
+      <p:cxnSp>
+        <p:nvCxnSpPr>
+          <p:cNvPr id="7" name="Straight Arrow Connector 6"/>
+          <p:cNvCxnSpPr/>
+          <p:nvPr/>
+        </p:nvCxnSpPr>
+        <p:spPr>
+          <a:xfrm>
+            <a:off x="8964488" y="0"/>
+            <a:ext cx="0" cy="6858000"/>
+          </a:xfrm>
+          <a:prstGeom prst="straightConnector1">
+            <a:avLst/>
+          </a:prstGeom>
+          <a:ln>
+            <a:solidFill>
+              <a:schemeClr val="bg1"/>
+            </a:solidFill>
+            <a:headEnd type="arrow"/>
+            <a:tailEnd type="arrow"/>
+          </a:ln>
+        </p:spPr>
+        <p:style>
+          <a:lnRef idx="1">
+            <a:schemeClr val="accent1"/>
+          </a:lnRef>
+          <a:fillRef idx="0">
+            <a:schemeClr val="accent1"/>
+          </a:fillRef>
+          <a:effectRef idx="0">
+            <a:schemeClr val="accent1"/>
+          </a:effectRef>
+          <a:fontRef idx="minor">
+            <a:schemeClr val="tx1"/>
+          </a:fontRef>
+        </p:style>
+      </p:cxnSp>
+      <p:cxnSp>
+        <p:nvCxnSpPr>
+          <p:cNvPr id="9" name="Straight Connector 8"/>
+          <p:cNvCxnSpPr/>
+          <p:nvPr/>
+        </p:nvCxnSpPr>
+        <p:spPr>
+          <a:xfrm>
+            <a:off x="0" y="908720"/>
+            <a:ext cx="9161169" cy="0"/>
+          </a:xfrm>
+          <a:prstGeom prst="line">
+            <a:avLst/>
+          </a:prstGeom>
+          <a:ln>
+            <a:solidFill>
+              <a:srgbClr val="2F2FAF"/>
+            </a:solidFill>
+          </a:ln>
+        </p:spPr>
+        <p:style>
+          <a:lnRef idx="1">
+            <a:schemeClr val="accent1"/>
+          </a:lnRef>
+          <a:fillRef idx="0">
+            <a:schemeClr val="accent1"/>
+          </a:fillRef>
+          <a:effectRef idx="0">
+            <a:schemeClr val="accent1"/>
+          </a:effectRef>
+          <a:fontRef idx="minor">
+            <a:schemeClr val="tx1"/>
+          </a:fontRef>
+        </p:style>
+      </p:cxnSp>
+      <p:sp>
+        <p:nvSpPr>
+          <p:cNvPr id="10" name="Rectangle 9"/>
+          <p:cNvSpPr/>
+          <p:nvPr/>
+        </p:nvSpPr>
+        <p:spPr>
+          <a:xfrm>
+            <a:off x="805981" y="1052736"/>
+            <a:ext cx="1389755" cy="432048"/>
+          </a:xfrm>
+          <a:prstGeom prst="rect">
+            <a:avLst/>
+          </a:prstGeom>
+          <a:solidFill>
+            <a:srgbClr val="7F7FFF"/>
+          </a:solidFill>
+          <a:ln>
+            <a:solidFill>
+              <a:srgbClr val="7F7FFF"/>
+            </a:solidFill>
+          </a:ln>
+        </p:spPr>
+        <p:style>
+          <a:lnRef idx="2">
+            <a:schemeClr val="accent1">
+              <a:shade val="50000"/>
+            </a:schemeClr>
+          </a:lnRef>
+          <a:fillRef idx="1">
+            <a:schemeClr val="accent1"/>
+          </a:fillRef>
+          <a:effectRef idx="0">
+            <a:schemeClr val="accent1"/>
+          </a:effectRef>
+          <a:fontRef idx="minor">
+            <a:schemeClr val="lt1"/>
+          </a:fontRef>
+        </p:style>
+        <p:txBody>
+          <a:bodyPr rtlCol="0" anchor="ctr"/>
+          <a:lstStyle/>
+          <a:p>
+            <a:pPr algn="ctr"/>
+            <a:r>
+              <a:rPr lang="en-AU" sz="1600" b="1" dirty="0" smtClean="0">
+                <a:latin typeface="Arial" panose="020B0604020202020204" pitchFamily="34" charset="0"/>
+                <a:cs typeface="Arial" panose="020B0604020202020204" pitchFamily="34" charset="0"/>
+              </a:rPr>
+              <a:t>Sign Up</a:t>
+            </a:r>
+            <a:endParaRPr lang="en-AU" sz="1600" b="1" dirty="0">
+              <a:latin typeface="Arial" panose="020B0604020202020204" pitchFamily="34" charset="0"/>
+              <a:cs typeface="Arial" panose="020B0604020202020204" pitchFamily="34" charset="0"/>
+            </a:endParaRPr>
+          </a:p>
+        </p:txBody>
+      </p:sp>
+      <p:sp>
+        <p:nvSpPr>
+          <p:cNvPr id="11" name="Rectangle 10"/>
+          <p:cNvSpPr/>
+          <p:nvPr/>
+        </p:nvSpPr>
+        <p:spPr>
+          <a:xfrm>
+            <a:off x="2195735" y="1052736"/>
+            <a:ext cx="1389755" cy="432048"/>
+          </a:xfrm>
+          <a:prstGeom prst="rect">
+            <a:avLst/>
+          </a:prstGeom>
+          <a:solidFill>
+            <a:srgbClr val="7F7FFF"/>
+          </a:solidFill>
+          <a:ln>
+            <a:solidFill>
+              <a:srgbClr val="7F7FFF"/>
+            </a:solidFill>
+          </a:ln>
+        </p:spPr>
+        <p:style>
+          <a:lnRef idx="2">
+            <a:schemeClr val="accent1">
+              <a:shade val="50000"/>
+            </a:schemeClr>
+          </a:lnRef>
+          <a:fillRef idx="1">
+            <a:schemeClr val="accent1"/>
+          </a:fillRef>
+          <a:effectRef idx="0">
+            <a:schemeClr val="accent1"/>
+          </a:effectRef>
+          <a:fontRef idx="minor">
+            <a:schemeClr val="lt1"/>
+          </a:fontRef>
+        </p:style>
+        <p:txBody>
+          <a:bodyPr rtlCol="0" anchor="ctr"/>
+          <a:lstStyle/>
+          <a:p>
+            <a:pPr algn="ctr"/>
+            <a:r>
+              <a:rPr lang="en-AU" sz="1600" b="1" dirty="0" smtClean="0">
+                <a:latin typeface="Arial" panose="020B0604020202020204" pitchFamily="34" charset="0"/>
+                <a:cs typeface="Arial" panose="020B0604020202020204" pitchFamily="34" charset="0"/>
+              </a:rPr>
+              <a:t>Login</a:t>
+            </a:r>
+            <a:endParaRPr lang="en-AU" sz="1600" b="1" dirty="0">
+              <a:latin typeface="Arial" panose="020B0604020202020204" pitchFamily="34" charset="0"/>
+              <a:cs typeface="Arial" panose="020B0604020202020204" pitchFamily="34" charset="0"/>
+            </a:endParaRPr>
+          </a:p>
+        </p:txBody>
+      </p:sp>
+      <p:cxnSp>
+        <p:nvCxnSpPr>
+          <p:cNvPr id="13" name="Straight Connector 12"/>
+          <p:cNvCxnSpPr/>
+          <p:nvPr/>
+        </p:nvCxnSpPr>
+        <p:spPr>
+          <a:xfrm>
+            <a:off x="0" y="1484784"/>
+            <a:ext cx="1043608" cy="0"/>
+          </a:xfrm>
+          <a:prstGeom prst="line">
+            <a:avLst/>
+          </a:prstGeom>
+          <a:ln>
+            <a:solidFill>
+              <a:srgbClr val="0F0F7F"/>
+            </a:solidFill>
+          </a:ln>
+        </p:spPr>
+        <p:style>
+          <a:lnRef idx="1">
+            <a:schemeClr val="accent1"/>
+          </a:lnRef>
+          <a:fillRef idx="0">
+            <a:schemeClr val="accent1"/>
+          </a:fillRef>
+          <a:effectRef idx="0">
+            <a:schemeClr val="accent1"/>
+          </a:effectRef>
+          <a:fontRef idx="minor">
+            <a:schemeClr val="tx1"/>
+          </a:fontRef>
+        </p:style>
+      </p:cxnSp>
+      <p:cxnSp>
+        <p:nvCxnSpPr>
+          <p:cNvPr id="15" name="Straight Connector 14"/>
+          <p:cNvCxnSpPr/>
+          <p:nvPr/>
+        </p:nvCxnSpPr>
+        <p:spPr>
+          <a:xfrm flipV="1">
+            <a:off x="1043608" y="1052736"/>
+            <a:ext cx="0" cy="432048"/>
+          </a:xfrm>
+          <a:prstGeom prst="line">
+            <a:avLst/>
+          </a:prstGeom>
+          <a:ln>
+            <a:solidFill>
+              <a:srgbClr val="0F0F7F"/>
+            </a:solidFill>
+          </a:ln>
+        </p:spPr>
+        <p:style>
+          <a:lnRef idx="1">
+            <a:schemeClr val="accent1"/>
+          </a:lnRef>
+          <a:fillRef idx="0">
+            <a:schemeClr val="accent1"/>
+          </a:fillRef>
+          <a:effectRef idx="0">
+            <a:schemeClr val="accent1"/>
+          </a:effectRef>
+          <a:fontRef idx="minor">
+            <a:schemeClr val="tx1"/>
+          </a:fontRef>
+        </p:style>
+      </p:cxnSp>
+      <p:cxnSp>
+        <p:nvCxnSpPr>
+          <p:cNvPr id="17" name="Straight Connector 16"/>
+          <p:cNvCxnSpPr/>
+          <p:nvPr/>
+        </p:nvCxnSpPr>
+        <p:spPr>
+          <a:xfrm>
+            <a:off x="1043608" y="1052736"/>
+            <a:ext cx="1008112" cy="0"/>
+          </a:xfrm>
+          <a:prstGeom prst="line">
+            <a:avLst/>
+          </a:prstGeom>
+          <a:ln>
+            <a:solidFill>
+              <a:srgbClr val="0F0F7F"/>
+            </a:solidFill>
+          </a:ln>
+        </p:spPr>
+        <p:style>
+          <a:lnRef idx="1">
+            <a:schemeClr val="accent1"/>
+          </a:lnRef>
+          <a:fillRef idx="0">
+            <a:schemeClr val="accent1"/>
+          </a:fillRef>
+          <a:effectRef idx="0">
+            <a:schemeClr val="accent1"/>
+          </a:effectRef>
+          <a:fontRef idx="minor">
+            <a:schemeClr val="tx1"/>
+          </a:fontRef>
+        </p:style>
+      </p:cxnSp>
+      <p:cxnSp>
+        <p:nvCxnSpPr>
+          <p:cNvPr id="19" name="Straight Connector 18"/>
+          <p:cNvCxnSpPr/>
+          <p:nvPr/>
+        </p:nvCxnSpPr>
+        <p:spPr>
+          <a:xfrm>
+            <a:off x="2051720" y="1052736"/>
+            <a:ext cx="0" cy="432048"/>
+          </a:xfrm>
+          <a:prstGeom prst="line">
+            <a:avLst/>
+          </a:prstGeom>
+          <a:ln>
+            <a:solidFill>
+              <a:srgbClr val="0F0F7F"/>
+            </a:solidFill>
+          </a:ln>
+        </p:spPr>
+        <p:style>
+          <a:lnRef idx="1">
+            <a:schemeClr val="accent1"/>
+          </a:lnRef>
+          <a:fillRef idx="0">
+            <a:schemeClr val="accent1"/>
+          </a:fillRef>
+          <a:effectRef idx="0">
+            <a:schemeClr val="accent1"/>
+          </a:effectRef>
+          <a:fontRef idx="minor">
+            <a:schemeClr val="tx1"/>
+          </a:fontRef>
+        </p:style>
+      </p:cxnSp>
+      <p:cxnSp>
+        <p:nvCxnSpPr>
+          <p:cNvPr id="21" name="Straight Connector 20"/>
+          <p:cNvCxnSpPr/>
+          <p:nvPr/>
+        </p:nvCxnSpPr>
+        <p:spPr>
+          <a:xfrm>
+            <a:off x="2051720" y="1484784"/>
+            <a:ext cx="7109449" cy="0"/>
+          </a:xfrm>
+          <a:prstGeom prst="line">
+            <a:avLst/>
+          </a:prstGeom>
+          <a:ln>
+            <a:solidFill>
+              <a:srgbClr val="0F0F7F"/>
+            </a:solidFill>
+          </a:ln>
+        </p:spPr>
+        <p:style>
+          <a:lnRef idx="1">
+            <a:schemeClr val="accent1"/>
+          </a:lnRef>
+          <a:fillRef idx="0">
+            <a:schemeClr val="accent1"/>
+          </a:fillRef>
+          <a:effectRef idx="0">
+            <a:schemeClr val="accent1"/>
+          </a:effectRef>
+          <a:fontRef idx="minor">
+            <a:schemeClr val="tx1"/>
+          </a:fontRef>
+        </p:style>
+      </p:cxnSp>
+    </p:spTree>
+    <p:extLst>
+      <p:ext uri="{BB962C8B-B14F-4D97-AF65-F5344CB8AC3E}">
+        <p14:creationId xmlns:p14="http://schemas.microsoft.com/office/powerpoint/2010/main" val="2633618832"/>
       </p:ext>
     </p:extLst>
   </p:cSld>

--- a/ProjectExecution/BA/SpecsWireframes/new001Wireframes.pptx
+++ b/ProjectExecution/BA/SpecsWireframes/new001Wireframes.pptx
@@ -5,12 +5,13 @@
     <p:sldMasterId id="2147483648" r:id="rId1"/>
   </p:sldMasterIdLst>
   <p:notesMasterIdLst>
-    <p:notesMasterId r:id="rId5"/>
+    <p:notesMasterId r:id="rId6"/>
   </p:notesMasterIdLst>
   <p:sldIdLst>
-    <p:sldId id="256" r:id="rId2"/>
-    <p:sldId id="257" r:id="rId3"/>
-    <p:sldId id="258" r:id="rId4"/>
+    <p:sldId id="259" r:id="rId2"/>
+    <p:sldId id="256" r:id="rId3"/>
+    <p:sldId id="257" r:id="rId4"/>
+    <p:sldId id="258" r:id="rId5"/>
   </p:sldIdLst>
   <p:sldSz cx="9144000" cy="6858000" type="screen4x3"/>
   <p:notesSz cx="6858000" cy="9144000"/>
@@ -194,7 +195,7 @@
           <a:p>
             <a:fld id="{26483215-80E3-4A52-98A5-4C379A79CA39}" type="datetimeFigureOut">
               <a:rPr lang="en-AU" smtClean="0"/>
-              <a:t>12/08/2020</a:t>
+              <a:t>14/08/2020</a:t>
             </a:fld>
             <a:endParaRPr lang="en-AU"/>
           </a:p>
@@ -527,7 +528,7 @@
           <a:p>
             <a:fld id="{52ABDD3E-57A4-4A7C-8FEE-AE2738C669D0}" type="slidenum">
               <a:rPr lang="en-AU" smtClean="0"/>
-              <a:t>1</a:t>
+              <a:t>2</a:t>
             </a:fld>
             <a:endParaRPr lang="en-AU"/>
           </a:p>
@@ -727,7 +728,7 @@
           <a:p>
             <a:fld id="{BB2A88D7-68F7-4681-80B5-BDD492DE1B81}" type="datetimeFigureOut">
               <a:rPr lang="en-AU" smtClean="0"/>
-              <a:t>12/08/2020</a:t>
+              <a:t>14/08/2020</a:t>
             </a:fld>
             <a:endParaRPr lang="en-AU"/>
           </a:p>
@@ -897,7 +898,7 @@
           <a:p>
             <a:fld id="{BB2A88D7-68F7-4681-80B5-BDD492DE1B81}" type="datetimeFigureOut">
               <a:rPr lang="en-AU" smtClean="0"/>
-              <a:t>12/08/2020</a:t>
+              <a:t>14/08/2020</a:t>
             </a:fld>
             <a:endParaRPr lang="en-AU"/>
           </a:p>
@@ -1077,7 +1078,7 @@
           <a:p>
             <a:fld id="{BB2A88D7-68F7-4681-80B5-BDD492DE1B81}" type="datetimeFigureOut">
               <a:rPr lang="en-AU" smtClean="0"/>
-              <a:t>12/08/2020</a:t>
+              <a:t>14/08/2020</a:t>
             </a:fld>
             <a:endParaRPr lang="en-AU"/>
           </a:p>
@@ -1247,7 +1248,7 @@
           <a:p>
             <a:fld id="{BB2A88D7-68F7-4681-80B5-BDD492DE1B81}" type="datetimeFigureOut">
               <a:rPr lang="en-AU" smtClean="0"/>
-              <a:t>12/08/2020</a:t>
+              <a:t>14/08/2020</a:t>
             </a:fld>
             <a:endParaRPr lang="en-AU"/>
           </a:p>
@@ -1493,7 +1494,7 @@
           <a:p>
             <a:fld id="{BB2A88D7-68F7-4681-80B5-BDD492DE1B81}" type="datetimeFigureOut">
               <a:rPr lang="en-AU" smtClean="0"/>
-              <a:t>12/08/2020</a:t>
+              <a:t>14/08/2020</a:t>
             </a:fld>
             <a:endParaRPr lang="en-AU"/>
           </a:p>
@@ -1781,7 +1782,7 @@
           <a:p>
             <a:fld id="{BB2A88D7-68F7-4681-80B5-BDD492DE1B81}" type="datetimeFigureOut">
               <a:rPr lang="en-AU" smtClean="0"/>
-              <a:t>12/08/2020</a:t>
+              <a:t>14/08/2020</a:t>
             </a:fld>
             <a:endParaRPr lang="en-AU"/>
           </a:p>
@@ -2203,7 +2204,7 @@
           <a:p>
             <a:fld id="{BB2A88D7-68F7-4681-80B5-BDD492DE1B81}" type="datetimeFigureOut">
               <a:rPr lang="en-AU" smtClean="0"/>
-              <a:t>12/08/2020</a:t>
+              <a:t>14/08/2020</a:t>
             </a:fld>
             <a:endParaRPr lang="en-AU"/>
           </a:p>
@@ -2321,7 +2322,7 @@
           <a:p>
             <a:fld id="{BB2A88D7-68F7-4681-80B5-BDD492DE1B81}" type="datetimeFigureOut">
               <a:rPr lang="en-AU" smtClean="0"/>
-              <a:t>12/08/2020</a:t>
+              <a:t>14/08/2020</a:t>
             </a:fld>
             <a:endParaRPr lang="en-AU"/>
           </a:p>
@@ -2416,7 +2417,7 @@
           <a:p>
             <a:fld id="{BB2A88D7-68F7-4681-80B5-BDD492DE1B81}" type="datetimeFigureOut">
               <a:rPr lang="en-AU" smtClean="0"/>
-              <a:t>12/08/2020</a:t>
+              <a:t>14/08/2020</a:t>
             </a:fld>
             <a:endParaRPr lang="en-AU"/>
           </a:p>
@@ -2693,7 +2694,7 @@
           <a:p>
             <a:fld id="{BB2A88D7-68F7-4681-80B5-BDD492DE1B81}" type="datetimeFigureOut">
               <a:rPr lang="en-AU" smtClean="0"/>
-              <a:t>12/08/2020</a:t>
+              <a:t>14/08/2020</a:t>
             </a:fld>
             <a:endParaRPr lang="en-AU"/>
           </a:p>
@@ -2946,7 +2947,7 @@
           <a:p>
             <a:fld id="{BB2A88D7-68F7-4681-80B5-BDD492DE1B81}" type="datetimeFigureOut">
               <a:rPr lang="en-AU" smtClean="0"/>
-              <a:t>12/08/2020</a:t>
+              <a:t>14/08/2020</a:t>
             </a:fld>
             <a:endParaRPr lang="en-AU"/>
           </a:p>
@@ -3159,7 +3160,7 @@
           <a:p>
             <a:fld id="{BB2A88D7-68F7-4681-80B5-BDD492DE1B81}" type="datetimeFigureOut">
               <a:rPr lang="en-AU" smtClean="0"/>
-              <a:t>12/08/2020</a:t>
+              <a:t>14/08/2020</a:t>
             </a:fld>
             <a:endParaRPr lang="en-AU"/>
           </a:p>
@@ -3536,2199 +3537,1094 @@
       </p:grpSpPr>
       <p:sp>
         <p:nvSpPr>
-          <p:cNvPr id="4" name="Rectangle 3"/>
+          <p:cNvPr id="2" name="Rectangle 1"/>
           <p:cNvSpPr/>
           <p:nvPr/>
         </p:nvSpPr>
         <p:spPr>
           <a:xfrm>
-            <a:off x="0" y="0"/>
-            <a:ext cx="9144000" cy="872716"/>
+            <a:off x="2771333" y="980728"/>
+            <a:ext cx="3363934" cy="480901"/>
           </a:xfrm>
           <a:prstGeom prst="rect">
             <a:avLst/>
           </a:prstGeom>
-          <a:solidFill>
-            <a:srgbClr val="0F0F7F"/>
-          </a:solidFill>
-        </p:spPr>
-        <p:style>
-          <a:lnRef idx="2">
-            <a:schemeClr val="accent1">
-              <a:shade val="50000"/>
-            </a:schemeClr>
-          </a:lnRef>
-          <a:fillRef idx="1">
-            <a:schemeClr val="accent1"/>
-          </a:fillRef>
-          <a:effectRef idx="0">
-            <a:schemeClr val="accent1"/>
-          </a:effectRef>
-          <a:fontRef idx="minor">
-            <a:schemeClr val="lt1"/>
-          </a:fontRef>
-        </p:style>
-        <p:txBody>
-          <a:bodyPr rtlCol="0" anchor="ctr"/>
-          <a:lstStyle/>
-          <a:p>
-            <a:pPr algn="ctr"/>
-            <a:endParaRPr lang="en-AU"/>
-          </a:p>
-        </p:txBody>
-      </p:sp>
-      <p:sp>
-        <p:nvSpPr>
-          <p:cNvPr id="6" name="Rectangle 5"/>
-          <p:cNvSpPr/>
-          <p:nvPr/>
-        </p:nvSpPr>
-        <p:spPr>
-          <a:xfrm>
-            <a:off x="0" y="6514719"/>
-            <a:ext cx="9144000" cy="370665"/>
-          </a:xfrm>
-          <a:prstGeom prst="rect">
-            <a:avLst/>
-          </a:prstGeom>
-          <a:solidFill>
-            <a:srgbClr val="0F0F7F"/>
-          </a:solidFill>
-        </p:spPr>
-        <p:style>
-          <a:lnRef idx="2">
-            <a:schemeClr val="accent1">
-              <a:shade val="50000"/>
-            </a:schemeClr>
-          </a:lnRef>
-          <a:fillRef idx="1">
-            <a:schemeClr val="accent1"/>
-          </a:fillRef>
-          <a:effectRef idx="0">
-            <a:schemeClr val="accent1"/>
-          </a:effectRef>
-          <a:fontRef idx="minor">
-            <a:schemeClr val="lt1"/>
-          </a:fontRef>
-        </p:style>
-        <p:txBody>
-          <a:bodyPr lIns="180000" rIns="180000" bIns="108000" rtlCol="0" anchor="ctr">
+        </p:spPr>
+        <p:txBody>
+          <a:bodyPr wrap="none">
             <a:spAutoFit/>
           </a:bodyPr>
           <a:lstStyle/>
           <a:p>
+            <a:pPr algn="ctr">
+              <a:lnSpc>
+                <a:spcPct val="115000"/>
+              </a:lnSpc>
+              <a:spcAft>
+                <a:spcPts val="0"/>
+              </a:spcAft>
+            </a:pPr>
+            <a:r>
+              <a:rPr lang="en-US" sz="2400" b="1" dirty="0" smtClean="0">
+                <a:latin typeface="Arial" panose="020B0604020202020204" pitchFamily="34" charset="0"/>
+                <a:ea typeface="Arial" panose="020B0604020202020204" pitchFamily="34" charset="0"/>
+              </a:rPr>
+              <a:t>Anodiam: Wireframes</a:t>
+            </a:r>
+            <a:endParaRPr lang="en-AU" sz="2400" dirty="0">
+              <a:effectLst/>
+              <a:latin typeface="Arial" panose="020B0604020202020204" pitchFamily="34" charset="0"/>
+              <a:ea typeface="Arial" panose="020B0604020202020204" pitchFamily="34" charset="0"/>
+            </a:endParaRPr>
+          </a:p>
+        </p:txBody>
+      </p:sp>
+      <p:sp>
+        <p:nvSpPr>
+          <p:cNvPr id="3" name="Rectangle 2"/>
+          <p:cNvSpPr/>
+          <p:nvPr/>
+        </p:nvSpPr>
+        <p:spPr>
+          <a:xfrm>
+            <a:off x="431032" y="1988840"/>
+            <a:ext cx="8245424" cy="307777"/>
+          </a:xfrm>
+          <a:prstGeom prst="rect">
+            <a:avLst/>
+          </a:prstGeom>
+        </p:spPr>
+        <p:txBody>
+          <a:bodyPr wrap="square">
+            <a:spAutoFit/>
+          </a:bodyPr>
+          <a:lstStyle/>
+          <a:p>
             <a:pPr algn="ctr"/>
             <a:r>
-              <a:rPr lang="en-AU" sz="1400" b="1" dirty="0" smtClean="0">
+              <a:rPr lang="en-US" sz="1400" dirty="0">
+                <a:latin typeface="Arial" panose="020B0604020202020204" pitchFamily="34" charset="0"/>
+                <a:ea typeface="Arial" panose="020B0604020202020204" pitchFamily="34" charset="0"/>
+              </a:rPr>
+              <a:t>Link: </a:t>
+            </a:r>
+            <a:r>
+              <a:rPr lang="en-US" sz="1400" u="sng" dirty="0">
                 <a:solidFill>
-                  <a:srgbClr val="FFFFFF"/>
-                </a:solidFill>
-                <a:latin typeface="Cooper Black" panose="0208090404030B020404" pitchFamily="18" charset="0"/>
-              </a:rPr>
-              <a:t>© </a:t>
-            </a:r>
-            <a:r>
-              <a:rPr lang="en-AU" sz="1400" b="1" dirty="0" smtClean="0">
-                <a:solidFill>
-                  <a:srgbClr val="FFFFFF"/>
+                  <a:srgbClr val="0000FF"/>
                 </a:solidFill>
                 <a:latin typeface="Arial" panose="020B0604020202020204" pitchFamily="34" charset="0"/>
-                <a:cs typeface="Arial" panose="020B0604020202020204" pitchFamily="34" charset="0"/>
+                <a:ea typeface="Arial" panose="020B0604020202020204" pitchFamily="34" charset="0"/>
+                <a:hlinkClick r:id="rId2"/>
               </a:rPr>
-              <a:t>2020</a:t>
-            </a:r>
-            <a:r>
-              <a:rPr lang="en-AU" sz="1400" b="1" dirty="0" smtClean="0">
-                <a:solidFill>
-                  <a:srgbClr val="FFFFFF"/>
-                </a:solidFill>
-                <a:latin typeface="Cooper Black" panose="0208090404030B020404" pitchFamily="18" charset="0"/>
+              <a:t>https://github.com/anodiamadm/Docs</a:t>
+            </a:r>
+            <a:r>
+              <a:rPr lang="en-US" sz="1400" dirty="0">
+                <a:latin typeface="Arial" panose="020B0604020202020204" pitchFamily="34" charset="0"/>
+                <a:ea typeface="Arial" panose="020B0604020202020204" pitchFamily="34" charset="0"/>
               </a:rPr>
-              <a:t>  </a:t>
-            </a:r>
-            <a:r>
-              <a:rPr lang="en-AU" sz="1400" b="1" dirty="0" smtClean="0">
-                <a:solidFill>
-                  <a:srgbClr val="FFFFFF"/>
-                </a:solidFill>
+              <a:t> &gt; </a:t>
+            </a:r>
+            <a:r>
+              <a:rPr lang="en-US" sz="1400" dirty="0" err="1" smtClean="0">
                 <a:latin typeface="Arial" panose="020B0604020202020204" pitchFamily="34" charset="0"/>
-                <a:cs typeface="Arial" panose="020B0604020202020204" pitchFamily="34" charset="0"/>
+                <a:ea typeface="Arial" panose="020B0604020202020204" pitchFamily="34" charset="0"/>
               </a:rPr>
-              <a:t>Anodia</a:t>
-            </a:r>
-            <a:r>
-              <a:rPr lang="en-AU" sz="1400" b="1" dirty="0">
-                <a:solidFill>
-                  <a:srgbClr val="FFFFFF"/>
-                </a:solidFill>
+              <a:t>ProjectExecution</a:t>
+            </a:r>
+            <a:r>
+              <a:rPr lang="en-US" sz="1400" dirty="0" smtClean="0">
                 <a:latin typeface="Arial" panose="020B0604020202020204" pitchFamily="34" charset="0"/>
-                <a:cs typeface="Arial" panose="020B0604020202020204" pitchFamily="34" charset="0"/>
+                <a:ea typeface="Arial" panose="020B0604020202020204" pitchFamily="34" charset="0"/>
               </a:rPr>
-              <a:t>m</a:t>
-            </a:r>
-            <a:r>
-              <a:rPr lang="en-AU" sz="1400" b="1" dirty="0" smtClean="0">
-                <a:solidFill>
-                  <a:srgbClr val="FFFFFF"/>
-                </a:solidFill>
-                <a:latin typeface="Cooper Black" panose="0208090404030B020404" pitchFamily="18" charset="0"/>
+              <a:t> &gt; BA &gt; </a:t>
+            </a:r>
+            <a:r>
+              <a:rPr lang="en-US" sz="1400" dirty="0" err="1" smtClean="0">
+                <a:latin typeface="Arial" panose="020B0604020202020204" pitchFamily="34" charset="0"/>
+                <a:ea typeface="Arial" panose="020B0604020202020204" pitchFamily="34" charset="0"/>
               </a:rPr>
-              <a:t>  </a:t>
-            </a:r>
-            <a:r>
-              <a:rPr lang="en-AU" sz="1400" b="1" dirty="0" smtClean="0">
-                <a:solidFill>
-                  <a:srgbClr val="FFFFFF"/>
-                </a:solidFill>
-                <a:latin typeface="Arial" panose="020B0604020202020204" pitchFamily="34" charset="0"/>
-                <a:cs typeface="Arial" panose="020B0604020202020204" pitchFamily="34" charset="0"/>
-              </a:rPr>
-              <a:t>All rights reserved</a:t>
-            </a:r>
-            <a:endParaRPr lang="en-AU" sz="1400" b="1" dirty="0">
-              <a:solidFill>
-                <a:srgbClr val="FFFFFF"/>
-              </a:solidFill>
-              <a:latin typeface="Arial" panose="020B0604020202020204" pitchFamily="34" charset="0"/>
-              <a:cs typeface="Arial" panose="020B0604020202020204" pitchFamily="34" charset="0"/>
-            </a:endParaRPr>
-          </a:p>
-        </p:txBody>
-      </p:sp>
-      <p:sp>
-        <p:nvSpPr>
-          <p:cNvPr id="7" name="Rectangle 6"/>
-          <p:cNvSpPr/>
-          <p:nvPr/>
-        </p:nvSpPr>
-        <p:spPr>
-          <a:xfrm>
-            <a:off x="0" y="1063333"/>
-            <a:ext cx="9161169" cy="5451386"/>
-          </a:xfrm>
-          <a:prstGeom prst="rect">
-            <a:avLst/>
-          </a:prstGeom>
-          <a:gradFill flip="none" rotWithShape="1">
-            <a:gsLst>
-              <a:gs pos="98000">
-                <a:srgbClr val="6F6FEF"/>
-              </a:gs>
-              <a:gs pos="47089">
-                <a:srgbClr val="9F9FF6"/>
-              </a:gs>
-              <a:gs pos="1000">
-                <a:srgbClr val="DFDFFF"/>
-              </a:gs>
-            </a:gsLst>
-            <a:lin ang="16200000" scaled="1"/>
-            <a:tileRect/>
-          </a:gradFill>
-          <a:ln>
-            <a:noFill/>
-          </a:ln>
-        </p:spPr>
-        <p:style>
-          <a:lnRef idx="2">
-            <a:schemeClr val="accent1">
-              <a:shade val="50000"/>
-            </a:schemeClr>
-          </a:lnRef>
-          <a:fillRef idx="1">
-            <a:schemeClr val="accent1"/>
-          </a:fillRef>
-          <a:effectRef idx="0">
-            <a:schemeClr val="accent1"/>
-          </a:effectRef>
-          <a:fontRef idx="minor">
-            <a:schemeClr val="lt1"/>
-          </a:fontRef>
-        </p:style>
-        <p:txBody>
-          <a:bodyPr rtlCol="0" anchor="ctr"/>
-          <a:lstStyle/>
-          <a:p>
-            <a:pPr lvl="1"/>
-            <a:endParaRPr lang="en-AU" sz="2400" dirty="0">
-              <a:latin typeface="Cooper Black" panose="0208090404030B020404" pitchFamily="18" charset="0"/>
-            </a:endParaRPr>
-          </a:p>
-        </p:txBody>
-      </p:sp>
-      <p:sp>
-        <p:nvSpPr>
-          <p:cNvPr id="5" name="Rounded Rectangle 4"/>
-          <p:cNvSpPr/>
-          <p:nvPr/>
-        </p:nvSpPr>
-        <p:spPr>
-          <a:xfrm>
-            <a:off x="0" y="261077"/>
-            <a:ext cx="9144000" cy="1008112"/>
-          </a:xfrm>
-          <a:prstGeom prst="roundRect">
-            <a:avLst/>
-          </a:prstGeom>
-          <a:gradFill>
-            <a:gsLst>
-              <a:gs pos="67000">
-                <a:srgbClr val="6F6FEF"/>
-              </a:gs>
-              <a:gs pos="100000">
-                <a:srgbClr val="FFFFFF"/>
-              </a:gs>
-            </a:gsLst>
-            <a:lin ang="5400000" scaled="1"/>
-          </a:gradFill>
-        </p:spPr>
-        <p:style>
-          <a:lnRef idx="2">
-            <a:schemeClr val="accent1">
-              <a:shade val="50000"/>
-            </a:schemeClr>
-          </a:lnRef>
-          <a:fillRef idx="1">
-            <a:schemeClr val="accent1"/>
-          </a:fillRef>
-          <a:effectRef idx="0">
-            <a:schemeClr val="accent1"/>
-          </a:effectRef>
-          <a:fontRef idx="minor">
-            <a:schemeClr val="lt1"/>
-          </a:fontRef>
-        </p:style>
-        <p:txBody>
-          <a:bodyPr rtlCol="0" anchor="ctr"/>
-          <a:lstStyle/>
-          <a:p>
-            <a:pPr lvl="1"/>
-            <a:r>
-              <a:rPr lang="en-AU" sz="3600" dirty="0" err="1" smtClean="0">
-                <a:solidFill>
-                  <a:schemeClr val="bg1"/>
-                </a:solidFill>
-                <a:latin typeface="Cooper Black" panose="0208090404030B020404" pitchFamily="18" charset="0"/>
-              </a:rPr>
-              <a:t>nodiam</a:t>
-            </a:r>
-            <a:endParaRPr lang="en-AU" sz="3600" dirty="0">
-              <a:solidFill>
-                <a:schemeClr val="bg1"/>
-              </a:solidFill>
-              <a:latin typeface="Cooper Black" panose="0208090404030B020404" pitchFamily="18" charset="0"/>
-            </a:endParaRPr>
-          </a:p>
-        </p:txBody>
-      </p:sp>
-      <p:pic>
-        <p:nvPicPr>
-          <p:cNvPr id="1026" name="Picture 2" descr="D:\Anodiam\Docs\ProjectExecution\BA\ImageResources\AnodiamLogoReverseColorRightAligned.bmp"/>
-          <p:cNvPicPr>
-            <a:picLocks noChangeAspect="1" noChangeArrowheads="1"/>
-          </p:cNvPicPr>
-          <p:nvPr/>
-        </p:nvPicPr>
-        <p:blipFill>
-          <a:blip r:embed="rId3">
-            <a:extLst>
-              <a:ext uri="{28A0092B-C50C-407E-A947-70E740481C1C}">
-                <a14:useLocalDpi xmlns:a14="http://schemas.microsoft.com/office/drawing/2010/main" val="0"/>
-              </a:ext>
-            </a:extLst>
-          </a:blip>
-          <a:srcRect/>
-          <a:stretch>
-            <a:fillRect/>
-          </a:stretch>
-        </p:blipFill>
-        <p:spPr bwMode="auto">
-          <a:xfrm>
-            <a:off x="107504" y="471528"/>
-            <a:ext cx="475253" cy="509200"/>
-          </a:xfrm>
-          <a:prstGeom prst="rect">
-            <a:avLst/>
-          </a:prstGeom>
-          <a:noFill/>
-          <a:extLst>
-            <a:ext uri="{909E8E84-426E-40DD-AFC4-6F175D3DCCD1}">
-              <a14:hiddenFill xmlns:a14="http://schemas.microsoft.com/office/drawing/2010/main">
-                <a:solidFill>
-                  <a:srgbClr val="FFFFFF"/>
-                </a:solidFill>
-              </a14:hiddenFill>
-            </a:ext>
-          </a:extLst>
-        </p:spPr>
-      </p:pic>
-      <p:sp>
-        <p:nvSpPr>
-          <p:cNvPr id="8" name="Rectangle 7"/>
-          <p:cNvSpPr/>
-          <p:nvPr/>
-        </p:nvSpPr>
-        <p:spPr>
-          <a:xfrm>
-            <a:off x="2987824" y="546537"/>
-            <a:ext cx="2520280" cy="437192"/>
-          </a:xfrm>
-          <a:prstGeom prst="rect">
-            <a:avLst/>
-          </a:prstGeom>
-          <a:ln>
-            <a:solidFill>
-              <a:srgbClr val="6F6FEF"/>
-            </a:solidFill>
-          </a:ln>
-        </p:spPr>
-        <p:style>
-          <a:lnRef idx="2">
-            <a:schemeClr val="dk1"/>
-          </a:lnRef>
-          <a:fillRef idx="1">
-            <a:schemeClr val="lt1"/>
-          </a:fillRef>
-          <a:effectRef idx="0">
-            <a:schemeClr val="dk1"/>
-          </a:effectRef>
-          <a:fontRef idx="minor">
-            <a:schemeClr val="dk1"/>
-          </a:fontRef>
-        </p:style>
-        <p:txBody>
-          <a:bodyPr rtlCol="0" anchor="ctr"/>
-          <a:lstStyle/>
-          <a:p>
-            <a:pPr algn="ctr"/>
-            <a:r>
-              <a:rPr lang="en-AU" sz="1600" dirty="0" smtClean="0">
-                <a:solidFill>
-                  <a:srgbClr val="BFBFFF"/>
-                </a:solidFill>
-                <a:latin typeface="Arial" panose="020B0604020202020204" pitchFamily="34" charset="0"/>
-                <a:cs typeface="Arial" panose="020B0604020202020204" pitchFamily="34" charset="0"/>
-              </a:rPr>
-              <a:t>Type Here</a:t>
-            </a:r>
-            <a:endParaRPr lang="en-AU" sz="1600" dirty="0">
-              <a:solidFill>
-                <a:srgbClr val="BFBFFF"/>
-              </a:solidFill>
-              <a:latin typeface="Arial" panose="020B0604020202020204" pitchFamily="34" charset="0"/>
-              <a:cs typeface="Arial" panose="020B0604020202020204" pitchFamily="34" charset="0"/>
-            </a:endParaRPr>
-          </a:p>
-        </p:txBody>
-      </p:sp>
-      <p:pic>
-        <p:nvPicPr>
-          <p:cNvPr id="1028" name="Picture 4" descr="Search Icons - Download Free Vector Icons | Noun Project"/>
-          <p:cNvPicPr>
-            <a:picLocks noChangeAspect="1" noChangeArrowheads="1"/>
-          </p:cNvPicPr>
-          <p:nvPr/>
-        </p:nvPicPr>
-        <p:blipFill>
-          <a:blip r:embed="rId4" cstate="print">
-            <a:extLst>
-              <a:ext uri="{28A0092B-C50C-407E-A947-70E740481C1C}">
-                <a14:useLocalDpi xmlns:a14="http://schemas.microsoft.com/office/drawing/2010/main" val="0"/>
-              </a:ext>
-            </a:extLst>
-          </a:blip>
-          <a:srcRect/>
-          <a:stretch>
-            <a:fillRect/>
-          </a:stretch>
-        </p:blipFill>
-        <p:spPr bwMode="auto">
-          <a:xfrm>
-            <a:off x="5148064" y="584684"/>
-            <a:ext cx="324036" cy="324036"/>
-          </a:xfrm>
-          <a:prstGeom prst="rect">
-            <a:avLst/>
-          </a:prstGeom>
-          <a:noFill/>
-          <a:extLst>
-            <a:ext uri="{909E8E84-426E-40DD-AFC4-6F175D3DCCD1}">
-              <a14:hiddenFill xmlns:a14="http://schemas.microsoft.com/office/drawing/2010/main">
-                <a:solidFill>
-                  <a:srgbClr val="FFFFFF"/>
-                </a:solidFill>
-              </a14:hiddenFill>
-            </a:ext>
-          </a:extLst>
-        </p:spPr>
-      </p:pic>
-      <p:sp>
-        <p:nvSpPr>
-          <p:cNvPr id="9" name="Rectangle 8"/>
-          <p:cNvSpPr/>
-          <p:nvPr/>
-        </p:nvSpPr>
-        <p:spPr>
-          <a:xfrm>
-            <a:off x="5984202" y="620688"/>
-            <a:ext cx="1224136" cy="327037"/>
-          </a:xfrm>
-          <a:prstGeom prst="rect">
-            <a:avLst/>
-          </a:prstGeom>
-          <a:solidFill>
-            <a:srgbClr val="6F6FEF"/>
-          </a:solidFill>
-          <a:ln>
-            <a:solidFill>
-              <a:srgbClr val="6F6FEF"/>
-            </a:solidFill>
-          </a:ln>
-        </p:spPr>
-        <p:style>
-          <a:lnRef idx="2">
-            <a:schemeClr val="accent1">
-              <a:shade val="50000"/>
-            </a:schemeClr>
-          </a:lnRef>
-          <a:fillRef idx="1">
-            <a:schemeClr val="accent1"/>
-          </a:fillRef>
-          <a:effectRef idx="0">
-            <a:schemeClr val="accent1"/>
-          </a:effectRef>
-          <a:fontRef idx="minor">
-            <a:schemeClr val="lt1"/>
-          </a:fontRef>
-        </p:style>
-        <p:txBody>
-          <a:bodyPr rtlCol="0" anchor="ctr"/>
-          <a:lstStyle/>
-          <a:p>
-            <a:pPr algn="ctr"/>
-            <a:r>
-              <a:rPr lang="en-AU" b="1" dirty="0" smtClean="0">
-                <a:solidFill>
-                  <a:srgbClr val="0F0F7F"/>
-                </a:solidFill>
-                <a:latin typeface="Arial" panose="020B0604020202020204" pitchFamily="34" charset="0"/>
-                <a:cs typeface="Arial" panose="020B0604020202020204" pitchFamily="34" charset="0"/>
-              </a:rPr>
-              <a:t>Sign Up</a:t>
-            </a:r>
-            <a:endParaRPr lang="en-AU" b="1" dirty="0">
-              <a:solidFill>
-                <a:srgbClr val="0F0F7F"/>
-              </a:solidFill>
-              <a:latin typeface="Arial" panose="020B0604020202020204" pitchFamily="34" charset="0"/>
-              <a:cs typeface="Arial" panose="020B0604020202020204" pitchFamily="34" charset="0"/>
-            </a:endParaRPr>
-          </a:p>
-        </p:txBody>
-      </p:sp>
-      <p:sp>
-        <p:nvSpPr>
-          <p:cNvPr id="11" name="Rectangle 10"/>
-          <p:cNvSpPr/>
-          <p:nvPr/>
-        </p:nvSpPr>
-        <p:spPr>
-          <a:xfrm>
-            <a:off x="7524328" y="656692"/>
-            <a:ext cx="1080120" cy="252028"/>
-          </a:xfrm>
-          <a:prstGeom prst="rect">
-            <a:avLst/>
-          </a:prstGeom>
-          <a:solidFill>
-            <a:srgbClr val="6F6FEF"/>
-          </a:solidFill>
-          <a:ln>
-            <a:solidFill>
-              <a:srgbClr val="6F6FEF"/>
-            </a:solidFill>
-          </a:ln>
-        </p:spPr>
-        <p:style>
-          <a:lnRef idx="2">
-            <a:schemeClr val="accent1">
-              <a:shade val="50000"/>
-            </a:schemeClr>
-          </a:lnRef>
-          <a:fillRef idx="1">
-            <a:schemeClr val="accent1"/>
-          </a:fillRef>
-          <a:effectRef idx="0">
-            <a:schemeClr val="accent1"/>
-          </a:effectRef>
-          <a:fontRef idx="minor">
-            <a:schemeClr val="lt1"/>
-          </a:fontRef>
-        </p:style>
-        <p:txBody>
-          <a:bodyPr rtlCol="0" anchor="ctr"/>
-          <a:lstStyle/>
-          <a:p>
-            <a:pPr algn="ctr"/>
-            <a:r>
-              <a:rPr lang="en-AU" b="1" dirty="0" smtClean="0">
-                <a:solidFill>
-                  <a:srgbClr val="0F0F7F"/>
-                </a:solidFill>
-                <a:latin typeface="Arial" panose="020B0604020202020204" pitchFamily="34" charset="0"/>
-                <a:cs typeface="Arial" panose="020B0604020202020204" pitchFamily="34" charset="0"/>
-              </a:rPr>
-              <a:t>Login</a:t>
-            </a:r>
-            <a:endParaRPr lang="en-AU" b="1" dirty="0">
-              <a:solidFill>
-                <a:srgbClr val="0F0F7F"/>
-              </a:solidFill>
-              <a:latin typeface="Arial" panose="020B0604020202020204" pitchFamily="34" charset="0"/>
-              <a:cs typeface="Arial" panose="020B0604020202020204" pitchFamily="34" charset="0"/>
-            </a:endParaRPr>
-          </a:p>
-        </p:txBody>
-      </p:sp>
-      <p:sp>
-        <p:nvSpPr>
-          <p:cNvPr id="12" name="AutoShape 6" descr="Copyright Symbol Copyright Law Of The United States Registered ..."/>
-          <p:cNvSpPr>
-            <a:spLocks noChangeAspect="1" noChangeArrowheads="1"/>
-          </p:cNvSpPr>
-          <p:nvPr/>
-        </p:nvSpPr>
-        <p:spPr bwMode="auto">
-          <a:xfrm>
-            <a:off x="155575" y="-144463"/>
-            <a:ext cx="304800" cy="304801"/>
-          </a:xfrm>
-          <a:prstGeom prst="rect">
-            <a:avLst/>
-          </a:prstGeom>
-          <a:noFill/>
-          <a:extLst>
-            <a:ext uri="{909E8E84-426E-40DD-AFC4-6F175D3DCCD1}">
-              <a14:hiddenFill xmlns:a14="http://schemas.microsoft.com/office/drawing/2010/main">
-                <a:solidFill>
-                  <a:srgbClr val="FFFFFF"/>
-                </a:solidFill>
-              </a14:hiddenFill>
-            </a:ext>
-          </a:extLst>
-        </p:spPr>
-        <p:txBody>
-          <a:bodyPr vert="horz" wrap="square" lIns="91440" tIns="45720" rIns="91440" bIns="45720" numCol="1" anchor="t" anchorCtr="0" compatLnSpc="1">
-            <a:prstTxWarp prst="textNoShape">
-              <a:avLst/>
-            </a:prstTxWarp>
-          </a:bodyPr>
-          <a:lstStyle/>
-          <a:p>
-            <a:endParaRPr lang="en-AU"/>
-          </a:p>
-        </p:txBody>
-      </p:sp>
-      <p:sp>
-        <p:nvSpPr>
-          <p:cNvPr id="13" name="AutoShape 8" descr="Copyright Symbol Copyright Law Of The United States Registered ..."/>
-          <p:cNvSpPr>
-            <a:spLocks noChangeAspect="1" noChangeArrowheads="1"/>
-          </p:cNvSpPr>
-          <p:nvPr/>
-        </p:nvSpPr>
-        <p:spPr bwMode="auto">
-          <a:xfrm>
-            <a:off x="307975" y="7937"/>
-            <a:ext cx="304800" cy="304801"/>
-          </a:xfrm>
-          <a:prstGeom prst="rect">
-            <a:avLst/>
-          </a:prstGeom>
-          <a:noFill/>
-          <a:extLst>
-            <a:ext uri="{909E8E84-426E-40DD-AFC4-6F175D3DCCD1}">
-              <a14:hiddenFill xmlns:a14="http://schemas.microsoft.com/office/drawing/2010/main">
-                <a:solidFill>
-                  <a:srgbClr val="FFFFFF"/>
-                </a:solidFill>
-              </a14:hiddenFill>
-            </a:ext>
-          </a:extLst>
-        </p:spPr>
-        <p:txBody>
-          <a:bodyPr vert="horz" wrap="square" lIns="91440" tIns="45720" rIns="91440" bIns="45720" numCol="1" anchor="t" anchorCtr="0" compatLnSpc="1">
-            <a:prstTxWarp prst="textNoShape">
-              <a:avLst/>
-            </a:prstTxWarp>
-          </a:bodyPr>
-          <a:lstStyle/>
-          <a:p>
-            <a:endParaRPr lang="en-AU"/>
-          </a:p>
-        </p:txBody>
-      </p:sp>
-      <p:sp>
-        <p:nvSpPr>
-          <p:cNvPr id="15" name="Rectangle 14"/>
-          <p:cNvSpPr/>
-          <p:nvPr/>
-        </p:nvSpPr>
-        <p:spPr>
-          <a:xfrm>
-            <a:off x="6336196" y="-17083"/>
-            <a:ext cx="1656184" cy="304800"/>
-          </a:xfrm>
-          <a:prstGeom prst="rect">
-            <a:avLst/>
-          </a:prstGeom>
-          <a:solidFill>
-            <a:schemeClr val="accent2">
-              <a:lumMod val="60000"/>
-              <a:lumOff val="40000"/>
-            </a:schemeClr>
-          </a:solidFill>
-        </p:spPr>
-        <p:style>
-          <a:lnRef idx="2">
-            <a:schemeClr val="accent1">
-              <a:shade val="50000"/>
-            </a:schemeClr>
-          </a:lnRef>
-          <a:fillRef idx="1">
-            <a:schemeClr val="accent1"/>
-          </a:fillRef>
-          <a:effectRef idx="0">
-            <a:schemeClr val="accent1"/>
-          </a:effectRef>
-          <a:fontRef idx="minor">
-            <a:schemeClr val="lt1"/>
-          </a:fontRef>
-        </p:style>
-        <p:txBody>
-          <a:bodyPr rtlCol="0" anchor="ctr"/>
-          <a:lstStyle/>
-          <a:p>
-            <a:r>
-              <a:rPr lang="en-AU" sz="1600" dirty="0" smtClean="0">
-                <a:solidFill>
-                  <a:schemeClr val="bg1"/>
-                </a:solidFill>
-              </a:rPr>
-              <a:t>#0f0f7f, </a:t>
-            </a:r>
-            <a:r>
-              <a:rPr lang="en-AU" sz="1600" dirty="0" smtClean="0">
-                <a:solidFill>
-                  <a:schemeClr val="bg1"/>
-                </a:solidFill>
-              </a:rPr>
-              <a:t>40</a:t>
-            </a:r>
-            <a:r>
-              <a:rPr lang="en-AU" sz="1600" dirty="0" smtClean="0">
-                <a:solidFill>
-                  <a:schemeClr val="bg1"/>
-                </a:solidFill>
-              </a:rPr>
-              <a:t>px</a:t>
-            </a:r>
-            <a:endParaRPr lang="en-AU" sz="1600" dirty="0">
-              <a:solidFill>
-                <a:schemeClr val="bg1"/>
-              </a:solidFill>
-            </a:endParaRPr>
-          </a:p>
-        </p:txBody>
-      </p:sp>
-      <p:sp>
-        <p:nvSpPr>
-          <p:cNvPr id="19" name="Rectangle 18"/>
-          <p:cNvSpPr/>
-          <p:nvPr/>
-        </p:nvSpPr>
-        <p:spPr>
-          <a:xfrm>
-            <a:off x="7099818" y="3095848"/>
-            <a:ext cx="2049485" cy="810305"/>
-          </a:xfrm>
-          <a:prstGeom prst="rect">
-            <a:avLst/>
-          </a:prstGeom>
-          <a:solidFill>
-            <a:schemeClr val="accent2">
-              <a:lumMod val="60000"/>
-              <a:lumOff val="40000"/>
-            </a:schemeClr>
-          </a:solidFill>
-        </p:spPr>
-        <p:style>
-          <a:lnRef idx="2">
-            <a:schemeClr val="accent1">
-              <a:shade val="50000"/>
-            </a:schemeClr>
-          </a:lnRef>
-          <a:fillRef idx="1">
-            <a:schemeClr val="accent1"/>
-          </a:fillRef>
-          <a:effectRef idx="0">
-            <a:schemeClr val="accent1"/>
-          </a:effectRef>
-          <a:fontRef idx="minor">
-            <a:schemeClr val="lt1"/>
-          </a:fontRef>
-        </p:style>
-        <p:txBody>
-          <a:bodyPr rtlCol="0" anchor="ctr"/>
-          <a:lstStyle/>
-          <a:p>
-            <a:r>
-              <a:rPr lang="en-AU" sz="1600" dirty="0">
-                <a:solidFill>
-                  <a:schemeClr val="bg1"/>
-                </a:solidFill>
-              </a:rPr>
-              <a:t>#6f6fef-67%</a:t>
-            </a:r>
-          </a:p>
-          <a:p>
-            <a:r>
-              <a:rPr lang="en-AU" sz="1600" dirty="0">
-                <a:solidFill>
-                  <a:schemeClr val="bg1"/>
-                </a:solidFill>
-              </a:rPr>
-              <a:t>#fff-100%, </a:t>
-            </a:r>
-            <a:r>
-              <a:rPr lang="en-AU" sz="1600" dirty="0">
-                <a:solidFill>
-                  <a:schemeClr val="bg1"/>
-                </a:solidFill>
-              </a:rPr>
-              <a:t>100</a:t>
-            </a:r>
-            <a:r>
-              <a:rPr lang="en-AU" sz="1600" dirty="0">
-                <a:solidFill>
-                  <a:schemeClr val="bg1"/>
-                </a:solidFill>
-              </a:rPr>
-              <a:t> </a:t>
-            </a:r>
-            <a:r>
-              <a:rPr lang="en-AU" sz="1600" dirty="0" err="1">
-                <a:solidFill>
-                  <a:schemeClr val="bg1"/>
-                </a:solidFill>
-              </a:rPr>
-              <a:t>Px</a:t>
-            </a:r>
-            <a:r>
-              <a:rPr lang="en-AU" sz="1600" dirty="0">
-                <a:solidFill>
-                  <a:schemeClr val="bg1"/>
-                </a:solidFill>
-              </a:rPr>
-              <a:t>,</a:t>
-            </a:r>
-          </a:p>
-          <a:p>
-            <a:r>
-              <a:rPr lang="en-AU" sz="1600" dirty="0">
-                <a:solidFill>
-                  <a:schemeClr val="bg1"/>
-                </a:solidFill>
-              </a:rPr>
-              <a:t>Header</a:t>
-            </a:r>
-            <a:endParaRPr lang="en-AU" sz="1600" dirty="0">
-              <a:solidFill>
-                <a:schemeClr val="bg1"/>
-              </a:solidFill>
-            </a:endParaRPr>
-          </a:p>
-        </p:txBody>
-      </p:sp>
-      <p:sp>
-        <p:nvSpPr>
-          <p:cNvPr id="22" name="Rectangle 21"/>
-          <p:cNvSpPr/>
-          <p:nvPr/>
-        </p:nvSpPr>
-        <p:spPr>
-          <a:xfrm>
-            <a:off x="0" y="2820889"/>
-            <a:ext cx="2232248" cy="1085264"/>
-          </a:xfrm>
-          <a:prstGeom prst="rect">
-            <a:avLst/>
-          </a:prstGeom>
-          <a:solidFill>
-            <a:schemeClr val="accent2">
-              <a:lumMod val="60000"/>
-              <a:lumOff val="40000"/>
-            </a:schemeClr>
-          </a:solidFill>
-        </p:spPr>
-        <p:style>
-          <a:lnRef idx="2">
-            <a:schemeClr val="accent1">
-              <a:shade val="50000"/>
-            </a:schemeClr>
-          </a:lnRef>
-          <a:fillRef idx="1">
-            <a:schemeClr val="accent1"/>
-          </a:fillRef>
-          <a:effectRef idx="0">
-            <a:schemeClr val="accent1"/>
-          </a:effectRef>
-          <a:fontRef idx="minor">
-            <a:schemeClr val="lt1"/>
-          </a:fontRef>
-        </p:style>
-        <p:txBody>
-          <a:bodyPr rtlCol="0" anchor="ctr"/>
-          <a:lstStyle/>
-          <a:p>
-            <a:r>
-              <a:rPr lang="en-AU" sz="1600" dirty="0" smtClean="0"/>
-              <a:t>Logo Reverse colour right aligned. 15 </a:t>
-            </a:r>
-            <a:r>
-              <a:rPr lang="en-AU" sz="1600" dirty="0" err="1" smtClean="0"/>
-              <a:t>Px</a:t>
-            </a:r>
-            <a:r>
-              <a:rPr lang="en-AU" sz="1600" dirty="0" smtClean="0"/>
-              <a:t> gape from the left wall</a:t>
-            </a:r>
-            <a:endParaRPr lang="en-AU" sz="1600" dirty="0"/>
-          </a:p>
-        </p:txBody>
-      </p:sp>
-      <p:cxnSp>
-        <p:nvCxnSpPr>
-          <p:cNvPr id="26" name="Straight Arrow Connector 25"/>
-          <p:cNvCxnSpPr/>
-          <p:nvPr/>
-        </p:nvCxnSpPr>
-        <p:spPr>
-          <a:xfrm flipV="1">
-            <a:off x="899592" y="983729"/>
-            <a:ext cx="0" cy="717079"/>
-          </a:xfrm>
-          <a:prstGeom prst="straightConnector1">
-            <a:avLst/>
-          </a:prstGeom>
-          <a:ln>
-            <a:solidFill>
-              <a:schemeClr val="bg1"/>
-            </a:solidFill>
-            <a:tailEnd type="arrow"/>
-          </a:ln>
-        </p:spPr>
-        <p:style>
-          <a:lnRef idx="1">
-            <a:schemeClr val="accent1"/>
-          </a:lnRef>
-          <a:fillRef idx="0">
-            <a:schemeClr val="accent1"/>
-          </a:fillRef>
-          <a:effectRef idx="0">
-            <a:schemeClr val="accent1"/>
-          </a:effectRef>
-          <a:fontRef idx="minor">
-            <a:schemeClr val="tx1"/>
-          </a:fontRef>
-        </p:style>
-      </p:cxnSp>
-      <p:sp>
-        <p:nvSpPr>
-          <p:cNvPr id="27" name="Rectangle 26"/>
-          <p:cNvSpPr/>
-          <p:nvPr/>
-        </p:nvSpPr>
-        <p:spPr>
-          <a:xfrm>
-            <a:off x="345130" y="1700808"/>
-            <a:ext cx="1346550" cy="504056"/>
-          </a:xfrm>
-          <a:prstGeom prst="rect">
-            <a:avLst/>
-          </a:prstGeom>
-          <a:solidFill>
-            <a:schemeClr val="accent2">
-              <a:lumMod val="60000"/>
-              <a:lumOff val="40000"/>
-            </a:schemeClr>
-          </a:solidFill>
-        </p:spPr>
-        <p:style>
-          <a:lnRef idx="2">
-            <a:schemeClr val="accent1">
-              <a:shade val="50000"/>
-            </a:schemeClr>
-          </a:lnRef>
-          <a:fillRef idx="1">
-            <a:schemeClr val="accent1"/>
-          </a:fillRef>
-          <a:effectRef idx="0">
-            <a:schemeClr val="accent1"/>
-          </a:effectRef>
-          <a:fontRef idx="minor">
-            <a:schemeClr val="lt1"/>
-          </a:fontRef>
-        </p:style>
-        <p:txBody>
-          <a:bodyPr rtlCol="0" anchor="ctr"/>
-          <a:lstStyle/>
-          <a:p>
-            <a:r>
-              <a:rPr lang="en-AU" sz="1600" dirty="0" smtClean="0"/>
-              <a:t> cooper black, 36, #</a:t>
-            </a:r>
-            <a:r>
-              <a:rPr lang="en-AU" sz="1600" dirty="0" err="1" smtClean="0"/>
-              <a:t>fff</a:t>
-            </a:r>
-            <a:endParaRPr lang="en-AU" sz="1600" dirty="0"/>
-          </a:p>
-        </p:txBody>
-      </p:sp>
-      <p:cxnSp>
-        <p:nvCxnSpPr>
-          <p:cNvPr id="29" name="Straight Arrow Connector 28"/>
-          <p:cNvCxnSpPr/>
-          <p:nvPr/>
-        </p:nvCxnSpPr>
-        <p:spPr>
-          <a:xfrm flipV="1">
-            <a:off x="2339752" y="764704"/>
-            <a:ext cx="648072" cy="19073"/>
-          </a:xfrm>
-          <a:prstGeom prst="straightConnector1">
-            <a:avLst/>
-          </a:prstGeom>
-          <a:ln>
-            <a:solidFill>
-              <a:schemeClr val="bg1"/>
-            </a:solidFill>
-            <a:headEnd type="arrow"/>
-            <a:tailEnd type="arrow"/>
-          </a:ln>
-        </p:spPr>
-        <p:style>
-          <a:lnRef idx="1">
-            <a:schemeClr val="accent1"/>
-          </a:lnRef>
-          <a:fillRef idx="0">
-            <a:schemeClr val="accent1"/>
-          </a:fillRef>
-          <a:effectRef idx="0">
-            <a:schemeClr val="accent1"/>
-          </a:effectRef>
-          <a:fontRef idx="minor">
-            <a:schemeClr val="tx1"/>
-          </a:fontRef>
-        </p:style>
-      </p:cxnSp>
-      <p:sp>
-        <p:nvSpPr>
-          <p:cNvPr id="30" name="Rounded Rectangle 29"/>
-          <p:cNvSpPr/>
-          <p:nvPr/>
-        </p:nvSpPr>
-        <p:spPr>
-          <a:xfrm>
-            <a:off x="2339752" y="436358"/>
-            <a:ext cx="648072" cy="238121"/>
-          </a:xfrm>
-          <a:prstGeom prst="roundRect">
-            <a:avLst/>
-          </a:prstGeom>
-          <a:solidFill>
-            <a:schemeClr val="accent2">
-              <a:lumMod val="60000"/>
-              <a:lumOff val="40000"/>
-            </a:schemeClr>
-          </a:solidFill>
-        </p:spPr>
-        <p:style>
-          <a:lnRef idx="2">
-            <a:schemeClr val="accent1">
-              <a:shade val="50000"/>
-            </a:schemeClr>
-          </a:lnRef>
-          <a:fillRef idx="1">
-            <a:schemeClr val="accent1"/>
-          </a:fillRef>
-          <a:effectRef idx="0">
-            <a:schemeClr val="accent1"/>
-          </a:effectRef>
-          <a:fontRef idx="minor">
-            <a:schemeClr val="lt1"/>
-          </a:fontRef>
-        </p:style>
-        <p:txBody>
-          <a:bodyPr rtlCol="0" anchor="ctr"/>
-          <a:lstStyle/>
-          <a:p>
-            <a:pPr algn="ctr"/>
-            <a:r>
-              <a:rPr lang="en-AU" sz="1400" dirty="0" smtClean="0">
-                <a:solidFill>
-                  <a:schemeClr val="bg1"/>
-                </a:solidFill>
-              </a:rPr>
-              <a:t>60px</a:t>
-            </a:r>
-            <a:endParaRPr lang="en-AU" sz="1400" dirty="0">
-              <a:solidFill>
-                <a:schemeClr val="bg1"/>
-              </a:solidFill>
-            </a:endParaRPr>
-          </a:p>
-        </p:txBody>
-      </p:sp>
-      <p:cxnSp>
-        <p:nvCxnSpPr>
-          <p:cNvPr id="32" name="Straight Arrow Connector 31"/>
-          <p:cNvCxnSpPr/>
-          <p:nvPr/>
-        </p:nvCxnSpPr>
-        <p:spPr>
-          <a:xfrm flipV="1">
-            <a:off x="3275856" y="983729"/>
-            <a:ext cx="0" cy="717079"/>
-          </a:xfrm>
-          <a:prstGeom prst="straightConnector1">
-            <a:avLst/>
-          </a:prstGeom>
-          <a:ln>
-            <a:solidFill>
-              <a:schemeClr val="bg1"/>
-            </a:solidFill>
-            <a:tailEnd type="arrow"/>
-          </a:ln>
-        </p:spPr>
-        <p:style>
-          <a:lnRef idx="1">
-            <a:schemeClr val="accent1"/>
-          </a:lnRef>
-          <a:fillRef idx="0">
-            <a:schemeClr val="accent1"/>
-          </a:fillRef>
-          <a:effectRef idx="0">
-            <a:schemeClr val="accent1"/>
-          </a:effectRef>
-          <a:fontRef idx="minor">
-            <a:schemeClr val="tx1"/>
-          </a:fontRef>
-        </p:style>
-      </p:cxnSp>
-      <p:sp>
-        <p:nvSpPr>
-          <p:cNvPr id="34" name="Rectangle 33"/>
-          <p:cNvSpPr/>
-          <p:nvPr/>
-        </p:nvSpPr>
-        <p:spPr>
-          <a:xfrm>
-            <a:off x="2447764" y="1700808"/>
-            <a:ext cx="1656184" cy="792088"/>
-          </a:xfrm>
-          <a:prstGeom prst="rect">
-            <a:avLst/>
-          </a:prstGeom>
-          <a:solidFill>
-            <a:schemeClr val="accent2">
-              <a:lumMod val="60000"/>
-              <a:lumOff val="40000"/>
-            </a:schemeClr>
-          </a:solidFill>
-        </p:spPr>
-        <p:style>
-          <a:lnRef idx="2">
-            <a:schemeClr val="accent1">
-              <a:shade val="50000"/>
-            </a:schemeClr>
-          </a:lnRef>
-          <a:fillRef idx="1">
-            <a:schemeClr val="accent1"/>
-          </a:fillRef>
-          <a:effectRef idx="0">
-            <a:schemeClr val="accent1"/>
-          </a:effectRef>
-          <a:fontRef idx="minor">
-            <a:schemeClr val="lt1"/>
-          </a:fontRef>
-        </p:style>
-        <p:txBody>
-          <a:bodyPr rtlCol="0" anchor="ctr"/>
-          <a:lstStyle/>
-          <a:p>
-            <a:r>
-              <a:rPr lang="en-AU" sz="1600" dirty="0" smtClean="0">
-                <a:solidFill>
-                  <a:schemeClr val="bg1"/>
-                </a:solidFill>
-              </a:rPr>
-              <a:t>200 </a:t>
-            </a:r>
-            <a:r>
-              <a:rPr lang="en-AU" sz="1600" dirty="0" err="1" smtClean="0">
-                <a:solidFill>
-                  <a:schemeClr val="bg1"/>
-                </a:solidFill>
-              </a:rPr>
-              <a:t>px</a:t>
-            </a:r>
-            <a:r>
-              <a:rPr lang="en-AU" sz="1600" dirty="0" smtClean="0">
-                <a:solidFill>
-                  <a:schemeClr val="bg1"/>
-                </a:solidFill>
-              </a:rPr>
-              <a:t> horizontal, 40 </a:t>
-            </a:r>
-            <a:r>
-              <a:rPr lang="en-AU" sz="1600" dirty="0" err="1" smtClean="0">
-                <a:solidFill>
-                  <a:schemeClr val="bg1"/>
-                </a:solidFill>
-              </a:rPr>
-              <a:t>px</a:t>
-            </a:r>
-            <a:r>
-              <a:rPr lang="en-AU" sz="1600" dirty="0" smtClean="0">
-                <a:solidFill>
-                  <a:schemeClr val="bg1"/>
-                </a:solidFill>
-              </a:rPr>
-              <a:t> vertical,  #</a:t>
-            </a:r>
-            <a:r>
-              <a:rPr lang="en-AU" sz="1600" dirty="0" err="1" smtClean="0">
-                <a:solidFill>
-                  <a:schemeClr val="bg1"/>
-                </a:solidFill>
-              </a:rPr>
-              <a:t>fff</a:t>
-            </a:r>
-            <a:endParaRPr lang="en-AU" sz="1600" dirty="0">
-              <a:solidFill>
-                <a:schemeClr val="bg1"/>
-              </a:solidFill>
-            </a:endParaRPr>
-          </a:p>
-        </p:txBody>
-      </p:sp>
-      <p:cxnSp>
-        <p:nvCxnSpPr>
-          <p:cNvPr id="38" name="Straight Arrow Connector 37"/>
-          <p:cNvCxnSpPr/>
-          <p:nvPr/>
-        </p:nvCxnSpPr>
-        <p:spPr>
-          <a:xfrm flipV="1">
-            <a:off x="4589169" y="852548"/>
-            <a:ext cx="0" cy="848260"/>
-          </a:xfrm>
-          <a:prstGeom prst="straightConnector1">
-            <a:avLst/>
-          </a:prstGeom>
-          <a:ln>
-            <a:solidFill>
-              <a:schemeClr val="bg1"/>
-            </a:solidFill>
-            <a:tailEnd type="arrow"/>
-          </a:ln>
-        </p:spPr>
-        <p:style>
-          <a:lnRef idx="1">
-            <a:schemeClr val="accent1"/>
-          </a:lnRef>
-          <a:fillRef idx="0">
-            <a:schemeClr val="accent1"/>
-          </a:fillRef>
-          <a:effectRef idx="0">
-            <a:schemeClr val="accent1"/>
-          </a:effectRef>
-          <a:fontRef idx="minor">
-            <a:schemeClr val="tx1"/>
-          </a:fontRef>
-        </p:style>
-      </p:cxnSp>
-      <p:sp>
-        <p:nvSpPr>
-          <p:cNvPr id="39" name="Rectangle 38"/>
-          <p:cNvSpPr/>
-          <p:nvPr/>
-        </p:nvSpPr>
-        <p:spPr>
-          <a:xfrm>
-            <a:off x="4355976" y="1700808"/>
-            <a:ext cx="1512168" cy="792088"/>
-          </a:xfrm>
-          <a:prstGeom prst="rect">
-            <a:avLst/>
-          </a:prstGeom>
-          <a:solidFill>
-            <a:schemeClr val="accent2">
-              <a:lumMod val="60000"/>
-              <a:lumOff val="40000"/>
-            </a:schemeClr>
-          </a:solidFill>
-        </p:spPr>
-        <p:style>
-          <a:lnRef idx="2">
-            <a:schemeClr val="accent1">
-              <a:shade val="50000"/>
-            </a:schemeClr>
-          </a:lnRef>
-          <a:fillRef idx="1">
-            <a:schemeClr val="accent1"/>
-          </a:fillRef>
-          <a:effectRef idx="0">
-            <a:schemeClr val="accent1"/>
-          </a:effectRef>
-          <a:fontRef idx="minor">
-            <a:schemeClr val="lt1"/>
-          </a:fontRef>
-        </p:style>
-        <p:txBody>
-          <a:bodyPr rtlCol="0" anchor="ctr"/>
-          <a:lstStyle/>
-          <a:p>
-            <a:r>
-              <a:rPr lang="en-AU" sz="1600" dirty="0" smtClean="0">
-                <a:solidFill>
-                  <a:schemeClr val="bg1"/>
-                </a:solidFill>
-              </a:rPr>
-              <a:t>Arial, 16, #</a:t>
-            </a:r>
-            <a:r>
-              <a:rPr lang="en-AU" sz="1600" dirty="0" err="1" smtClean="0">
-                <a:solidFill>
-                  <a:schemeClr val="bg1"/>
-                </a:solidFill>
-              </a:rPr>
-              <a:t>afafff</a:t>
-            </a:r>
-            <a:r>
-              <a:rPr lang="en-AU" sz="1600" dirty="0" smtClean="0">
-                <a:solidFill>
-                  <a:schemeClr val="bg1"/>
-                </a:solidFill>
-              </a:rPr>
-              <a:t>, Middle alignment</a:t>
-            </a:r>
-            <a:endParaRPr lang="en-AU" sz="1600" dirty="0">
-              <a:solidFill>
-                <a:schemeClr val="bg1"/>
-              </a:solidFill>
-            </a:endParaRPr>
-          </a:p>
-        </p:txBody>
-      </p:sp>
-      <p:cxnSp>
-        <p:nvCxnSpPr>
-          <p:cNvPr id="43" name="Straight Arrow Connector 42"/>
-          <p:cNvCxnSpPr>
-            <a:endCxn id="9" idx="2"/>
-          </p:cNvCxnSpPr>
-          <p:nvPr/>
-        </p:nvCxnSpPr>
-        <p:spPr>
-          <a:xfrm flipV="1">
-            <a:off x="6596270" y="947725"/>
-            <a:ext cx="0" cy="753083"/>
-          </a:xfrm>
-          <a:prstGeom prst="straightConnector1">
-            <a:avLst/>
-          </a:prstGeom>
-          <a:ln>
-            <a:solidFill>
-              <a:schemeClr val="bg1"/>
-            </a:solidFill>
-            <a:tailEnd type="arrow"/>
-          </a:ln>
-        </p:spPr>
-        <p:style>
-          <a:lnRef idx="1">
-            <a:schemeClr val="accent1"/>
-          </a:lnRef>
-          <a:fillRef idx="0">
-            <a:schemeClr val="accent1"/>
-          </a:fillRef>
-          <a:effectRef idx="0">
-            <a:schemeClr val="accent1"/>
-          </a:effectRef>
-          <a:fontRef idx="minor">
-            <a:schemeClr val="tx1"/>
-          </a:fontRef>
-        </p:style>
-      </p:cxnSp>
-      <p:sp>
-        <p:nvSpPr>
-          <p:cNvPr id="44" name="Rectangle 43"/>
-          <p:cNvSpPr/>
-          <p:nvPr/>
-        </p:nvSpPr>
-        <p:spPr>
-          <a:xfrm>
-            <a:off x="6084168" y="1700808"/>
-            <a:ext cx="1124170" cy="648072"/>
-          </a:xfrm>
-          <a:prstGeom prst="rect">
-            <a:avLst/>
-          </a:prstGeom>
-          <a:solidFill>
-            <a:schemeClr val="accent2">
-              <a:lumMod val="60000"/>
-              <a:lumOff val="40000"/>
-            </a:schemeClr>
-          </a:solidFill>
-        </p:spPr>
-        <p:style>
-          <a:lnRef idx="2">
-            <a:schemeClr val="accent1">
-              <a:shade val="50000"/>
-            </a:schemeClr>
-          </a:lnRef>
-          <a:fillRef idx="1">
-            <a:schemeClr val="accent1"/>
-          </a:fillRef>
-          <a:effectRef idx="0">
-            <a:schemeClr val="accent1"/>
-          </a:effectRef>
-          <a:fontRef idx="minor">
-            <a:schemeClr val="lt1"/>
-          </a:fontRef>
-        </p:style>
-        <p:txBody>
-          <a:bodyPr rtlCol="0" anchor="ctr"/>
-          <a:lstStyle/>
-          <a:p>
-            <a:r>
-              <a:rPr lang="en-AU" sz="1600" dirty="0">
-                <a:solidFill>
-                  <a:schemeClr val="bg1"/>
-                </a:solidFill>
-              </a:rPr>
-              <a:t>Arial</a:t>
-            </a:r>
-            <a:r>
-              <a:rPr lang="en-AU" sz="1600" dirty="0" smtClean="0">
-                <a:solidFill>
-                  <a:schemeClr val="bg1"/>
-                </a:solidFill>
-              </a:rPr>
-              <a:t>, 18, B, 0f0f7f</a:t>
-            </a:r>
-            <a:endParaRPr lang="en-AU" sz="1600" dirty="0">
-              <a:solidFill>
-                <a:schemeClr val="bg1"/>
-              </a:solidFill>
-            </a:endParaRPr>
-          </a:p>
-        </p:txBody>
-      </p:sp>
-      <p:cxnSp>
-        <p:nvCxnSpPr>
-          <p:cNvPr id="46" name="Straight Arrow Connector 45"/>
-          <p:cNvCxnSpPr>
-            <a:endCxn id="11" idx="2"/>
-          </p:cNvCxnSpPr>
-          <p:nvPr/>
-        </p:nvCxnSpPr>
-        <p:spPr>
-          <a:xfrm flipV="1">
-            <a:off x="8064388" y="908720"/>
-            <a:ext cx="0" cy="792088"/>
-          </a:xfrm>
-          <a:prstGeom prst="straightConnector1">
-            <a:avLst/>
-          </a:prstGeom>
-          <a:ln>
-            <a:solidFill>
-              <a:schemeClr val="bg1"/>
-            </a:solidFill>
-            <a:tailEnd type="arrow"/>
-          </a:ln>
-        </p:spPr>
-        <p:style>
-          <a:lnRef idx="1">
-            <a:schemeClr val="accent1"/>
-          </a:lnRef>
-          <a:fillRef idx="0">
-            <a:schemeClr val="accent1"/>
-          </a:fillRef>
-          <a:effectRef idx="0">
-            <a:schemeClr val="accent1"/>
-          </a:effectRef>
-          <a:fontRef idx="minor">
-            <a:schemeClr val="tx1"/>
-          </a:fontRef>
-        </p:style>
-      </p:cxnSp>
-      <p:sp>
-        <p:nvSpPr>
-          <p:cNvPr id="48" name="Rectangle 47"/>
-          <p:cNvSpPr/>
-          <p:nvPr/>
-        </p:nvSpPr>
-        <p:spPr>
-          <a:xfrm>
-            <a:off x="7524328" y="1700808"/>
-            <a:ext cx="1152128" cy="648072"/>
-          </a:xfrm>
-          <a:prstGeom prst="rect">
-            <a:avLst/>
-          </a:prstGeom>
-          <a:solidFill>
-            <a:schemeClr val="accent2">
-              <a:lumMod val="60000"/>
-              <a:lumOff val="40000"/>
-            </a:schemeClr>
-          </a:solidFill>
-        </p:spPr>
-        <p:style>
-          <a:lnRef idx="2">
-            <a:schemeClr val="accent1">
-              <a:shade val="50000"/>
-            </a:schemeClr>
-          </a:lnRef>
-          <a:fillRef idx="1">
-            <a:schemeClr val="accent1"/>
-          </a:fillRef>
-          <a:effectRef idx="0">
-            <a:schemeClr val="accent1"/>
-          </a:effectRef>
-          <a:fontRef idx="minor">
-            <a:schemeClr val="lt1"/>
-          </a:fontRef>
-        </p:style>
-        <p:txBody>
-          <a:bodyPr rtlCol="0" anchor="ctr"/>
-          <a:lstStyle/>
-          <a:p>
-            <a:r>
-              <a:rPr lang="en-AU" sz="1600" dirty="0">
-                <a:solidFill>
-                  <a:schemeClr val="bg1"/>
-                </a:solidFill>
-              </a:rPr>
-              <a:t>Arial</a:t>
-            </a:r>
-            <a:r>
-              <a:rPr lang="en-AU" sz="1600" dirty="0">
-                <a:solidFill>
-                  <a:schemeClr val="bg1"/>
-                </a:solidFill>
-              </a:rPr>
-              <a:t>, 18, B, </a:t>
-            </a:r>
-            <a:r>
-              <a:rPr lang="en-AU" sz="1600" dirty="0">
-                <a:solidFill>
-                  <a:schemeClr val="bg1"/>
-                </a:solidFill>
-              </a:rPr>
-              <a:t>0f0f7f</a:t>
-            </a:r>
-          </a:p>
-        </p:txBody>
-      </p:sp>
-      <p:cxnSp>
-        <p:nvCxnSpPr>
-          <p:cNvPr id="53" name="Straight Arrow Connector 52"/>
-          <p:cNvCxnSpPr/>
-          <p:nvPr/>
-        </p:nvCxnSpPr>
-        <p:spPr>
-          <a:xfrm>
-            <a:off x="6084168" y="5733256"/>
-            <a:ext cx="0" cy="966796"/>
-          </a:xfrm>
-          <a:prstGeom prst="straightConnector1">
-            <a:avLst/>
-          </a:prstGeom>
-          <a:ln>
-            <a:solidFill>
-              <a:schemeClr val="bg1"/>
-            </a:solidFill>
-            <a:tailEnd type="arrow"/>
-          </a:ln>
-        </p:spPr>
-        <p:style>
-          <a:lnRef idx="1">
-            <a:schemeClr val="accent1"/>
-          </a:lnRef>
-          <a:fillRef idx="0">
-            <a:schemeClr val="accent1"/>
-          </a:fillRef>
-          <a:effectRef idx="0">
-            <a:schemeClr val="accent1"/>
-          </a:effectRef>
-          <a:fontRef idx="minor">
-            <a:schemeClr val="tx1"/>
-          </a:fontRef>
-        </p:style>
-      </p:cxnSp>
-      <p:sp>
-        <p:nvSpPr>
-          <p:cNvPr id="54" name="Rectangle 53"/>
-          <p:cNvSpPr/>
-          <p:nvPr/>
-        </p:nvSpPr>
-        <p:spPr>
-          <a:xfrm>
-            <a:off x="5508104" y="5229200"/>
-            <a:ext cx="1185389" cy="504056"/>
-          </a:xfrm>
-          <a:prstGeom prst="rect">
-            <a:avLst/>
-          </a:prstGeom>
-          <a:solidFill>
-            <a:schemeClr val="accent2">
-              <a:lumMod val="60000"/>
-              <a:lumOff val="40000"/>
-            </a:schemeClr>
-          </a:solidFill>
-        </p:spPr>
-        <p:style>
-          <a:lnRef idx="2">
-            <a:schemeClr val="accent1">
-              <a:shade val="50000"/>
-            </a:schemeClr>
-          </a:lnRef>
-          <a:fillRef idx="1">
-            <a:schemeClr val="accent1"/>
-          </a:fillRef>
-          <a:effectRef idx="0">
-            <a:schemeClr val="accent1"/>
-          </a:effectRef>
-          <a:fontRef idx="minor">
-            <a:schemeClr val="lt1"/>
-          </a:fontRef>
-        </p:style>
-        <p:txBody>
-          <a:bodyPr rtlCol="0" anchor="ctr"/>
-          <a:lstStyle/>
-          <a:p>
-            <a:r>
-              <a:rPr lang="en-AU" sz="1600" dirty="0" smtClean="0">
-                <a:solidFill>
-                  <a:schemeClr val="bg1"/>
-                </a:solidFill>
-              </a:rPr>
-              <a:t>Arial, #</a:t>
-            </a:r>
-            <a:r>
-              <a:rPr lang="en-AU" sz="1600" dirty="0" err="1" smtClean="0">
-                <a:solidFill>
-                  <a:schemeClr val="bg1"/>
-                </a:solidFill>
-              </a:rPr>
-              <a:t>fff</a:t>
-            </a:r>
-            <a:r>
-              <a:rPr lang="en-AU" sz="1600" dirty="0" smtClean="0">
-                <a:solidFill>
-                  <a:schemeClr val="bg1"/>
-                </a:solidFill>
-              </a:rPr>
-              <a:t>, 14</a:t>
-            </a:r>
-            <a:endParaRPr lang="en-AU" sz="1600" dirty="0">
-              <a:solidFill>
-                <a:schemeClr val="bg1"/>
-              </a:solidFill>
-            </a:endParaRPr>
-          </a:p>
-        </p:txBody>
-      </p:sp>
-      <p:sp>
-        <p:nvSpPr>
-          <p:cNvPr id="58" name="Rectangle 57"/>
-          <p:cNvSpPr/>
-          <p:nvPr/>
-        </p:nvSpPr>
-        <p:spPr>
-          <a:xfrm>
-            <a:off x="460375" y="6395260"/>
-            <a:ext cx="1044116" cy="462740"/>
-          </a:xfrm>
-          <a:prstGeom prst="rect">
-            <a:avLst/>
-          </a:prstGeom>
-          <a:solidFill>
-            <a:schemeClr val="accent2">
-              <a:lumMod val="60000"/>
-              <a:lumOff val="40000"/>
-            </a:schemeClr>
-          </a:solidFill>
-        </p:spPr>
-        <p:style>
-          <a:lnRef idx="2">
-            <a:schemeClr val="accent1">
-              <a:shade val="50000"/>
-            </a:schemeClr>
-          </a:lnRef>
-          <a:fillRef idx="1">
-            <a:schemeClr val="accent1"/>
-          </a:fillRef>
-          <a:effectRef idx="0">
-            <a:schemeClr val="accent1"/>
-          </a:effectRef>
-          <a:fontRef idx="minor">
-            <a:schemeClr val="lt1"/>
-          </a:fontRef>
-        </p:style>
-        <p:txBody>
-          <a:bodyPr rtlCol="0" anchor="ctr"/>
-          <a:lstStyle/>
-          <a:p>
-            <a:r>
-              <a:rPr lang="en-AU" sz="1600" dirty="0" smtClean="0"/>
-              <a:t>35 %, #0f0f7f</a:t>
-            </a:r>
-            <a:endParaRPr lang="en-AU" sz="1600" dirty="0"/>
-          </a:p>
-        </p:txBody>
-      </p:sp>
-      <p:cxnSp>
-        <p:nvCxnSpPr>
-          <p:cNvPr id="62" name="Straight Arrow Connector 61"/>
-          <p:cNvCxnSpPr/>
-          <p:nvPr/>
-        </p:nvCxnSpPr>
-        <p:spPr>
-          <a:xfrm>
-            <a:off x="2267744" y="852548"/>
-            <a:ext cx="0" cy="5696202"/>
-          </a:xfrm>
-          <a:prstGeom prst="straightConnector1">
-            <a:avLst/>
-          </a:prstGeom>
-          <a:ln>
-            <a:solidFill>
-              <a:schemeClr val="bg1"/>
-            </a:solidFill>
-            <a:headEnd type="arrow"/>
-            <a:tailEnd type="arrow"/>
-          </a:ln>
-        </p:spPr>
-        <p:style>
-          <a:lnRef idx="1">
-            <a:schemeClr val="accent1"/>
-          </a:lnRef>
-          <a:fillRef idx="0">
-            <a:schemeClr val="accent1"/>
-          </a:fillRef>
-          <a:effectRef idx="0">
-            <a:schemeClr val="accent1"/>
-          </a:effectRef>
-          <a:fontRef idx="minor">
-            <a:schemeClr val="tx1"/>
-          </a:fontRef>
-        </p:style>
-      </p:cxnSp>
-      <p:sp>
-        <p:nvSpPr>
-          <p:cNvPr id="63" name="Rectangle 62"/>
-          <p:cNvSpPr/>
-          <p:nvPr/>
-        </p:nvSpPr>
-        <p:spPr>
-          <a:xfrm>
-            <a:off x="2282729" y="4437112"/>
-            <a:ext cx="1410189" cy="576050"/>
-          </a:xfrm>
-          <a:prstGeom prst="rect">
-            <a:avLst/>
-          </a:prstGeom>
-          <a:solidFill>
-            <a:schemeClr val="accent2">
-              <a:lumMod val="60000"/>
-              <a:lumOff val="40000"/>
-            </a:schemeClr>
-          </a:solidFill>
-        </p:spPr>
-        <p:style>
-          <a:lnRef idx="2">
-            <a:schemeClr val="accent1">
-              <a:shade val="50000"/>
-            </a:schemeClr>
-          </a:lnRef>
-          <a:fillRef idx="1">
-            <a:schemeClr val="accent1"/>
-          </a:fillRef>
-          <a:effectRef idx="0">
-            <a:schemeClr val="accent1"/>
-          </a:effectRef>
-          <a:fontRef idx="minor">
-            <a:schemeClr val="lt1"/>
-          </a:fontRef>
-        </p:style>
-        <p:txBody>
-          <a:bodyPr rtlCol="0" anchor="ctr"/>
-          <a:lstStyle/>
-          <a:p>
-            <a:r>
-              <a:rPr lang="en-AU" sz="1600" dirty="0"/>
-              <a:t>#6f6fef, 98%, 47%, #</a:t>
-            </a:r>
-            <a:r>
-              <a:rPr lang="en-AU" sz="1600" dirty="0" err="1"/>
-              <a:t>fff</a:t>
-            </a:r>
-            <a:r>
-              <a:rPr lang="en-AU" sz="1600" dirty="0"/>
-              <a:t> 1%</a:t>
-            </a:r>
-          </a:p>
-        </p:txBody>
-      </p:sp>
-      <p:cxnSp>
-        <p:nvCxnSpPr>
-          <p:cNvPr id="16" name="Straight Arrow Connector 15"/>
-          <p:cNvCxnSpPr/>
-          <p:nvPr/>
-        </p:nvCxnSpPr>
-        <p:spPr>
-          <a:xfrm>
-            <a:off x="5868144" y="7937"/>
-            <a:ext cx="0" cy="253140"/>
-          </a:xfrm>
-          <a:prstGeom prst="straightConnector1">
-            <a:avLst/>
-          </a:prstGeom>
-          <a:ln>
-            <a:solidFill>
-              <a:schemeClr val="bg1"/>
-            </a:solidFill>
-            <a:headEnd type="arrow"/>
-            <a:tailEnd type="arrow"/>
-          </a:ln>
-        </p:spPr>
-        <p:style>
-          <a:lnRef idx="1">
-            <a:schemeClr val="accent1"/>
-          </a:lnRef>
-          <a:fillRef idx="0">
-            <a:schemeClr val="accent1"/>
-          </a:fillRef>
-          <a:effectRef idx="0">
-            <a:schemeClr val="accent1"/>
-          </a:effectRef>
-          <a:fontRef idx="minor">
-            <a:schemeClr val="tx1"/>
-          </a:fontRef>
-        </p:style>
-      </p:cxnSp>
-      <p:cxnSp>
-        <p:nvCxnSpPr>
-          <p:cNvPr id="20" name="Straight Arrow Connector 19"/>
-          <p:cNvCxnSpPr/>
-          <p:nvPr/>
-        </p:nvCxnSpPr>
-        <p:spPr>
-          <a:xfrm flipV="1">
-            <a:off x="8892480" y="947725"/>
-            <a:ext cx="0" cy="2121235"/>
-          </a:xfrm>
-          <a:prstGeom prst="straightConnector1">
-            <a:avLst/>
-          </a:prstGeom>
-          <a:ln>
-            <a:solidFill>
-              <a:schemeClr val="bg1"/>
-            </a:solidFill>
-            <a:tailEnd type="arrow"/>
-          </a:ln>
-        </p:spPr>
-        <p:style>
-          <a:lnRef idx="1">
-            <a:schemeClr val="accent1"/>
-          </a:lnRef>
-          <a:fillRef idx="0">
-            <a:schemeClr val="accent1"/>
-          </a:fillRef>
-          <a:effectRef idx="0">
-            <a:schemeClr val="accent1"/>
-          </a:effectRef>
-          <a:fontRef idx="minor">
-            <a:schemeClr val="tx1"/>
-          </a:fontRef>
-        </p:style>
-      </p:cxnSp>
-      <p:cxnSp>
-        <p:nvCxnSpPr>
-          <p:cNvPr id="47" name="Straight Arrow Connector 46"/>
-          <p:cNvCxnSpPr/>
-          <p:nvPr/>
-        </p:nvCxnSpPr>
-        <p:spPr>
-          <a:xfrm>
-            <a:off x="307975" y="6548750"/>
-            <a:ext cx="0" cy="309250"/>
-          </a:xfrm>
-          <a:prstGeom prst="straightConnector1">
-            <a:avLst/>
-          </a:prstGeom>
-          <a:ln>
-            <a:solidFill>
-              <a:schemeClr val="bg1"/>
-            </a:solidFill>
-            <a:headEnd type="arrow"/>
-            <a:tailEnd type="arrow"/>
-          </a:ln>
-        </p:spPr>
-        <p:style>
-          <a:lnRef idx="1">
-            <a:schemeClr val="accent1"/>
-          </a:lnRef>
-          <a:fillRef idx="0">
-            <a:schemeClr val="accent1"/>
-          </a:fillRef>
-          <a:effectRef idx="0">
-            <a:schemeClr val="accent1"/>
-          </a:effectRef>
-          <a:fontRef idx="minor">
-            <a:schemeClr val="tx1"/>
-          </a:fontRef>
-        </p:style>
-      </p:cxnSp>
-      <p:cxnSp>
-        <p:nvCxnSpPr>
-          <p:cNvPr id="50" name="Straight Arrow Connector 49"/>
-          <p:cNvCxnSpPr/>
-          <p:nvPr/>
-        </p:nvCxnSpPr>
-        <p:spPr>
-          <a:xfrm flipH="1" flipV="1">
-            <a:off x="155575" y="872716"/>
-            <a:ext cx="1" cy="1948174"/>
-          </a:xfrm>
-          <a:prstGeom prst="straightConnector1">
-            <a:avLst/>
-          </a:prstGeom>
-          <a:ln>
-            <a:solidFill>
-              <a:schemeClr val="bg1"/>
-            </a:solidFill>
-            <a:tailEnd type="arrow"/>
-          </a:ln>
-        </p:spPr>
-        <p:style>
-          <a:lnRef idx="1">
-            <a:schemeClr val="accent1"/>
-          </a:lnRef>
-          <a:fillRef idx="0">
-            <a:schemeClr val="accent1"/>
-          </a:fillRef>
-          <a:effectRef idx="0">
-            <a:schemeClr val="accent1"/>
-          </a:effectRef>
-          <a:fontRef idx="minor">
-            <a:schemeClr val="tx1"/>
-          </a:fontRef>
-        </p:style>
-      </p:cxnSp>
-      <p:cxnSp>
-        <p:nvCxnSpPr>
-          <p:cNvPr id="55" name="Straight Arrow Connector 54"/>
-          <p:cNvCxnSpPr>
-            <a:stCxn id="8" idx="3"/>
-          </p:cNvCxnSpPr>
-          <p:nvPr/>
-        </p:nvCxnSpPr>
-        <p:spPr>
-          <a:xfrm flipV="1">
-            <a:off x="5508104" y="764704"/>
-            <a:ext cx="592694" cy="429"/>
-          </a:xfrm>
-          <a:prstGeom prst="straightConnector1">
-            <a:avLst/>
-          </a:prstGeom>
-          <a:ln>
-            <a:solidFill>
-              <a:schemeClr val="bg1"/>
-            </a:solidFill>
-            <a:headEnd type="arrow"/>
-            <a:tailEnd type="arrow"/>
-          </a:ln>
-        </p:spPr>
-        <p:style>
-          <a:lnRef idx="1">
-            <a:schemeClr val="accent1"/>
-          </a:lnRef>
-          <a:fillRef idx="0">
-            <a:schemeClr val="accent1"/>
-          </a:fillRef>
-          <a:effectRef idx="0">
-            <a:schemeClr val="accent1"/>
-          </a:effectRef>
-          <a:fontRef idx="minor">
-            <a:schemeClr val="tx1"/>
-          </a:fontRef>
-        </p:style>
-      </p:cxnSp>
-      <p:sp>
-        <p:nvSpPr>
-          <p:cNvPr id="64" name="Rounded Rectangle 63"/>
-          <p:cNvSpPr/>
-          <p:nvPr/>
-        </p:nvSpPr>
-        <p:spPr>
-          <a:xfrm>
-            <a:off x="5508104" y="410662"/>
-            <a:ext cx="648072" cy="238121"/>
-          </a:xfrm>
-          <a:prstGeom prst="roundRect">
-            <a:avLst/>
-          </a:prstGeom>
-          <a:solidFill>
-            <a:schemeClr val="accent2">
-              <a:lumMod val="60000"/>
-              <a:lumOff val="40000"/>
-            </a:schemeClr>
-          </a:solidFill>
-        </p:spPr>
-        <p:style>
-          <a:lnRef idx="2">
-            <a:schemeClr val="accent1">
-              <a:shade val="50000"/>
-            </a:schemeClr>
-          </a:lnRef>
-          <a:fillRef idx="1">
-            <a:schemeClr val="accent1"/>
-          </a:fillRef>
-          <a:effectRef idx="0">
-            <a:schemeClr val="accent1"/>
-          </a:effectRef>
-          <a:fontRef idx="minor">
-            <a:schemeClr val="lt1"/>
-          </a:fontRef>
-        </p:style>
-        <p:txBody>
-          <a:bodyPr rtlCol="0" anchor="ctr"/>
-          <a:lstStyle/>
-          <a:p>
-            <a:pPr algn="ctr"/>
-            <a:r>
-              <a:rPr lang="en-AU" sz="1400" dirty="0" smtClean="0">
-                <a:solidFill>
-                  <a:schemeClr val="bg1"/>
-                </a:solidFill>
-              </a:rPr>
-              <a:t>60px</a:t>
-            </a:r>
-            <a:endParaRPr lang="en-AU" sz="1400" dirty="0">
-              <a:solidFill>
-                <a:schemeClr val="bg1"/>
-              </a:solidFill>
-            </a:endParaRPr>
-          </a:p>
-        </p:txBody>
-      </p:sp>
-      <p:cxnSp>
-        <p:nvCxnSpPr>
-          <p:cNvPr id="67" name="Straight Arrow Connector 66"/>
-          <p:cNvCxnSpPr/>
-          <p:nvPr/>
-        </p:nvCxnSpPr>
-        <p:spPr>
-          <a:xfrm flipV="1">
-            <a:off x="7099818" y="782277"/>
-            <a:ext cx="592694" cy="429"/>
-          </a:xfrm>
-          <a:prstGeom prst="straightConnector1">
-            <a:avLst/>
-          </a:prstGeom>
-          <a:ln>
-            <a:solidFill>
-              <a:schemeClr val="bg1"/>
-            </a:solidFill>
-            <a:headEnd type="arrow"/>
-            <a:tailEnd type="arrow"/>
-          </a:ln>
-        </p:spPr>
-        <p:style>
-          <a:lnRef idx="1">
-            <a:schemeClr val="accent1"/>
-          </a:lnRef>
-          <a:fillRef idx="0">
-            <a:schemeClr val="accent1"/>
-          </a:fillRef>
-          <a:effectRef idx="0">
-            <a:schemeClr val="accent1"/>
-          </a:effectRef>
-          <a:fontRef idx="minor">
-            <a:schemeClr val="tx1"/>
-          </a:fontRef>
-        </p:style>
-      </p:cxnSp>
-      <p:cxnSp>
-        <p:nvCxnSpPr>
-          <p:cNvPr id="68" name="Straight Arrow Connector 67"/>
-          <p:cNvCxnSpPr/>
-          <p:nvPr/>
-        </p:nvCxnSpPr>
-        <p:spPr>
-          <a:xfrm flipV="1">
-            <a:off x="8380109" y="784206"/>
-            <a:ext cx="592694" cy="429"/>
-          </a:xfrm>
-          <a:prstGeom prst="straightConnector1">
-            <a:avLst/>
-          </a:prstGeom>
-          <a:ln>
-            <a:solidFill>
-              <a:schemeClr val="bg1"/>
-            </a:solidFill>
-            <a:headEnd type="arrow"/>
-            <a:tailEnd type="arrow"/>
-          </a:ln>
-        </p:spPr>
-        <p:style>
-          <a:lnRef idx="1">
-            <a:schemeClr val="accent1"/>
-          </a:lnRef>
-          <a:fillRef idx="0">
-            <a:schemeClr val="accent1"/>
-          </a:fillRef>
-          <a:effectRef idx="0">
-            <a:schemeClr val="accent1"/>
-          </a:effectRef>
-          <a:fontRef idx="minor">
-            <a:schemeClr val="tx1"/>
-          </a:fontRef>
-        </p:style>
-      </p:cxnSp>
-      <p:sp>
-        <p:nvSpPr>
-          <p:cNvPr id="70" name="Rounded Rectangle 69"/>
-          <p:cNvSpPr/>
-          <p:nvPr/>
-        </p:nvSpPr>
-        <p:spPr>
-          <a:xfrm>
-            <a:off x="7164288" y="454575"/>
-            <a:ext cx="648072" cy="238121"/>
-          </a:xfrm>
-          <a:prstGeom prst="roundRect">
-            <a:avLst/>
-          </a:prstGeom>
-          <a:solidFill>
-            <a:schemeClr val="accent2">
-              <a:lumMod val="60000"/>
-              <a:lumOff val="40000"/>
-            </a:schemeClr>
-          </a:solidFill>
-        </p:spPr>
-        <p:style>
-          <a:lnRef idx="2">
-            <a:schemeClr val="accent1">
-              <a:shade val="50000"/>
-            </a:schemeClr>
-          </a:lnRef>
-          <a:fillRef idx="1">
-            <a:schemeClr val="accent1"/>
-          </a:fillRef>
-          <a:effectRef idx="0">
-            <a:schemeClr val="accent1"/>
-          </a:effectRef>
-          <a:fontRef idx="minor">
-            <a:schemeClr val="lt1"/>
-          </a:fontRef>
-        </p:style>
-        <p:txBody>
-          <a:bodyPr rtlCol="0" anchor="ctr"/>
-          <a:lstStyle/>
-          <a:p>
-            <a:pPr algn="ctr"/>
-            <a:r>
-              <a:rPr lang="en-AU" sz="1400" dirty="0" smtClean="0">
-                <a:solidFill>
-                  <a:schemeClr val="bg1"/>
-                </a:solidFill>
-              </a:rPr>
-              <a:t>60px</a:t>
-            </a:r>
-            <a:endParaRPr lang="en-AU" sz="1400" dirty="0">
-              <a:solidFill>
-                <a:schemeClr val="bg1"/>
-              </a:solidFill>
-            </a:endParaRPr>
-          </a:p>
-        </p:txBody>
-      </p:sp>
-      <p:sp>
-        <p:nvSpPr>
-          <p:cNvPr id="71" name="Rounded Rectangle 70"/>
-          <p:cNvSpPr/>
-          <p:nvPr/>
-        </p:nvSpPr>
-        <p:spPr>
-          <a:xfrm>
-            <a:off x="8460432" y="454575"/>
-            <a:ext cx="648072" cy="238121"/>
-          </a:xfrm>
-          <a:prstGeom prst="roundRect">
-            <a:avLst/>
-          </a:prstGeom>
-          <a:solidFill>
-            <a:schemeClr val="accent2">
-              <a:lumMod val="60000"/>
-              <a:lumOff val="40000"/>
-            </a:schemeClr>
-          </a:solidFill>
-        </p:spPr>
-        <p:style>
-          <a:lnRef idx="2">
-            <a:schemeClr val="accent1">
-              <a:shade val="50000"/>
-            </a:schemeClr>
-          </a:lnRef>
-          <a:fillRef idx="1">
-            <a:schemeClr val="accent1"/>
-          </a:fillRef>
-          <a:effectRef idx="0">
-            <a:schemeClr val="accent1"/>
-          </a:effectRef>
-          <a:fontRef idx="minor">
-            <a:schemeClr val="lt1"/>
-          </a:fontRef>
-        </p:style>
-        <p:txBody>
-          <a:bodyPr rtlCol="0" anchor="ctr"/>
-          <a:lstStyle/>
-          <a:p>
-            <a:pPr algn="ctr"/>
-            <a:r>
-              <a:rPr lang="en-AU" sz="1400" dirty="0" smtClean="0">
-                <a:solidFill>
-                  <a:schemeClr val="bg1"/>
-                </a:solidFill>
-              </a:rPr>
-              <a:t>60px</a:t>
-            </a:r>
-            <a:endParaRPr lang="en-AU" sz="1400" dirty="0">
-              <a:solidFill>
-                <a:schemeClr val="bg1"/>
-              </a:solidFill>
-            </a:endParaRPr>
-          </a:p>
-        </p:txBody>
-      </p:sp>
+              <a:t>SpecsWireframes</a:t>
+            </a:r>
+            <a:endParaRPr lang="en-AU" sz="1400" dirty="0"/>
+          </a:p>
+        </p:txBody>
+      </p:sp>
+      <p:graphicFrame>
+        <p:nvGraphicFramePr>
+          <p:cNvPr id="4" name="Table 3"/>
+          <p:cNvGraphicFramePr>
+            <a:graphicFrameLocks noGrp="1"/>
+          </p:cNvGraphicFramePr>
+          <p:nvPr>
+            <p:extLst>
+              <p:ext uri="{D42A27DB-BD31-4B8C-83A1-F6EECF244321}">
+                <p14:modId xmlns:p14="http://schemas.microsoft.com/office/powerpoint/2010/main" val="705664671"/>
+              </p:ext>
+            </p:extLst>
+          </p:nvPr>
+        </p:nvGraphicFramePr>
+        <p:xfrm>
+          <a:off x="1600200" y="3063716"/>
+          <a:ext cx="5943600" cy="1686560"/>
+        </p:xfrm>
+        <a:graphic>
+          <a:graphicData uri="http://schemas.openxmlformats.org/drawingml/2006/table">
+            <a:tbl>
+              <a:tblPr>
+                <a:tableStyleId>{5C22544A-7EE6-4342-B048-85BDC9FD1C3A}</a:tableStyleId>
+              </a:tblPr>
+              <a:tblGrid>
+                <a:gridCol w="695325"/>
+                <a:gridCol w="952500"/>
+                <a:gridCol w="952500"/>
+                <a:gridCol w="952500"/>
+                <a:gridCol w="2390775"/>
+              </a:tblGrid>
+              <a:tr h="0">
+                <a:tc>
+                  <a:txBody>
+                    <a:bodyPr/>
+                    <a:lstStyle/>
+                    <a:p>
+                      <a:pPr algn="just">
+                        <a:lnSpc>
+                          <a:spcPct val="115000"/>
+                        </a:lnSpc>
+                        <a:spcAft>
+                          <a:spcPts val="0"/>
+                        </a:spcAft>
+                      </a:pPr>
+                      <a:r>
+                        <a:rPr lang="en-US" sz="1200" b="1" dirty="0">
+                          <a:effectLst/>
+                          <a:latin typeface="Arial" panose="020B0604020202020204" pitchFamily="34" charset="0"/>
+                          <a:cs typeface="Arial" panose="020B0604020202020204" pitchFamily="34" charset="0"/>
+                        </a:rPr>
+                        <a:t>Version</a:t>
+                      </a:r>
+                      <a:endParaRPr lang="en-AU" sz="1200" b="1" dirty="0">
+                        <a:effectLst/>
+                        <a:latin typeface="Arial" panose="020B0604020202020204" pitchFamily="34" charset="0"/>
+                        <a:ea typeface="Arial" panose="020B0604020202020204" pitchFamily="34" charset="0"/>
+                        <a:cs typeface="Arial" panose="020B0604020202020204" pitchFamily="34" charset="0"/>
+                      </a:endParaRPr>
+                    </a:p>
+                  </a:txBody>
+                  <a:tcPr marL="63500" marR="63500" marT="63500" marB="63500">
+                    <a:solidFill>
+                      <a:schemeClr val="bg1">
+                        <a:lumMod val="75000"/>
+                      </a:schemeClr>
+                    </a:solidFill>
+                  </a:tcPr>
+                </a:tc>
+                <a:tc>
+                  <a:txBody>
+                    <a:bodyPr/>
+                    <a:lstStyle/>
+                    <a:p>
+                      <a:pPr algn="just">
+                        <a:lnSpc>
+                          <a:spcPct val="115000"/>
+                        </a:lnSpc>
+                        <a:spcAft>
+                          <a:spcPts val="0"/>
+                        </a:spcAft>
+                      </a:pPr>
+                      <a:r>
+                        <a:rPr lang="en-US" sz="1200" b="1">
+                          <a:effectLst/>
+                          <a:latin typeface="Arial" panose="020B0604020202020204" pitchFamily="34" charset="0"/>
+                          <a:cs typeface="Arial" panose="020B0604020202020204" pitchFamily="34" charset="0"/>
+                        </a:rPr>
+                        <a:t>Editor</a:t>
+                      </a:r>
+                      <a:endParaRPr lang="en-AU" sz="1200" b="1">
+                        <a:effectLst/>
+                        <a:latin typeface="Arial" panose="020B0604020202020204" pitchFamily="34" charset="0"/>
+                        <a:ea typeface="Arial" panose="020B0604020202020204" pitchFamily="34" charset="0"/>
+                        <a:cs typeface="Arial" panose="020B0604020202020204" pitchFamily="34" charset="0"/>
+                      </a:endParaRPr>
+                    </a:p>
+                  </a:txBody>
+                  <a:tcPr marL="63500" marR="63500" marT="63500" marB="63500">
+                    <a:solidFill>
+                      <a:schemeClr val="bg1">
+                        <a:lumMod val="75000"/>
+                      </a:schemeClr>
+                    </a:solidFill>
+                  </a:tcPr>
+                </a:tc>
+                <a:tc>
+                  <a:txBody>
+                    <a:bodyPr/>
+                    <a:lstStyle/>
+                    <a:p>
+                      <a:pPr algn="just">
+                        <a:lnSpc>
+                          <a:spcPct val="115000"/>
+                        </a:lnSpc>
+                        <a:spcAft>
+                          <a:spcPts val="0"/>
+                        </a:spcAft>
+                      </a:pPr>
+                      <a:r>
+                        <a:rPr lang="en-US" sz="1200" b="1">
+                          <a:effectLst/>
+                          <a:latin typeface="Arial" panose="020B0604020202020204" pitchFamily="34" charset="0"/>
+                          <a:cs typeface="Arial" panose="020B0604020202020204" pitchFamily="34" charset="0"/>
+                        </a:rPr>
+                        <a:t>Reviewer</a:t>
+                      </a:r>
+                      <a:endParaRPr lang="en-AU" sz="1200" b="1">
+                        <a:effectLst/>
+                        <a:latin typeface="Arial" panose="020B0604020202020204" pitchFamily="34" charset="0"/>
+                        <a:ea typeface="Arial" panose="020B0604020202020204" pitchFamily="34" charset="0"/>
+                        <a:cs typeface="Arial" panose="020B0604020202020204" pitchFamily="34" charset="0"/>
+                      </a:endParaRPr>
+                    </a:p>
+                  </a:txBody>
+                  <a:tcPr marL="63500" marR="63500" marT="63500" marB="63500">
+                    <a:solidFill>
+                      <a:schemeClr val="bg1">
+                        <a:lumMod val="75000"/>
+                      </a:schemeClr>
+                    </a:solidFill>
+                  </a:tcPr>
+                </a:tc>
+                <a:tc>
+                  <a:txBody>
+                    <a:bodyPr/>
+                    <a:lstStyle/>
+                    <a:p>
+                      <a:pPr algn="just">
+                        <a:lnSpc>
+                          <a:spcPct val="115000"/>
+                        </a:lnSpc>
+                        <a:spcAft>
+                          <a:spcPts val="0"/>
+                        </a:spcAft>
+                      </a:pPr>
+                      <a:r>
+                        <a:rPr lang="en-US" sz="1200" b="1">
+                          <a:effectLst/>
+                          <a:latin typeface="Arial" panose="020B0604020202020204" pitchFamily="34" charset="0"/>
+                          <a:cs typeface="Arial" panose="020B0604020202020204" pitchFamily="34" charset="0"/>
+                        </a:rPr>
+                        <a:t>Date</a:t>
+                      </a:r>
+                      <a:endParaRPr lang="en-AU" sz="1200" b="1">
+                        <a:effectLst/>
+                        <a:latin typeface="Arial" panose="020B0604020202020204" pitchFamily="34" charset="0"/>
+                        <a:ea typeface="Arial" panose="020B0604020202020204" pitchFamily="34" charset="0"/>
+                        <a:cs typeface="Arial" panose="020B0604020202020204" pitchFamily="34" charset="0"/>
+                      </a:endParaRPr>
+                    </a:p>
+                  </a:txBody>
+                  <a:tcPr marL="63500" marR="63500" marT="63500" marB="63500">
+                    <a:solidFill>
+                      <a:schemeClr val="bg1">
+                        <a:lumMod val="75000"/>
+                      </a:schemeClr>
+                    </a:solidFill>
+                  </a:tcPr>
+                </a:tc>
+                <a:tc>
+                  <a:txBody>
+                    <a:bodyPr/>
+                    <a:lstStyle/>
+                    <a:p>
+                      <a:pPr algn="just">
+                        <a:lnSpc>
+                          <a:spcPct val="115000"/>
+                        </a:lnSpc>
+                        <a:spcAft>
+                          <a:spcPts val="0"/>
+                        </a:spcAft>
+                      </a:pPr>
+                      <a:r>
+                        <a:rPr lang="en-US" sz="1200" b="1" dirty="0">
+                          <a:effectLst/>
+                          <a:latin typeface="Arial" panose="020B0604020202020204" pitchFamily="34" charset="0"/>
+                          <a:cs typeface="Arial" panose="020B0604020202020204" pitchFamily="34" charset="0"/>
+                        </a:rPr>
+                        <a:t>Note</a:t>
+                      </a:r>
+                      <a:endParaRPr lang="en-AU" sz="1200" b="1" dirty="0">
+                        <a:effectLst/>
+                        <a:latin typeface="Arial" panose="020B0604020202020204" pitchFamily="34" charset="0"/>
+                        <a:ea typeface="Arial" panose="020B0604020202020204" pitchFamily="34" charset="0"/>
+                        <a:cs typeface="Arial" panose="020B0604020202020204" pitchFamily="34" charset="0"/>
+                      </a:endParaRPr>
+                    </a:p>
+                  </a:txBody>
+                  <a:tcPr marL="63500" marR="63500" marT="63500" marB="63500">
+                    <a:solidFill>
+                      <a:schemeClr val="bg1">
+                        <a:lumMod val="75000"/>
+                      </a:schemeClr>
+                    </a:solidFill>
+                  </a:tcPr>
+                </a:tc>
+              </a:tr>
+              <a:tr h="0">
+                <a:tc>
+                  <a:txBody>
+                    <a:bodyPr/>
+                    <a:lstStyle/>
+                    <a:p>
+                      <a:pPr algn="r">
+                        <a:lnSpc>
+                          <a:spcPct val="115000"/>
+                        </a:lnSpc>
+                        <a:spcAft>
+                          <a:spcPts val="0"/>
+                        </a:spcAft>
+                      </a:pPr>
+                      <a:r>
+                        <a:rPr lang="en-US" sz="1200">
+                          <a:effectLst/>
+                          <a:latin typeface="Arial" panose="020B0604020202020204" pitchFamily="34" charset="0"/>
+                          <a:cs typeface="Arial" panose="020B0604020202020204" pitchFamily="34" charset="0"/>
+                        </a:rPr>
+                        <a:t>1.0</a:t>
+                      </a:r>
+                      <a:endParaRPr lang="en-AU" sz="1200">
+                        <a:effectLst/>
+                        <a:latin typeface="Arial" panose="020B0604020202020204" pitchFamily="34" charset="0"/>
+                        <a:ea typeface="Arial" panose="020B0604020202020204" pitchFamily="34" charset="0"/>
+                        <a:cs typeface="Arial" panose="020B0604020202020204" pitchFamily="34" charset="0"/>
+                      </a:endParaRPr>
+                    </a:p>
+                  </a:txBody>
+                  <a:tcPr marL="63500" marR="63500" marT="63500" marB="63500">
+                    <a:solidFill>
+                      <a:schemeClr val="bg1">
+                        <a:lumMod val="75000"/>
+                      </a:schemeClr>
+                    </a:solidFill>
+                  </a:tcPr>
+                </a:tc>
+                <a:tc>
+                  <a:txBody>
+                    <a:bodyPr/>
+                    <a:lstStyle/>
+                    <a:p>
+                      <a:pPr algn="just">
+                        <a:lnSpc>
+                          <a:spcPct val="115000"/>
+                        </a:lnSpc>
+                        <a:spcAft>
+                          <a:spcPts val="0"/>
+                        </a:spcAft>
+                      </a:pPr>
+                      <a:r>
+                        <a:rPr lang="en-US" sz="1200" dirty="0" smtClean="0">
+                          <a:effectLst/>
+                          <a:latin typeface="Arial" panose="020B0604020202020204" pitchFamily="34" charset="0"/>
+                          <a:cs typeface="Arial" panose="020B0604020202020204" pitchFamily="34" charset="0"/>
+                        </a:rPr>
+                        <a:t>AM</a:t>
+                      </a:r>
+                      <a:endParaRPr lang="en-AU" sz="1200" dirty="0">
+                        <a:effectLst/>
+                        <a:latin typeface="Arial" panose="020B0604020202020204" pitchFamily="34" charset="0"/>
+                        <a:ea typeface="Arial" panose="020B0604020202020204" pitchFamily="34" charset="0"/>
+                        <a:cs typeface="Arial" panose="020B0604020202020204" pitchFamily="34" charset="0"/>
+                      </a:endParaRPr>
+                    </a:p>
+                  </a:txBody>
+                  <a:tcPr marL="63500" marR="63500" marT="63500" marB="63500">
+                    <a:solidFill>
+                      <a:schemeClr val="bg1">
+                        <a:lumMod val="75000"/>
+                      </a:schemeClr>
+                    </a:solidFill>
+                  </a:tcPr>
+                </a:tc>
+                <a:tc>
+                  <a:txBody>
+                    <a:bodyPr/>
+                    <a:lstStyle/>
+                    <a:p>
+                      <a:pPr algn="just">
+                        <a:lnSpc>
+                          <a:spcPct val="115000"/>
+                        </a:lnSpc>
+                        <a:spcAft>
+                          <a:spcPts val="0"/>
+                        </a:spcAft>
+                      </a:pPr>
+                      <a:r>
+                        <a:rPr lang="en-US" sz="1200" dirty="0" smtClean="0">
+                          <a:effectLst/>
+                          <a:latin typeface="Arial" panose="020B0604020202020204" pitchFamily="34" charset="0"/>
+                          <a:cs typeface="Arial" panose="020B0604020202020204" pitchFamily="34" charset="0"/>
+                        </a:rPr>
+                        <a:t>AC</a:t>
+                      </a:r>
+                      <a:endParaRPr lang="en-AU" sz="1200" dirty="0">
+                        <a:effectLst/>
+                        <a:latin typeface="Arial" panose="020B0604020202020204" pitchFamily="34" charset="0"/>
+                        <a:ea typeface="Arial" panose="020B0604020202020204" pitchFamily="34" charset="0"/>
+                        <a:cs typeface="Arial" panose="020B0604020202020204" pitchFamily="34" charset="0"/>
+                      </a:endParaRPr>
+                    </a:p>
+                  </a:txBody>
+                  <a:tcPr marL="63500" marR="63500" marT="63500" marB="63500">
+                    <a:solidFill>
+                      <a:schemeClr val="bg1">
+                        <a:lumMod val="75000"/>
+                      </a:schemeClr>
+                    </a:solidFill>
+                  </a:tcPr>
+                </a:tc>
+                <a:tc>
+                  <a:txBody>
+                    <a:bodyPr/>
+                    <a:lstStyle/>
+                    <a:p>
+                      <a:pPr algn="just">
+                        <a:lnSpc>
+                          <a:spcPct val="115000"/>
+                        </a:lnSpc>
+                        <a:spcAft>
+                          <a:spcPts val="0"/>
+                        </a:spcAft>
+                      </a:pPr>
+                      <a:r>
+                        <a:rPr lang="en-US" sz="1200" dirty="0" smtClean="0">
+                          <a:effectLst/>
+                          <a:latin typeface="Arial" panose="020B0604020202020204" pitchFamily="34" charset="0"/>
+                          <a:cs typeface="Arial" panose="020B0604020202020204" pitchFamily="34" charset="0"/>
+                        </a:rPr>
+                        <a:t>05/08/2020</a:t>
+                      </a:r>
+                      <a:endParaRPr lang="en-AU" sz="1200" dirty="0">
+                        <a:effectLst/>
+                        <a:latin typeface="Arial" panose="020B0604020202020204" pitchFamily="34" charset="0"/>
+                        <a:ea typeface="Arial" panose="020B0604020202020204" pitchFamily="34" charset="0"/>
+                        <a:cs typeface="Arial" panose="020B0604020202020204" pitchFamily="34" charset="0"/>
+                      </a:endParaRPr>
+                    </a:p>
+                  </a:txBody>
+                  <a:tcPr marL="63500" marR="63500" marT="63500" marB="63500">
+                    <a:solidFill>
+                      <a:schemeClr val="bg1">
+                        <a:lumMod val="75000"/>
+                      </a:schemeClr>
+                    </a:solidFill>
+                  </a:tcPr>
+                </a:tc>
+                <a:tc>
+                  <a:txBody>
+                    <a:bodyPr/>
+                    <a:lstStyle/>
+                    <a:p>
+                      <a:pPr algn="just">
+                        <a:lnSpc>
+                          <a:spcPct val="115000"/>
+                        </a:lnSpc>
+                        <a:spcAft>
+                          <a:spcPts val="0"/>
+                        </a:spcAft>
+                      </a:pPr>
+                      <a:r>
+                        <a:rPr lang="en-US" sz="1200">
+                          <a:effectLst/>
+                          <a:latin typeface="Arial" panose="020B0604020202020204" pitchFamily="34" charset="0"/>
+                          <a:cs typeface="Arial" panose="020B0604020202020204" pitchFamily="34" charset="0"/>
+                        </a:rPr>
+                        <a:t>Initial version</a:t>
+                      </a:r>
+                      <a:endParaRPr lang="en-AU" sz="1200">
+                        <a:effectLst/>
+                        <a:latin typeface="Arial" panose="020B0604020202020204" pitchFamily="34" charset="0"/>
+                        <a:ea typeface="Arial" panose="020B0604020202020204" pitchFamily="34" charset="0"/>
+                        <a:cs typeface="Arial" panose="020B0604020202020204" pitchFamily="34" charset="0"/>
+                      </a:endParaRPr>
+                    </a:p>
+                  </a:txBody>
+                  <a:tcPr marL="63500" marR="63500" marT="63500" marB="63500">
+                    <a:solidFill>
+                      <a:schemeClr val="bg1">
+                        <a:lumMod val="75000"/>
+                      </a:schemeClr>
+                    </a:solidFill>
+                  </a:tcPr>
+                </a:tc>
+              </a:tr>
+              <a:tr h="0">
+                <a:tc>
+                  <a:txBody>
+                    <a:bodyPr/>
+                    <a:lstStyle/>
+                    <a:p>
+                      <a:pPr algn="just">
+                        <a:lnSpc>
+                          <a:spcPct val="115000"/>
+                        </a:lnSpc>
+                        <a:spcAft>
+                          <a:spcPts val="0"/>
+                        </a:spcAft>
+                      </a:pPr>
+                      <a:r>
+                        <a:rPr lang="en-US" sz="1200">
+                          <a:effectLst/>
+                          <a:latin typeface="Arial" panose="020B0604020202020204" pitchFamily="34" charset="0"/>
+                          <a:cs typeface="Arial" panose="020B0604020202020204" pitchFamily="34" charset="0"/>
+                        </a:rPr>
+                        <a:t> </a:t>
+                      </a:r>
+                      <a:endParaRPr lang="en-AU" sz="1200">
+                        <a:effectLst/>
+                        <a:latin typeface="Arial" panose="020B0604020202020204" pitchFamily="34" charset="0"/>
+                        <a:ea typeface="Arial" panose="020B0604020202020204" pitchFamily="34" charset="0"/>
+                        <a:cs typeface="Arial" panose="020B0604020202020204" pitchFamily="34" charset="0"/>
+                      </a:endParaRPr>
+                    </a:p>
+                  </a:txBody>
+                  <a:tcPr marL="63500" marR="63500" marT="63500" marB="63500">
+                    <a:solidFill>
+                      <a:schemeClr val="bg1">
+                        <a:lumMod val="75000"/>
+                      </a:schemeClr>
+                    </a:solidFill>
+                  </a:tcPr>
+                </a:tc>
+                <a:tc>
+                  <a:txBody>
+                    <a:bodyPr/>
+                    <a:lstStyle/>
+                    <a:p>
+                      <a:pPr algn="just">
+                        <a:lnSpc>
+                          <a:spcPct val="115000"/>
+                        </a:lnSpc>
+                        <a:spcAft>
+                          <a:spcPts val="0"/>
+                        </a:spcAft>
+                      </a:pPr>
+                      <a:r>
+                        <a:rPr lang="en-US" sz="1200">
+                          <a:effectLst/>
+                          <a:latin typeface="Arial" panose="020B0604020202020204" pitchFamily="34" charset="0"/>
+                          <a:cs typeface="Arial" panose="020B0604020202020204" pitchFamily="34" charset="0"/>
+                        </a:rPr>
+                        <a:t> </a:t>
+                      </a:r>
+                      <a:endParaRPr lang="en-AU" sz="1200">
+                        <a:effectLst/>
+                        <a:latin typeface="Arial" panose="020B0604020202020204" pitchFamily="34" charset="0"/>
+                        <a:ea typeface="Arial" panose="020B0604020202020204" pitchFamily="34" charset="0"/>
+                        <a:cs typeface="Arial" panose="020B0604020202020204" pitchFamily="34" charset="0"/>
+                      </a:endParaRPr>
+                    </a:p>
+                  </a:txBody>
+                  <a:tcPr marL="63500" marR="63500" marT="63500" marB="63500">
+                    <a:solidFill>
+                      <a:schemeClr val="bg1">
+                        <a:lumMod val="75000"/>
+                      </a:schemeClr>
+                    </a:solidFill>
+                  </a:tcPr>
+                </a:tc>
+                <a:tc>
+                  <a:txBody>
+                    <a:bodyPr/>
+                    <a:lstStyle/>
+                    <a:p>
+                      <a:pPr algn="just">
+                        <a:lnSpc>
+                          <a:spcPct val="115000"/>
+                        </a:lnSpc>
+                        <a:spcAft>
+                          <a:spcPts val="0"/>
+                        </a:spcAft>
+                      </a:pPr>
+                      <a:r>
+                        <a:rPr lang="en-US" sz="1200">
+                          <a:effectLst/>
+                          <a:latin typeface="Arial" panose="020B0604020202020204" pitchFamily="34" charset="0"/>
+                          <a:cs typeface="Arial" panose="020B0604020202020204" pitchFamily="34" charset="0"/>
+                        </a:rPr>
+                        <a:t> </a:t>
+                      </a:r>
+                      <a:endParaRPr lang="en-AU" sz="1200">
+                        <a:effectLst/>
+                        <a:latin typeface="Arial" panose="020B0604020202020204" pitchFamily="34" charset="0"/>
+                        <a:ea typeface="Arial" panose="020B0604020202020204" pitchFamily="34" charset="0"/>
+                        <a:cs typeface="Arial" panose="020B0604020202020204" pitchFamily="34" charset="0"/>
+                      </a:endParaRPr>
+                    </a:p>
+                  </a:txBody>
+                  <a:tcPr marL="63500" marR="63500" marT="63500" marB="63500">
+                    <a:solidFill>
+                      <a:schemeClr val="bg1">
+                        <a:lumMod val="75000"/>
+                      </a:schemeClr>
+                    </a:solidFill>
+                  </a:tcPr>
+                </a:tc>
+                <a:tc>
+                  <a:txBody>
+                    <a:bodyPr/>
+                    <a:lstStyle/>
+                    <a:p>
+                      <a:pPr algn="just">
+                        <a:lnSpc>
+                          <a:spcPct val="115000"/>
+                        </a:lnSpc>
+                        <a:spcAft>
+                          <a:spcPts val="0"/>
+                        </a:spcAft>
+                      </a:pPr>
+                      <a:r>
+                        <a:rPr lang="en-US" sz="1200">
+                          <a:effectLst/>
+                          <a:latin typeface="Arial" panose="020B0604020202020204" pitchFamily="34" charset="0"/>
+                          <a:cs typeface="Arial" panose="020B0604020202020204" pitchFamily="34" charset="0"/>
+                        </a:rPr>
+                        <a:t> </a:t>
+                      </a:r>
+                      <a:endParaRPr lang="en-AU" sz="1200">
+                        <a:effectLst/>
+                        <a:latin typeface="Arial" panose="020B0604020202020204" pitchFamily="34" charset="0"/>
+                        <a:ea typeface="Arial" panose="020B0604020202020204" pitchFamily="34" charset="0"/>
+                        <a:cs typeface="Arial" panose="020B0604020202020204" pitchFamily="34" charset="0"/>
+                      </a:endParaRPr>
+                    </a:p>
+                  </a:txBody>
+                  <a:tcPr marL="63500" marR="63500" marT="63500" marB="63500">
+                    <a:solidFill>
+                      <a:schemeClr val="bg1">
+                        <a:lumMod val="75000"/>
+                      </a:schemeClr>
+                    </a:solidFill>
+                  </a:tcPr>
+                </a:tc>
+                <a:tc>
+                  <a:txBody>
+                    <a:bodyPr/>
+                    <a:lstStyle/>
+                    <a:p>
+                      <a:pPr algn="just">
+                        <a:lnSpc>
+                          <a:spcPct val="115000"/>
+                        </a:lnSpc>
+                        <a:spcAft>
+                          <a:spcPts val="0"/>
+                        </a:spcAft>
+                      </a:pPr>
+                      <a:r>
+                        <a:rPr lang="en-US" sz="1200">
+                          <a:effectLst/>
+                          <a:latin typeface="Arial" panose="020B0604020202020204" pitchFamily="34" charset="0"/>
+                          <a:cs typeface="Arial" panose="020B0604020202020204" pitchFamily="34" charset="0"/>
+                        </a:rPr>
+                        <a:t> </a:t>
+                      </a:r>
+                      <a:endParaRPr lang="en-AU" sz="1200">
+                        <a:effectLst/>
+                        <a:latin typeface="Arial" panose="020B0604020202020204" pitchFamily="34" charset="0"/>
+                        <a:ea typeface="Arial" panose="020B0604020202020204" pitchFamily="34" charset="0"/>
+                        <a:cs typeface="Arial" panose="020B0604020202020204" pitchFamily="34" charset="0"/>
+                      </a:endParaRPr>
+                    </a:p>
+                  </a:txBody>
+                  <a:tcPr marL="63500" marR="63500" marT="63500" marB="63500">
+                    <a:solidFill>
+                      <a:schemeClr val="bg1">
+                        <a:lumMod val="75000"/>
+                      </a:schemeClr>
+                    </a:solidFill>
+                  </a:tcPr>
+                </a:tc>
+              </a:tr>
+              <a:tr h="0">
+                <a:tc>
+                  <a:txBody>
+                    <a:bodyPr/>
+                    <a:lstStyle/>
+                    <a:p>
+                      <a:pPr algn="just">
+                        <a:lnSpc>
+                          <a:spcPct val="115000"/>
+                        </a:lnSpc>
+                        <a:spcAft>
+                          <a:spcPts val="0"/>
+                        </a:spcAft>
+                      </a:pPr>
+                      <a:r>
+                        <a:rPr lang="en-US" sz="1200">
+                          <a:effectLst/>
+                          <a:latin typeface="Arial" panose="020B0604020202020204" pitchFamily="34" charset="0"/>
+                          <a:cs typeface="Arial" panose="020B0604020202020204" pitchFamily="34" charset="0"/>
+                        </a:rPr>
+                        <a:t> </a:t>
+                      </a:r>
+                      <a:endParaRPr lang="en-AU" sz="1200">
+                        <a:effectLst/>
+                        <a:latin typeface="Arial" panose="020B0604020202020204" pitchFamily="34" charset="0"/>
+                        <a:ea typeface="Arial" panose="020B0604020202020204" pitchFamily="34" charset="0"/>
+                        <a:cs typeface="Arial" panose="020B0604020202020204" pitchFamily="34" charset="0"/>
+                      </a:endParaRPr>
+                    </a:p>
+                  </a:txBody>
+                  <a:tcPr marL="63500" marR="63500" marT="63500" marB="63500">
+                    <a:solidFill>
+                      <a:schemeClr val="bg1">
+                        <a:lumMod val="75000"/>
+                      </a:schemeClr>
+                    </a:solidFill>
+                  </a:tcPr>
+                </a:tc>
+                <a:tc>
+                  <a:txBody>
+                    <a:bodyPr/>
+                    <a:lstStyle/>
+                    <a:p>
+                      <a:pPr algn="just">
+                        <a:lnSpc>
+                          <a:spcPct val="115000"/>
+                        </a:lnSpc>
+                        <a:spcAft>
+                          <a:spcPts val="0"/>
+                        </a:spcAft>
+                      </a:pPr>
+                      <a:r>
+                        <a:rPr lang="en-US" sz="1200">
+                          <a:effectLst/>
+                          <a:latin typeface="Arial" panose="020B0604020202020204" pitchFamily="34" charset="0"/>
+                          <a:cs typeface="Arial" panose="020B0604020202020204" pitchFamily="34" charset="0"/>
+                        </a:rPr>
+                        <a:t> </a:t>
+                      </a:r>
+                      <a:endParaRPr lang="en-AU" sz="1200">
+                        <a:effectLst/>
+                        <a:latin typeface="Arial" panose="020B0604020202020204" pitchFamily="34" charset="0"/>
+                        <a:ea typeface="Arial" panose="020B0604020202020204" pitchFamily="34" charset="0"/>
+                        <a:cs typeface="Arial" panose="020B0604020202020204" pitchFamily="34" charset="0"/>
+                      </a:endParaRPr>
+                    </a:p>
+                  </a:txBody>
+                  <a:tcPr marL="63500" marR="63500" marT="63500" marB="63500">
+                    <a:solidFill>
+                      <a:schemeClr val="bg1">
+                        <a:lumMod val="75000"/>
+                      </a:schemeClr>
+                    </a:solidFill>
+                  </a:tcPr>
+                </a:tc>
+                <a:tc>
+                  <a:txBody>
+                    <a:bodyPr/>
+                    <a:lstStyle/>
+                    <a:p>
+                      <a:pPr algn="just">
+                        <a:lnSpc>
+                          <a:spcPct val="115000"/>
+                        </a:lnSpc>
+                        <a:spcAft>
+                          <a:spcPts val="0"/>
+                        </a:spcAft>
+                      </a:pPr>
+                      <a:r>
+                        <a:rPr lang="en-US" sz="1200">
+                          <a:effectLst/>
+                          <a:latin typeface="Arial" panose="020B0604020202020204" pitchFamily="34" charset="0"/>
+                          <a:cs typeface="Arial" panose="020B0604020202020204" pitchFamily="34" charset="0"/>
+                        </a:rPr>
+                        <a:t> </a:t>
+                      </a:r>
+                      <a:endParaRPr lang="en-AU" sz="1200">
+                        <a:effectLst/>
+                        <a:latin typeface="Arial" panose="020B0604020202020204" pitchFamily="34" charset="0"/>
+                        <a:ea typeface="Arial" panose="020B0604020202020204" pitchFamily="34" charset="0"/>
+                        <a:cs typeface="Arial" panose="020B0604020202020204" pitchFamily="34" charset="0"/>
+                      </a:endParaRPr>
+                    </a:p>
+                  </a:txBody>
+                  <a:tcPr marL="63500" marR="63500" marT="63500" marB="63500">
+                    <a:solidFill>
+                      <a:schemeClr val="bg1">
+                        <a:lumMod val="75000"/>
+                      </a:schemeClr>
+                    </a:solidFill>
+                  </a:tcPr>
+                </a:tc>
+                <a:tc>
+                  <a:txBody>
+                    <a:bodyPr/>
+                    <a:lstStyle/>
+                    <a:p>
+                      <a:pPr algn="just">
+                        <a:lnSpc>
+                          <a:spcPct val="115000"/>
+                        </a:lnSpc>
+                        <a:spcAft>
+                          <a:spcPts val="0"/>
+                        </a:spcAft>
+                      </a:pPr>
+                      <a:r>
+                        <a:rPr lang="en-US" sz="1200">
+                          <a:effectLst/>
+                          <a:latin typeface="Arial" panose="020B0604020202020204" pitchFamily="34" charset="0"/>
+                          <a:cs typeface="Arial" panose="020B0604020202020204" pitchFamily="34" charset="0"/>
+                        </a:rPr>
+                        <a:t> </a:t>
+                      </a:r>
+                      <a:endParaRPr lang="en-AU" sz="1200">
+                        <a:effectLst/>
+                        <a:latin typeface="Arial" panose="020B0604020202020204" pitchFamily="34" charset="0"/>
+                        <a:ea typeface="Arial" panose="020B0604020202020204" pitchFamily="34" charset="0"/>
+                        <a:cs typeface="Arial" panose="020B0604020202020204" pitchFamily="34" charset="0"/>
+                      </a:endParaRPr>
+                    </a:p>
+                  </a:txBody>
+                  <a:tcPr marL="63500" marR="63500" marT="63500" marB="63500">
+                    <a:solidFill>
+                      <a:schemeClr val="bg1">
+                        <a:lumMod val="75000"/>
+                      </a:schemeClr>
+                    </a:solidFill>
+                  </a:tcPr>
+                </a:tc>
+                <a:tc>
+                  <a:txBody>
+                    <a:bodyPr/>
+                    <a:lstStyle/>
+                    <a:p>
+                      <a:pPr algn="just">
+                        <a:lnSpc>
+                          <a:spcPct val="115000"/>
+                        </a:lnSpc>
+                        <a:spcAft>
+                          <a:spcPts val="0"/>
+                        </a:spcAft>
+                      </a:pPr>
+                      <a:r>
+                        <a:rPr lang="en-US" sz="1200">
+                          <a:effectLst/>
+                          <a:latin typeface="Arial" panose="020B0604020202020204" pitchFamily="34" charset="0"/>
+                          <a:cs typeface="Arial" panose="020B0604020202020204" pitchFamily="34" charset="0"/>
+                        </a:rPr>
+                        <a:t> </a:t>
+                      </a:r>
+                      <a:endParaRPr lang="en-AU" sz="1200">
+                        <a:effectLst/>
+                        <a:latin typeface="Arial" panose="020B0604020202020204" pitchFamily="34" charset="0"/>
+                        <a:ea typeface="Arial" panose="020B0604020202020204" pitchFamily="34" charset="0"/>
+                        <a:cs typeface="Arial" panose="020B0604020202020204" pitchFamily="34" charset="0"/>
+                      </a:endParaRPr>
+                    </a:p>
+                  </a:txBody>
+                  <a:tcPr marL="63500" marR="63500" marT="63500" marB="63500">
+                    <a:solidFill>
+                      <a:schemeClr val="bg1">
+                        <a:lumMod val="75000"/>
+                      </a:schemeClr>
+                    </a:solidFill>
+                  </a:tcPr>
+                </a:tc>
+              </a:tr>
+              <a:tr h="0">
+                <a:tc>
+                  <a:txBody>
+                    <a:bodyPr/>
+                    <a:lstStyle/>
+                    <a:p>
+                      <a:pPr algn="just">
+                        <a:lnSpc>
+                          <a:spcPct val="115000"/>
+                        </a:lnSpc>
+                        <a:spcAft>
+                          <a:spcPts val="0"/>
+                        </a:spcAft>
+                      </a:pPr>
+                      <a:r>
+                        <a:rPr lang="en-US" sz="1200">
+                          <a:effectLst/>
+                          <a:latin typeface="Arial" panose="020B0604020202020204" pitchFamily="34" charset="0"/>
+                          <a:cs typeface="Arial" panose="020B0604020202020204" pitchFamily="34" charset="0"/>
+                        </a:rPr>
+                        <a:t> </a:t>
+                      </a:r>
+                      <a:endParaRPr lang="en-AU" sz="1200">
+                        <a:effectLst/>
+                        <a:latin typeface="Arial" panose="020B0604020202020204" pitchFamily="34" charset="0"/>
+                        <a:ea typeface="Arial" panose="020B0604020202020204" pitchFamily="34" charset="0"/>
+                        <a:cs typeface="Arial" panose="020B0604020202020204" pitchFamily="34" charset="0"/>
+                      </a:endParaRPr>
+                    </a:p>
+                  </a:txBody>
+                  <a:tcPr marL="63500" marR="63500" marT="63500" marB="63500">
+                    <a:solidFill>
+                      <a:schemeClr val="bg1">
+                        <a:lumMod val="75000"/>
+                      </a:schemeClr>
+                    </a:solidFill>
+                  </a:tcPr>
+                </a:tc>
+                <a:tc>
+                  <a:txBody>
+                    <a:bodyPr/>
+                    <a:lstStyle/>
+                    <a:p>
+                      <a:pPr algn="just">
+                        <a:lnSpc>
+                          <a:spcPct val="115000"/>
+                        </a:lnSpc>
+                        <a:spcAft>
+                          <a:spcPts val="0"/>
+                        </a:spcAft>
+                      </a:pPr>
+                      <a:r>
+                        <a:rPr lang="en-US" sz="1200">
+                          <a:effectLst/>
+                          <a:latin typeface="Arial" panose="020B0604020202020204" pitchFamily="34" charset="0"/>
+                          <a:cs typeface="Arial" panose="020B0604020202020204" pitchFamily="34" charset="0"/>
+                        </a:rPr>
+                        <a:t> </a:t>
+                      </a:r>
+                      <a:endParaRPr lang="en-AU" sz="1200">
+                        <a:effectLst/>
+                        <a:latin typeface="Arial" panose="020B0604020202020204" pitchFamily="34" charset="0"/>
+                        <a:ea typeface="Arial" panose="020B0604020202020204" pitchFamily="34" charset="0"/>
+                        <a:cs typeface="Arial" panose="020B0604020202020204" pitchFamily="34" charset="0"/>
+                      </a:endParaRPr>
+                    </a:p>
+                  </a:txBody>
+                  <a:tcPr marL="63500" marR="63500" marT="63500" marB="63500">
+                    <a:solidFill>
+                      <a:schemeClr val="bg1">
+                        <a:lumMod val="75000"/>
+                      </a:schemeClr>
+                    </a:solidFill>
+                  </a:tcPr>
+                </a:tc>
+                <a:tc>
+                  <a:txBody>
+                    <a:bodyPr/>
+                    <a:lstStyle/>
+                    <a:p>
+                      <a:pPr algn="just">
+                        <a:lnSpc>
+                          <a:spcPct val="115000"/>
+                        </a:lnSpc>
+                        <a:spcAft>
+                          <a:spcPts val="0"/>
+                        </a:spcAft>
+                      </a:pPr>
+                      <a:r>
+                        <a:rPr lang="en-US" sz="1200">
+                          <a:effectLst/>
+                          <a:latin typeface="Arial" panose="020B0604020202020204" pitchFamily="34" charset="0"/>
+                          <a:cs typeface="Arial" panose="020B0604020202020204" pitchFamily="34" charset="0"/>
+                        </a:rPr>
+                        <a:t> </a:t>
+                      </a:r>
+                      <a:endParaRPr lang="en-AU" sz="1200">
+                        <a:effectLst/>
+                        <a:latin typeface="Arial" panose="020B0604020202020204" pitchFamily="34" charset="0"/>
+                        <a:ea typeface="Arial" panose="020B0604020202020204" pitchFamily="34" charset="0"/>
+                        <a:cs typeface="Arial" panose="020B0604020202020204" pitchFamily="34" charset="0"/>
+                      </a:endParaRPr>
+                    </a:p>
+                  </a:txBody>
+                  <a:tcPr marL="63500" marR="63500" marT="63500" marB="63500">
+                    <a:solidFill>
+                      <a:schemeClr val="bg1">
+                        <a:lumMod val="75000"/>
+                      </a:schemeClr>
+                    </a:solidFill>
+                  </a:tcPr>
+                </a:tc>
+                <a:tc>
+                  <a:txBody>
+                    <a:bodyPr/>
+                    <a:lstStyle/>
+                    <a:p>
+                      <a:pPr algn="just">
+                        <a:lnSpc>
+                          <a:spcPct val="115000"/>
+                        </a:lnSpc>
+                        <a:spcAft>
+                          <a:spcPts val="0"/>
+                        </a:spcAft>
+                      </a:pPr>
+                      <a:r>
+                        <a:rPr lang="en-US" sz="1200">
+                          <a:effectLst/>
+                          <a:latin typeface="Arial" panose="020B0604020202020204" pitchFamily="34" charset="0"/>
+                          <a:cs typeface="Arial" panose="020B0604020202020204" pitchFamily="34" charset="0"/>
+                        </a:rPr>
+                        <a:t> </a:t>
+                      </a:r>
+                      <a:endParaRPr lang="en-AU" sz="1200">
+                        <a:effectLst/>
+                        <a:latin typeface="Arial" panose="020B0604020202020204" pitchFamily="34" charset="0"/>
+                        <a:ea typeface="Arial" panose="020B0604020202020204" pitchFamily="34" charset="0"/>
+                        <a:cs typeface="Arial" panose="020B0604020202020204" pitchFamily="34" charset="0"/>
+                      </a:endParaRPr>
+                    </a:p>
+                  </a:txBody>
+                  <a:tcPr marL="63500" marR="63500" marT="63500" marB="63500">
+                    <a:solidFill>
+                      <a:schemeClr val="bg1">
+                        <a:lumMod val="75000"/>
+                      </a:schemeClr>
+                    </a:solidFill>
+                  </a:tcPr>
+                </a:tc>
+                <a:tc>
+                  <a:txBody>
+                    <a:bodyPr/>
+                    <a:lstStyle/>
+                    <a:p>
+                      <a:pPr algn="just">
+                        <a:lnSpc>
+                          <a:spcPct val="115000"/>
+                        </a:lnSpc>
+                        <a:spcAft>
+                          <a:spcPts val="0"/>
+                        </a:spcAft>
+                      </a:pPr>
+                      <a:r>
+                        <a:rPr lang="en-US" sz="1200" dirty="0">
+                          <a:effectLst/>
+                          <a:latin typeface="Arial" panose="020B0604020202020204" pitchFamily="34" charset="0"/>
+                          <a:cs typeface="Arial" panose="020B0604020202020204" pitchFamily="34" charset="0"/>
+                        </a:rPr>
+                        <a:t> </a:t>
+                      </a:r>
+                      <a:endParaRPr lang="en-AU" sz="1200" dirty="0">
+                        <a:effectLst/>
+                        <a:latin typeface="Arial" panose="020B0604020202020204" pitchFamily="34" charset="0"/>
+                        <a:ea typeface="Arial" panose="020B0604020202020204" pitchFamily="34" charset="0"/>
+                        <a:cs typeface="Arial" panose="020B0604020202020204" pitchFamily="34" charset="0"/>
+                      </a:endParaRPr>
+                    </a:p>
+                  </a:txBody>
+                  <a:tcPr marL="63500" marR="63500" marT="63500" marB="63500">
+                    <a:solidFill>
+                      <a:schemeClr val="bg1">
+                        <a:lumMod val="75000"/>
+                      </a:schemeClr>
+                    </a:solidFill>
+                  </a:tcPr>
+                </a:tc>
+              </a:tr>
+            </a:tbl>
+          </a:graphicData>
+        </a:graphic>
+      </p:graphicFrame>
     </p:spTree>
     <p:extLst>
       <p:ext uri="{BB962C8B-B14F-4D97-AF65-F5344CB8AC3E}">
-        <p14:creationId xmlns:p14="http://schemas.microsoft.com/office/powerpoint/2010/main" val="345626616"/>
+        <p14:creationId xmlns:p14="http://schemas.microsoft.com/office/powerpoint/2010/main" val="914468967"/>
       </p:ext>
     </p:extLst>
   </p:cSld>
@@ -5757,7 +4653,168 @@
       </p:grpSpPr>
       <p:sp>
         <p:nvSpPr>
-          <p:cNvPr id="2" name="Rectangle 1"/>
+          <p:cNvPr id="4" name="Rectangle 3"/>
+          <p:cNvSpPr/>
+          <p:nvPr/>
+        </p:nvSpPr>
+        <p:spPr>
+          <a:xfrm>
+            <a:off x="0" y="0"/>
+            <a:ext cx="9144000" cy="872716"/>
+          </a:xfrm>
+          <a:prstGeom prst="rect">
+            <a:avLst/>
+          </a:prstGeom>
+          <a:solidFill>
+            <a:srgbClr val="0F0F7F"/>
+          </a:solidFill>
+        </p:spPr>
+        <p:style>
+          <a:lnRef idx="2">
+            <a:schemeClr val="accent1">
+              <a:shade val="50000"/>
+            </a:schemeClr>
+          </a:lnRef>
+          <a:fillRef idx="1">
+            <a:schemeClr val="accent1"/>
+          </a:fillRef>
+          <a:effectRef idx="0">
+            <a:schemeClr val="accent1"/>
+          </a:effectRef>
+          <a:fontRef idx="minor">
+            <a:schemeClr val="lt1"/>
+          </a:fontRef>
+        </p:style>
+        <p:txBody>
+          <a:bodyPr rtlCol="0" anchor="ctr"/>
+          <a:lstStyle/>
+          <a:p>
+            <a:pPr algn="ctr"/>
+            <a:endParaRPr lang="en-AU"/>
+          </a:p>
+        </p:txBody>
+      </p:sp>
+      <p:sp>
+        <p:nvSpPr>
+          <p:cNvPr id="6" name="Rectangle 5"/>
+          <p:cNvSpPr/>
+          <p:nvPr/>
+        </p:nvSpPr>
+        <p:spPr>
+          <a:xfrm>
+            <a:off x="0" y="6514719"/>
+            <a:ext cx="9144000" cy="370665"/>
+          </a:xfrm>
+          <a:prstGeom prst="rect">
+            <a:avLst/>
+          </a:prstGeom>
+          <a:solidFill>
+            <a:srgbClr val="0F0F7F"/>
+          </a:solidFill>
+        </p:spPr>
+        <p:style>
+          <a:lnRef idx="2">
+            <a:schemeClr val="accent1">
+              <a:shade val="50000"/>
+            </a:schemeClr>
+          </a:lnRef>
+          <a:fillRef idx="1">
+            <a:schemeClr val="accent1"/>
+          </a:fillRef>
+          <a:effectRef idx="0">
+            <a:schemeClr val="accent1"/>
+          </a:effectRef>
+          <a:fontRef idx="minor">
+            <a:schemeClr val="lt1"/>
+          </a:fontRef>
+        </p:style>
+        <p:txBody>
+          <a:bodyPr lIns="180000" rIns="180000" bIns="108000" rtlCol="0" anchor="ctr">
+            <a:spAutoFit/>
+          </a:bodyPr>
+          <a:lstStyle/>
+          <a:p>
+            <a:pPr algn="ctr"/>
+            <a:r>
+              <a:rPr lang="en-AU" sz="1400" b="1" dirty="0" smtClean="0">
+                <a:solidFill>
+                  <a:srgbClr val="FFFFFF"/>
+                </a:solidFill>
+                <a:latin typeface="Cooper Black" panose="0208090404030B020404" pitchFamily="18" charset="0"/>
+              </a:rPr>
+              <a:t>© </a:t>
+            </a:r>
+            <a:r>
+              <a:rPr lang="en-AU" sz="1400" b="1" dirty="0" smtClean="0">
+                <a:solidFill>
+                  <a:srgbClr val="FFFFFF"/>
+                </a:solidFill>
+                <a:latin typeface="Arial" panose="020B0604020202020204" pitchFamily="34" charset="0"/>
+                <a:cs typeface="Arial" panose="020B0604020202020204" pitchFamily="34" charset="0"/>
+              </a:rPr>
+              <a:t>2020</a:t>
+            </a:r>
+            <a:r>
+              <a:rPr lang="en-AU" sz="1400" b="1" dirty="0" smtClean="0">
+                <a:solidFill>
+                  <a:srgbClr val="FFFFFF"/>
+                </a:solidFill>
+                <a:latin typeface="Cooper Black" panose="0208090404030B020404" pitchFamily="18" charset="0"/>
+              </a:rPr>
+              <a:t>  </a:t>
+            </a:r>
+            <a:r>
+              <a:rPr lang="en-AU" sz="1400" b="1" dirty="0" smtClean="0">
+                <a:solidFill>
+                  <a:srgbClr val="FFFFFF"/>
+                </a:solidFill>
+                <a:latin typeface="Arial" panose="020B0604020202020204" pitchFamily="34" charset="0"/>
+                <a:cs typeface="Arial" panose="020B0604020202020204" pitchFamily="34" charset="0"/>
+              </a:rPr>
+              <a:t>Anodia</a:t>
+            </a:r>
+            <a:r>
+              <a:rPr lang="en-AU" sz="1400" b="1" dirty="0">
+                <a:solidFill>
+                  <a:srgbClr val="FFFFFF"/>
+                </a:solidFill>
+                <a:latin typeface="Arial" panose="020B0604020202020204" pitchFamily="34" charset="0"/>
+                <a:cs typeface="Arial" panose="020B0604020202020204" pitchFamily="34" charset="0"/>
+              </a:rPr>
+              <a:t>m</a:t>
+            </a:r>
+            <a:r>
+              <a:rPr lang="en-AU" sz="1400" b="1" dirty="0" smtClean="0">
+                <a:solidFill>
+                  <a:srgbClr val="FFFFFF"/>
+                </a:solidFill>
+                <a:latin typeface="Cooper Black" panose="0208090404030B020404" pitchFamily="18" charset="0"/>
+              </a:rPr>
+              <a:t>  </a:t>
+            </a:r>
+            <a:r>
+              <a:rPr lang="en-AU" sz="1400" b="1" dirty="0" smtClean="0">
+                <a:solidFill>
+                  <a:srgbClr val="FFFFFF"/>
+                </a:solidFill>
+                <a:latin typeface="Arial" panose="020B0604020202020204" pitchFamily="34" charset="0"/>
+                <a:cs typeface="Arial" panose="020B0604020202020204" pitchFamily="34" charset="0"/>
+              </a:rPr>
+              <a:t>All rights reserved</a:t>
+            </a:r>
+            <a:endParaRPr lang="en-AU" sz="1400" b="1" dirty="0">
+              <a:solidFill>
+                <a:srgbClr val="FFFFFF"/>
+              </a:solidFill>
+              <a:latin typeface="Arial" panose="020B0604020202020204" pitchFamily="34" charset="0"/>
+              <a:cs typeface="Arial" panose="020B0604020202020204" pitchFamily="34" charset="0"/>
+            </a:endParaRPr>
+          </a:p>
+        </p:txBody>
+      </p:sp>
+      <p:sp>
+        <p:nvSpPr>
+          <p:cNvPr id="7" name="Rectangle 6"/>
           <p:cNvSpPr/>
           <p:nvPr/>
         </p:nvSpPr>
@@ -5808,63 +4865,16 @@
           <a:bodyPr rtlCol="0" anchor="ctr"/>
           <a:lstStyle/>
           <a:p>
-            <a:pPr algn="ctr"/>
-            <a:endParaRPr lang="en-AU" b="1" dirty="0">
-              <a:solidFill>
-                <a:srgbClr val="0F0F7F"/>
-              </a:solidFill>
-              <a:latin typeface="Arial" panose="020B0604020202020204" pitchFamily="34" charset="0"/>
-              <a:cs typeface="Arial" panose="020B0604020202020204" pitchFamily="34" charset="0"/>
+            <a:pPr lvl="1"/>
+            <a:endParaRPr lang="en-AU" sz="2400" dirty="0">
+              <a:latin typeface="Cooper Black" panose="0208090404030B020404" pitchFamily="18" charset="0"/>
             </a:endParaRPr>
           </a:p>
         </p:txBody>
       </p:sp>
       <p:sp>
         <p:nvSpPr>
-          <p:cNvPr id="3" name="Rectangle 2"/>
-          <p:cNvSpPr/>
-          <p:nvPr/>
-        </p:nvSpPr>
-        <p:spPr>
-          <a:xfrm>
-            <a:off x="0" y="0"/>
-            <a:ext cx="9144000" cy="872716"/>
-          </a:xfrm>
-          <a:prstGeom prst="rect">
-            <a:avLst/>
-          </a:prstGeom>
-          <a:solidFill>
-            <a:srgbClr val="0F0F7F"/>
-          </a:solidFill>
-        </p:spPr>
-        <p:style>
-          <a:lnRef idx="2">
-            <a:schemeClr val="accent1">
-              <a:shade val="50000"/>
-            </a:schemeClr>
-          </a:lnRef>
-          <a:fillRef idx="1">
-            <a:schemeClr val="accent1"/>
-          </a:fillRef>
-          <a:effectRef idx="0">
-            <a:schemeClr val="accent1"/>
-          </a:effectRef>
-          <a:fontRef idx="minor">
-            <a:schemeClr val="lt1"/>
-          </a:fontRef>
-        </p:style>
-        <p:txBody>
-          <a:bodyPr rtlCol="0" anchor="ctr"/>
-          <a:lstStyle/>
-          <a:p>
-            <a:pPr algn="ctr"/>
-            <a:endParaRPr lang="en-AU"/>
-          </a:p>
-        </p:txBody>
-      </p:sp>
-      <p:sp>
-        <p:nvSpPr>
-          <p:cNvPr id="4" name="Rounded Rectangle 3"/>
+          <p:cNvPr id="5" name="Rounded Rectangle 4"/>
           <p:cNvSpPr/>
           <p:nvPr/>
         </p:nvSpPr>
@@ -5929,299 +4939,7 @@
       </p:sp>
       <p:pic>
         <p:nvPicPr>
-          <p:cNvPr id="5" name="Picture 2" descr="D:\Anodiam\Docs\ProjectExecution\BA\ImageResources\AnodiamLogoReverseColorRightAligned.bmp"/>
-          <p:cNvPicPr>
-            <a:picLocks noChangeAspect="1" noChangeArrowheads="1"/>
-          </p:cNvPicPr>
-          <p:nvPr/>
-        </p:nvPicPr>
-        <p:blipFill>
-          <a:blip r:embed="rId2">
-            <a:extLst>
-              <a:ext uri="{28A0092B-C50C-407E-A947-70E740481C1C}">
-                <a14:useLocalDpi xmlns:a14="http://schemas.microsoft.com/office/drawing/2010/main" val="0"/>
-              </a:ext>
-            </a:extLst>
-          </a:blip>
-          <a:srcRect/>
-          <a:stretch>
-            <a:fillRect/>
-          </a:stretch>
-        </p:blipFill>
-        <p:spPr bwMode="auto">
-          <a:xfrm>
-            <a:off x="107504" y="471528"/>
-            <a:ext cx="475253" cy="509200"/>
-          </a:xfrm>
-          <a:prstGeom prst="rect">
-            <a:avLst/>
-          </a:prstGeom>
-          <a:noFill/>
-          <a:extLst>
-            <a:ext uri="{909E8E84-426E-40DD-AFC4-6F175D3DCCD1}">
-              <a14:hiddenFill xmlns:a14="http://schemas.microsoft.com/office/drawing/2010/main">
-                <a:solidFill>
-                  <a:srgbClr val="FFFFFF"/>
-                </a:solidFill>
-              </a14:hiddenFill>
-            </a:ext>
-          </a:extLst>
-        </p:spPr>
-      </p:pic>
-      <p:sp>
-        <p:nvSpPr>
-          <p:cNvPr id="6" name="Rectangle 5"/>
-          <p:cNvSpPr/>
-          <p:nvPr/>
-        </p:nvSpPr>
-        <p:spPr>
-          <a:xfrm>
-            <a:off x="0" y="6514719"/>
-            <a:ext cx="9144000" cy="370665"/>
-          </a:xfrm>
-          <a:prstGeom prst="rect">
-            <a:avLst/>
-          </a:prstGeom>
-          <a:solidFill>
-            <a:srgbClr val="0F0F7F"/>
-          </a:solidFill>
-        </p:spPr>
-        <p:style>
-          <a:lnRef idx="2">
-            <a:schemeClr val="accent1">
-              <a:shade val="50000"/>
-            </a:schemeClr>
-          </a:lnRef>
-          <a:fillRef idx="1">
-            <a:schemeClr val="accent1"/>
-          </a:fillRef>
-          <a:effectRef idx="0">
-            <a:schemeClr val="accent1"/>
-          </a:effectRef>
-          <a:fontRef idx="minor">
-            <a:schemeClr val="lt1"/>
-          </a:fontRef>
-        </p:style>
-        <p:txBody>
-          <a:bodyPr lIns="180000" rIns="180000" bIns="108000" rtlCol="0" anchor="ctr">
-            <a:spAutoFit/>
-          </a:bodyPr>
-          <a:lstStyle/>
-          <a:p>
-            <a:pPr algn="ctr"/>
-            <a:r>
-              <a:rPr lang="en-AU" sz="1400" b="1" dirty="0" smtClean="0">
-                <a:solidFill>
-                  <a:srgbClr val="FFFFFF"/>
-                </a:solidFill>
-                <a:latin typeface="Cooper Black" panose="0208090404030B020404" pitchFamily="18" charset="0"/>
-              </a:rPr>
-              <a:t>© </a:t>
-            </a:r>
-            <a:r>
-              <a:rPr lang="en-AU" sz="1400" b="1" dirty="0" smtClean="0">
-                <a:solidFill>
-                  <a:srgbClr val="FFFFFF"/>
-                </a:solidFill>
-                <a:latin typeface="Arial" panose="020B0604020202020204" pitchFamily="34" charset="0"/>
-                <a:cs typeface="Arial" panose="020B0604020202020204" pitchFamily="34" charset="0"/>
-              </a:rPr>
-              <a:t>2020</a:t>
-            </a:r>
-            <a:r>
-              <a:rPr lang="en-AU" sz="1400" b="1" dirty="0" smtClean="0">
-                <a:solidFill>
-                  <a:srgbClr val="FFFFFF"/>
-                </a:solidFill>
-                <a:latin typeface="Cooper Black" panose="0208090404030B020404" pitchFamily="18" charset="0"/>
-              </a:rPr>
-              <a:t>  </a:t>
-            </a:r>
-            <a:r>
-              <a:rPr lang="en-AU" sz="1400" b="1" dirty="0" smtClean="0">
-                <a:solidFill>
-                  <a:srgbClr val="FFFFFF"/>
-                </a:solidFill>
-                <a:latin typeface="Arial" panose="020B0604020202020204" pitchFamily="34" charset="0"/>
-                <a:cs typeface="Arial" panose="020B0604020202020204" pitchFamily="34" charset="0"/>
-              </a:rPr>
-              <a:t>Anodia</a:t>
-            </a:r>
-            <a:r>
-              <a:rPr lang="en-AU" sz="1400" b="1" dirty="0">
-                <a:solidFill>
-                  <a:srgbClr val="FFFFFF"/>
-                </a:solidFill>
-                <a:latin typeface="Arial" panose="020B0604020202020204" pitchFamily="34" charset="0"/>
-                <a:cs typeface="Arial" panose="020B0604020202020204" pitchFamily="34" charset="0"/>
-              </a:rPr>
-              <a:t>m</a:t>
-            </a:r>
-            <a:r>
-              <a:rPr lang="en-AU" sz="1400" b="1" dirty="0" smtClean="0">
-                <a:solidFill>
-                  <a:srgbClr val="FFFFFF"/>
-                </a:solidFill>
-                <a:latin typeface="Cooper Black" panose="0208090404030B020404" pitchFamily="18" charset="0"/>
-              </a:rPr>
-              <a:t>  </a:t>
-            </a:r>
-            <a:r>
-              <a:rPr lang="en-AU" sz="1400" b="1" dirty="0" smtClean="0">
-                <a:solidFill>
-                  <a:srgbClr val="FFFFFF"/>
-                </a:solidFill>
-                <a:latin typeface="Arial" panose="020B0604020202020204" pitchFamily="34" charset="0"/>
-                <a:cs typeface="Arial" panose="020B0604020202020204" pitchFamily="34" charset="0"/>
-              </a:rPr>
-              <a:t>All rights reserved</a:t>
-            </a:r>
-            <a:endParaRPr lang="en-AU" sz="1400" b="1" dirty="0">
-              <a:solidFill>
-                <a:srgbClr val="FFFFFF"/>
-              </a:solidFill>
-              <a:latin typeface="Arial" panose="020B0604020202020204" pitchFamily="34" charset="0"/>
-              <a:cs typeface="Arial" panose="020B0604020202020204" pitchFamily="34" charset="0"/>
-            </a:endParaRPr>
-          </a:p>
-        </p:txBody>
-      </p:sp>
-      <p:sp>
-        <p:nvSpPr>
-          <p:cNvPr id="7" name="Rectangle 6"/>
-          <p:cNvSpPr/>
-          <p:nvPr/>
-        </p:nvSpPr>
-        <p:spPr>
-          <a:xfrm>
-            <a:off x="2987824" y="546537"/>
-            <a:ext cx="2520280" cy="437192"/>
-          </a:xfrm>
-          <a:prstGeom prst="rect">
-            <a:avLst/>
-          </a:prstGeom>
-          <a:ln>
-            <a:solidFill>
-              <a:srgbClr val="6F6FEF"/>
-            </a:solidFill>
-          </a:ln>
-        </p:spPr>
-        <p:style>
-          <a:lnRef idx="2">
-            <a:schemeClr val="dk1"/>
-          </a:lnRef>
-          <a:fillRef idx="1">
-            <a:schemeClr val="lt1"/>
-          </a:fillRef>
-          <a:effectRef idx="0">
-            <a:schemeClr val="dk1"/>
-          </a:effectRef>
-          <a:fontRef idx="minor">
-            <a:schemeClr val="dk1"/>
-          </a:fontRef>
-        </p:style>
-        <p:txBody>
-          <a:bodyPr rtlCol="0" anchor="ctr"/>
-          <a:lstStyle/>
-          <a:p>
-            <a:pPr algn="ctr"/>
-            <a:r>
-              <a:rPr lang="en-AU" sz="1600" dirty="0" smtClean="0">
-                <a:solidFill>
-                  <a:srgbClr val="BFBFFF"/>
-                </a:solidFill>
-                <a:latin typeface="Arial" panose="020B0604020202020204" pitchFamily="34" charset="0"/>
-                <a:cs typeface="Arial" panose="020B0604020202020204" pitchFamily="34" charset="0"/>
-              </a:rPr>
-              <a:t>Type Here</a:t>
-            </a:r>
-            <a:endParaRPr lang="en-AU" sz="1600" dirty="0">
-              <a:solidFill>
-                <a:srgbClr val="BFBFFF"/>
-              </a:solidFill>
-              <a:latin typeface="Arial" panose="020B0604020202020204" pitchFamily="34" charset="0"/>
-              <a:cs typeface="Arial" panose="020B0604020202020204" pitchFamily="34" charset="0"/>
-            </a:endParaRPr>
-          </a:p>
-        </p:txBody>
-      </p:sp>
-      <p:sp>
-        <p:nvSpPr>
-          <p:cNvPr id="8" name="Rectangle 7"/>
-          <p:cNvSpPr/>
-          <p:nvPr/>
-        </p:nvSpPr>
-        <p:spPr>
-          <a:xfrm>
-            <a:off x="6592161" y="580467"/>
-            <a:ext cx="184730" cy="369332"/>
-          </a:xfrm>
-          <a:prstGeom prst="rect">
-            <a:avLst/>
-          </a:prstGeom>
-        </p:spPr>
-        <p:txBody>
-          <a:bodyPr wrap="none">
-            <a:spAutoFit/>
-          </a:bodyPr>
-          <a:lstStyle/>
-          <a:p>
-            <a:pPr algn="ctr"/>
-            <a:endParaRPr lang="en-AU" b="1" dirty="0">
-              <a:solidFill>
-                <a:srgbClr val="0F0F7F"/>
-              </a:solidFill>
-              <a:latin typeface="Arial" panose="020B0604020202020204" pitchFamily="34" charset="0"/>
-              <a:cs typeface="Arial" panose="020B0604020202020204" pitchFamily="34" charset="0"/>
-            </a:endParaRPr>
-          </a:p>
-        </p:txBody>
-      </p:sp>
-      <p:sp>
-        <p:nvSpPr>
-          <p:cNvPr id="10" name="TextBox 9"/>
-          <p:cNvSpPr txBox="1"/>
-          <p:nvPr/>
-        </p:nvSpPr>
-        <p:spPr>
-          <a:xfrm>
-            <a:off x="6012160" y="726128"/>
-            <a:ext cx="2880320" cy="369332"/>
-          </a:xfrm>
-          <a:prstGeom prst="rect">
-            <a:avLst/>
-          </a:prstGeom>
-          <a:noFill/>
-        </p:spPr>
-        <p:txBody>
-          <a:bodyPr wrap="square" rtlCol="0">
-            <a:spAutoFit/>
-          </a:bodyPr>
-          <a:lstStyle/>
-          <a:p>
-            <a:r>
-              <a:rPr lang="en-AU" b="1" dirty="0" smtClean="0">
-                <a:solidFill>
-                  <a:srgbClr val="0F0F7F"/>
-                </a:solidFill>
-                <a:latin typeface="Arial" panose="020B0604020202020204" pitchFamily="34" charset="0"/>
-                <a:cs typeface="Arial" panose="020B0604020202020204" pitchFamily="34" charset="0"/>
-              </a:rPr>
-              <a:t>Sign Up               Login</a:t>
-            </a:r>
-            <a:endParaRPr lang="en-AU" b="1" dirty="0">
-              <a:solidFill>
-                <a:srgbClr val="0F0F7F"/>
-              </a:solidFill>
-              <a:latin typeface="Arial" panose="020B0604020202020204" pitchFamily="34" charset="0"/>
-              <a:cs typeface="Arial" panose="020B0604020202020204" pitchFamily="34" charset="0"/>
-            </a:endParaRPr>
-          </a:p>
-        </p:txBody>
-      </p:sp>
-      <p:pic>
-        <p:nvPicPr>
-          <p:cNvPr id="1026" name="Picture 2"/>
+          <p:cNvPr id="1026" name="Picture 2" descr="D:\Anodiam\Docs\ProjectExecution\BA\ImageResources\AnodiamLogoReverseColorRightAligned.bmp"/>
           <p:cNvPicPr>
             <a:picLocks noChangeAspect="1" noChangeArrowheads="1"/>
           </p:cNvPicPr>
@@ -6242,47 +4960,93 @@
         </p:blipFill>
         <p:spPr bwMode="auto">
           <a:xfrm>
-            <a:off x="17169" y="4315202"/>
-            <a:ext cx="9132887" cy="2181225"/>
+            <a:off x="107504" y="471528"/>
+            <a:ext cx="475253" cy="509200"/>
           </a:xfrm>
           <a:prstGeom prst="rect">
             <a:avLst/>
           </a:prstGeom>
           <a:noFill/>
-          <a:ln>
-            <a:noFill/>
-          </a:ln>
           <a:extLst>
             <a:ext uri="{909E8E84-426E-40DD-AFC4-6F175D3DCCD1}">
               <a14:hiddenFill xmlns:a14="http://schemas.microsoft.com/office/drawing/2010/main">
                 <a:solidFill>
-                  <a:schemeClr val="accent1"/>
+                  <a:srgbClr val="FFFFFF"/>
                 </a:solidFill>
               </a14:hiddenFill>
             </a:ext>
-            <a:ext uri="{91240B29-F687-4F45-9708-019B960494DF}">
-              <a14:hiddenLine xmlns:a14="http://schemas.microsoft.com/office/drawing/2010/main" w="9525">
+          </a:extLst>
+        </p:spPr>
+      </p:pic>
+      <p:sp>
+        <p:nvSpPr>
+          <p:cNvPr id="8" name="Rectangle 7"/>
+          <p:cNvSpPr/>
+          <p:nvPr/>
+        </p:nvSpPr>
+        <p:spPr>
+          <a:xfrm>
+            <a:off x="2987824" y="546537"/>
+            <a:ext cx="2520280" cy="437192"/>
+          </a:xfrm>
+          <a:prstGeom prst="rect">
+            <a:avLst/>
+          </a:prstGeom>
+          <a:ln>
+            <a:solidFill>
+              <a:srgbClr val="6F6FEF"/>
+            </a:solidFill>
+          </a:ln>
+        </p:spPr>
+        <p:style>
+          <a:lnRef idx="2">
+            <a:schemeClr val="dk1"/>
+          </a:lnRef>
+          <a:fillRef idx="1">
+            <a:schemeClr val="lt1"/>
+          </a:fillRef>
+          <a:effectRef idx="0">
+            <a:schemeClr val="dk1"/>
+          </a:effectRef>
+          <a:fontRef idx="minor">
+            <a:schemeClr val="dk1"/>
+          </a:fontRef>
+        </p:style>
+        <p:txBody>
+          <a:bodyPr rtlCol="0" anchor="ctr"/>
+          <a:lstStyle/>
+          <a:p>
+            <a:pPr algn="ctr"/>
+            <a:r>
+              <a:rPr lang="en-AU" sz="1600" dirty="0" smtClean="0">
                 <a:solidFill>
-                  <a:schemeClr val="tx1"/>
+                  <a:srgbClr val="BFBFFF"/>
                 </a:solidFill>
-                <a:miter lim="800000"/>
-                <a:headEnd/>
-                <a:tailEnd/>
-              </a14:hiddenLine>
-            </a:ext>
-          </a:extLst>
-        </p:spPr>
-      </p:pic>
+                <a:latin typeface="Arial" panose="020B0604020202020204" pitchFamily="34" charset="0"/>
+                <a:cs typeface="Arial" panose="020B0604020202020204" pitchFamily="34" charset="0"/>
+              </a:rPr>
+              <a:t>Type Here</a:t>
+            </a:r>
+            <a:endParaRPr lang="en-AU" sz="1600" dirty="0">
+              <a:solidFill>
+                <a:srgbClr val="BFBFFF"/>
+              </a:solidFill>
+              <a:latin typeface="Arial" panose="020B0604020202020204" pitchFamily="34" charset="0"/>
+              <a:cs typeface="Arial" panose="020B0604020202020204" pitchFamily="34" charset="0"/>
+            </a:endParaRPr>
+          </a:p>
+        </p:txBody>
+      </p:sp>
       <p:pic>
         <p:nvPicPr>
-          <p:cNvPr id="1027" name="Picture 3"/>
+          <p:cNvPr id="1028" name="Picture 4" descr="Search Icons - Download Free Vector Icons | Noun Project"/>
           <p:cNvPicPr>
             <a:picLocks noChangeAspect="1" noChangeArrowheads="1"/>
           </p:cNvPicPr>
           <p:nvPr/>
         </p:nvPicPr>
         <p:blipFill>
-          <a:blip r:embed="rId4">
+          <a:blip r:embed="rId4" cstate="print">
             <a:extLst>
               <a:ext uri="{28A0092B-C50C-407E-A947-70E740481C1C}">
                 <a14:useLocalDpi xmlns:a14="http://schemas.microsoft.com/office/drawing/2010/main" val="0"/>
@@ -6296,47 +5060,531 @@
         </p:blipFill>
         <p:spPr bwMode="auto">
           <a:xfrm>
-            <a:off x="1300861" y="1269189"/>
-            <a:ext cx="6576616" cy="2840821"/>
+            <a:off x="5148064" y="584684"/>
+            <a:ext cx="324036" cy="324036"/>
           </a:xfrm>
           <a:prstGeom prst="rect">
             <a:avLst/>
           </a:prstGeom>
           <a:noFill/>
-          <a:ln>
-            <a:noFill/>
-          </a:ln>
           <a:extLst>
             <a:ext uri="{909E8E84-426E-40DD-AFC4-6F175D3DCCD1}">
               <a14:hiddenFill xmlns:a14="http://schemas.microsoft.com/office/drawing/2010/main">
                 <a:solidFill>
-                  <a:schemeClr val="accent1"/>
+                  <a:srgbClr val="FFFFFF"/>
                 </a:solidFill>
               </a14:hiddenFill>
             </a:ext>
-            <a:ext uri="{91240B29-F687-4F45-9708-019B960494DF}">
-              <a14:hiddenLine xmlns:a14="http://schemas.microsoft.com/office/drawing/2010/main" w="9525">
+          </a:extLst>
+        </p:spPr>
+      </p:pic>
+      <p:sp>
+        <p:nvSpPr>
+          <p:cNvPr id="9" name="Rectangle 8"/>
+          <p:cNvSpPr/>
+          <p:nvPr/>
+        </p:nvSpPr>
+        <p:spPr>
+          <a:xfrm>
+            <a:off x="5984202" y="620688"/>
+            <a:ext cx="1224136" cy="327037"/>
+          </a:xfrm>
+          <a:prstGeom prst="rect">
+            <a:avLst/>
+          </a:prstGeom>
+          <a:solidFill>
+            <a:srgbClr val="6F6FEF"/>
+          </a:solidFill>
+          <a:ln>
+            <a:solidFill>
+              <a:srgbClr val="6F6FEF"/>
+            </a:solidFill>
+          </a:ln>
+        </p:spPr>
+        <p:style>
+          <a:lnRef idx="2">
+            <a:schemeClr val="accent1">
+              <a:shade val="50000"/>
+            </a:schemeClr>
+          </a:lnRef>
+          <a:fillRef idx="1">
+            <a:schemeClr val="accent1"/>
+          </a:fillRef>
+          <a:effectRef idx="0">
+            <a:schemeClr val="accent1"/>
+          </a:effectRef>
+          <a:fontRef idx="minor">
+            <a:schemeClr val="lt1"/>
+          </a:fontRef>
+        </p:style>
+        <p:txBody>
+          <a:bodyPr rtlCol="0" anchor="ctr"/>
+          <a:lstStyle/>
+          <a:p>
+            <a:pPr algn="ctr"/>
+            <a:r>
+              <a:rPr lang="en-AU" b="1" dirty="0" smtClean="0">
                 <a:solidFill>
-                  <a:schemeClr val="tx1"/>
+                  <a:srgbClr val="0F0F7F"/>
                 </a:solidFill>
-                <a:miter lim="800000"/>
-                <a:headEnd/>
-                <a:tailEnd/>
-              </a14:hiddenLine>
+                <a:latin typeface="Arial" panose="020B0604020202020204" pitchFamily="34" charset="0"/>
+                <a:cs typeface="Arial" panose="020B0604020202020204" pitchFamily="34" charset="0"/>
+              </a:rPr>
+              <a:t>Sign Up</a:t>
+            </a:r>
+            <a:endParaRPr lang="en-AU" b="1" dirty="0">
+              <a:solidFill>
+                <a:srgbClr val="0F0F7F"/>
+              </a:solidFill>
+              <a:latin typeface="Arial" panose="020B0604020202020204" pitchFamily="34" charset="0"/>
+              <a:cs typeface="Arial" panose="020B0604020202020204" pitchFamily="34" charset="0"/>
+            </a:endParaRPr>
+          </a:p>
+        </p:txBody>
+      </p:sp>
+      <p:sp>
+        <p:nvSpPr>
+          <p:cNvPr id="11" name="Rectangle 10"/>
+          <p:cNvSpPr/>
+          <p:nvPr/>
+        </p:nvSpPr>
+        <p:spPr>
+          <a:xfrm>
+            <a:off x="7524328" y="656692"/>
+            <a:ext cx="1080120" cy="252028"/>
+          </a:xfrm>
+          <a:prstGeom prst="rect">
+            <a:avLst/>
+          </a:prstGeom>
+          <a:solidFill>
+            <a:srgbClr val="6F6FEF"/>
+          </a:solidFill>
+          <a:ln>
+            <a:solidFill>
+              <a:srgbClr val="6F6FEF"/>
+            </a:solidFill>
+          </a:ln>
+        </p:spPr>
+        <p:style>
+          <a:lnRef idx="2">
+            <a:schemeClr val="accent1">
+              <a:shade val="50000"/>
+            </a:schemeClr>
+          </a:lnRef>
+          <a:fillRef idx="1">
+            <a:schemeClr val="accent1"/>
+          </a:fillRef>
+          <a:effectRef idx="0">
+            <a:schemeClr val="accent1"/>
+          </a:effectRef>
+          <a:fontRef idx="minor">
+            <a:schemeClr val="lt1"/>
+          </a:fontRef>
+        </p:style>
+        <p:txBody>
+          <a:bodyPr rtlCol="0" anchor="ctr"/>
+          <a:lstStyle/>
+          <a:p>
+            <a:pPr algn="ctr"/>
+            <a:r>
+              <a:rPr lang="en-AU" b="1" dirty="0" smtClean="0">
+                <a:solidFill>
+                  <a:srgbClr val="0F0F7F"/>
+                </a:solidFill>
+                <a:latin typeface="Arial" panose="020B0604020202020204" pitchFamily="34" charset="0"/>
+                <a:cs typeface="Arial" panose="020B0604020202020204" pitchFamily="34" charset="0"/>
+              </a:rPr>
+              <a:t>Login</a:t>
+            </a:r>
+            <a:endParaRPr lang="en-AU" b="1" dirty="0">
+              <a:solidFill>
+                <a:srgbClr val="0F0F7F"/>
+              </a:solidFill>
+              <a:latin typeface="Arial" panose="020B0604020202020204" pitchFamily="34" charset="0"/>
+              <a:cs typeface="Arial" panose="020B0604020202020204" pitchFamily="34" charset="0"/>
+            </a:endParaRPr>
+          </a:p>
+        </p:txBody>
+      </p:sp>
+      <p:sp>
+        <p:nvSpPr>
+          <p:cNvPr id="12" name="AutoShape 6" descr="Copyright Symbol Copyright Law Of The United States Registered ..."/>
+          <p:cNvSpPr>
+            <a:spLocks noChangeAspect="1" noChangeArrowheads="1"/>
+          </p:cNvSpPr>
+          <p:nvPr/>
+        </p:nvSpPr>
+        <p:spPr bwMode="auto">
+          <a:xfrm>
+            <a:off x="155575" y="-144463"/>
+            <a:ext cx="304800" cy="304801"/>
+          </a:xfrm>
+          <a:prstGeom prst="rect">
+            <a:avLst/>
+          </a:prstGeom>
+          <a:noFill/>
+          <a:extLst>
+            <a:ext uri="{909E8E84-426E-40DD-AFC4-6F175D3DCCD1}">
+              <a14:hiddenFill xmlns:a14="http://schemas.microsoft.com/office/drawing/2010/main">
+                <a:solidFill>
+                  <a:srgbClr val="FFFFFF"/>
+                </a:solidFill>
+              </a14:hiddenFill>
             </a:ext>
           </a:extLst>
         </p:spPr>
-      </p:pic>
+        <p:txBody>
+          <a:bodyPr vert="horz" wrap="square" lIns="91440" tIns="45720" rIns="91440" bIns="45720" numCol="1" anchor="t" anchorCtr="0" compatLnSpc="1">
+            <a:prstTxWarp prst="textNoShape">
+              <a:avLst/>
+            </a:prstTxWarp>
+          </a:bodyPr>
+          <a:lstStyle/>
+          <a:p>
+            <a:endParaRPr lang="en-AU"/>
+          </a:p>
+        </p:txBody>
+      </p:sp>
+      <p:sp>
+        <p:nvSpPr>
+          <p:cNvPr id="13" name="AutoShape 8" descr="Copyright Symbol Copyright Law Of The United States Registered ..."/>
+          <p:cNvSpPr>
+            <a:spLocks noChangeAspect="1" noChangeArrowheads="1"/>
+          </p:cNvSpPr>
+          <p:nvPr/>
+        </p:nvSpPr>
+        <p:spPr bwMode="auto">
+          <a:xfrm>
+            <a:off x="307975" y="7937"/>
+            <a:ext cx="304800" cy="304801"/>
+          </a:xfrm>
+          <a:prstGeom prst="rect">
+            <a:avLst/>
+          </a:prstGeom>
+          <a:noFill/>
+          <a:extLst>
+            <a:ext uri="{909E8E84-426E-40DD-AFC4-6F175D3DCCD1}">
+              <a14:hiddenFill xmlns:a14="http://schemas.microsoft.com/office/drawing/2010/main">
+                <a:solidFill>
+                  <a:srgbClr val="FFFFFF"/>
+                </a:solidFill>
+              </a14:hiddenFill>
+            </a:ext>
+          </a:extLst>
+        </p:spPr>
+        <p:txBody>
+          <a:bodyPr vert="horz" wrap="square" lIns="91440" tIns="45720" rIns="91440" bIns="45720" numCol="1" anchor="t" anchorCtr="0" compatLnSpc="1">
+            <a:prstTxWarp prst="textNoShape">
+              <a:avLst/>
+            </a:prstTxWarp>
+          </a:bodyPr>
+          <a:lstStyle/>
+          <a:p>
+            <a:endParaRPr lang="en-AU"/>
+          </a:p>
+        </p:txBody>
+      </p:sp>
+      <p:sp>
+        <p:nvSpPr>
+          <p:cNvPr id="15" name="Rectangle 14"/>
+          <p:cNvSpPr/>
+          <p:nvPr/>
+        </p:nvSpPr>
+        <p:spPr>
+          <a:xfrm>
+            <a:off x="6336196" y="-17083"/>
+            <a:ext cx="1656184" cy="304800"/>
+          </a:xfrm>
+          <a:prstGeom prst="rect">
+            <a:avLst/>
+          </a:prstGeom>
+          <a:solidFill>
+            <a:schemeClr val="accent2">
+              <a:lumMod val="60000"/>
+              <a:lumOff val="40000"/>
+            </a:schemeClr>
+          </a:solidFill>
+        </p:spPr>
+        <p:style>
+          <a:lnRef idx="2">
+            <a:schemeClr val="accent1">
+              <a:shade val="50000"/>
+            </a:schemeClr>
+          </a:lnRef>
+          <a:fillRef idx="1">
+            <a:schemeClr val="accent1"/>
+          </a:fillRef>
+          <a:effectRef idx="0">
+            <a:schemeClr val="accent1"/>
+          </a:effectRef>
+          <a:fontRef idx="minor">
+            <a:schemeClr val="lt1"/>
+          </a:fontRef>
+        </p:style>
+        <p:txBody>
+          <a:bodyPr rtlCol="0" anchor="ctr"/>
+          <a:lstStyle/>
+          <a:p>
+            <a:r>
+              <a:rPr lang="en-AU" sz="1600" dirty="0" smtClean="0">
+                <a:solidFill>
+                  <a:schemeClr val="bg1"/>
+                </a:solidFill>
+              </a:rPr>
+              <a:t>#0f0f7f, 40px</a:t>
+            </a:r>
+            <a:endParaRPr lang="en-AU" sz="1600" dirty="0">
+              <a:solidFill>
+                <a:schemeClr val="bg1"/>
+              </a:solidFill>
+            </a:endParaRPr>
+          </a:p>
+        </p:txBody>
+      </p:sp>
+      <p:sp>
+        <p:nvSpPr>
+          <p:cNvPr id="19" name="Rectangle 18"/>
+          <p:cNvSpPr/>
+          <p:nvPr/>
+        </p:nvSpPr>
+        <p:spPr>
+          <a:xfrm>
+            <a:off x="7099818" y="3095848"/>
+            <a:ext cx="2049485" cy="810305"/>
+          </a:xfrm>
+          <a:prstGeom prst="rect">
+            <a:avLst/>
+          </a:prstGeom>
+          <a:solidFill>
+            <a:schemeClr val="accent2">
+              <a:lumMod val="60000"/>
+              <a:lumOff val="40000"/>
+            </a:schemeClr>
+          </a:solidFill>
+        </p:spPr>
+        <p:style>
+          <a:lnRef idx="2">
+            <a:schemeClr val="accent1">
+              <a:shade val="50000"/>
+            </a:schemeClr>
+          </a:lnRef>
+          <a:fillRef idx="1">
+            <a:schemeClr val="accent1"/>
+          </a:fillRef>
+          <a:effectRef idx="0">
+            <a:schemeClr val="accent1"/>
+          </a:effectRef>
+          <a:fontRef idx="minor">
+            <a:schemeClr val="lt1"/>
+          </a:fontRef>
+        </p:style>
+        <p:txBody>
+          <a:bodyPr rtlCol="0" anchor="ctr"/>
+          <a:lstStyle/>
+          <a:p>
+            <a:r>
+              <a:rPr lang="en-AU" sz="1600" dirty="0">
+                <a:solidFill>
+                  <a:schemeClr val="bg1"/>
+                </a:solidFill>
+              </a:rPr>
+              <a:t>#6f6fef-67%</a:t>
+            </a:r>
+          </a:p>
+          <a:p>
+            <a:r>
+              <a:rPr lang="en-AU" sz="1600" dirty="0">
+                <a:solidFill>
+                  <a:schemeClr val="bg1"/>
+                </a:solidFill>
+              </a:rPr>
+              <a:t>#fff-100%, 100 </a:t>
+            </a:r>
+            <a:r>
+              <a:rPr lang="en-AU" sz="1600" dirty="0" err="1">
+                <a:solidFill>
+                  <a:schemeClr val="bg1"/>
+                </a:solidFill>
+              </a:rPr>
+              <a:t>Px</a:t>
+            </a:r>
+            <a:r>
+              <a:rPr lang="en-AU" sz="1600" dirty="0">
+                <a:solidFill>
+                  <a:schemeClr val="bg1"/>
+                </a:solidFill>
+              </a:rPr>
+              <a:t>,</a:t>
+            </a:r>
+          </a:p>
+          <a:p>
+            <a:r>
+              <a:rPr lang="en-AU" sz="1600" dirty="0">
+                <a:solidFill>
+                  <a:schemeClr val="bg1"/>
+                </a:solidFill>
+              </a:rPr>
+              <a:t>Header</a:t>
+            </a:r>
+          </a:p>
+        </p:txBody>
+      </p:sp>
+      <p:sp>
+        <p:nvSpPr>
+          <p:cNvPr id="22" name="Rectangle 21"/>
+          <p:cNvSpPr/>
+          <p:nvPr/>
+        </p:nvSpPr>
+        <p:spPr>
+          <a:xfrm>
+            <a:off x="0" y="2820889"/>
+            <a:ext cx="2232248" cy="1085264"/>
+          </a:xfrm>
+          <a:prstGeom prst="rect">
+            <a:avLst/>
+          </a:prstGeom>
+          <a:solidFill>
+            <a:schemeClr val="accent2">
+              <a:lumMod val="60000"/>
+              <a:lumOff val="40000"/>
+            </a:schemeClr>
+          </a:solidFill>
+        </p:spPr>
+        <p:style>
+          <a:lnRef idx="2">
+            <a:schemeClr val="accent1">
+              <a:shade val="50000"/>
+            </a:schemeClr>
+          </a:lnRef>
+          <a:fillRef idx="1">
+            <a:schemeClr val="accent1"/>
+          </a:fillRef>
+          <a:effectRef idx="0">
+            <a:schemeClr val="accent1"/>
+          </a:effectRef>
+          <a:fontRef idx="minor">
+            <a:schemeClr val="lt1"/>
+          </a:fontRef>
+        </p:style>
+        <p:txBody>
+          <a:bodyPr rtlCol="0" anchor="ctr"/>
+          <a:lstStyle/>
+          <a:p>
+            <a:r>
+              <a:rPr lang="en-AU" sz="1600" dirty="0" smtClean="0"/>
+              <a:t>Logo Reverse colour right aligned. 15 </a:t>
+            </a:r>
+            <a:r>
+              <a:rPr lang="en-AU" sz="1600" dirty="0" err="1" smtClean="0"/>
+              <a:t>Px</a:t>
+            </a:r>
+            <a:r>
+              <a:rPr lang="en-AU" sz="1600" dirty="0" smtClean="0"/>
+              <a:t> gape from the left wall</a:t>
+            </a:r>
+            <a:endParaRPr lang="en-AU" sz="1600" dirty="0"/>
+          </a:p>
+        </p:txBody>
+      </p:sp>
       <p:cxnSp>
         <p:nvCxnSpPr>
-          <p:cNvPr id="12" name="Straight Arrow Connector 11"/>
+          <p:cNvPr id="26" name="Straight Arrow Connector 25"/>
           <p:cNvCxnSpPr/>
           <p:nvPr/>
         </p:nvCxnSpPr>
         <p:spPr>
-          <a:xfrm>
-            <a:off x="8172400" y="1269189"/>
-            <a:ext cx="0" cy="2840821"/>
+          <a:xfrm flipV="1">
+            <a:off x="899592" y="983729"/>
+            <a:ext cx="0" cy="717079"/>
+          </a:xfrm>
+          <a:prstGeom prst="straightConnector1">
+            <a:avLst/>
+          </a:prstGeom>
+          <a:ln>
+            <a:solidFill>
+              <a:schemeClr val="bg1"/>
+            </a:solidFill>
+            <a:tailEnd type="arrow"/>
+          </a:ln>
+        </p:spPr>
+        <p:style>
+          <a:lnRef idx="1">
+            <a:schemeClr val="accent1"/>
+          </a:lnRef>
+          <a:fillRef idx="0">
+            <a:schemeClr val="accent1"/>
+          </a:fillRef>
+          <a:effectRef idx="0">
+            <a:schemeClr val="accent1"/>
+          </a:effectRef>
+          <a:fontRef idx="minor">
+            <a:schemeClr val="tx1"/>
+          </a:fontRef>
+        </p:style>
+      </p:cxnSp>
+      <p:sp>
+        <p:nvSpPr>
+          <p:cNvPr id="27" name="Rectangle 26"/>
+          <p:cNvSpPr/>
+          <p:nvPr/>
+        </p:nvSpPr>
+        <p:spPr>
+          <a:xfrm>
+            <a:off x="345130" y="1700808"/>
+            <a:ext cx="1346550" cy="504056"/>
+          </a:xfrm>
+          <a:prstGeom prst="rect">
+            <a:avLst/>
+          </a:prstGeom>
+          <a:solidFill>
+            <a:schemeClr val="accent2">
+              <a:lumMod val="60000"/>
+              <a:lumOff val="40000"/>
+            </a:schemeClr>
+          </a:solidFill>
+        </p:spPr>
+        <p:style>
+          <a:lnRef idx="2">
+            <a:schemeClr val="accent1">
+              <a:shade val="50000"/>
+            </a:schemeClr>
+          </a:lnRef>
+          <a:fillRef idx="1">
+            <a:schemeClr val="accent1"/>
+          </a:fillRef>
+          <a:effectRef idx="0">
+            <a:schemeClr val="accent1"/>
+          </a:effectRef>
+          <a:fontRef idx="minor">
+            <a:schemeClr val="lt1"/>
+          </a:fontRef>
+        </p:style>
+        <p:txBody>
+          <a:bodyPr rtlCol="0" anchor="ctr"/>
+          <a:lstStyle/>
+          <a:p>
+            <a:r>
+              <a:rPr lang="en-AU" sz="1600" dirty="0" smtClean="0"/>
+              <a:t> cooper black, 36, #</a:t>
+            </a:r>
+            <a:r>
+              <a:rPr lang="en-AU" sz="1600" dirty="0" err="1" smtClean="0"/>
+              <a:t>fff</a:t>
+            </a:r>
+            <a:endParaRPr lang="en-AU" sz="1600" dirty="0"/>
+          </a:p>
+        </p:txBody>
+      </p:sp>
+      <p:cxnSp>
+        <p:nvCxnSpPr>
+          <p:cNvPr id="29" name="Straight Arrow Connector 28"/>
+          <p:cNvCxnSpPr/>
+          <p:nvPr/>
+        </p:nvCxnSpPr>
+        <p:spPr>
+          <a:xfrm flipV="1">
+            <a:off x="2339752" y="764704"/>
+            <a:ext cx="648072" cy="19073"/>
           </a:xfrm>
           <a:prstGeom prst="straightConnector1">
             <a:avLst/>
@@ -6366,16 +5614,16 @@
       </p:cxnSp>
       <p:sp>
         <p:nvSpPr>
-          <p:cNvPr id="13" name="Rectangle 12"/>
+          <p:cNvPr id="30" name="Rounded Rectangle 29"/>
           <p:cNvSpPr/>
           <p:nvPr/>
         </p:nvSpPr>
         <p:spPr>
           <a:xfrm>
-            <a:off x="8172400" y="1700808"/>
-            <a:ext cx="988769" cy="1944216"/>
-          </a:xfrm>
-          <a:prstGeom prst="rect">
+            <a:off x="2339752" y="436358"/>
+            <a:ext cx="648072" cy="238121"/>
+          </a:xfrm>
+          <a:prstGeom prst="roundRect">
             <a:avLst/>
           </a:prstGeom>
           <a:solidFill>
@@ -6405,24 +5653,626 @@
           <a:bodyPr rtlCol="0" anchor="ctr"/>
           <a:lstStyle/>
           <a:p>
-            <a:r>
-              <a:rPr lang="en-AU" sz="1600" dirty="0" smtClean="0"/>
-              <a:t>Carousel with notes will display one by one within 4 sec</a:t>
-            </a:r>
-            <a:endParaRPr lang="en-AU" sz="1600" dirty="0"/>
+            <a:pPr algn="ctr"/>
+            <a:r>
+              <a:rPr lang="en-AU" sz="1400" dirty="0" smtClean="0">
+                <a:solidFill>
+                  <a:schemeClr val="bg1"/>
+                </a:solidFill>
+              </a:rPr>
+              <a:t>60px</a:t>
+            </a:r>
+            <a:endParaRPr lang="en-AU" sz="1400" dirty="0">
+              <a:solidFill>
+                <a:schemeClr val="bg1"/>
+              </a:solidFill>
+            </a:endParaRPr>
           </a:p>
         </p:txBody>
       </p:sp>
       <p:cxnSp>
         <p:nvCxnSpPr>
-          <p:cNvPr id="16" name="Straight Arrow Connector 15"/>
+          <p:cNvPr id="32" name="Straight Arrow Connector 31"/>
           <p:cNvCxnSpPr/>
           <p:nvPr/>
         </p:nvCxnSpPr>
         <p:spPr>
-          <a:xfrm>
-            <a:off x="251520" y="4315202"/>
-            <a:ext cx="0" cy="2181225"/>
+          <a:xfrm flipV="1">
+            <a:off x="3275856" y="983729"/>
+            <a:ext cx="0" cy="717079"/>
+          </a:xfrm>
+          <a:prstGeom prst="straightConnector1">
+            <a:avLst/>
+          </a:prstGeom>
+          <a:ln>
+            <a:solidFill>
+              <a:schemeClr val="bg1"/>
+            </a:solidFill>
+            <a:tailEnd type="arrow"/>
+          </a:ln>
+        </p:spPr>
+        <p:style>
+          <a:lnRef idx="1">
+            <a:schemeClr val="accent1"/>
+          </a:lnRef>
+          <a:fillRef idx="0">
+            <a:schemeClr val="accent1"/>
+          </a:fillRef>
+          <a:effectRef idx="0">
+            <a:schemeClr val="accent1"/>
+          </a:effectRef>
+          <a:fontRef idx="minor">
+            <a:schemeClr val="tx1"/>
+          </a:fontRef>
+        </p:style>
+      </p:cxnSp>
+      <p:sp>
+        <p:nvSpPr>
+          <p:cNvPr id="34" name="Rectangle 33"/>
+          <p:cNvSpPr/>
+          <p:nvPr/>
+        </p:nvSpPr>
+        <p:spPr>
+          <a:xfrm>
+            <a:off x="2447764" y="1700808"/>
+            <a:ext cx="1656184" cy="792088"/>
+          </a:xfrm>
+          <a:prstGeom prst="rect">
+            <a:avLst/>
+          </a:prstGeom>
+          <a:solidFill>
+            <a:schemeClr val="accent2">
+              <a:lumMod val="60000"/>
+              <a:lumOff val="40000"/>
+            </a:schemeClr>
+          </a:solidFill>
+        </p:spPr>
+        <p:style>
+          <a:lnRef idx="2">
+            <a:schemeClr val="accent1">
+              <a:shade val="50000"/>
+            </a:schemeClr>
+          </a:lnRef>
+          <a:fillRef idx="1">
+            <a:schemeClr val="accent1"/>
+          </a:fillRef>
+          <a:effectRef idx="0">
+            <a:schemeClr val="accent1"/>
+          </a:effectRef>
+          <a:fontRef idx="minor">
+            <a:schemeClr val="lt1"/>
+          </a:fontRef>
+        </p:style>
+        <p:txBody>
+          <a:bodyPr rtlCol="0" anchor="ctr"/>
+          <a:lstStyle/>
+          <a:p>
+            <a:r>
+              <a:rPr lang="en-AU" sz="1600" dirty="0" smtClean="0">
+                <a:solidFill>
+                  <a:schemeClr val="bg1"/>
+                </a:solidFill>
+              </a:rPr>
+              <a:t>200 </a:t>
+            </a:r>
+            <a:r>
+              <a:rPr lang="en-AU" sz="1600" dirty="0" err="1" smtClean="0">
+                <a:solidFill>
+                  <a:schemeClr val="bg1"/>
+                </a:solidFill>
+              </a:rPr>
+              <a:t>px</a:t>
+            </a:r>
+            <a:r>
+              <a:rPr lang="en-AU" sz="1600" dirty="0" smtClean="0">
+                <a:solidFill>
+                  <a:schemeClr val="bg1"/>
+                </a:solidFill>
+              </a:rPr>
+              <a:t> horizontal, 40 </a:t>
+            </a:r>
+            <a:r>
+              <a:rPr lang="en-AU" sz="1600" dirty="0" err="1" smtClean="0">
+                <a:solidFill>
+                  <a:schemeClr val="bg1"/>
+                </a:solidFill>
+              </a:rPr>
+              <a:t>px</a:t>
+            </a:r>
+            <a:r>
+              <a:rPr lang="en-AU" sz="1600" dirty="0" smtClean="0">
+                <a:solidFill>
+                  <a:schemeClr val="bg1"/>
+                </a:solidFill>
+              </a:rPr>
+              <a:t> vertical,  #</a:t>
+            </a:r>
+            <a:r>
+              <a:rPr lang="en-AU" sz="1600" dirty="0" err="1" smtClean="0">
+                <a:solidFill>
+                  <a:schemeClr val="bg1"/>
+                </a:solidFill>
+              </a:rPr>
+              <a:t>fff</a:t>
+            </a:r>
+            <a:endParaRPr lang="en-AU" sz="1600" dirty="0">
+              <a:solidFill>
+                <a:schemeClr val="bg1"/>
+              </a:solidFill>
+            </a:endParaRPr>
+          </a:p>
+        </p:txBody>
+      </p:sp>
+      <p:cxnSp>
+        <p:nvCxnSpPr>
+          <p:cNvPr id="38" name="Straight Arrow Connector 37"/>
+          <p:cNvCxnSpPr/>
+          <p:nvPr/>
+        </p:nvCxnSpPr>
+        <p:spPr>
+          <a:xfrm flipV="1">
+            <a:off x="4589169" y="852548"/>
+            <a:ext cx="0" cy="848260"/>
+          </a:xfrm>
+          <a:prstGeom prst="straightConnector1">
+            <a:avLst/>
+          </a:prstGeom>
+          <a:ln>
+            <a:solidFill>
+              <a:schemeClr val="bg1"/>
+            </a:solidFill>
+            <a:tailEnd type="arrow"/>
+          </a:ln>
+        </p:spPr>
+        <p:style>
+          <a:lnRef idx="1">
+            <a:schemeClr val="accent1"/>
+          </a:lnRef>
+          <a:fillRef idx="0">
+            <a:schemeClr val="accent1"/>
+          </a:fillRef>
+          <a:effectRef idx="0">
+            <a:schemeClr val="accent1"/>
+          </a:effectRef>
+          <a:fontRef idx="minor">
+            <a:schemeClr val="tx1"/>
+          </a:fontRef>
+        </p:style>
+      </p:cxnSp>
+      <p:sp>
+        <p:nvSpPr>
+          <p:cNvPr id="39" name="Rectangle 38"/>
+          <p:cNvSpPr/>
+          <p:nvPr/>
+        </p:nvSpPr>
+        <p:spPr>
+          <a:xfrm>
+            <a:off x="4355976" y="1700808"/>
+            <a:ext cx="1512168" cy="792088"/>
+          </a:xfrm>
+          <a:prstGeom prst="rect">
+            <a:avLst/>
+          </a:prstGeom>
+          <a:solidFill>
+            <a:schemeClr val="accent2">
+              <a:lumMod val="60000"/>
+              <a:lumOff val="40000"/>
+            </a:schemeClr>
+          </a:solidFill>
+        </p:spPr>
+        <p:style>
+          <a:lnRef idx="2">
+            <a:schemeClr val="accent1">
+              <a:shade val="50000"/>
+            </a:schemeClr>
+          </a:lnRef>
+          <a:fillRef idx="1">
+            <a:schemeClr val="accent1"/>
+          </a:fillRef>
+          <a:effectRef idx="0">
+            <a:schemeClr val="accent1"/>
+          </a:effectRef>
+          <a:fontRef idx="minor">
+            <a:schemeClr val="lt1"/>
+          </a:fontRef>
+        </p:style>
+        <p:txBody>
+          <a:bodyPr rtlCol="0" anchor="ctr"/>
+          <a:lstStyle/>
+          <a:p>
+            <a:r>
+              <a:rPr lang="en-AU" sz="1600" dirty="0" smtClean="0">
+                <a:solidFill>
+                  <a:schemeClr val="bg1"/>
+                </a:solidFill>
+              </a:rPr>
+              <a:t>Arial, 16, #</a:t>
+            </a:r>
+            <a:r>
+              <a:rPr lang="en-AU" sz="1600" dirty="0" err="1" smtClean="0">
+                <a:solidFill>
+                  <a:schemeClr val="bg1"/>
+                </a:solidFill>
+              </a:rPr>
+              <a:t>afafff</a:t>
+            </a:r>
+            <a:r>
+              <a:rPr lang="en-AU" sz="1600" dirty="0" smtClean="0">
+                <a:solidFill>
+                  <a:schemeClr val="bg1"/>
+                </a:solidFill>
+              </a:rPr>
+              <a:t>, Middle alignment</a:t>
+            </a:r>
+            <a:endParaRPr lang="en-AU" sz="1600" dirty="0">
+              <a:solidFill>
+                <a:schemeClr val="bg1"/>
+              </a:solidFill>
+            </a:endParaRPr>
+          </a:p>
+        </p:txBody>
+      </p:sp>
+      <p:cxnSp>
+        <p:nvCxnSpPr>
+          <p:cNvPr id="43" name="Straight Arrow Connector 42"/>
+          <p:cNvCxnSpPr>
+            <a:endCxn id="9" idx="2"/>
+          </p:cNvCxnSpPr>
+          <p:nvPr/>
+        </p:nvCxnSpPr>
+        <p:spPr>
+          <a:xfrm flipV="1">
+            <a:off x="6596270" y="947725"/>
+            <a:ext cx="0" cy="753083"/>
+          </a:xfrm>
+          <a:prstGeom prst="straightConnector1">
+            <a:avLst/>
+          </a:prstGeom>
+          <a:ln>
+            <a:solidFill>
+              <a:schemeClr val="bg1"/>
+            </a:solidFill>
+            <a:tailEnd type="arrow"/>
+          </a:ln>
+        </p:spPr>
+        <p:style>
+          <a:lnRef idx="1">
+            <a:schemeClr val="accent1"/>
+          </a:lnRef>
+          <a:fillRef idx="0">
+            <a:schemeClr val="accent1"/>
+          </a:fillRef>
+          <a:effectRef idx="0">
+            <a:schemeClr val="accent1"/>
+          </a:effectRef>
+          <a:fontRef idx="minor">
+            <a:schemeClr val="tx1"/>
+          </a:fontRef>
+        </p:style>
+      </p:cxnSp>
+      <p:sp>
+        <p:nvSpPr>
+          <p:cNvPr id="44" name="Rectangle 43"/>
+          <p:cNvSpPr/>
+          <p:nvPr/>
+        </p:nvSpPr>
+        <p:spPr>
+          <a:xfrm>
+            <a:off x="6084168" y="1700808"/>
+            <a:ext cx="1124170" cy="648072"/>
+          </a:xfrm>
+          <a:prstGeom prst="rect">
+            <a:avLst/>
+          </a:prstGeom>
+          <a:solidFill>
+            <a:schemeClr val="accent2">
+              <a:lumMod val="60000"/>
+              <a:lumOff val="40000"/>
+            </a:schemeClr>
+          </a:solidFill>
+        </p:spPr>
+        <p:style>
+          <a:lnRef idx="2">
+            <a:schemeClr val="accent1">
+              <a:shade val="50000"/>
+            </a:schemeClr>
+          </a:lnRef>
+          <a:fillRef idx="1">
+            <a:schemeClr val="accent1"/>
+          </a:fillRef>
+          <a:effectRef idx="0">
+            <a:schemeClr val="accent1"/>
+          </a:effectRef>
+          <a:fontRef idx="minor">
+            <a:schemeClr val="lt1"/>
+          </a:fontRef>
+        </p:style>
+        <p:txBody>
+          <a:bodyPr rtlCol="0" anchor="ctr"/>
+          <a:lstStyle/>
+          <a:p>
+            <a:r>
+              <a:rPr lang="en-AU" sz="1600" dirty="0">
+                <a:solidFill>
+                  <a:schemeClr val="bg1"/>
+                </a:solidFill>
+              </a:rPr>
+              <a:t>Arial</a:t>
+            </a:r>
+            <a:r>
+              <a:rPr lang="en-AU" sz="1600" dirty="0" smtClean="0">
+                <a:solidFill>
+                  <a:schemeClr val="bg1"/>
+                </a:solidFill>
+              </a:rPr>
+              <a:t>, 18, B, 0f0f7f</a:t>
+            </a:r>
+            <a:endParaRPr lang="en-AU" sz="1600" dirty="0">
+              <a:solidFill>
+                <a:schemeClr val="bg1"/>
+              </a:solidFill>
+            </a:endParaRPr>
+          </a:p>
+        </p:txBody>
+      </p:sp>
+      <p:cxnSp>
+        <p:nvCxnSpPr>
+          <p:cNvPr id="46" name="Straight Arrow Connector 45"/>
+          <p:cNvCxnSpPr>
+            <a:endCxn id="11" idx="2"/>
+          </p:cNvCxnSpPr>
+          <p:nvPr/>
+        </p:nvCxnSpPr>
+        <p:spPr>
+          <a:xfrm flipV="1">
+            <a:off x="8064388" y="908720"/>
+            <a:ext cx="0" cy="792088"/>
+          </a:xfrm>
+          <a:prstGeom prst="straightConnector1">
+            <a:avLst/>
+          </a:prstGeom>
+          <a:ln>
+            <a:solidFill>
+              <a:schemeClr val="bg1"/>
+            </a:solidFill>
+            <a:tailEnd type="arrow"/>
+          </a:ln>
+        </p:spPr>
+        <p:style>
+          <a:lnRef idx="1">
+            <a:schemeClr val="accent1"/>
+          </a:lnRef>
+          <a:fillRef idx="0">
+            <a:schemeClr val="accent1"/>
+          </a:fillRef>
+          <a:effectRef idx="0">
+            <a:schemeClr val="accent1"/>
+          </a:effectRef>
+          <a:fontRef idx="minor">
+            <a:schemeClr val="tx1"/>
+          </a:fontRef>
+        </p:style>
+      </p:cxnSp>
+      <p:sp>
+        <p:nvSpPr>
+          <p:cNvPr id="48" name="Rectangle 47"/>
+          <p:cNvSpPr/>
+          <p:nvPr/>
+        </p:nvSpPr>
+        <p:spPr>
+          <a:xfrm>
+            <a:off x="7524328" y="1700808"/>
+            <a:ext cx="1152128" cy="648072"/>
+          </a:xfrm>
+          <a:prstGeom prst="rect">
+            <a:avLst/>
+          </a:prstGeom>
+          <a:solidFill>
+            <a:schemeClr val="accent2">
+              <a:lumMod val="60000"/>
+              <a:lumOff val="40000"/>
+            </a:schemeClr>
+          </a:solidFill>
+        </p:spPr>
+        <p:style>
+          <a:lnRef idx="2">
+            <a:schemeClr val="accent1">
+              <a:shade val="50000"/>
+            </a:schemeClr>
+          </a:lnRef>
+          <a:fillRef idx="1">
+            <a:schemeClr val="accent1"/>
+          </a:fillRef>
+          <a:effectRef idx="0">
+            <a:schemeClr val="accent1"/>
+          </a:effectRef>
+          <a:fontRef idx="minor">
+            <a:schemeClr val="lt1"/>
+          </a:fontRef>
+        </p:style>
+        <p:txBody>
+          <a:bodyPr rtlCol="0" anchor="ctr"/>
+          <a:lstStyle/>
+          <a:p>
+            <a:r>
+              <a:rPr lang="en-AU" sz="1600" dirty="0">
+                <a:solidFill>
+                  <a:schemeClr val="bg1"/>
+                </a:solidFill>
+              </a:rPr>
+              <a:t>Arial, 18, B, 0f0f7f</a:t>
+            </a:r>
+          </a:p>
+        </p:txBody>
+      </p:sp>
+      <p:cxnSp>
+        <p:nvCxnSpPr>
+          <p:cNvPr id="53" name="Straight Arrow Connector 52"/>
+          <p:cNvCxnSpPr/>
+          <p:nvPr/>
+        </p:nvCxnSpPr>
+        <p:spPr>
+          <a:xfrm>
+            <a:off x="6084168" y="5733256"/>
+            <a:ext cx="0" cy="966796"/>
+          </a:xfrm>
+          <a:prstGeom prst="straightConnector1">
+            <a:avLst/>
+          </a:prstGeom>
+          <a:ln>
+            <a:solidFill>
+              <a:schemeClr val="bg1"/>
+            </a:solidFill>
+            <a:tailEnd type="arrow"/>
+          </a:ln>
+        </p:spPr>
+        <p:style>
+          <a:lnRef idx="1">
+            <a:schemeClr val="accent1"/>
+          </a:lnRef>
+          <a:fillRef idx="0">
+            <a:schemeClr val="accent1"/>
+          </a:fillRef>
+          <a:effectRef idx="0">
+            <a:schemeClr val="accent1"/>
+          </a:effectRef>
+          <a:fontRef idx="minor">
+            <a:schemeClr val="tx1"/>
+          </a:fontRef>
+        </p:style>
+      </p:cxnSp>
+      <p:sp>
+        <p:nvSpPr>
+          <p:cNvPr id="54" name="Rectangle 53"/>
+          <p:cNvSpPr/>
+          <p:nvPr/>
+        </p:nvSpPr>
+        <p:spPr>
+          <a:xfrm>
+            <a:off x="5508104" y="5229200"/>
+            <a:ext cx="1185389" cy="504056"/>
+          </a:xfrm>
+          <a:prstGeom prst="rect">
+            <a:avLst/>
+          </a:prstGeom>
+          <a:solidFill>
+            <a:schemeClr val="accent2">
+              <a:lumMod val="60000"/>
+              <a:lumOff val="40000"/>
+            </a:schemeClr>
+          </a:solidFill>
+        </p:spPr>
+        <p:style>
+          <a:lnRef idx="2">
+            <a:schemeClr val="accent1">
+              <a:shade val="50000"/>
+            </a:schemeClr>
+          </a:lnRef>
+          <a:fillRef idx="1">
+            <a:schemeClr val="accent1"/>
+          </a:fillRef>
+          <a:effectRef idx="0">
+            <a:schemeClr val="accent1"/>
+          </a:effectRef>
+          <a:fontRef idx="minor">
+            <a:schemeClr val="lt1"/>
+          </a:fontRef>
+        </p:style>
+        <p:txBody>
+          <a:bodyPr rtlCol="0" anchor="ctr"/>
+          <a:lstStyle/>
+          <a:p>
+            <a:r>
+              <a:rPr lang="en-AU" sz="1600" dirty="0" smtClean="0">
+                <a:solidFill>
+                  <a:schemeClr val="bg1"/>
+                </a:solidFill>
+              </a:rPr>
+              <a:t>Arial, #</a:t>
+            </a:r>
+            <a:r>
+              <a:rPr lang="en-AU" sz="1600" dirty="0" err="1" smtClean="0">
+                <a:solidFill>
+                  <a:schemeClr val="bg1"/>
+                </a:solidFill>
+              </a:rPr>
+              <a:t>fff</a:t>
+            </a:r>
+            <a:r>
+              <a:rPr lang="en-AU" sz="1600" dirty="0" smtClean="0">
+                <a:solidFill>
+                  <a:schemeClr val="bg1"/>
+                </a:solidFill>
+              </a:rPr>
+              <a:t>, 14</a:t>
+            </a:r>
+            <a:endParaRPr lang="en-AU" sz="1600" dirty="0">
+              <a:solidFill>
+                <a:schemeClr val="bg1"/>
+              </a:solidFill>
+            </a:endParaRPr>
+          </a:p>
+        </p:txBody>
+      </p:sp>
+      <p:sp>
+        <p:nvSpPr>
+          <p:cNvPr id="58" name="Rectangle 57"/>
+          <p:cNvSpPr/>
+          <p:nvPr/>
+        </p:nvSpPr>
+        <p:spPr>
+          <a:xfrm>
+            <a:off x="460375" y="6395260"/>
+            <a:ext cx="1044116" cy="462740"/>
+          </a:xfrm>
+          <a:prstGeom prst="rect">
+            <a:avLst/>
+          </a:prstGeom>
+          <a:solidFill>
+            <a:schemeClr val="accent2">
+              <a:lumMod val="60000"/>
+              <a:lumOff val="40000"/>
+            </a:schemeClr>
+          </a:solidFill>
+        </p:spPr>
+        <p:style>
+          <a:lnRef idx="2">
+            <a:schemeClr val="accent1">
+              <a:shade val="50000"/>
+            </a:schemeClr>
+          </a:lnRef>
+          <a:fillRef idx="1">
+            <a:schemeClr val="accent1"/>
+          </a:fillRef>
+          <a:effectRef idx="0">
+            <a:schemeClr val="accent1"/>
+          </a:effectRef>
+          <a:fontRef idx="minor">
+            <a:schemeClr val="lt1"/>
+          </a:fontRef>
+        </p:style>
+        <p:txBody>
+          <a:bodyPr rtlCol="0" anchor="ctr"/>
+          <a:lstStyle/>
+          <a:p>
+            <a:r>
+              <a:rPr lang="en-AU" sz="1600" dirty="0" smtClean="0"/>
+              <a:t>35 %, #0f0f7f</a:t>
+            </a:r>
+            <a:endParaRPr lang="en-AU" sz="1600" dirty="0"/>
+          </a:p>
+        </p:txBody>
+      </p:sp>
+      <p:cxnSp>
+        <p:nvCxnSpPr>
+          <p:cNvPr id="62" name="Straight Arrow Connector 61"/>
+          <p:cNvCxnSpPr/>
+          <p:nvPr/>
+        </p:nvCxnSpPr>
+        <p:spPr>
+          <a:xfrm>
+            <a:off x="2267744" y="852548"/>
+            <a:ext cx="0" cy="5696202"/>
           </a:xfrm>
           <a:prstGeom prst="straightConnector1">
             <a:avLst/>
@@ -6452,14 +6302,14 @@
       </p:cxnSp>
       <p:sp>
         <p:nvSpPr>
-          <p:cNvPr id="17" name="Rectangle 16"/>
+          <p:cNvPr id="63" name="Rectangle 62"/>
           <p:cNvSpPr/>
           <p:nvPr/>
         </p:nvSpPr>
         <p:spPr>
           <a:xfrm>
-            <a:off x="347388" y="5629357"/>
-            <a:ext cx="1049341" cy="1090612"/>
+            <a:off x="2282729" y="4437112"/>
+            <a:ext cx="1410189" cy="576050"/>
           </a:xfrm>
           <a:prstGeom prst="rect">
             <a:avLst/>
@@ -6491,19 +6341,458 @@
           <a:bodyPr rtlCol="0" anchor="ctr"/>
           <a:lstStyle/>
           <a:p>
+            <a:r>
+              <a:rPr lang="en-AU" sz="1600" dirty="0"/>
+              <a:t>#6f6fef, 98%, 47%, #</a:t>
+            </a:r>
+            <a:r>
+              <a:rPr lang="en-AU" sz="1600" dirty="0" err="1"/>
+              <a:t>fff</a:t>
+            </a:r>
+            <a:r>
+              <a:rPr lang="en-AU" sz="1600" dirty="0"/>
+              <a:t> 1%</a:t>
+            </a:r>
+          </a:p>
+        </p:txBody>
+      </p:sp>
+      <p:cxnSp>
+        <p:nvCxnSpPr>
+          <p:cNvPr id="16" name="Straight Arrow Connector 15"/>
+          <p:cNvCxnSpPr/>
+          <p:nvPr/>
+        </p:nvCxnSpPr>
+        <p:spPr>
+          <a:xfrm>
+            <a:off x="5868144" y="7937"/>
+            <a:ext cx="0" cy="253140"/>
+          </a:xfrm>
+          <a:prstGeom prst="straightConnector1">
+            <a:avLst/>
+          </a:prstGeom>
+          <a:ln>
+            <a:solidFill>
+              <a:schemeClr val="bg1"/>
+            </a:solidFill>
+            <a:headEnd type="arrow"/>
+            <a:tailEnd type="arrow"/>
+          </a:ln>
+        </p:spPr>
+        <p:style>
+          <a:lnRef idx="1">
+            <a:schemeClr val="accent1"/>
+          </a:lnRef>
+          <a:fillRef idx="0">
+            <a:schemeClr val="accent1"/>
+          </a:fillRef>
+          <a:effectRef idx="0">
+            <a:schemeClr val="accent1"/>
+          </a:effectRef>
+          <a:fontRef idx="minor">
+            <a:schemeClr val="tx1"/>
+          </a:fontRef>
+        </p:style>
+      </p:cxnSp>
+      <p:cxnSp>
+        <p:nvCxnSpPr>
+          <p:cNvPr id="20" name="Straight Arrow Connector 19"/>
+          <p:cNvCxnSpPr/>
+          <p:nvPr/>
+        </p:nvCxnSpPr>
+        <p:spPr>
+          <a:xfrm flipV="1">
+            <a:off x="8892480" y="947725"/>
+            <a:ext cx="0" cy="2121235"/>
+          </a:xfrm>
+          <a:prstGeom prst="straightConnector1">
+            <a:avLst/>
+          </a:prstGeom>
+          <a:ln>
+            <a:solidFill>
+              <a:schemeClr val="bg1"/>
+            </a:solidFill>
+            <a:tailEnd type="arrow"/>
+          </a:ln>
+        </p:spPr>
+        <p:style>
+          <a:lnRef idx="1">
+            <a:schemeClr val="accent1"/>
+          </a:lnRef>
+          <a:fillRef idx="0">
+            <a:schemeClr val="accent1"/>
+          </a:fillRef>
+          <a:effectRef idx="0">
+            <a:schemeClr val="accent1"/>
+          </a:effectRef>
+          <a:fontRef idx="minor">
+            <a:schemeClr val="tx1"/>
+          </a:fontRef>
+        </p:style>
+      </p:cxnSp>
+      <p:cxnSp>
+        <p:nvCxnSpPr>
+          <p:cNvPr id="47" name="Straight Arrow Connector 46"/>
+          <p:cNvCxnSpPr/>
+          <p:nvPr/>
+        </p:nvCxnSpPr>
+        <p:spPr>
+          <a:xfrm>
+            <a:off x="307975" y="6548750"/>
+            <a:ext cx="0" cy="309250"/>
+          </a:xfrm>
+          <a:prstGeom prst="straightConnector1">
+            <a:avLst/>
+          </a:prstGeom>
+          <a:ln>
+            <a:solidFill>
+              <a:schemeClr val="bg1"/>
+            </a:solidFill>
+            <a:headEnd type="arrow"/>
+            <a:tailEnd type="arrow"/>
+          </a:ln>
+        </p:spPr>
+        <p:style>
+          <a:lnRef idx="1">
+            <a:schemeClr val="accent1"/>
+          </a:lnRef>
+          <a:fillRef idx="0">
+            <a:schemeClr val="accent1"/>
+          </a:fillRef>
+          <a:effectRef idx="0">
+            <a:schemeClr val="accent1"/>
+          </a:effectRef>
+          <a:fontRef idx="minor">
+            <a:schemeClr val="tx1"/>
+          </a:fontRef>
+        </p:style>
+      </p:cxnSp>
+      <p:cxnSp>
+        <p:nvCxnSpPr>
+          <p:cNvPr id="50" name="Straight Arrow Connector 49"/>
+          <p:cNvCxnSpPr/>
+          <p:nvPr/>
+        </p:nvCxnSpPr>
+        <p:spPr>
+          <a:xfrm flipH="1" flipV="1">
+            <a:off x="155575" y="872716"/>
+            <a:ext cx="1" cy="1948174"/>
+          </a:xfrm>
+          <a:prstGeom prst="straightConnector1">
+            <a:avLst/>
+          </a:prstGeom>
+          <a:ln>
+            <a:solidFill>
+              <a:schemeClr val="bg1"/>
+            </a:solidFill>
+            <a:tailEnd type="arrow"/>
+          </a:ln>
+        </p:spPr>
+        <p:style>
+          <a:lnRef idx="1">
+            <a:schemeClr val="accent1"/>
+          </a:lnRef>
+          <a:fillRef idx="0">
+            <a:schemeClr val="accent1"/>
+          </a:fillRef>
+          <a:effectRef idx="0">
+            <a:schemeClr val="accent1"/>
+          </a:effectRef>
+          <a:fontRef idx="minor">
+            <a:schemeClr val="tx1"/>
+          </a:fontRef>
+        </p:style>
+      </p:cxnSp>
+      <p:cxnSp>
+        <p:nvCxnSpPr>
+          <p:cNvPr id="55" name="Straight Arrow Connector 54"/>
+          <p:cNvCxnSpPr>
+            <a:stCxn id="8" idx="3"/>
+          </p:cNvCxnSpPr>
+          <p:nvPr/>
+        </p:nvCxnSpPr>
+        <p:spPr>
+          <a:xfrm flipV="1">
+            <a:off x="5508104" y="764704"/>
+            <a:ext cx="592694" cy="429"/>
+          </a:xfrm>
+          <a:prstGeom prst="straightConnector1">
+            <a:avLst/>
+          </a:prstGeom>
+          <a:ln>
+            <a:solidFill>
+              <a:schemeClr val="bg1"/>
+            </a:solidFill>
+            <a:headEnd type="arrow"/>
+            <a:tailEnd type="arrow"/>
+          </a:ln>
+        </p:spPr>
+        <p:style>
+          <a:lnRef idx="1">
+            <a:schemeClr val="accent1"/>
+          </a:lnRef>
+          <a:fillRef idx="0">
+            <a:schemeClr val="accent1"/>
+          </a:fillRef>
+          <a:effectRef idx="0">
+            <a:schemeClr val="accent1"/>
+          </a:effectRef>
+          <a:fontRef idx="minor">
+            <a:schemeClr val="tx1"/>
+          </a:fontRef>
+        </p:style>
+      </p:cxnSp>
+      <p:sp>
+        <p:nvSpPr>
+          <p:cNvPr id="64" name="Rounded Rectangle 63"/>
+          <p:cNvSpPr/>
+          <p:nvPr/>
+        </p:nvSpPr>
+        <p:spPr>
+          <a:xfrm>
+            <a:off x="5508104" y="410662"/>
+            <a:ext cx="648072" cy="238121"/>
+          </a:xfrm>
+          <a:prstGeom prst="roundRect">
+            <a:avLst/>
+          </a:prstGeom>
+          <a:solidFill>
+            <a:schemeClr val="accent2">
+              <a:lumMod val="60000"/>
+              <a:lumOff val="40000"/>
+            </a:schemeClr>
+          </a:solidFill>
+        </p:spPr>
+        <p:style>
+          <a:lnRef idx="2">
+            <a:schemeClr val="accent1">
+              <a:shade val="50000"/>
+            </a:schemeClr>
+          </a:lnRef>
+          <a:fillRef idx="1">
+            <a:schemeClr val="accent1"/>
+          </a:fillRef>
+          <a:effectRef idx="0">
+            <a:schemeClr val="accent1"/>
+          </a:effectRef>
+          <a:fontRef idx="minor">
+            <a:schemeClr val="lt1"/>
+          </a:fontRef>
+        </p:style>
+        <p:txBody>
+          <a:bodyPr rtlCol="0" anchor="ctr"/>
+          <a:lstStyle/>
+          <a:p>
             <a:pPr algn="ctr"/>
             <a:r>
-              <a:rPr lang="en-AU" sz="1400" dirty="0" smtClean="0"/>
-              <a:t>Carousel will display 3 featured courses  at a time </a:t>
-            </a:r>
-            <a:endParaRPr lang="en-AU" sz="1400" dirty="0"/>
+              <a:rPr lang="en-AU" sz="1400" dirty="0" smtClean="0">
+                <a:solidFill>
+                  <a:schemeClr val="bg1"/>
+                </a:solidFill>
+              </a:rPr>
+              <a:t>60px</a:t>
+            </a:r>
+            <a:endParaRPr lang="en-AU" sz="1400" dirty="0">
+              <a:solidFill>
+                <a:schemeClr val="bg1"/>
+              </a:solidFill>
+            </a:endParaRPr>
+          </a:p>
+        </p:txBody>
+      </p:sp>
+      <p:cxnSp>
+        <p:nvCxnSpPr>
+          <p:cNvPr id="67" name="Straight Arrow Connector 66"/>
+          <p:cNvCxnSpPr/>
+          <p:nvPr/>
+        </p:nvCxnSpPr>
+        <p:spPr>
+          <a:xfrm flipV="1">
+            <a:off x="7099818" y="782277"/>
+            <a:ext cx="592694" cy="429"/>
+          </a:xfrm>
+          <a:prstGeom prst="straightConnector1">
+            <a:avLst/>
+          </a:prstGeom>
+          <a:ln>
+            <a:solidFill>
+              <a:schemeClr val="bg1"/>
+            </a:solidFill>
+            <a:headEnd type="arrow"/>
+            <a:tailEnd type="arrow"/>
+          </a:ln>
+        </p:spPr>
+        <p:style>
+          <a:lnRef idx="1">
+            <a:schemeClr val="accent1"/>
+          </a:lnRef>
+          <a:fillRef idx="0">
+            <a:schemeClr val="accent1"/>
+          </a:fillRef>
+          <a:effectRef idx="0">
+            <a:schemeClr val="accent1"/>
+          </a:effectRef>
+          <a:fontRef idx="minor">
+            <a:schemeClr val="tx1"/>
+          </a:fontRef>
+        </p:style>
+      </p:cxnSp>
+      <p:cxnSp>
+        <p:nvCxnSpPr>
+          <p:cNvPr id="68" name="Straight Arrow Connector 67"/>
+          <p:cNvCxnSpPr/>
+          <p:nvPr/>
+        </p:nvCxnSpPr>
+        <p:spPr>
+          <a:xfrm flipV="1">
+            <a:off x="8380109" y="784206"/>
+            <a:ext cx="592694" cy="429"/>
+          </a:xfrm>
+          <a:prstGeom prst="straightConnector1">
+            <a:avLst/>
+          </a:prstGeom>
+          <a:ln>
+            <a:solidFill>
+              <a:schemeClr val="bg1"/>
+            </a:solidFill>
+            <a:headEnd type="arrow"/>
+            <a:tailEnd type="arrow"/>
+          </a:ln>
+        </p:spPr>
+        <p:style>
+          <a:lnRef idx="1">
+            <a:schemeClr val="accent1"/>
+          </a:lnRef>
+          <a:fillRef idx="0">
+            <a:schemeClr val="accent1"/>
+          </a:fillRef>
+          <a:effectRef idx="0">
+            <a:schemeClr val="accent1"/>
+          </a:effectRef>
+          <a:fontRef idx="minor">
+            <a:schemeClr val="tx1"/>
+          </a:fontRef>
+        </p:style>
+      </p:cxnSp>
+      <p:sp>
+        <p:nvSpPr>
+          <p:cNvPr id="70" name="Rounded Rectangle 69"/>
+          <p:cNvSpPr/>
+          <p:nvPr/>
+        </p:nvSpPr>
+        <p:spPr>
+          <a:xfrm>
+            <a:off x="7164288" y="454575"/>
+            <a:ext cx="648072" cy="238121"/>
+          </a:xfrm>
+          <a:prstGeom prst="roundRect">
+            <a:avLst/>
+          </a:prstGeom>
+          <a:solidFill>
+            <a:schemeClr val="accent2">
+              <a:lumMod val="60000"/>
+              <a:lumOff val="40000"/>
+            </a:schemeClr>
+          </a:solidFill>
+        </p:spPr>
+        <p:style>
+          <a:lnRef idx="2">
+            <a:schemeClr val="accent1">
+              <a:shade val="50000"/>
+            </a:schemeClr>
+          </a:lnRef>
+          <a:fillRef idx="1">
+            <a:schemeClr val="accent1"/>
+          </a:fillRef>
+          <a:effectRef idx="0">
+            <a:schemeClr val="accent1"/>
+          </a:effectRef>
+          <a:fontRef idx="minor">
+            <a:schemeClr val="lt1"/>
+          </a:fontRef>
+        </p:style>
+        <p:txBody>
+          <a:bodyPr rtlCol="0" anchor="ctr"/>
+          <a:lstStyle/>
+          <a:p>
+            <a:pPr algn="ctr"/>
+            <a:r>
+              <a:rPr lang="en-AU" sz="1400" dirty="0" smtClean="0">
+                <a:solidFill>
+                  <a:schemeClr val="bg1"/>
+                </a:solidFill>
+              </a:rPr>
+              <a:t>60px</a:t>
+            </a:r>
+            <a:endParaRPr lang="en-AU" sz="1400" dirty="0">
+              <a:solidFill>
+                <a:schemeClr val="bg1"/>
+              </a:solidFill>
+            </a:endParaRPr>
+          </a:p>
+        </p:txBody>
+      </p:sp>
+      <p:sp>
+        <p:nvSpPr>
+          <p:cNvPr id="71" name="Rounded Rectangle 70"/>
+          <p:cNvSpPr/>
+          <p:nvPr/>
+        </p:nvSpPr>
+        <p:spPr>
+          <a:xfrm>
+            <a:off x="8460432" y="454575"/>
+            <a:ext cx="648072" cy="238121"/>
+          </a:xfrm>
+          <a:prstGeom prst="roundRect">
+            <a:avLst/>
+          </a:prstGeom>
+          <a:solidFill>
+            <a:schemeClr val="accent2">
+              <a:lumMod val="60000"/>
+              <a:lumOff val="40000"/>
+            </a:schemeClr>
+          </a:solidFill>
+        </p:spPr>
+        <p:style>
+          <a:lnRef idx="2">
+            <a:schemeClr val="accent1">
+              <a:shade val="50000"/>
+            </a:schemeClr>
+          </a:lnRef>
+          <a:fillRef idx="1">
+            <a:schemeClr val="accent1"/>
+          </a:fillRef>
+          <a:effectRef idx="0">
+            <a:schemeClr val="accent1"/>
+          </a:effectRef>
+          <a:fontRef idx="minor">
+            <a:schemeClr val="lt1"/>
+          </a:fontRef>
+        </p:style>
+        <p:txBody>
+          <a:bodyPr rtlCol="0" anchor="ctr"/>
+          <a:lstStyle/>
+          <a:p>
+            <a:pPr algn="ctr"/>
+            <a:r>
+              <a:rPr lang="en-AU" sz="1400" dirty="0" smtClean="0">
+                <a:solidFill>
+                  <a:schemeClr val="bg1"/>
+                </a:solidFill>
+              </a:rPr>
+              <a:t>60px</a:t>
+            </a:r>
+            <a:endParaRPr lang="en-AU" sz="1400" dirty="0">
+              <a:solidFill>
+                <a:schemeClr val="bg1"/>
+              </a:solidFill>
+            </a:endParaRPr>
           </a:p>
         </p:txBody>
       </p:sp>
     </p:spTree>
     <p:extLst>
       <p:ext uri="{BB962C8B-B14F-4D97-AF65-F5344CB8AC3E}">
-        <p14:creationId xmlns:p14="http://schemas.microsoft.com/office/powerpoint/2010/main" val="1912319321"/>
+        <p14:creationId xmlns:p14="http://schemas.microsoft.com/office/powerpoint/2010/main" val="345626616"/>
       </p:ext>
     </p:extLst>
   </p:cSld>
@@ -6538,8 +6827,8 @@
         </p:nvSpPr>
         <p:spPr>
           <a:xfrm>
-            <a:off x="0" y="0"/>
-            <a:ext cx="9161169" cy="6858000"/>
+            <a:off x="0" y="1063333"/>
+            <a:ext cx="9161169" cy="5451386"/>
           </a:xfrm>
           <a:prstGeom prst="rect">
             <a:avLst/>
@@ -6549,11 +6838,11 @@
               <a:gs pos="98000">
                 <a:srgbClr val="6F6FEF"/>
               </a:gs>
-              <a:gs pos="60000">
+              <a:gs pos="47089">
                 <a:srgbClr val="9F9FF6"/>
               </a:gs>
               <a:gs pos="1000">
-                <a:srgbClr val="FFFFFF"/>
+                <a:srgbClr val="DFDFFF"/>
               </a:gs>
             </a:gsLst>
             <a:lin ang="16200000" scaled="1"/>
@@ -6583,12 +6872,13 @@
           <a:bodyPr rtlCol="0" anchor="ctr"/>
           <a:lstStyle/>
           <a:p>
-            <a:pPr lvl="1"/>
-            <a:endParaRPr lang="en-AU" sz="2400" dirty="0">
+            <a:pPr algn="ctr"/>
+            <a:endParaRPr lang="en-AU" b="1" dirty="0">
               <a:solidFill>
-                <a:schemeClr val="bg1"/>
+                <a:srgbClr val="0F0F7F"/>
               </a:solidFill>
-              <a:latin typeface="Cooper Black" panose="0208090404030B020404" pitchFamily="18" charset="0"/>
+              <a:latin typeface="Arial" panose="020B0604020202020204" pitchFamily="34" charset="0"/>
+              <a:cs typeface="Arial" panose="020B0604020202020204" pitchFamily="34" charset="0"/>
             </a:endParaRPr>
           </a:p>
         </p:txBody>
@@ -6601,22 +6891,90 @@
         </p:nvSpPr>
         <p:spPr>
           <a:xfrm>
-            <a:off x="539552" y="332656"/>
-            <a:ext cx="2404826" cy="646331"/>
+            <a:off x="0" y="0"/>
+            <a:ext cx="9144000" cy="872716"/>
           </a:xfrm>
           <a:prstGeom prst="rect">
             <a:avLst/>
           </a:prstGeom>
-        </p:spPr>
-        <p:txBody>
-          <a:bodyPr wrap="none">
-            <a:spAutoFit/>
-          </a:bodyPr>
+          <a:solidFill>
+            <a:srgbClr val="0F0F7F"/>
+          </a:solidFill>
+        </p:spPr>
+        <p:style>
+          <a:lnRef idx="2">
+            <a:schemeClr val="accent1">
+              <a:shade val="50000"/>
+            </a:schemeClr>
+          </a:lnRef>
+          <a:fillRef idx="1">
+            <a:schemeClr val="accent1"/>
+          </a:fillRef>
+          <a:effectRef idx="0">
+            <a:schemeClr val="accent1"/>
+          </a:effectRef>
+          <a:fontRef idx="minor">
+            <a:schemeClr val="lt1"/>
+          </a:fontRef>
+        </p:style>
+        <p:txBody>
+          <a:bodyPr rtlCol="0" anchor="ctr"/>
+          <a:lstStyle/>
+          <a:p>
+            <a:pPr algn="ctr"/>
+            <a:endParaRPr lang="en-AU"/>
+          </a:p>
+        </p:txBody>
+      </p:sp>
+      <p:sp>
+        <p:nvSpPr>
+          <p:cNvPr id="4" name="Rounded Rectangle 3"/>
+          <p:cNvSpPr/>
+          <p:nvPr/>
+        </p:nvSpPr>
+        <p:spPr>
+          <a:xfrm>
+            <a:off x="0" y="261077"/>
+            <a:ext cx="9144000" cy="1008112"/>
+          </a:xfrm>
+          <a:prstGeom prst="roundRect">
+            <a:avLst/>
+          </a:prstGeom>
+          <a:gradFill>
+            <a:gsLst>
+              <a:gs pos="67000">
+                <a:srgbClr val="6F6FEF"/>
+              </a:gs>
+              <a:gs pos="100000">
+                <a:srgbClr val="FFFFFF"/>
+              </a:gs>
+            </a:gsLst>
+            <a:lin ang="5400000" scaled="1"/>
+          </a:gradFill>
+        </p:spPr>
+        <p:style>
+          <a:lnRef idx="2">
+            <a:schemeClr val="accent1">
+              <a:shade val="50000"/>
+            </a:schemeClr>
+          </a:lnRef>
+          <a:fillRef idx="1">
+            <a:schemeClr val="accent1"/>
+          </a:fillRef>
+          <a:effectRef idx="0">
+            <a:schemeClr val="accent1"/>
+          </a:effectRef>
+          <a:fontRef idx="minor">
+            <a:schemeClr val="lt1"/>
+          </a:fontRef>
+        </p:style>
+        <p:txBody>
+          <a:bodyPr rtlCol="0" anchor="ctr"/>
           <a:lstStyle/>
           <a:p>
             <a:pPr lvl="1"/>
             <a:r>
-              <a:rPr lang="en-AU" sz="3600" dirty="0" err="1">
+              <a:rPr lang="en-AU" sz="3600" dirty="0" err="1" smtClean="0">
                 <a:solidFill>
                   <a:schemeClr val="bg1"/>
                 </a:solidFill>
@@ -6635,7 +6993,7 @@
       </p:sp>
       <p:pic>
         <p:nvPicPr>
-          <p:cNvPr id="4" name="Picture 2" descr="D:\Anodiam\Docs\ProjectExecution\BA\ImageResources\AnodiamLogoReverseColorRightAligned.bmp"/>
+          <p:cNvPr id="5" name="Picture 2" descr="D:\Anodiam\Docs\ProjectExecution\BA\ImageResources\AnodiamLogoReverseColorRightAligned.bmp"/>
           <p:cNvPicPr>
             <a:picLocks noChangeAspect="1" noChangeArrowheads="1"/>
           </p:cNvPicPr>
@@ -6656,7 +7014,7 @@
         </p:blipFill>
         <p:spPr bwMode="auto">
           <a:xfrm>
-            <a:off x="568355" y="404664"/>
+            <a:off x="107504" y="471528"/>
             <a:ext cx="475253" cy="509200"/>
           </a:xfrm>
           <a:prstGeom prst="rect">
@@ -6676,6 +7034,1052 @@
       </p:pic>
       <p:sp>
         <p:nvSpPr>
+          <p:cNvPr id="6" name="Rectangle 5"/>
+          <p:cNvSpPr/>
+          <p:nvPr/>
+        </p:nvSpPr>
+        <p:spPr>
+          <a:xfrm>
+            <a:off x="0" y="6514719"/>
+            <a:ext cx="9144000" cy="370665"/>
+          </a:xfrm>
+          <a:prstGeom prst="rect">
+            <a:avLst/>
+          </a:prstGeom>
+          <a:solidFill>
+            <a:srgbClr val="0F0F7F"/>
+          </a:solidFill>
+        </p:spPr>
+        <p:style>
+          <a:lnRef idx="2">
+            <a:schemeClr val="accent1">
+              <a:shade val="50000"/>
+            </a:schemeClr>
+          </a:lnRef>
+          <a:fillRef idx="1">
+            <a:schemeClr val="accent1"/>
+          </a:fillRef>
+          <a:effectRef idx="0">
+            <a:schemeClr val="accent1"/>
+          </a:effectRef>
+          <a:fontRef idx="minor">
+            <a:schemeClr val="lt1"/>
+          </a:fontRef>
+        </p:style>
+        <p:txBody>
+          <a:bodyPr lIns="180000" rIns="180000" bIns="108000" rtlCol="0" anchor="ctr">
+            <a:spAutoFit/>
+          </a:bodyPr>
+          <a:lstStyle/>
+          <a:p>
+            <a:pPr algn="ctr"/>
+            <a:r>
+              <a:rPr lang="en-AU" sz="1400" b="1" dirty="0" smtClean="0">
+                <a:solidFill>
+                  <a:srgbClr val="FFFFFF"/>
+                </a:solidFill>
+                <a:latin typeface="Cooper Black" panose="0208090404030B020404" pitchFamily="18" charset="0"/>
+              </a:rPr>
+              <a:t>© </a:t>
+            </a:r>
+            <a:r>
+              <a:rPr lang="en-AU" sz="1400" b="1" dirty="0" smtClean="0">
+                <a:solidFill>
+                  <a:srgbClr val="FFFFFF"/>
+                </a:solidFill>
+                <a:latin typeface="Arial" panose="020B0604020202020204" pitchFamily="34" charset="0"/>
+                <a:cs typeface="Arial" panose="020B0604020202020204" pitchFamily="34" charset="0"/>
+              </a:rPr>
+              <a:t>2020</a:t>
+            </a:r>
+            <a:r>
+              <a:rPr lang="en-AU" sz="1400" b="1" dirty="0" smtClean="0">
+                <a:solidFill>
+                  <a:srgbClr val="FFFFFF"/>
+                </a:solidFill>
+                <a:latin typeface="Cooper Black" panose="0208090404030B020404" pitchFamily="18" charset="0"/>
+              </a:rPr>
+              <a:t>  </a:t>
+            </a:r>
+            <a:r>
+              <a:rPr lang="en-AU" sz="1400" b="1" dirty="0" smtClean="0">
+                <a:solidFill>
+                  <a:srgbClr val="FFFFFF"/>
+                </a:solidFill>
+                <a:latin typeface="Arial" panose="020B0604020202020204" pitchFamily="34" charset="0"/>
+                <a:cs typeface="Arial" panose="020B0604020202020204" pitchFamily="34" charset="0"/>
+              </a:rPr>
+              <a:t>Anodia</a:t>
+            </a:r>
+            <a:r>
+              <a:rPr lang="en-AU" sz="1400" b="1" dirty="0">
+                <a:solidFill>
+                  <a:srgbClr val="FFFFFF"/>
+                </a:solidFill>
+                <a:latin typeface="Arial" panose="020B0604020202020204" pitchFamily="34" charset="0"/>
+                <a:cs typeface="Arial" panose="020B0604020202020204" pitchFamily="34" charset="0"/>
+              </a:rPr>
+              <a:t>m</a:t>
+            </a:r>
+            <a:r>
+              <a:rPr lang="en-AU" sz="1400" b="1" dirty="0" smtClean="0">
+                <a:solidFill>
+                  <a:srgbClr val="FFFFFF"/>
+                </a:solidFill>
+                <a:latin typeface="Cooper Black" panose="0208090404030B020404" pitchFamily="18" charset="0"/>
+              </a:rPr>
+              <a:t>  </a:t>
+            </a:r>
+            <a:r>
+              <a:rPr lang="en-AU" sz="1400" b="1" dirty="0" smtClean="0">
+                <a:solidFill>
+                  <a:srgbClr val="FFFFFF"/>
+                </a:solidFill>
+                <a:latin typeface="Arial" panose="020B0604020202020204" pitchFamily="34" charset="0"/>
+                <a:cs typeface="Arial" panose="020B0604020202020204" pitchFamily="34" charset="0"/>
+              </a:rPr>
+              <a:t>All rights reserved</a:t>
+            </a:r>
+            <a:endParaRPr lang="en-AU" sz="1400" b="1" dirty="0">
+              <a:solidFill>
+                <a:srgbClr val="FFFFFF"/>
+              </a:solidFill>
+              <a:latin typeface="Arial" panose="020B0604020202020204" pitchFamily="34" charset="0"/>
+              <a:cs typeface="Arial" panose="020B0604020202020204" pitchFamily="34" charset="0"/>
+            </a:endParaRPr>
+          </a:p>
+        </p:txBody>
+      </p:sp>
+      <p:sp>
+        <p:nvSpPr>
+          <p:cNvPr id="7" name="Rectangle 6"/>
+          <p:cNvSpPr/>
+          <p:nvPr/>
+        </p:nvSpPr>
+        <p:spPr>
+          <a:xfrm>
+            <a:off x="2987824" y="546537"/>
+            <a:ext cx="2520280" cy="437192"/>
+          </a:xfrm>
+          <a:prstGeom prst="rect">
+            <a:avLst/>
+          </a:prstGeom>
+          <a:ln>
+            <a:solidFill>
+              <a:srgbClr val="6F6FEF"/>
+            </a:solidFill>
+          </a:ln>
+        </p:spPr>
+        <p:style>
+          <a:lnRef idx="2">
+            <a:schemeClr val="dk1"/>
+          </a:lnRef>
+          <a:fillRef idx="1">
+            <a:schemeClr val="lt1"/>
+          </a:fillRef>
+          <a:effectRef idx="0">
+            <a:schemeClr val="dk1"/>
+          </a:effectRef>
+          <a:fontRef idx="minor">
+            <a:schemeClr val="dk1"/>
+          </a:fontRef>
+        </p:style>
+        <p:txBody>
+          <a:bodyPr rtlCol="0" anchor="ctr"/>
+          <a:lstStyle/>
+          <a:p>
+            <a:pPr algn="ctr"/>
+            <a:r>
+              <a:rPr lang="en-AU" sz="1600" dirty="0" smtClean="0">
+                <a:solidFill>
+                  <a:srgbClr val="BFBFFF"/>
+                </a:solidFill>
+                <a:latin typeface="Arial" panose="020B0604020202020204" pitchFamily="34" charset="0"/>
+                <a:cs typeface="Arial" panose="020B0604020202020204" pitchFamily="34" charset="0"/>
+              </a:rPr>
+              <a:t>Type Here</a:t>
+            </a:r>
+            <a:endParaRPr lang="en-AU" sz="1600" dirty="0">
+              <a:solidFill>
+                <a:srgbClr val="BFBFFF"/>
+              </a:solidFill>
+              <a:latin typeface="Arial" panose="020B0604020202020204" pitchFamily="34" charset="0"/>
+              <a:cs typeface="Arial" panose="020B0604020202020204" pitchFamily="34" charset="0"/>
+            </a:endParaRPr>
+          </a:p>
+        </p:txBody>
+      </p:sp>
+      <p:sp>
+        <p:nvSpPr>
+          <p:cNvPr id="8" name="Rectangle 7"/>
+          <p:cNvSpPr/>
+          <p:nvPr/>
+        </p:nvSpPr>
+        <p:spPr>
+          <a:xfrm>
+            <a:off x="6592161" y="580467"/>
+            <a:ext cx="184730" cy="369332"/>
+          </a:xfrm>
+          <a:prstGeom prst="rect">
+            <a:avLst/>
+          </a:prstGeom>
+        </p:spPr>
+        <p:txBody>
+          <a:bodyPr wrap="none">
+            <a:spAutoFit/>
+          </a:bodyPr>
+          <a:lstStyle/>
+          <a:p>
+            <a:pPr algn="ctr"/>
+            <a:endParaRPr lang="en-AU" b="1" dirty="0">
+              <a:solidFill>
+                <a:srgbClr val="0F0F7F"/>
+              </a:solidFill>
+              <a:latin typeface="Arial" panose="020B0604020202020204" pitchFamily="34" charset="0"/>
+              <a:cs typeface="Arial" panose="020B0604020202020204" pitchFamily="34" charset="0"/>
+            </a:endParaRPr>
+          </a:p>
+        </p:txBody>
+      </p:sp>
+      <p:sp>
+        <p:nvSpPr>
+          <p:cNvPr id="10" name="TextBox 9"/>
+          <p:cNvSpPr txBox="1"/>
+          <p:nvPr/>
+        </p:nvSpPr>
+        <p:spPr>
+          <a:xfrm>
+            <a:off x="6012160" y="726128"/>
+            <a:ext cx="2880320" cy="369332"/>
+          </a:xfrm>
+          <a:prstGeom prst="rect">
+            <a:avLst/>
+          </a:prstGeom>
+          <a:noFill/>
+        </p:spPr>
+        <p:txBody>
+          <a:bodyPr wrap="square" rtlCol="0">
+            <a:spAutoFit/>
+          </a:bodyPr>
+          <a:lstStyle/>
+          <a:p>
+            <a:r>
+              <a:rPr lang="en-AU" b="1" dirty="0" smtClean="0">
+                <a:solidFill>
+                  <a:srgbClr val="0F0F7F"/>
+                </a:solidFill>
+                <a:latin typeface="Arial" panose="020B0604020202020204" pitchFamily="34" charset="0"/>
+                <a:cs typeface="Arial" panose="020B0604020202020204" pitchFamily="34" charset="0"/>
+              </a:rPr>
+              <a:t>Sign Up               Login</a:t>
+            </a:r>
+            <a:endParaRPr lang="en-AU" b="1" dirty="0">
+              <a:solidFill>
+                <a:srgbClr val="0F0F7F"/>
+              </a:solidFill>
+              <a:latin typeface="Arial" panose="020B0604020202020204" pitchFamily="34" charset="0"/>
+              <a:cs typeface="Arial" panose="020B0604020202020204" pitchFamily="34" charset="0"/>
+            </a:endParaRPr>
+          </a:p>
+        </p:txBody>
+      </p:sp>
+      <p:pic>
+        <p:nvPicPr>
+          <p:cNvPr id="1026" name="Picture 2"/>
+          <p:cNvPicPr>
+            <a:picLocks noChangeAspect="1" noChangeArrowheads="1"/>
+          </p:cNvPicPr>
+          <p:nvPr/>
+        </p:nvPicPr>
+        <p:blipFill>
+          <a:blip r:embed="rId3">
+            <a:extLst>
+              <a:ext uri="{28A0092B-C50C-407E-A947-70E740481C1C}">
+                <a14:useLocalDpi xmlns:a14="http://schemas.microsoft.com/office/drawing/2010/main" val="0"/>
+              </a:ext>
+            </a:extLst>
+          </a:blip>
+          <a:srcRect/>
+          <a:stretch>
+            <a:fillRect/>
+          </a:stretch>
+        </p:blipFill>
+        <p:spPr bwMode="auto">
+          <a:xfrm>
+            <a:off x="17169" y="4315203"/>
+            <a:ext cx="9132887" cy="1994117"/>
+          </a:xfrm>
+          <a:prstGeom prst="rect">
+            <a:avLst/>
+          </a:prstGeom>
+          <a:noFill/>
+          <a:ln>
+            <a:noFill/>
+          </a:ln>
+          <a:extLst>
+            <a:ext uri="{909E8E84-426E-40DD-AFC4-6F175D3DCCD1}">
+              <a14:hiddenFill xmlns:a14="http://schemas.microsoft.com/office/drawing/2010/main">
+                <a:solidFill>
+                  <a:schemeClr val="accent1"/>
+                </a:solidFill>
+              </a14:hiddenFill>
+            </a:ext>
+            <a:ext uri="{91240B29-F687-4F45-9708-019B960494DF}">
+              <a14:hiddenLine xmlns:a14="http://schemas.microsoft.com/office/drawing/2010/main" w="9525">
+                <a:solidFill>
+                  <a:schemeClr val="tx1"/>
+                </a:solidFill>
+                <a:miter lim="800000"/>
+                <a:headEnd/>
+                <a:tailEnd/>
+              </a14:hiddenLine>
+            </a:ext>
+          </a:extLst>
+        </p:spPr>
+      </p:pic>
+      <p:pic>
+        <p:nvPicPr>
+          <p:cNvPr id="1027" name="Picture 3"/>
+          <p:cNvPicPr>
+            <a:picLocks noChangeAspect="1" noChangeArrowheads="1"/>
+          </p:cNvPicPr>
+          <p:nvPr/>
+        </p:nvPicPr>
+        <p:blipFill>
+          <a:blip r:embed="rId4">
+            <a:extLst>
+              <a:ext uri="{28A0092B-C50C-407E-A947-70E740481C1C}">
+                <a14:useLocalDpi xmlns:a14="http://schemas.microsoft.com/office/drawing/2010/main" val="0"/>
+              </a:ext>
+            </a:extLst>
+          </a:blip>
+          <a:srcRect/>
+          <a:stretch>
+            <a:fillRect/>
+          </a:stretch>
+        </p:blipFill>
+        <p:spPr bwMode="auto">
+          <a:xfrm>
+            <a:off x="1300861" y="1484784"/>
+            <a:ext cx="6576616" cy="2625226"/>
+          </a:xfrm>
+          <a:prstGeom prst="rect">
+            <a:avLst/>
+          </a:prstGeom>
+          <a:noFill/>
+          <a:ln>
+            <a:noFill/>
+          </a:ln>
+          <a:extLst>
+            <a:ext uri="{909E8E84-426E-40DD-AFC4-6F175D3DCCD1}">
+              <a14:hiddenFill xmlns:a14="http://schemas.microsoft.com/office/drawing/2010/main">
+                <a:solidFill>
+                  <a:schemeClr val="accent1"/>
+                </a:solidFill>
+              </a14:hiddenFill>
+            </a:ext>
+            <a:ext uri="{91240B29-F687-4F45-9708-019B960494DF}">
+              <a14:hiddenLine xmlns:a14="http://schemas.microsoft.com/office/drawing/2010/main" w="9525">
+                <a:solidFill>
+                  <a:schemeClr val="tx1"/>
+                </a:solidFill>
+                <a:miter lim="800000"/>
+                <a:headEnd/>
+                <a:tailEnd/>
+              </a14:hiddenLine>
+            </a:ext>
+          </a:extLst>
+        </p:spPr>
+      </p:pic>
+      <p:cxnSp>
+        <p:nvCxnSpPr>
+          <p:cNvPr id="12" name="Straight Arrow Connector 11"/>
+          <p:cNvCxnSpPr/>
+          <p:nvPr/>
+        </p:nvCxnSpPr>
+        <p:spPr>
+          <a:xfrm>
+            <a:off x="8172400" y="1269189"/>
+            <a:ext cx="0" cy="2840821"/>
+          </a:xfrm>
+          <a:prstGeom prst="straightConnector1">
+            <a:avLst/>
+          </a:prstGeom>
+          <a:ln>
+            <a:solidFill>
+              <a:schemeClr val="bg1"/>
+            </a:solidFill>
+            <a:headEnd type="arrow"/>
+            <a:tailEnd type="arrow"/>
+          </a:ln>
+        </p:spPr>
+        <p:style>
+          <a:lnRef idx="1">
+            <a:schemeClr val="accent1"/>
+          </a:lnRef>
+          <a:fillRef idx="0">
+            <a:schemeClr val="accent1"/>
+          </a:fillRef>
+          <a:effectRef idx="0">
+            <a:schemeClr val="accent1"/>
+          </a:effectRef>
+          <a:fontRef idx="minor">
+            <a:schemeClr val="tx1"/>
+          </a:fontRef>
+        </p:style>
+      </p:cxnSp>
+      <p:sp>
+        <p:nvSpPr>
+          <p:cNvPr id="13" name="Rectangle 12"/>
+          <p:cNvSpPr/>
+          <p:nvPr/>
+        </p:nvSpPr>
+        <p:spPr>
+          <a:xfrm>
+            <a:off x="8172400" y="1700808"/>
+            <a:ext cx="988769" cy="1944216"/>
+          </a:xfrm>
+          <a:prstGeom prst="rect">
+            <a:avLst/>
+          </a:prstGeom>
+          <a:solidFill>
+            <a:schemeClr val="accent2">
+              <a:lumMod val="60000"/>
+              <a:lumOff val="40000"/>
+            </a:schemeClr>
+          </a:solidFill>
+        </p:spPr>
+        <p:style>
+          <a:lnRef idx="2">
+            <a:schemeClr val="accent1">
+              <a:shade val="50000"/>
+            </a:schemeClr>
+          </a:lnRef>
+          <a:fillRef idx="1">
+            <a:schemeClr val="accent1"/>
+          </a:fillRef>
+          <a:effectRef idx="0">
+            <a:schemeClr val="accent1"/>
+          </a:effectRef>
+          <a:fontRef idx="minor">
+            <a:schemeClr val="lt1"/>
+          </a:fontRef>
+        </p:style>
+        <p:txBody>
+          <a:bodyPr rtlCol="0" anchor="ctr"/>
+          <a:lstStyle/>
+          <a:p>
+            <a:r>
+              <a:rPr lang="en-AU" sz="1600" dirty="0" smtClean="0"/>
+              <a:t>Carousel with notes will display one by one within 4 sec</a:t>
+            </a:r>
+            <a:endParaRPr lang="en-AU" sz="1600" dirty="0"/>
+          </a:p>
+        </p:txBody>
+      </p:sp>
+      <p:cxnSp>
+        <p:nvCxnSpPr>
+          <p:cNvPr id="16" name="Straight Arrow Connector 15"/>
+          <p:cNvCxnSpPr/>
+          <p:nvPr/>
+        </p:nvCxnSpPr>
+        <p:spPr>
+          <a:xfrm>
+            <a:off x="251520" y="4315202"/>
+            <a:ext cx="0" cy="2181225"/>
+          </a:xfrm>
+          <a:prstGeom prst="straightConnector1">
+            <a:avLst/>
+          </a:prstGeom>
+          <a:ln>
+            <a:solidFill>
+              <a:schemeClr val="bg1"/>
+            </a:solidFill>
+            <a:headEnd type="arrow"/>
+            <a:tailEnd type="arrow"/>
+          </a:ln>
+        </p:spPr>
+        <p:style>
+          <a:lnRef idx="1">
+            <a:schemeClr val="accent1"/>
+          </a:lnRef>
+          <a:fillRef idx="0">
+            <a:schemeClr val="accent1"/>
+          </a:fillRef>
+          <a:effectRef idx="0">
+            <a:schemeClr val="accent1"/>
+          </a:effectRef>
+          <a:fontRef idx="minor">
+            <a:schemeClr val="tx1"/>
+          </a:fontRef>
+        </p:style>
+      </p:cxnSp>
+      <p:sp>
+        <p:nvSpPr>
+          <p:cNvPr id="17" name="Rectangle 16"/>
+          <p:cNvSpPr/>
+          <p:nvPr/>
+        </p:nvSpPr>
+        <p:spPr>
+          <a:xfrm>
+            <a:off x="345130" y="5384082"/>
+            <a:ext cx="1049341" cy="1090612"/>
+          </a:xfrm>
+          <a:prstGeom prst="rect">
+            <a:avLst/>
+          </a:prstGeom>
+          <a:solidFill>
+            <a:schemeClr val="accent2">
+              <a:lumMod val="60000"/>
+              <a:lumOff val="40000"/>
+            </a:schemeClr>
+          </a:solidFill>
+        </p:spPr>
+        <p:style>
+          <a:lnRef idx="2">
+            <a:schemeClr val="accent1">
+              <a:shade val="50000"/>
+            </a:schemeClr>
+          </a:lnRef>
+          <a:fillRef idx="1">
+            <a:schemeClr val="accent1"/>
+          </a:fillRef>
+          <a:effectRef idx="0">
+            <a:schemeClr val="accent1"/>
+          </a:effectRef>
+          <a:fontRef idx="minor">
+            <a:schemeClr val="lt1"/>
+          </a:fontRef>
+        </p:style>
+        <p:txBody>
+          <a:bodyPr rtlCol="0" anchor="ctr"/>
+          <a:lstStyle/>
+          <a:p>
+            <a:pPr algn="ctr"/>
+            <a:r>
+              <a:rPr lang="en-AU" sz="1400" dirty="0" smtClean="0"/>
+              <a:t>Carousel will display 3 featured courses  at a time </a:t>
+            </a:r>
+            <a:endParaRPr lang="en-AU" sz="1400" dirty="0"/>
+          </a:p>
+        </p:txBody>
+      </p:sp>
+      <p:cxnSp>
+        <p:nvCxnSpPr>
+          <p:cNvPr id="11" name="Straight Arrow Connector 10"/>
+          <p:cNvCxnSpPr/>
+          <p:nvPr/>
+        </p:nvCxnSpPr>
+        <p:spPr>
+          <a:xfrm>
+            <a:off x="5220072" y="4110010"/>
+            <a:ext cx="0" cy="205192"/>
+          </a:xfrm>
+          <a:prstGeom prst="straightConnector1">
+            <a:avLst/>
+          </a:prstGeom>
+          <a:ln>
+            <a:solidFill>
+              <a:schemeClr val="bg1"/>
+            </a:solidFill>
+            <a:headEnd type="arrow"/>
+            <a:tailEnd type="arrow"/>
+          </a:ln>
+        </p:spPr>
+        <p:style>
+          <a:lnRef idx="1">
+            <a:schemeClr val="accent1"/>
+          </a:lnRef>
+          <a:fillRef idx="0">
+            <a:schemeClr val="accent1"/>
+          </a:fillRef>
+          <a:effectRef idx="0">
+            <a:schemeClr val="accent1"/>
+          </a:effectRef>
+          <a:fontRef idx="minor">
+            <a:schemeClr val="tx1"/>
+          </a:fontRef>
+        </p:style>
+      </p:cxnSp>
+      <p:sp>
+        <p:nvSpPr>
+          <p:cNvPr id="14" name="Rectangle 13"/>
+          <p:cNvSpPr/>
+          <p:nvPr/>
+        </p:nvSpPr>
+        <p:spPr>
+          <a:xfrm>
+            <a:off x="4427984" y="4110010"/>
+            <a:ext cx="720080" cy="205192"/>
+          </a:xfrm>
+          <a:prstGeom prst="rect">
+            <a:avLst/>
+          </a:prstGeom>
+          <a:solidFill>
+            <a:schemeClr val="accent2">
+              <a:lumMod val="60000"/>
+              <a:lumOff val="40000"/>
+            </a:schemeClr>
+          </a:solidFill>
+        </p:spPr>
+        <p:style>
+          <a:lnRef idx="2">
+            <a:schemeClr val="accent1">
+              <a:shade val="50000"/>
+            </a:schemeClr>
+          </a:lnRef>
+          <a:fillRef idx="1">
+            <a:schemeClr val="accent1"/>
+          </a:fillRef>
+          <a:effectRef idx="0">
+            <a:schemeClr val="accent1"/>
+          </a:effectRef>
+          <a:fontRef idx="minor">
+            <a:schemeClr val="lt1"/>
+          </a:fontRef>
+        </p:style>
+        <p:txBody>
+          <a:bodyPr rtlCol="0" anchor="ctr"/>
+          <a:lstStyle/>
+          <a:p>
+            <a:pPr algn="ctr"/>
+            <a:r>
+              <a:rPr lang="en-AU" sz="1600" dirty="0" smtClean="0"/>
+              <a:t>10px</a:t>
+            </a:r>
+            <a:endParaRPr lang="en-AU" sz="1600" dirty="0"/>
+          </a:p>
+        </p:txBody>
+      </p:sp>
+      <p:cxnSp>
+        <p:nvCxnSpPr>
+          <p:cNvPr id="18" name="Straight Arrow Connector 17"/>
+          <p:cNvCxnSpPr/>
+          <p:nvPr/>
+        </p:nvCxnSpPr>
+        <p:spPr>
+          <a:xfrm>
+            <a:off x="0" y="2060848"/>
+            <a:ext cx="1300861" cy="0"/>
+          </a:xfrm>
+          <a:prstGeom prst="straightConnector1">
+            <a:avLst/>
+          </a:prstGeom>
+          <a:ln>
+            <a:solidFill>
+              <a:schemeClr val="bg1"/>
+            </a:solidFill>
+            <a:headEnd type="arrow"/>
+            <a:tailEnd type="arrow"/>
+          </a:ln>
+        </p:spPr>
+        <p:style>
+          <a:lnRef idx="1">
+            <a:schemeClr val="accent1"/>
+          </a:lnRef>
+          <a:fillRef idx="0">
+            <a:schemeClr val="accent1"/>
+          </a:fillRef>
+          <a:effectRef idx="0">
+            <a:schemeClr val="accent1"/>
+          </a:effectRef>
+          <a:fontRef idx="minor">
+            <a:schemeClr val="tx1"/>
+          </a:fontRef>
+        </p:style>
+      </p:cxnSp>
+      <p:sp>
+        <p:nvSpPr>
+          <p:cNvPr id="19" name="Rectangle 18"/>
+          <p:cNvSpPr/>
+          <p:nvPr/>
+        </p:nvSpPr>
+        <p:spPr>
+          <a:xfrm>
+            <a:off x="17169" y="2204864"/>
+            <a:ext cx="1170455" cy="216024"/>
+          </a:xfrm>
+          <a:prstGeom prst="rect">
+            <a:avLst/>
+          </a:prstGeom>
+          <a:solidFill>
+            <a:schemeClr val="accent2">
+              <a:lumMod val="60000"/>
+              <a:lumOff val="40000"/>
+            </a:schemeClr>
+          </a:solidFill>
+        </p:spPr>
+        <p:style>
+          <a:lnRef idx="2">
+            <a:schemeClr val="accent1">
+              <a:shade val="50000"/>
+            </a:schemeClr>
+          </a:lnRef>
+          <a:fillRef idx="1">
+            <a:schemeClr val="accent1"/>
+          </a:fillRef>
+          <a:effectRef idx="0">
+            <a:schemeClr val="accent1"/>
+          </a:effectRef>
+          <a:fontRef idx="minor">
+            <a:schemeClr val="lt1"/>
+          </a:fontRef>
+        </p:style>
+        <p:txBody>
+          <a:bodyPr rtlCol="0" anchor="ctr"/>
+          <a:lstStyle/>
+          <a:p>
+            <a:pPr algn="ctr"/>
+            <a:r>
+              <a:rPr lang="en-AU" sz="1600" dirty="0" smtClean="0"/>
+              <a:t>50 </a:t>
+            </a:r>
+            <a:r>
+              <a:rPr lang="en-AU" sz="1600" dirty="0" err="1" smtClean="0"/>
+              <a:t>px</a:t>
+            </a:r>
+            <a:endParaRPr lang="en-AU" sz="1600" dirty="0"/>
+          </a:p>
+        </p:txBody>
+      </p:sp>
+      <p:cxnSp>
+        <p:nvCxnSpPr>
+          <p:cNvPr id="22" name="Straight Arrow Connector 21"/>
+          <p:cNvCxnSpPr/>
+          <p:nvPr/>
+        </p:nvCxnSpPr>
+        <p:spPr>
+          <a:xfrm>
+            <a:off x="3275856" y="1269189"/>
+            <a:ext cx="0" cy="205192"/>
+          </a:xfrm>
+          <a:prstGeom prst="straightConnector1">
+            <a:avLst/>
+          </a:prstGeom>
+          <a:ln>
+            <a:solidFill>
+              <a:schemeClr val="bg1"/>
+            </a:solidFill>
+            <a:headEnd type="arrow"/>
+            <a:tailEnd type="arrow"/>
+          </a:ln>
+        </p:spPr>
+        <p:style>
+          <a:lnRef idx="1">
+            <a:schemeClr val="accent1"/>
+          </a:lnRef>
+          <a:fillRef idx="0">
+            <a:schemeClr val="accent1"/>
+          </a:fillRef>
+          <a:effectRef idx="0">
+            <a:schemeClr val="accent1"/>
+          </a:effectRef>
+          <a:fontRef idx="minor">
+            <a:schemeClr val="tx1"/>
+          </a:fontRef>
+        </p:style>
+      </p:cxnSp>
+      <p:sp>
+        <p:nvSpPr>
+          <p:cNvPr id="23" name="Rectangle 22"/>
+          <p:cNvSpPr/>
+          <p:nvPr/>
+        </p:nvSpPr>
+        <p:spPr>
+          <a:xfrm>
+            <a:off x="3347864" y="1269189"/>
+            <a:ext cx="720080" cy="205192"/>
+          </a:xfrm>
+          <a:prstGeom prst="rect">
+            <a:avLst/>
+          </a:prstGeom>
+          <a:solidFill>
+            <a:schemeClr val="accent2">
+              <a:lumMod val="60000"/>
+              <a:lumOff val="40000"/>
+            </a:schemeClr>
+          </a:solidFill>
+        </p:spPr>
+        <p:style>
+          <a:lnRef idx="2">
+            <a:schemeClr val="accent1">
+              <a:shade val="50000"/>
+            </a:schemeClr>
+          </a:lnRef>
+          <a:fillRef idx="1">
+            <a:schemeClr val="accent1"/>
+          </a:fillRef>
+          <a:effectRef idx="0">
+            <a:schemeClr val="accent1"/>
+          </a:effectRef>
+          <a:fontRef idx="minor">
+            <a:schemeClr val="lt1"/>
+          </a:fontRef>
+        </p:style>
+        <p:txBody>
+          <a:bodyPr rtlCol="0" anchor="ctr"/>
+          <a:lstStyle/>
+          <a:p>
+            <a:pPr algn="ctr"/>
+            <a:r>
+              <a:rPr lang="en-AU" sz="1600" dirty="0" smtClean="0"/>
+              <a:t>10px</a:t>
+            </a:r>
+            <a:endParaRPr lang="en-AU" sz="1600" dirty="0"/>
+          </a:p>
+        </p:txBody>
+      </p:sp>
+      <p:cxnSp>
+        <p:nvCxnSpPr>
+          <p:cNvPr id="24" name="Straight Arrow Connector 23"/>
+          <p:cNvCxnSpPr/>
+          <p:nvPr/>
+        </p:nvCxnSpPr>
+        <p:spPr>
+          <a:xfrm>
+            <a:off x="5372472" y="6237312"/>
+            <a:ext cx="0" cy="259115"/>
+          </a:xfrm>
+          <a:prstGeom prst="straightConnector1">
+            <a:avLst/>
+          </a:prstGeom>
+          <a:ln>
+            <a:solidFill>
+              <a:schemeClr val="bg1"/>
+            </a:solidFill>
+            <a:headEnd type="arrow"/>
+            <a:tailEnd type="arrow"/>
+          </a:ln>
+        </p:spPr>
+        <p:style>
+          <a:lnRef idx="1">
+            <a:schemeClr val="accent1"/>
+          </a:lnRef>
+          <a:fillRef idx="0">
+            <a:schemeClr val="accent1"/>
+          </a:fillRef>
+          <a:effectRef idx="0">
+            <a:schemeClr val="accent1"/>
+          </a:effectRef>
+          <a:fontRef idx="minor">
+            <a:schemeClr val="tx1"/>
+          </a:fontRef>
+        </p:style>
+      </p:cxnSp>
+      <p:sp>
+        <p:nvSpPr>
+          <p:cNvPr id="25" name="Rectangle 24"/>
+          <p:cNvSpPr/>
+          <p:nvPr/>
+        </p:nvSpPr>
+        <p:spPr>
+          <a:xfrm>
+            <a:off x="4580384" y="6320152"/>
+            <a:ext cx="720080" cy="205192"/>
+          </a:xfrm>
+          <a:prstGeom prst="rect">
+            <a:avLst/>
+          </a:prstGeom>
+          <a:solidFill>
+            <a:schemeClr val="accent2">
+              <a:lumMod val="60000"/>
+              <a:lumOff val="40000"/>
+            </a:schemeClr>
+          </a:solidFill>
+        </p:spPr>
+        <p:style>
+          <a:lnRef idx="2">
+            <a:schemeClr val="accent1">
+              <a:shade val="50000"/>
+            </a:schemeClr>
+          </a:lnRef>
+          <a:fillRef idx="1">
+            <a:schemeClr val="accent1"/>
+          </a:fillRef>
+          <a:effectRef idx="0">
+            <a:schemeClr val="accent1"/>
+          </a:effectRef>
+          <a:fontRef idx="minor">
+            <a:schemeClr val="lt1"/>
+          </a:fontRef>
+        </p:style>
+        <p:txBody>
+          <a:bodyPr rtlCol="0" anchor="ctr"/>
+          <a:lstStyle/>
+          <a:p>
+            <a:pPr algn="ctr"/>
+            <a:r>
+              <a:rPr lang="en-AU" sz="1600" dirty="0" smtClean="0"/>
+              <a:t>10px</a:t>
+            </a:r>
+            <a:endParaRPr lang="en-AU" sz="1600" dirty="0"/>
+          </a:p>
+        </p:txBody>
+      </p:sp>
+    </p:spTree>
+    <p:extLst>
+      <p:ext uri="{BB962C8B-B14F-4D97-AF65-F5344CB8AC3E}">
+        <p14:creationId xmlns:p14="http://schemas.microsoft.com/office/powerpoint/2010/main" val="1912319321"/>
+      </p:ext>
+    </p:extLst>
+  </p:cSld>
+  <p:clrMapOvr>
+    <a:masterClrMapping/>
+  </p:clrMapOvr>
+</p:sld>
+</file>
+
+<file path=ppt/slides/slide4.xml><?xml version="1.0" encoding="utf-8"?>
+<p:sld xmlns:a="http://schemas.openxmlformats.org/drawingml/2006/main" xmlns:r="http://schemas.openxmlformats.org/officeDocument/2006/relationships" xmlns:p="http://schemas.openxmlformats.org/presentationml/2006/main">
+  <p:cSld>
+    <p:spTree>
+      <p:nvGrpSpPr>
+        <p:cNvPr id="1" name=""/>
+        <p:cNvGrpSpPr/>
+        <p:nvPr/>
+      </p:nvGrpSpPr>
+      <p:grpSpPr>
+        <a:xfrm>
+          <a:off x="0" y="0"/>
+          <a:ext cx="0" cy="0"/>
+          <a:chOff x="0" y="0"/>
+          <a:chExt cx="0" cy="0"/>
+        </a:xfrm>
+      </p:grpSpPr>
+      <p:sp>
+        <p:nvSpPr>
+          <p:cNvPr id="2" name="Rectangle 1"/>
+          <p:cNvSpPr/>
+          <p:nvPr/>
+        </p:nvSpPr>
+        <p:spPr>
+          <a:xfrm>
+            <a:off x="-30299" y="0"/>
+            <a:ext cx="9161169" cy="6858000"/>
+          </a:xfrm>
+          <a:prstGeom prst="rect">
+            <a:avLst/>
+          </a:prstGeom>
+          <a:solidFill>
+            <a:srgbClr val="DFDFFF"/>
+          </a:solidFill>
+          <a:ln>
+            <a:noFill/>
+          </a:ln>
+        </p:spPr>
+        <p:style>
+          <a:lnRef idx="2">
+            <a:schemeClr val="accent1">
+              <a:shade val="50000"/>
+            </a:schemeClr>
+          </a:lnRef>
+          <a:fillRef idx="1">
+            <a:schemeClr val="accent1"/>
+          </a:fillRef>
+          <a:effectRef idx="0">
+            <a:schemeClr val="accent1"/>
+          </a:effectRef>
+          <a:fontRef idx="minor">
+            <a:schemeClr val="lt1"/>
+          </a:fontRef>
+        </p:style>
+        <p:txBody>
+          <a:bodyPr rtlCol="0" anchor="ctr"/>
+          <a:lstStyle/>
+          <a:p>
+            <a:pPr lvl="1"/>
+            <a:endParaRPr lang="en-AU" sz="2400" dirty="0">
+              <a:solidFill>
+                <a:schemeClr val="tx2"/>
+              </a:solidFill>
+              <a:latin typeface="Cooper Black" panose="0208090404030B020404" pitchFamily="18" charset="0"/>
+            </a:endParaRPr>
+          </a:p>
+        </p:txBody>
+      </p:sp>
+      <p:sp>
+        <p:nvSpPr>
+          <p:cNvPr id="3" name="Rectangle 2"/>
+          <p:cNvSpPr/>
+          <p:nvPr/>
+        </p:nvSpPr>
+        <p:spPr>
+          <a:xfrm>
+            <a:off x="539552" y="332656"/>
+            <a:ext cx="2404826" cy="646331"/>
+          </a:xfrm>
+          <a:prstGeom prst="rect">
+            <a:avLst/>
+          </a:prstGeom>
+        </p:spPr>
+        <p:txBody>
+          <a:bodyPr wrap="none">
+            <a:spAutoFit/>
+          </a:bodyPr>
+          <a:lstStyle/>
+          <a:p>
+            <a:pPr lvl="1"/>
+            <a:r>
+              <a:rPr lang="en-AU" sz="3600" dirty="0" err="1">
+                <a:solidFill>
+                  <a:schemeClr val="bg1"/>
+                </a:solidFill>
+                <a:latin typeface="Cooper Black" panose="0208090404030B020404" pitchFamily="18" charset="0"/>
+              </a:rPr>
+              <a:t>nodiam</a:t>
+            </a:r>
+            <a:endParaRPr lang="en-AU" sz="3600" dirty="0">
+              <a:solidFill>
+                <a:schemeClr val="bg1"/>
+              </a:solidFill>
+              <a:latin typeface="Cooper Black" panose="0208090404030B020404" pitchFamily="18" charset="0"/>
+            </a:endParaRPr>
+          </a:p>
+        </p:txBody>
+      </p:sp>
+      <p:pic>
+        <p:nvPicPr>
+          <p:cNvPr id="4" name="Picture 2" descr="D:\Anodiam\Docs\ProjectExecution\BA\ImageResources\AnodiamLogoReverseColorRightAligned.bmp"/>
+          <p:cNvPicPr>
+            <a:picLocks noChangeAspect="1" noChangeArrowheads="1"/>
+          </p:cNvPicPr>
+          <p:nvPr/>
+        </p:nvPicPr>
+        <p:blipFill>
+          <a:blip r:embed="rId2">
+            <a:extLst>
+              <a:ext uri="{28A0092B-C50C-407E-A947-70E740481C1C}">
+                <a14:useLocalDpi xmlns:a14="http://schemas.microsoft.com/office/drawing/2010/main" val="0"/>
+              </a:ext>
+            </a:extLst>
+          </a:blip>
+          <a:srcRect/>
+          <a:stretch>
+            <a:fillRect/>
+          </a:stretch>
+        </p:blipFill>
+        <p:spPr bwMode="auto">
+          <a:xfrm>
+            <a:off x="568355" y="404664"/>
+            <a:ext cx="475253" cy="509200"/>
+          </a:xfrm>
+          <a:prstGeom prst="rect">
+            <a:avLst/>
+          </a:prstGeom>
+          <a:noFill/>
+          <a:extLst>
+            <a:ext uri="{909E8E84-426E-40DD-AFC4-6F175D3DCCD1}">
+              <a14:hiddenFill xmlns:a14="http://schemas.microsoft.com/office/drawing/2010/main">
+                <a:solidFill>
+                  <a:srgbClr val="FFFFFF"/>
+                </a:solidFill>
+              </a14:hiddenFill>
+            </a:ext>
+          </a:extLst>
+        </p:spPr>
+      </p:pic>
+      <p:sp>
+        <p:nvSpPr>
           <p:cNvPr id="5" name="Rectangle 4"/>
           <p:cNvSpPr/>
           <p:nvPr/>
@@ -7098,6 +8502,1298 @@
           </a:fontRef>
         </p:style>
       </p:cxnSp>
+      <p:sp>
+        <p:nvSpPr>
+          <p:cNvPr id="6" name="TextBox 5"/>
+          <p:cNvSpPr txBox="1"/>
+          <p:nvPr/>
+        </p:nvSpPr>
+        <p:spPr>
+          <a:xfrm>
+            <a:off x="323528" y="1700808"/>
+            <a:ext cx="4752528" cy="338554"/>
+          </a:xfrm>
+          <a:prstGeom prst="rect">
+            <a:avLst/>
+          </a:prstGeom>
+          <a:noFill/>
+        </p:spPr>
+        <p:txBody>
+          <a:bodyPr wrap="square" rtlCol="0">
+            <a:spAutoFit/>
+          </a:bodyPr>
+          <a:lstStyle/>
+          <a:p>
+            <a:r>
+              <a:rPr lang="en-AU" sz="1600" dirty="0" smtClean="0">
+                <a:latin typeface="Arial" panose="020B0604020202020204" pitchFamily="34" charset="0"/>
+                <a:cs typeface="Arial" panose="020B0604020202020204" pitchFamily="34" charset="0"/>
+              </a:rPr>
+              <a:t>Click on the button if you are the guardian</a:t>
+            </a:r>
+            <a:endParaRPr lang="en-AU" sz="1600" dirty="0">
+              <a:latin typeface="Arial" panose="020B0604020202020204" pitchFamily="34" charset="0"/>
+              <a:cs typeface="Arial" panose="020B0604020202020204" pitchFamily="34" charset="0"/>
+            </a:endParaRPr>
+          </a:p>
+        </p:txBody>
+      </p:sp>
+      <p:pic>
+        <p:nvPicPr>
+          <p:cNvPr id="1029" name="Picture 5"/>
+          <p:cNvPicPr>
+            <a:picLocks noChangeAspect="1" noChangeArrowheads="1"/>
+          </p:cNvPicPr>
+          <p:nvPr/>
+        </p:nvPicPr>
+        <p:blipFill>
+          <a:blip r:embed="rId3">
+            <a:extLst>
+              <a:ext uri="{28A0092B-C50C-407E-A947-70E740481C1C}">
+                <a14:useLocalDpi xmlns:a14="http://schemas.microsoft.com/office/drawing/2010/main" val="0"/>
+              </a:ext>
+            </a:extLst>
+          </a:blip>
+          <a:srcRect/>
+          <a:stretch>
+            <a:fillRect/>
+          </a:stretch>
+        </p:blipFill>
+        <p:spPr bwMode="auto">
+          <a:xfrm>
+            <a:off x="4311551" y="1665897"/>
+            <a:ext cx="704850" cy="390525"/>
+          </a:xfrm>
+          <a:prstGeom prst="rect">
+            <a:avLst/>
+          </a:prstGeom>
+          <a:noFill/>
+          <a:ln>
+            <a:noFill/>
+          </a:ln>
+          <a:extLst>
+            <a:ext uri="{909E8E84-426E-40DD-AFC4-6F175D3DCCD1}">
+              <a14:hiddenFill xmlns:a14="http://schemas.microsoft.com/office/drawing/2010/main">
+                <a:solidFill>
+                  <a:schemeClr val="accent1"/>
+                </a:solidFill>
+              </a14:hiddenFill>
+            </a:ext>
+            <a:ext uri="{91240B29-F687-4F45-9708-019B960494DF}">
+              <a14:hiddenLine xmlns:a14="http://schemas.microsoft.com/office/drawing/2010/main" w="9525">
+                <a:solidFill>
+                  <a:schemeClr val="tx1"/>
+                </a:solidFill>
+                <a:miter lim="800000"/>
+                <a:headEnd/>
+                <a:tailEnd/>
+              </a14:hiddenLine>
+            </a:ext>
+          </a:extLst>
+        </p:spPr>
+      </p:pic>
+      <p:pic>
+        <p:nvPicPr>
+          <p:cNvPr id="1031" name="Picture 7"/>
+          <p:cNvPicPr>
+            <a:picLocks noChangeAspect="1" noChangeArrowheads="1"/>
+          </p:cNvPicPr>
+          <p:nvPr/>
+        </p:nvPicPr>
+        <p:blipFill>
+          <a:blip r:embed="rId4">
+            <a:extLst>
+              <a:ext uri="{28A0092B-C50C-407E-A947-70E740481C1C}">
+                <a14:useLocalDpi xmlns:a14="http://schemas.microsoft.com/office/drawing/2010/main" val="0"/>
+              </a:ext>
+            </a:extLst>
+          </a:blip>
+          <a:srcRect/>
+          <a:stretch>
+            <a:fillRect/>
+          </a:stretch>
+        </p:blipFill>
+        <p:spPr bwMode="auto">
+          <a:xfrm>
+            <a:off x="5263544" y="1723047"/>
+            <a:ext cx="685800" cy="333375"/>
+          </a:xfrm>
+          <a:prstGeom prst="rect">
+            <a:avLst/>
+          </a:prstGeom>
+          <a:noFill/>
+          <a:ln>
+            <a:noFill/>
+          </a:ln>
+          <a:extLst>
+            <a:ext uri="{909E8E84-426E-40DD-AFC4-6F175D3DCCD1}">
+              <a14:hiddenFill xmlns:a14="http://schemas.microsoft.com/office/drawing/2010/main">
+                <a:solidFill>
+                  <a:schemeClr val="accent1"/>
+                </a:solidFill>
+              </a14:hiddenFill>
+            </a:ext>
+            <a:ext uri="{91240B29-F687-4F45-9708-019B960494DF}">
+              <a14:hiddenLine xmlns:a14="http://schemas.microsoft.com/office/drawing/2010/main" w="9525">
+                <a:solidFill>
+                  <a:schemeClr val="tx1"/>
+                </a:solidFill>
+                <a:miter lim="800000"/>
+                <a:headEnd/>
+                <a:tailEnd/>
+              </a14:hiddenLine>
+            </a:ext>
+          </a:extLst>
+        </p:spPr>
+      </p:pic>
+      <p:sp>
+        <p:nvSpPr>
+          <p:cNvPr id="14" name="TextBox 13"/>
+          <p:cNvSpPr txBox="1"/>
+          <p:nvPr/>
+        </p:nvSpPr>
+        <p:spPr>
+          <a:xfrm>
+            <a:off x="323528" y="2204864"/>
+            <a:ext cx="1872208" cy="307777"/>
+          </a:xfrm>
+          <a:prstGeom prst="rect">
+            <a:avLst/>
+          </a:prstGeom>
+          <a:noFill/>
+        </p:spPr>
+        <p:txBody>
+          <a:bodyPr wrap="square" rtlCol="0">
+            <a:spAutoFit/>
+          </a:bodyPr>
+          <a:lstStyle/>
+          <a:p>
+            <a:r>
+              <a:rPr lang="en-AU" sz="1400" dirty="0" smtClean="0">
+                <a:latin typeface="Arial" panose="020B0604020202020204" pitchFamily="34" charset="0"/>
+                <a:cs typeface="Arial" panose="020B0604020202020204" pitchFamily="34" charset="0"/>
+              </a:rPr>
+              <a:t>User Name </a:t>
+            </a:r>
+            <a:endParaRPr lang="en-AU" sz="1400" dirty="0">
+              <a:latin typeface="Arial" panose="020B0604020202020204" pitchFamily="34" charset="0"/>
+              <a:cs typeface="Arial" panose="020B0604020202020204" pitchFamily="34" charset="0"/>
+            </a:endParaRPr>
+          </a:p>
+        </p:txBody>
+      </p:sp>
+      <p:sp>
+        <p:nvSpPr>
+          <p:cNvPr id="16" name="Rectangle 15"/>
+          <p:cNvSpPr/>
+          <p:nvPr/>
+        </p:nvSpPr>
+        <p:spPr>
+          <a:xfrm>
+            <a:off x="1835696" y="2204864"/>
+            <a:ext cx="2475855" cy="338554"/>
+          </a:xfrm>
+          <a:prstGeom prst="rect">
+            <a:avLst/>
+          </a:prstGeom>
+          <a:solidFill>
+            <a:srgbClr val="FFFFFF"/>
+          </a:solidFill>
+          <a:ln>
+            <a:solidFill>
+              <a:schemeClr val="bg1"/>
+            </a:solidFill>
+          </a:ln>
+        </p:spPr>
+        <p:style>
+          <a:lnRef idx="2">
+            <a:schemeClr val="accent1">
+              <a:shade val="50000"/>
+            </a:schemeClr>
+          </a:lnRef>
+          <a:fillRef idx="1">
+            <a:schemeClr val="accent1"/>
+          </a:fillRef>
+          <a:effectRef idx="0">
+            <a:schemeClr val="accent1"/>
+          </a:effectRef>
+          <a:fontRef idx="minor">
+            <a:schemeClr val="lt1"/>
+          </a:fontRef>
+        </p:style>
+        <p:txBody>
+          <a:bodyPr rtlCol="0" anchor="ctr"/>
+          <a:lstStyle/>
+          <a:p>
+            <a:pPr algn="ctr"/>
+            <a:endParaRPr lang="en-AU"/>
+          </a:p>
+        </p:txBody>
+      </p:sp>
+      <p:sp>
+        <p:nvSpPr>
+          <p:cNvPr id="18" name="Double Bracket 17"/>
+          <p:cNvSpPr/>
+          <p:nvPr/>
+        </p:nvSpPr>
+        <p:spPr>
+          <a:xfrm>
+            <a:off x="4427985" y="2276872"/>
+            <a:ext cx="4248471" cy="266546"/>
+          </a:xfrm>
+          <a:prstGeom prst="bracketPair">
+            <a:avLst/>
+          </a:prstGeom>
+          <a:ln>
+            <a:solidFill>
+              <a:schemeClr val="bg1"/>
+            </a:solidFill>
+          </a:ln>
+        </p:spPr>
+        <p:style>
+          <a:lnRef idx="1">
+            <a:schemeClr val="accent1"/>
+          </a:lnRef>
+          <a:fillRef idx="0">
+            <a:schemeClr val="accent1"/>
+          </a:fillRef>
+          <a:effectRef idx="0">
+            <a:schemeClr val="accent1"/>
+          </a:effectRef>
+          <a:fontRef idx="minor">
+            <a:schemeClr val="tx1"/>
+          </a:fontRef>
+        </p:style>
+        <p:txBody>
+          <a:bodyPr rtlCol="0" anchor="ctr"/>
+          <a:lstStyle/>
+          <a:p>
+            <a:pPr algn="ctr"/>
+            <a:r>
+              <a:rPr lang="en-AU" sz="1200" i="1" dirty="0" smtClean="0">
+                <a:solidFill>
+                  <a:schemeClr val="tx2"/>
+                </a:solidFill>
+              </a:rPr>
+              <a:t>User name should contain an Upper case and a special character </a:t>
+            </a:r>
+            <a:endParaRPr lang="en-AU" sz="1200" i="1" dirty="0">
+              <a:solidFill>
+                <a:schemeClr val="tx2"/>
+              </a:solidFill>
+            </a:endParaRPr>
+          </a:p>
+        </p:txBody>
+      </p:sp>
+      <p:sp>
+        <p:nvSpPr>
+          <p:cNvPr id="25" name="TextBox 24"/>
+          <p:cNvSpPr txBox="1"/>
+          <p:nvPr/>
+        </p:nvSpPr>
+        <p:spPr>
+          <a:xfrm>
+            <a:off x="319510" y="2617915"/>
+            <a:ext cx="4257056" cy="369332"/>
+          </a:xfrm>
+          <a:prstGeom prst="rect">
+            <a:avLst/>
+          </a:prstGeom>
+          <a:noFill/>
+        </p:spPr>
+        <p:txBody>
+          <a:bodyPr wrap="square" rtlCol="0">
+            <a:spAutoFit/>
+          </a:bodyPr>
+          <a:lstStyle/>
+          <a:p>
+            <a:r>
+              <a:rPr lang="en-AU" sz="1400" dirty="0" smtClean="0">
+                <a:latin typeface="Arial" panose="020B0604020202020204" pitchFamily="34" charset="0"/>
+                <a:cs typeface="Arial" panose="020B0604020202020204" pitchFamily="34" charset="0"/>
+              </a:rPr>
+              <a:t>Create</a:t>
+            </a:r>
+            <a:r>
+              <a:rPr lang="en-AU" dirty="0" smtClean="0"/>
+              <a:t> </a:t>
+            </a:r>
+            <a:r>
+              <a:rPr lang="en-AU" sz="1400" dirty="0" smtClean="0"/>
+              <a:t>Password</a:t>
+            </a:r>
+            <a:endParaRPr lang="en-AU" sz="1400" dirty="0"/>
+          </a:p>
+        </p:txBody>
+      </p:sp>
+      <p:sp>
+        <p:nvSpPr>
+          <p:cNvPr id="33" name="Rectangle 32"/>
+          <p:cNvSpPr/>
+          <p:nvPr/>
+        </p:nvSpPr>
+        <p:spPr>
+          <a:xfrm>
+            <a:off x="1835696" y="2648693"/>
+            <a:ext cx="2475855" cy="338554"/>
+          </a:xfrm>
+          <a:prstGeom prst="rect">
+            <a:avLst/>
+          </a:prstGeom>
+          <a:solidFill>
+            <a:srgbClr val="FFFFFF"/>
+          </a:solidFill>
+          <a:ln>
+            <a:solidFill>
+              <a:schemeClr val="bg1"/>
+            </a:solidFill>
+          </a:ln>
+        </p:spPr>
+        <p:style>
+          <a:lnRef idx="2">
+            <a:schemeClr val="accent1">
+              <a:shade val="50000"/>
+            </a:schemeClr>
+          </a:lnRef>
+          <a:fillRef idx="1">
+            <a:schemeClr val="accent1"/>
+          </a:fillRef>
+          <a:effectRef idx="0">
+            <a:schemeClr val="accent1"/>
+          </a:effectRef>
+          <a:fontRef idx="minor">
+            <a:schemeClr val="lt1"/>
+          </a:fontRef>
+        </p:style>
+        <p:txBody>
+          <a:bodyPr rtlCol="0" anchor="ctr"/>
+          <a:lstStyle/>
+          <a:p>
+            <a:pPr algn="ctr"/>
+            <a:endParaRPr lang="en-AU"/>
+          </a:p>
+        </p:txBody>
+      </p:sp>
+      <p:sp>
+        <p:nvSpPr>
+          <p:cNvPr id="34" name="Double Bracket 33"/>
+          <p:cNvSpPr/>
+          <p:nvPr/>
+        </p:nvSpPr>
+        <p:spPr>
+          <a:xfrm>
+            <a:off x="4427985" y="2730406"/>
+            <a:ext cx="2520279" cy="266546"/>
+          </a:xfrm>
+          <a:prstGeom prst="bracketPair">
+            <a:avLst/>
+          </a:prstGeom>
+          <a:ln>
+            <a:solidFill>
+              <a:schemeClr val="bg1"/>
+            </a:solidFill>
+          </a:ln>
+        </p:spPr>
+        <p:style>
+          <a:lnRef idx="1">
+            <a:schemeClr val="accent1"/>
+          </a:lnRef>
+          <a:fillRef idx="0">
+            <a:schemeClr val="accent1"/>
+          </a:fillRef>
+          <a:effectRef idx="0">
+            <a:schemeClr val="accent1"/>
+          </a:effectRef>
+          <a:fontRef idx="minor">
+            <a:schemeClr val="tx1"/>
+          </a:fontRef>
+        </p:style>
+        <p:txBody>
+          <a:bodyPr rtlCol="0" anchor="ctr"/>
+          <a:lstStyle/>
+          <a:p>
+            <a:pPr algn="ctr"/>
+            <a:r>
+              <a:rPr lang="en-AU" sz="1200" i="1" dirty="0" smtClean="0">
+                <a:solidFill>
+                  <a:schemeClr val="tx2"/>
+                </a:solidFill>
+              </a:rPr>
+              <a:t>Password should  be 5-15 character </a:t>
+            </a:r>
+            <a:endParaRPr lang="en-AU" sz="1200" i="1" dirty="0">
+              <a:solidFill>
+                <a:schemeClr val="tx2"/>
+              </a:solidFill>
+            </a:endParaRPr>
+          </a:p>
+        </p:txBody>
+      </p:sp>
+      <p:sp>
+        <p:nvSpPr>
+          <p:cNvPr id="35" name="TextBox 34"/>
+          <p:cNvSpPr txBox="1"/>
+          <p:nvPr/>
+        </p:nvSpPr>
+        <p:spPr>
+          <a:xfrm>
+            <a:off x="319510" y="3059668"/>
+            <a:ext cx="4257056" cy="369332"/>
+          </a:xfrm>
+          <a:prstGeom prst="rect">
+            <a:avLst/>
+          </a:prstGeom>
+          <a:noFill/>
+        </p:spPr>
+        <p:txBody>
+          <a:bodyPr wrap="square" rtlCol="0">
+            <a:spAutoFit/>
+          </a:bodyPr>
+          <a:lstStyle/>
+          <a:p>
+            <a:r>
+              <a:rPr lang="en-AU" sz="1400" dirty="0" smtClean="0">
+                <a:latin typeface="Arial" panose="020B0604020202020204" pitchFamily="34" charset="0"/>
+                <a:cs typeface="Arial" panose="020B0604020202020204" pitchFamily="34" charset="0"/>
+              </a:rPr>
+              <a:t>Confirm</a:t>
+            </a:r>
+            <a:r>
+              <a:rPr lang="en-AU" dirty="0" smtClean="0"/>
+              <a:t> </a:t>
+            </a:r>
+            <a:r>
+              <a:rPr lang="en-AU" sz="1400" dirty="0" smtClean="0"/>
+              <a:t>Password</a:t>
+            </a:r>
+            <a:endParaRPr lang="en-AU" sz="1400" dirty="0"/>
+          </a:p>
+        </p:txBody>
+      </p:sp>
+      <p:sp>
+        <p:nvSpPr>
+          <p:cNvPr id="36" name="Rectangle 35"/>
+          <p:cNvSpPr/>
+          <p:nvPr/>
+        </p:nvSpPr>
+        <p:spPr>
+          <a:xfrm>
+            <a:off x="1835696" y="3090446"/>
+            <a:ext cx="2475855" cy="338554"/>
+          </a:xfrm>
+          <a:prstGeom prst="rect">
+            <a:avLst/>
+          </a:prstGeom>
+          <a:solidFill>
+            <a:srgbClr val="FFFFFF"/>
+          </a:solidFill>
+          <a:ln>
+            <a:solidFill>
+              <a:schemeClr val="bg1"/>
+            </a:solidFill>
+          </a:ln>
+        </p:spPr>
+        <p:style>
+          <a:lnRef idx="2">
+            <a:schemeClr val="accent1">
+              <a:shade val="50000"/>
+            </a:schemeClr>
+          </a:lnRef>
+          <a:fillRef idx="1">
+            <a:schemeClr val="accent1"/>
+          </a:fillRef>
+          <a:effectRef idx="0">
+            <a:schemeClr val="accent1"/>
+          </a:effectRef>
+          <a:fontRef idx="minor">
+            <a:schemeClr val="lt1"/>
+          </a:fontRef>
+        </p:style>
+        <p:txBody>
+          <a:bodyPr rtlCol="0" anchor="ctr"/>
+          <a:lstStyle/>
+          <a:p>
+            <a:pPr algn="ctr"/>
+            <a:endParaRPr lang="en-AU"/>
+          </a:p>
+        </p:txBody>
+      </p:sp>
+      <p:sp>
+        <p:nvSpPr>
+          <p:cNvPr id="38" name="TextBox 37"/>
+          <p:cNvSpPr txBox="1"/>
+          <p:nvPr/>
+        </p:nvSpPr>
+        <p:spPr>
+          <a:xfrm>
+            <a:off x="314485" y="3569558"/>
+            <a:ext cx="4257056" cy="307777"/>
+          </a:xfrm>
+          <a:prstGeom prst="rect">
+            <a:avLst/>
+          </a:prstGeom>
+          <a:noFill/>
+        </p:spPr>
+        <p:txBody>
+          <a:bodyPr wrap="square" rtlCol="0">
+            <a:spAutoFit/>
+          </a:bodyPr>
+          <a:lstStyle/>
+          <a:p>
+            <a:r>
+              <a:rPr lang="en-AU" sz="1400" dirty="0" smtClean="0">
+                <a:latin typeface="Arial" panose="020B0604020202020204" pitchFamily="34" charset="0"/>
+                <a:cs typeface="Arial" panose="020B0604020202020204" pitchFamily="34" charset="0"/>
+              </a:rPr>
+              <a:t>Email ID</a:t>
+            </a:r>
+            <a:endParaRPr lang="en-AU" sz="1400" dirty="0"/>
+          </a:p>
+        </p:txBody>
+      </p:sp>
+      <p:sp>
+        <p:nvSpPr>
+          <p:cNvPr id="39" name="Rectangle 38"/>
+          <p:cNvSpPr/>
+          <p:nvPr/>
+        </p:nvSpPr>
+        <p:spPr>
+          <a:xfrm>
+            <a:off x="1835696" y="3522494"/>
+            <a:ext cx="2475855" cy="338554"/>
+          </a:xfrm>
+          <a:prstGeom prst="rect">
+            <a:avLst/>
+          </a:prstGeom>
+          <a:solidFill>
+            <a:srgbClr val="FFFFFF"/>
+          </a:solidFill>
+          <a:ln>
+            <a:solidFill>
+              <a:schemeClr val="bg1"/>
+            </a:solidFill>
+          </a:ln>
+        </p:spPr>
+        <p:style>
+          <a:lnRef idx="2">
+            <a:schemeClr val="accent1">
+              <a:shade val="50000"/>
+            </a:schemeClr>
+          </a:lnRef>
+          <a:fillRef idx="1">
+            <a:schemeClr val="accent1"/>
+          </a:fillRef>
+          <a:effectRef idx="0">
+            <a:schemeClr val="accent1"/>
+          </a:effectRef>
+          <a:fontRef idx="minor">
+            <a:schemeClr val="lt1"/>
+          </a:fontRef>
+        </p:style>
+        <p:txBody>
+          <a:bodyPr rtlCol="0" anchor="ctr"/>
+          <a:lstStyle/>
+          <a:p>
+            <a:pPr algn="ctr"/>
+            <a:endParaRPr lang="en-AU"/>
+          </a:p>
+        </p:txBody>
+      </p:sp>
+      <p:sp>
+        <p:nvSpPr>
+          <p:cNvPr id="41" name="TextBox 40"/>
+          <p:cNvSpPr txBox="1"/>
+          <p:nvPr/>
+        </p:nvSpPr>
+        <p:spPr>
+          <a:xfrm>
+            <a:off x="328481" y="4029735"/>
+            <a:ext cx="4257056" cy="307777"/>
+          </a:xfrm>
+          <a:prstGeom prst="rect">
+            <a:avLst/>
+          </a:prstGeom>
+          <a:noFill/>
+        </p:spPr>
+        <p:txBody>
+          <a:bodyPr wrap="square" rtlCol="0">
+            <a:spAutoFit/>
+          </a:bodyPr>
+          <a:lstStyle/>
+          <a:p>
+            <a:r>
+              <a:rPr lang="en-AU" sz="1400" dirty="0" smtClean="0">
+                <a:latin typeface="Arial" panose="020B0604020202020204" pitchFamily="34" charset="0"/>
+                <a:cs typeface="Arial" panose="020B0604020202020204" pitchFamily="34" charset="0"/>
+              </a:rPr>
+              <a:t>Confirm Email ID</a:t>
+            </a:r>
+            <a:endParaRPr lang="en-AU" sz="1400" dirty="0"/>
+          </a:p>
+        </p:txBody>
+      </p:sp>
+      <p:sp>
+        <p:nvSpPr>
+          <p:cNvPr id="42" name="Rectangle 41"/>
+          <p:cNvSpPr/>
+          <p:nvPr/>
+        </p:nvSpPr>
+        <p:spPr>
+          <a:xfrm>
+            <a:off x="1835696" y="3954542"/>
+            <a:ext cx="2475855" cy="338554"/>
+          </a:xfrm>
+          <a:prstGeom prst="rect">
+            <a:avLst/>
+          </a:prstGeom>
+          <a:solidFill>
+            <a:srgbClr val="FFFFFF"/>
+          </a:solidFill>
+          <a:ln>
+            <a:solidFill>
+              <a:schemeClr val="bg1"/>
+            </a:solidFill>
+          </a:ln>
+        </p:spPr>
+        <p:style>
+          <a:lnRef idx="2">
+            <a:schemeClr val="accent1">
+              <a:shade val="50000"/>
+            </a:schemeClr>
+          </a:lnRef>
+          <a:fillRef idx="1">
+            <a:schemeClr val="accent1"/>
+          </a:fillRef>
+          <a:effectRef idx="0">
+            <a:schemeClr val="accent1"/>
+          </a:effectRef>
+          <a:fontRef idx="minor">
+            <a:schemeClr val="lt1"/>
+          </a:fontRef>
+        </p:style>
+        <p:txBody>
+          <a:bodyPr rtlCol="0" anchor="ctr"/>
+          <a:lstStyle/>
+          <a:p>
+            <a:pPr algn="ctr"/>
+            <a:endParaRPr lang="en-AU"/>
+          </a:p>
+        </p:txBody>
+      </p:sp>
+      <p:pic>
+        <p:nvPicPr>
+          <p:cNvPr id="1032" name="Picture 8"/>
+          <p:cNvPicPr>
+            <a:picLocks noChangeAspect="1" noChangeArrowheads="1"/>
+          </p:cNvPicPr>
+          <p:nvPr/>
+        </p:nvPicPr>
+        <p:blipFill>
+          <a:blip r:embed="rId5">
+            <a:extLst>
+              <a:ext uri="{28A0092B-C50C-407E-A947-70E740481C1C}">
+                <a14:useLocalDpi xmlns:a14="http://schemas.microsoft.com/office/drawing/2010/main" val="0"/>
+              </a:ext>
+            </a:extLst>
+          </a:blip>
+          <a:srcRect/>
+          <a:stretch>
+            <a:fillRect/>
+          </a:stretch>
+        </p:blipFill>
+        <p:spPr bwMode="auto">
+          <a:xfrm>
+            <a:off x="395536" y="4536394"/>
+            <a:ext cx="2181225" cy="2228850"/>
+          </a:xfrm>
+          <a:prstGeom prst="rect">
+            <a:avLst/>
+          </a:prstGeom>
+          <a:noFill/>
+          <a:ln>
+            <a:noFill/>
+          </a:ln>
+          <a:extLst>
+            <a:ext uri="{909E8E84-426E-40DD-AFC4-6F175D3DCCD1}">
+              <a14:hiddenFill xmlns:a14="http://schemas.microsoft.com/office/drawing/2010/main">
+                <a:solidFill>
+                  <a:schemeClr val="accent1"/>
+                </a:solidFill>
+              </a14:hiddenFill>
+            </a:ext>
+            <a:ext uri="{91240B29-F687-4F45-9708-019B960494DF}">
+              <a14:hiddenLine xmlns:a14="http://schemas.microsoft.com/office/drawing/2010/main" w="9525">
+                <a:solidFill>
+                  <a:schemeClr val="tx1"/>
+                </a:solidFill>
+                <a:miter lim="800000"/>
+                <a:headEnd/>
+                <a:tailEnd/>
+              </a14:hiddenLine>
+            </a:ext>
+          </a:extLst>
+        </p:spPr>
+      </p:pic>
+      <p:sp>
+        <p:nvSpPr>
+          <p:cNvPr id="27" name="Rounded Rectangle 26"/>
+          <p:cNvSpPr/>
+          <p:nvPr/>
+        </p:nvSpPr>
+        <p:spPr>
+          <a:xfrm>
+            <a:off x="6646315" y="6165304"/>
+            <a:ext cx="1836204" cy="432048"/>
+          </a:xfrm>
+          <a:prstGeom prst="roundRect">
+            <a:avLst/>
+          </a:prstGeom>
+          <a:solidFill>
+            <a:srgbClr val="FFFFFF"/>
+          </a:solidFill>
+          <a:ln>
+            <a:solidFill>
+              <a:srgbClr val="0F0F7F"/>
+            </a:solidFill>
+          </a:ln>
+        </p:spPr>
+        <p:style>
+          <a:lnRef idx="2">
+            <a:schemeClr val="accent1">
+              <a:shade val="50000"/>
+            </a:schemeClr>
+          </a:lnRef>
+          <a:fillRef idx="1">
+            <a:schemeClr val="accent1"/>
+          </a:fillRef>
+          <a:effectRef idx="0">
+            <a:schemeClr val="accent1"/>
+          </a:effectRef>
+          <a:fontRef idx="minor">
+            <a:schemeClr val="lt1"/>
+          </a:fontRef>
+        </p:style>
+        <p:txBody>
+          <a:bodyPr rtlCol="0" anchor="ctr"/>
+          <a:lstStyle/>
+          <a:p>
+            <a:pPr algn="ctr"/>
+            <a:r>
+              <a:rPr lang="en-AU" sz="2000" dirty="0" err="1" smtClean="0">
+                <a:solidFill>
+                  <a:srgbClr val="0F0F7F"/>
+                </a:solidFill>
+                <a:latin typeface="Cooper Black" panose="0208090404030B020404" pitchFamily="18" charset="0"/>
+              </a:rPr>
+              <a:t>Submit</a:t>
+            </a:r>
+            <a:r>
+              <a:rPr lang="en-AU" dirty="0" err="1" smtClean="0"/>
+              <a:t>t</a:t>
+            </a:r>
+            <a:endParaRPr lang="en-AU" dirty="0"/>
+          </a:p>
+        </p:txBody>
+      </p:sp>
+      <p:sp>
+        <p:nvSpPr>
+          <p:cNvPr id="46" name="Rounded Rectangle 45"/>
+          <p:cNvSpPr/>
+          <p:nvPr/>
+        </p:nvSpPr>
+        <p:spPr>
+          <a:xfrm>
+            <a:off x="4572000" y="6165304"/>
+            <a:ext cx="1836204" cy="432048"/>
+          </a:xfrm>
+          <a:prstGeom prst="roundRect">
+            <a:avLst/>
+          </a:prstGeom>
+          <a:solidFill>
+            <a:srgbClr val="FFFFFF"/>
+          </a:solidFill>
+          <a:ln>
+            <a:solidFill>
+              <a:srgbClr val="0F0F7F"/>
+            </a:solidFill>
+          </a:ln>
+        </p:spPr>
+        <p:style>
+          <a:lnRef idx="2">
+            <a:schemeClr val="accent1">
+              <a:shade val="50000"/>
+            </a:schemeClr>
+          </a:lnRef>
+          <a:fillRef idx="1">
+            <a:schemeClr val="accent1"/>
+          </a:fillRef>
+          <a:effectRef idx="0">
+            <a:schemeClr val="accent1"/>
+          </a:effectRef>
+          <a:fontRef idx="minor">
+            <a:schemeClr val="lt1"/>
+          </a:fontRef>
+        </p:style>
+        <p:txBody>
+          <a:bodyPr rtlCol="0" anchor="ctr"/>
+          <a:lstStyle/>
+          <a:p>
+            <a:pPr algn="ctr"/>
+            <a:r>
+              <a:rPr lang="en-AU" sz="2000" dirty="0" err="1" smtClean="0">
+                <a:solidFill>
+                  <a:srgbClr val="0F0F7F"/>
+                </a:solidFill>
+                <a:latin typeface="Cooper Black" panose="0208090404030B020404" pitchFamily="18" charset="0"/>
+              </a:rPr>
+              <a:t>Cancel</a:t>
+            </a:r>
+            <a:r>
+              <a:rPr lang="en-AU" dirty="0" err="1" smtClean="0"/>
+              <a:t>t</a:t>
+            </a:r>
+            <a:endParaRPr lang="en-AU" dirty="0"/>
+          </a:p>
+        </p:txBody>
+      </p:sp>
+      <p:cxnSp>
+        <p:nvCxnSpPr>
+          <p:cNvPr id="31" name="Elbow Connector 30"/>
+          <p:cNvCxnSpPr/>
+          <p:nvPr/>
+        </p:nvCxnSpPr>
+        <p:spPr>
+          <a:xfrm>
+            <a:off x="4067944" y="1889734"/>
+            <a:ext cx="2340260" cy="315130"/>
+          </a:xfrm>
+          <a:prstGeom prst="bentConnector3">
+            <a:avLst/>
+          </a:prstGeom>
+          <a:ln>
+            <a:solidFill>
+              <a:srgbClr val="0F0F7F"/>
+            </a:solidFill>
+            <a:tailEnd type="arrow"/>
+          </a:ln>
+        </p:spPr>
+        <p:style>
+          <a:lnRef idx="1">
+            <a:schemeClr val="accent1"/>
+          </a:lnRef>
+          <a:fillRef idx="0">
+            <a:schemeClr val="accent1"/>
+          </a:fillRef>
+          <a:effectRef idx="0">
+            <a:schemeClr val="accent1"/>
+          </a:effectRef>
+          <a:fontRef idx="minor">
+            <a:schemeClr val="tx1"/>
+          </a:fontRef>
+        </p:style>
+      </p:cxnSp>
+      <p:sp>
+        <p:nvSpPr>
+          <p:cNvPr id="32" name="Rectangle 31"/>
+          <p:cNvSpPr/>
+          <p:nvPr/>
+        </p:nvSpPr>
+        <p:spPr>
+          <a:xfrm>
+            <a:off x="6408204" y="1665897"/>
+            <a:ext cx="1044116" cy="610975"/>
+          </a:xfrm>
+          <a:prstGeom prst="rect">
+            <a:avLst/>
+          </a:prstGeom>
+          <a:solidFill>
+            <a:schemeClr val="accent2">
+              <a:lumMod val="60000"/>
+              <a:lumOff val="40000"/>
+            </a:schemeClr>
+          </a:solidFill>
+        </p:spPr>
+        <p:style>
+          <a:lnRef idx="2">
+            <a:schemeClr val="accent1">
+              <a:shade val="50000"/>
+            </a:schemeClr>
+          </a:lnRef>
+          <a:fillRef idx="1">
+            <a:schemeClr val="accent1"/>
+          </a:fillRef>
+          <a:effectRef idx="0">
+            <a:schemeClr val="accent1"/>
+          </a:effectRef>
+          <a:fontRef idx="minor">
+            <a:schemeClr val="lt1"/>
+          </a:fontRef>
+        </p:style>
+        <p:txBody>
+          <a:bodyPr rtlCol="0" anchor="ctr"/>
+          <a:lstStyle/>
+          <a:p>
+            <a:r>
+              <a:rPr lang="en-AU" sz="1600" dirty="0" smtClean="0"/>
+              <a:t>Arial, 16, #0f0f7f</a:t>
+            </a:r>
+            <a:endParaRPr lang="en-AU" sz="1600" dirty="0"/>
+          </a:p>
+        </p:txBody>
+      </p:sp>
+      <p:sp>
+        <p:nvSpPr>
+          <p:cNvPr id="44" name="Rectangle 43"/>
+          <p:cNvSpPr/>
+          <p:nvPr/>
+        </p:nvSpPr>
+        <p:spPr>
+          <a:xfrm>
+            <a:off x="4860033" y="3090446"/>
+            <a:ext cx="2520279" cy="432048"/>
+          </a:xfrm>
+          <a:prstGeom prst="rect">
+            <a:avLst/>
+          </a:prstGeom>
+          <a:solidFill>
+            <a:schemeClr val="accent2">
+              <a:lumMod val="60000"/>
+              <a:lumOff val="40000"/>
+            </a:schemeClr>
+          </a:solidFill>
+        </p:spPr>
+        <p:style>
+          <a:lnRef idx="2">
+            <a:schemeClr val="accent1">
+              <a:shade val="50000"/>
+            </a:schemeClr>
+          </a:lnRef>
+          <a:fillRef idx="1">
+            <a:schemeClr val="accent1"/>
+          </a:fillRef>
+          <a:effectRef idx="0">
+            <a:schemeClr val="accent1"/>
+          </a:effectRef>
+          <a:fontRef idx="minor">
+            <a:schemeClr val="lt1"/>
+          </a:fontRef>
+        </p:style>
+        <p:txBody>
+          <a:bodyPr rtlCol="0" anchor="ctr"/>
+          <a:lstStyle/>
+          <a:p>
+            <a:pPr algn="ctr"/>
+            <a:r>
+              <a:rPr lang="en-AU" sz="1600" dirty="0" smtClean="0"/>
+              <a:t>Give a text alert if mismatched</a:t>
+            </a:r>
+            <a:endParaRPr lang="en-AU" sz="1600" dirty="0"/>
+          </a:p>
+        </p:txBody>
+      </p:sp>
+      <p:cxnSp>
+        <p:nvCxnSpPr>
+          <p:cNvPr id="52" name="Straight Arrow Connector 51"/>
+          <p:cNvCxnSpPr>
+            <a:stCxn id="36" idx="3"/>
+          </p:cNvCxnSpPr>
+          <p:nvPr/>
+        </p:nvCxnSpPr>
+        <p:spPr>
+          <a:xfrm>
+            <a:off x="4311551" y="3259723"/>
+            <a:ext cx="548482" cy="0"/>
+          </a:xfrm>
+          <a:prstGeom prst="straightConnector1">
+            <a:avLst/>
+          </a:prstGeom>
+          <a:ln>
+            <a:solidFill>
+              <a:srgbClr val="0F0F7F"/>
+            </a:solidFill>
+            <a:tailEnd type="arrow"/>
+          </a:ln>
+        </p:spPr>
+        <p:style>
+          <a:lnRef idx="1">
+            <a:schemeClr val="accent1"/>
+          </a:lnRef>
+          <a:fillRef idx="0">
+            <a:schemeClr val="accent1"/>
+          </a:fillRef>
+          <a:effectRef idx="0">
+            <a:schemeClr val="accent1"/>
+          </a:effectRef>
+          <a:fontRef idx="minor">
+            <a:schemeClr val="tx1"/>
+          </a:fontRef>
+        </p:style>
+      </p:cxnSp>
+      <p:sp>
+        <p:nvSpPr>
+          <p:cNvPr id="62" name="Rectangle 61"/>
+          <p:cNvSpPr/>
+          <p:nvPr/>
+        </p:nvSpPr>
+        <p:spPr>
+          <a:xfrm>
+            <a:off x="5400091" y="3573016"/>
+            <a:ext cx="2520279" cy="432048"/>
+          </a:xfrm>
+          <a:prstGeom prst="rect">
+            <a:avLst/>
+          </a:prstGeom>
+          <a:solidFill>
+            <a:schemeClr val="accent2">
+              <a:lumMod val="60000"/>
+              <a:lumOff val="40000"/>
+            </a:schemeClr>
+          </a:solidFill>
+        </p:spPr>
+        <p:style>
+          <a:lnRef idx="2">
+            <a:schemeClr val="accent1">
+              <a:shade val="50000"/>
+            </a:schemeClr>
+          </a:lnRef>
+          <a:fillRef idx="1">
+            <a:schemeClr val="accent1"/>
+          </a:fillRef>
+          <a:effectRef idx="0">
+            <a:schemeClr val="accent1"/>
+          </a:effectRef>
+          <a:fontRef idx="minor">
+            <a:schemeClr val="lt1"/>
+          </a:fontRef>
+        </p:style>
+        <p:txBody>
+          <a:bodyPr rtlCol="0" anchor="ctr"/>
+          <a:lstStyle/>
+          <a:p>
+            <a:pPr algn="ctr"/>
+            <a:r>
+              <a:rPr lang="en-AU" sz="1600" dirty="0" smtClean="0"/>
+              <a:t>Validate with “@”</a:t>
+            </a:r>
+            <a:endParaRPr lang="en-AU" sz="1600" dirty="0"/>
+          </a:p>
+        </p:txBody>
+      </p:sp>
+      <p:cxnSp>
+        <p:nvCxnSpPr>
+          <p:cNvPr id="63" name="Straight Arrow Connector 62"/>
+          <p:cNvCxnSpPr/>
+          <p:nvPr/>
+        </p:nvCxnSpPr>
+        <p:spPr>
+          <a:xfrm>
+            <a:off x="4283968" y="3717033"/>
+            <a:ext cx="1044115" cy="6413"/>
+          </a:xfrm>
+          <a:prstGeom prst="straightConnector1">
+            <a:avLst/>
+          </a:prstGeom>
+          <a:ln>
+            <a:solidFill>
+              <a:srgbClr val="0F0F7F"/>
+            </a:solidFill>
+            <a:tailEnd type="arrow"/>
+          </a:ln>
+        </p:spPr>
+        <p:style>
+          <a:lnRef idx="1">
+            <a:schemeClr val="accent1"/>
+          </a:lnRef>
+          <a:fillRef idx="0">
+            <a:schemeClr val="accent1"/>
+          </a:fillRef>
+          <a:effectRef idx="0">
+            <a:schemeClr val="accent1"/>
+          </a:effectRef>
+          <a:fontRef idx="minor">
+            <a:schemeClr val="tx1"/>
+          </a:fontRef>
+        </p:style>
+      </p:cxnSp>
+      <p:cxnSp>
+        <p:nvCxnSpPr>
+          <p:cNvPr id="68" name="Straight Arrow Connector 67"/>
+          <p:cNvCxnSpPr/>
+          <p:nvPr/>
+        </p:nvCxnSpPr>
+        <p:spPr>
+          <a:xfrm>
+            <a:off x="4311551" y="4260758"/>
+            <a:ext cx="1044115" cy="6413"/>
+          </a:xfrm>
+          <a:prstGeom prst="straightConnector1">
+            <a:avLst/>
+          </a:prstGeom>
+          <a:ln>
+            <a:solidFill>
+              <a:schemeClr val="bg1"/>
+            </a:solidFill>
+            <a:tailEnd type="arrow"/>
+          </a:ln>
+        </p:spPr>
+        <p:style>
+          <a:lnRef idx="1">
+            <a:schemeClr val="accent1"/>
+          </a:lnRef>
+          <a:fillRef idx="0">
+            <a:schemeClr val="accent1"/>
+          </a:fillRef>
+          <a:effectRef idx="0">
+            <a:schemeClr val="accent1"/>
+          </a:effectRef>
+          <a:fontRef idx="minor">
+            <a:schemeClr val="tx1"/>
+          </a:fontRef>
+        </p:style>
+      </p:cxnSp>
+      <p:sp>
+        <p:nvSpPr>
+          <p:cNvPr id="69" name="Rectangle 68"/>
+          <p:cNvSpPr/>
+          <p:nvPr/>
+        </p:nvSpPr>
+        <p:spPr>
+          <a:xfrm>
+            <a:off x="5405223" y="4077072"/>
+            <a:ext cx="2520279" cy="432048"/>
+          </a:xfrm>
+          <a:prstGeom prst="rect">
+            <a:avLst/>
+          </a:prstGeom>
+          <a:solidFill>
+            <a:schemeClr val="accent2">
+              <a:lumMod val="60000"/>
+              <a:lumOff val="40000"/>
+            </a:schemeClr>
+          </a:solidFill>
+        </p:spPr>
+        <p:style>
+          <a:lnRef idx="2">
+            <a:schemeClr val="accent1">
+              <a:shade val="50000"/>
+            </a:schemeClr>
+          </a:lnRef>
+          <a:fillRef idx="1">
+            <a:schemeClr val="accent1"/>
+          </a:fillRef>
+          <a:effectRef idx="0">
+            <a:schemeClr val="accent1"/>
+          </a:effectRef>
+          <a:fontRef idx="minor">
+            <a:schemeClr val="lt1"/>
+          </a:fontRef>
+        </p:style>
+        <p:txBody>
+          <a:bodyPr rtlCol="0" anchor="ctr"/>
+          <a:lstStyle/>
+          <a:p>
+            <a:pPr algn="ctr"/>
+            <a:r>
+              <a:rPr lang="en-AU" sz="1600" dirty="0" smtClean="0"/>
+              <a:t>Give a text </a:t>
+            </a:r>
+            <a:r>
+              <a:rPr lang="en-AU" sz="1600" dirty="0" err="1" smtClean="0"/>
+              <a:t>alart</a:t>
+            </a:r>
+            <a:r>
+              <a:rPr lang="en-AU" sz="1600" dirty="0" smtClean="0"/>
+              <a:t> if mismatched</a:t>
+            </a:r>
+            <a:endParaRPr lang="en-AU" sz="1600" dirty="0"/>
+          </a:p>
+        </p:txBody>
+      </p:sp>
+      <p:cxnSp>
+        <p:nvCxnSpPr>
+          <p:cNvPr id="60" name="Elbow Connector 59"/>
+          <p:cNvCxnSpPr/>
+          <p:nvPr/>
+        </p:nvCxnSpPr>
+        <p:spPr>
+          <a:xfrm rot="16200000" flipH="1">
+            <a:off x="1235895" y="2887415"/>
+            <a:ext cx="1861465" cy="1813991"/>
+          </a:xfrm>
+          <a:prstGeom prst="bentConnector3">
+            <a:avLst/>
+          </a:prstGeom>
+          <a:ln>
+            <a:solidFill>
+              <a:schemeClr val="bg1"/>
+            </a:solidFill>
+            <a:tailEnd type="arrow"/>
+          </a:ln>
+        </p:spPr>
+        <p:style>
+          <a:lnRef idx="1">
+            <a:schemeClr val="accent1"/>
+          </a:lnRef>
+          <a:fillRef idx="0">
+            <a:schemeClr val="accent1"/>
+          </a:fillRef>
+          <a:effectRef idx="0">
+            <a:schemeClr val="accent1"/>
+          </a:effectRef>
+          <a:fontRef idx="minor">
+            <a:schemeClr val="tx1"/>
+          </a:fontRef>
+        </p:style>
+      </p:cxnSp>
+      <p:sp>
+        <p:nvSpPr>
+          <p:cNvPr id="61" name="Rectangle 60"/>
+          <p:cNvSpPr/>
+          <p:nvPr/>
+        </p:nvSpPr>
+        <p:spPr>
+          <a:xfrm>
+            <a:off x="2685626" y="4725144"/>
+            <a:ext cx="1368152" cy="720080"/>
+          </a:xfrm>
+          <a:prstGeom prst="rect">
+            <a:avLst/>
+          </a:prstGeom>
+          <a:solidFill>
+            <a:schemeClr val="accent2">
+              <a:lumMod val="60000"/>
+              <a:lumOff val="40000"/>
+            </a:schemeClr>
+          </a:solidFill>
+        </p:spPr>
+        <p:style>
+          <a:lnRef idx="2">
+            <a:schemeClr val="accent1">
+              <a:shade val="50000"/>
+            </a:schemeClr>
+          </a:lnRef>
+          <a:fillRef idx="1">
+            <a:schemeClr val="accent1"/>
+          </a:fillRef>
+          <a:effectRef idx="0">
+            <a:schemeClr val="accent1"/>
+          </a:effectRef>
+          <a:fontRef idx="minor">
+            <a:schemeClr val="lt1"/>
+          </a:fontRef>
+        </p:style>
+        <p:txBody>
+          <a:bodyPr rtlCol="0" anchor="ctr"/>
+          <a:lstStyle/>
+          <a:p>
+            <a:r>
+              <a:rPr lang="en-AU" sz="1600" dirty="0" smtClean="0"/>
+              <a:t>Arial,14, #0f0f7f</a:t>
+            </a:r>
+            <a:endParaRPr lang="en-AU" sz="1600" dirty="0"/>
+          </a:p>
+        </p:txBody>
+      </p:sp>
     </p:spTree>
     <p:extLst>
       <p:ext uri="{BB962C8B-B14F-4D97-AF65-F5344CB8AC3E}">

--- a/ProjectExecution/BA/SpecsWireframes/new001Wireframes.pptx
+++ b/ProjectExecution/BA/SpecsWireframes/new001Wireframes.pptx
@@ -5,13 +5,15 @@
     <p:sldMasterId id="2147483648" r:id="rId1"/>
   </p:sldMasterIdLst>
   <p:notesMasterIdLst>
-    <p:notesMasterId r:id="rId6"/>
+    <p:notesMasterId r:id="rId8"/>
   </p:notesMasterIdLst>
   <p:sldIdLst>
     <p:sldId id="259" r:id="rId2"/>
     <p:sldId id="256" r:id="rId3"/>
     <p:sldId id="257" r:id="rId4"/>
     <p:sldId id="258" r:id="rId5"/>
+    <p:sldId id="260" r:id="rId6"/>
+    <p:sldId id="261" r:id="rId7"/>
   </p:sldIdLst>
   <p:sldSz cx="9144000" cy="6858000" type="screen4x3"/>
   <p:notesSz cx="6858000" cy="9144000"/>
@@ -195,7 +197,7 @@
           <a:p>
             <a:fld id="{26483215-80E3-4A52-98A5-4C379A79CA39}" type="datetimeFigureOut">
               <a:rPr lang="en-AU" smtClean="0"/>
-              <a:t>14/08/2020</a:t>
+              <a:t>16/08/2020</a:t>
             </a:fld>
             <a:endParaRPr lang="en-AU"/>
           </a:p>
@@ -728,7 +730,7 @@
           <a:p>
             <a:fld id="{BB2A88D7-68F7-4681-80B5-BDD492DE1B81}" type="datetimeFigureOut">
               <a:rPr lang="en-AU" smtClean="0"/>
-              <a:t>14/08/2020</a:t>
+              <a:t>16/08/2020</a:t>
             </a:fld>
             <a:endParaRPr lang="en-AU"/>
           </a:p>
@@ -898,7 +900,7 @@
           <a:p>
             <a:fld id="{BB2A88D7-68F7-4681-80B5-BDD492DE1B81}" type="datetimeFigureOut">
               <a:rPr lang="en-AU" smtClean="0"/>
-              <a:t>14/08/2020</a:t>
+              <a:t>16/08/2020</a:t>
             </a:fld>
             <a:endParaRPr lang="en-AU"/>
           </a:p>
@@ -1078,7 +1080,7 @@
           <a:p>
             <a:fld id="{BB2A88D7-68F7-4681-80B5-BDD492DE1B81}" type="datetimeFigureOut">
               <a:rPr lang="en-AU" smtClean="0"/>
-              <a:t>14/08/2020</a:t>
+              <a:t>16/08/2020</a:t>
             </a:fld>
             <a:endParaRPr lang="en-AU"/>
           </a:p>
@@ -1248,7 +1250,7 @@
           <a:p>
             <a:fld id="{BB2A88D7-68F7-4681-80B5-BDD492DE1B81}" type="datetimeFigureOut">
               <a:rPr lang="en-AU" smtClean="0"/>
-              <a:t>14/08/2020</a:t>
+              <a:t>16/08/2020</a:t>
             </a:fld>
             <a:endParaRPr lang="en-AU"/>
           </a:p>
@@ -1494,7 +1496,7 @@
           <a:p>
             <a:fld id="{BB2A88D7-68F7-4681-80B5-BDD492DE1B81}" type="datetimeFigureOut">
               <a:rPr lang="en-AU" smtClean="0"/>
-              <a:t>14/08/2020</a:t>
+              <a:t>16/08/2020</a:t>
             </a:fld>
             <a:endParaRPr lang="en-AU"/>
           </a:p>
@@ -1782,7 +1784,7 @@
           <a:p>
             <a:fld id="{BB2A88D7-68F7-4681-80B5-BDD492DE1B81}" type="datetimeFigureOut">
               <a:rPr lang="en-AU" smtClean="0"/>
-              <a:t>14/08/2020</a:t>
+              <a:t>16/08/2020</a:t>
             </a:fld>
             <a:endParaRPr lang="en-AU"/>
           </a:p>
@@ -2204,7 +2206,7 @@
           <a:p>
             <a:fld id="{BB2A88D7-68F7-4681-80B5-BDD492DE1B81}" type="datetimeFigureOut">
               <a:rPr lang="en-AU" smtClean="0"/>
-              <a:t>14/08/2020</a:t>
+              <a:t>16/08/2020</a:t>
             </a:fld>
             <a:endParaRPr lang="en-AU"/>
           </a:p>
@@ -2322,7 +2324,7 @@
           <a:p>
             <a:fld id="{BB2A88D7-68F7-4681-80B5-BDD492DE1B81}" type="datetimeFigureOut">
               <a:rPr lang="en-AU" smtClean="0"/>
-              <a:t>14/08/2020</a:t>
+              <a:t>16/08/2020</a:t>
             </a:fld>
             <a:endParaRPr lang="en-AU"/>
           </a:p>
@@ -2417,7 +2419,7 @@
           <a:p>
             <a:fld id="{BB2A88D7-68F7-4681-80B5-BDD492DE1B81}" type="datetimeFigureOut">
               <a:rPr lang="en-AU" smtClean="0"/>
-              <a:t>14/08/2020</a:t>
+              <a:t>16/08/2020</a:t>
             </a:fld>
             <a:endParaRPr lang="en-AU"/>
           </a:p>
@@ -2694,7 +2696,7 @@
           <a:p>
             <a:fld id="{BB2A88D7-68F7-4681-80B5-BDD492DE1B81}" type="datetimeFigureOut">
               <a:rPr lang="en-AU" smtClean="0"/>
-              <a:t>14/08/2020</a:t>
+              <a:t>16/08/2020</a:t>
             </a:fld>
             <a:endParaRPr lang="en-AU"/>
           </a:p>
@@ -2947,7 +2949,7 @@
           <a:p>
             <a:fld id="{BB2A88D7-68F7-4681-80B5-BDD492DE1B81}" type="datetimeFigureOut">
               <a:rPr lang="en-AU" smtClean="0"/>
-              <a:t>14/08/2020</a:t>
+              <a:t>16/08/2020</a:t>
             </a:fld>
             <a:endParaRPr lang="en-AU"/>
           </a:p>
@@ -3160,7 +3162,7 @@
           <a:p>
             <a:fld id="{BB2A88D7-68F7-4681-80B5-BDD492DE1B81}" type="datetimeFigureOut">
               <a:rPr lang="en-AU" smtClean="0"/>
-              <a:t>14/08/2020</a:t>
+              <a:t>16/08/2020</a:t>
             </a:fld>
             <a:endParaRPr lang="en-AU"/>
           </a:p>
@@ -4920,7 +4922,7 @@
           <a:p>
             <a:pPr lvl="1"/>
             <a:r>
-              <a:rPr lang="en-AU" sz="3600" dirty="0" err="1" smtClean="0">
+              <a:rPr lang="en-AU" sz="3600" dirty="0" smtClean="0">
                 <a:solidFill>
                   <a:schemeClr val="bg1"/>
                 </a:solidFill>
@@ -5398,23 +5400,7 @@
                   <a:schemeClr val="bg1"/>
                 </a:solidFill>
               </a:rPr>
-              <a:t>#fff-100%, 100 </a:t>
-            </a:r>
-            <a:r>
-              <a:rPr lang="en-AU" sz="1600" dirty="0" err="1">
-                <a:solidFill>
-                  <a:schemeClr val="bg1"/>
-                </a:solidFill>
-              </a:rPr>
-              <a:t>Px</a:t>
-            </a:r>
-            <a:r>
-              <a:rPr lang="en-AU" sz="1600" dirty="0">
-                <a:solidFill>
-                  <a:schemeClr val="bg1"/>
-                </a:solidFill>
-              </a:rPr>
-              <a:t>,</a:t>
+              <a:t>#fff-100%, 100 Px,</a:t>
             </a:r>
           </a:p>
           <a:p>
@@ -5472,15 +5458,7 @@
           <a:p>
             <a:r>
               <a:rPr lang="en-AU" sz="1600" dirty="0" smtClean="0"/>
-              <a:t>Logo Reverse colour right aligned. 15 </a:t>
-            </a:r>
-            <a:r>
-              <a:rPr lang="en-AU" sz="1600" dirty="0" err="1" smtClean="0"/>
-              <a:t>Px</a:t>
-            </a:r>
-            <a:r>
-              <a:rPr lang="en-AU" sz="1600" dirty="0" smtClean="0"/>
-              <a:t> gape from the left wall</a:t>
+              <a:t>Logo Reverse colour right aligned. 15 Px gape from the left wall</a:t>
             </a:r>
             <a:endParaRPr lang="en-AU" sz="1600" dirty="0"/>
           </a:p>
@@ -5753,39 +5731,7 @@
                   <a:schemeClr val="bg1"/>
                 </a:solidFill>
               </a:rPr>
-              <a:t>200 </a:t>
-            </a:r>
-            <a:r>
-              <a:rPr lang="en-AU" sz="1600" dirty="0" err="1" smtClean="0">
-                <a:solidFill>
-                  <a:schemeClr val="bg1"/>
-                </a:solidFill>
-              </a:rPr>
-              <a:t>px</a:t>
-            </a:r>
-            <a:r>
-              <a:rPr lang="en-AU" sz="1600" dirty="0" smtClean="0">
-                <a:solidFill>
-                  <a:schemeClr val="bg1"/>
-                </a:solidFill>
-              </a:rPr>
-              <a:t> horizontal, 40 </a:t>
-            </a:r>
-            <a:r>
-              <a:rPr lang="en-AU" sz="1600" dirty="0" err="1" smtClean="0">
-                <a:solidFill>
-                  <a:schemeClr val="bg1"/>
-                </a:solidFill>
-              </a:rPr>
-              <a:t>px</a:t>
-            </a:r>
-            <a:r>
-              <a:rPr lang="en-AU" sz="1600" dirty="0" smtClean="0">
-                <a:solidFill>
-                  <a:schemeClr val="bg1"/>
-                </a:solidFill>
-              </a:rPr>
-              <a:t> vertical,  #</a:t>
+              <a:t>200 px horizontal, 40 px vertical,  #</a:t>
             </a:r>
             <a:r>
               <a:rPr lang="en-AU" sz="1600" dirty="0" err="1" smtClean="0">
@@ -6974,7 +6920,7 @@
           <a:p>
             <a:pPr lvl="1"/>
             <a:r>
-              <a:rPr lang="en-AU" sz="3600" dirty="0" err="1" smtClean="0">
+              <a:rPr lang="en-AU" sz="3600" dirty="0" smtClean="0">
                 <a:solidFill>
                   <a:schemeClr val="bg1"/>
                 </a:solidFill>
@@ -7732,11 +7678,7 @@
             <a:pPr algn="ctr"/>
             <a:r>
               <a:rPr lang="en-AU" sz="1600" dirty="0" smtClean="0"/>
-              <a:t>50 </a:t>
-            </a:r>
-            <a:r>
-              <a:rPr lang="en-AU" sz="1600" dirty="0" err="1" smtClean="0"/>
-              <a:t>px</a:t>
+              <a:t>50 px</a:t>
             </a:r>
             <a:endParaRPr lang="en-AU" sz="1600" dirty="0"/>
           </a:p>
@@ -7948,23 +7890,25 @@
       </p:grpSpPr>
       <p:sp>
         <p:nvSpPr>
-          <p:cNvPr id="2" name="Rectangle 1"/>
+          <p:cNvPr id="12" name="Rectangle 11"/>
           <p:cNvSpPr/>
           <p:nvPr/>
         </p:nvSpPr>
         <p:spPr>
           <a:xfrm>
-            <a:off x="-30299" y="0"/>
-            <a:ext cx="9161169" cy="6858000"/>
+            <a:off x="-30299" y="-1"/>
+            <a:ext cx="9191468" cy="913865"/>
           </a:xfrm>
           <a:prstGeom prst="rect">
             <a:avLst/>
           </a:prstGeom>
           <a:solidFill>
-            <a:srgbClr val="DFDFFF"/>
+            <a:srgbClr val="6F6FEF"/>
           </a:solidFill>
           <a:ln>
-            <a:noFill/>
+            <a:solidFill>
+              <a:srgbClr val="6F6FEF"/>
+            </a:solidFill>
           </a:ln>
         </p:spPr>
         <p:style>
@@ -7987,6 +7931,52 @@
           <a:bodyPr rtlCol="0" anchor="ctr"/>
           <a:lstStyle/>
           <a:p>
+            <a:pPr algn="ctr"/>
+            <a:endParaRPr lang="en-AU"/>
+          </a:p>
+        </p:txBody>
+      </p:sp>
+      <p:sp>
+        <p:nvSpPr>
+          <p:cNvPr id="2" name="Rectangle 1"/>
+          <p:cNvSpPr/>
+          <p:nvPr/>
+        </p:nvSpPr>
+        <p:spPr>
+          <a:xfrm>
+            <a:off x="-30299" y="908720"/>
+            <a:ext cx="9191468" cy="5949280"/>
+          </a:xfrm>
+          <a:prstGeom prst="rect">
+            <a:avLst/>
+          </a:prstGeom>
+          <a:solidFill>
+            <a:srgbClr val="DFDFFF"/>
+          </a:solidFill>
+          <a:ln>
+            <a:noFill/>
+          </a:ln>
+        </p:spPr>
+        <p:style>
+          <a:lnRef idx="2">
+            <a:schemeClr val="accent1">
+              <a:shade val="50000"/>
+            </a:schemeClr>
+          </a:lnRef>
+          <a:fillRef idx="1">
+            <a:schemeClr val="accent1"/>
+          </a:fillRef>
+          <a:effectRef idx="0">
+            <a:schemeClr val="accent1"/>
+          </a:effectRef>
+          <a:fontRef idx="minor">
+            <a:schemeClr val="lt1"/>
+          </a:fontRef>
+        </p:style>
+        <p:txBody>
+          <a:bodyPr rtlCol="0" anchor="ctr"/>
+          <a:lstStyle/>
+          <a:p>
             <a:pPr lvl="1"/>
             <a:endParaRPr lang="en-AU" sz="2400" dirty="0">
               <a:solidFill>
@@ -8005,7 +7995,7 @@
         </p:nvSpPr>
         <p:spPr>
           <a:xfrm>
-            <a:off x="539552" y="332656"/>
+            <a:off x="539552" y="264090"/>
             <a:ext cx="2404826" cy="646331"/>
           </a:xfrm>
           <a:prstGeom prst="rect">
@@ -8020,7 +8010,7 @@
           <a:p>
             <a:pPr lvl="1"/>
             <a:r>
-              <a:rPr lang="en-AU" sz="3600" dirty="0" err="1">
+              <a:rPr lang="en-AU" sz="3600" dirty="0">
                 <a:solidFill>
                   <a:schemeClr val="bg1"/>
                 </a:solidFill>
@@ -8028,12 +8018,6 @@
               </a:rPr>
               <a:t>nodiam</a:t>
             </a:r>
-            <a:endParaRPr lang="en-AU" sz="3600" dirty="0">
-              <a:solidFill>
-                <a:schemeClr val="bg1"/>
-              </a:solidFill>
-              <a:latin typeface="Cooper Black" panose="0208090404030B020404" pitchFamily="18" charset="0"/>
-            </a:endParaRPr>
           </a:p>
         </p:txBody>
       </p:sp>
@@ -8060,13 +8044,18 @@
         </p:blipFill>
         <p:spPr bwMode="auto">
           <a:xfrm>
-            <a:off x="568355" y="404664"/>
+            <a:off x="640363" y="332656"/>
             <a:ext cx="475253" cy="509200"/>
           </a:xfrm>
           <a:prstGeom prst="rect">
             <a:avLst/>
           </a:prstGeom>
           <a:noFill/>
+          <a:ln>
+            <a:solidFill>
+              <a:srgbClr val="6F6FEF"/>
+            </a:solidFill>
+          </a:ln>
           <a:extLst>
             <a:ext uri="{909E8E84-426E-40DD-AFC4-6F175D3DCCD1}">
               <a14:hiddenFill xmlns:a14="http://schemas.microsoft.com/office/drawing/2010/main">
@@ -8086,8 +8075,8 @@
         </p:nvSpPr>
         <p:spPr>
           <a:xfrm>
-            <a:off x="7164288" y="548680"/>
-            <a:ext cx="1800200" cy="936104"/>
+            <a:off x="8100392" y="1016732"/>
+            <a:ext cx="864096" cy="468052"/>
           </a:xfrm>
           <a:prstGeom prst="rect">
             <a:avLst/>
@@ -8120,20 +8109,16 @@
           <a:lstStyle/>
           <a:p>
             <a:r>
-              <a:rPr lang="en-AU" sz="1600" dirty="0"/>
+              <a:rPr lang="en-AU" sz="1600" dirty="0" smtClean="0"/>
               <a:t>#</a:t>
             </a:r>
             <a:r>
+              <a:rPr lang="en-AU" sz="1600" dirty="0" err="1" smtClean="0"/>
+              <a:t>dfdfff</a:t>
+            </a:r>
+            <a:r>
               <a:rPr lang="en-AU" sz="1600" dirty="0" smtClean="0"/>
-              <a:t>6f6fef 98%, #9f9fff 60%, #</a:t>
-            </a:r>
-            <a:r>
-              <a:rPr lang="en-AU" sz="1600" dirty="0" err="1" smtClean="0"/>
-              <a:t>fff</a:t>
-            </a:r>
-            <a:r>
-              <a:rPr lang="en-AU" sz="1600" dirty="0" smtClean="0"/>
-              <a:t> 1%, Linier gradient</a:t>
+              <a:t>, 400 px</a:t>
             </a:r>
             <a:endParaRPr lang="en-AU" sz="1600" dirty="0"/>
           </a:p>
@@ -8147,17 +8132,16 @@
         </p:nvCxnSpPr>
         <p:spPr>
           <a:xfrm>
-            <a:off x="8964488" y="0"/>
-            <a:ext cx="0" cy="6858000"/>
+            <a:off x="8964488" y="908720"/>
+            <a:ext cx="0" cy="5949280"/>
           </a:xfrm>
           <a:prstGeom prst="straightConnector1">
             <a:avLst/>
           </a:prstGeom>
           <a:ln>
             <a:solidFill>
-              <a:schemeClr val="bg1"/>
+              <a:srgbClr val="0F0F7F"/>
             </a:solidFill>
-            <a:headEnd type="arrow"/>
             <a:tailEnd type="arrow"/>
           </a:ln>
         </p:spPr>
@@ -8176,41 +8160,6 @@
           </a:fontRef>
         </p:style>
       </p:cxnSp>
-      <p:cxnSp>
-        <p:nvCxnSpPr>
-          <p:cNvPr id="9" name="Straight Connector 8"/>
-          <p:cNvCxnSpPr/>
-          <p:nvPr/>
-        </p:nvCxnSpPr>
-        <p:spPr>
-          <a:xfrm>
-            <a:off x="0" y="908720"/>
-            <a:ext cx="9161169" cy="0"/>
-          </a:xfrm>
-          <a:prstGeom prst="line">
-            <a:avLst/>
-          </a:prstGeom>
-          <a:ln>
-            <a:solidFill>
-              <a:srgbClr val="2F2FAF"/>
-            </a:solidFill>
-          </a:ln>
-        </p:spPr>
-        <p:style>
-          <a:lnRef idx="1">
-            <a:schemeClr val="accent1"/>
-          </a:lnRef>
-          <a:fillRef idx="0">
-            <a:schemeClr val="accent1"/>
-          </a:fillRef>
-          <a:effectRef idx="0">
-            <a:schemeClr val="accent1"/>
-          </a:effectRef>
-          <a:fontRef idx="minor">
-            <a:schemeClr val="tx1"/>
-          </a:fontRef>
-        </p:style>
-      </p:cxnSp>
       <p:sp>
         <p:nvSpPr>
           <p:cNvPr id="10" name="Rectangle 9"/>
@@ -8226,11 +8175,11 @@
             <a:avLst/>
           </a:prstGeom>
           <a:solidFill>
-            <a:srgbClr val="7F7FFF"/>
+            <a:srgbClr val="DFDFFF"/>
           </a:solidFill>
           <a:ln>
             <a:solidFill>
-              <a:srgbClr val="7F7FFF"/>
+              <a:srgbClr val="DFDFFF"/>
             </a:solidFill>
           </a:ln>
         </p:spPr>
@@ -8257,12 +8206,18 @@
             <a:pPr algn="ctr"/>
             <a:r>
               <a:rPr lang="en-AU" sz="1600" b="1" dirty="0" smtClean="0">
+                <a:solidFill>
+                  <a:schemeClr val="bg1"/>
+                </a:solidFill>
                 <a:latin typeface="Arial" panose="020B0604020202020204" pitchFamily="34" charset="0"/>
                 <a:cs typeface="Arial" panose="020B0604020202020204" pitchFamily="34" charset="0"/>
               </a:rPr>
               <a:t>Sign Up</a:t>
             </a:r>
             <a:endParaRPr lang="en-AU" sz="1600" b="1" dirty="0">
+              <a:solidFill>
+                <a:schemeClr val="bg1"/>
+              </a:solidFill>
               <a:latin typeface="Arial" panose="020B0604020202020204" pitchFamily="34" charset="0"/>
               <a:cs typeface="Arial" panose="020B0604020202020204" pitchFamily="34" charset="0"/>
             </a:endParaRPr>
@@ -8284,11 +8239,11 @@
             <a:avLst/>
           </a:prstGeom>
           <a:solidFill>
-            <a:srgbClr val="7F7FFF"/>
+            <a:srgbClr val="DFDFFF"/>
           </a:solidFill>
           <a:ln>
             <a:solidFill>
-              <a:srgbClr val="7F7FFF"/>
+              <a:srgbClr val="DFDFFF"/>
             </a:solidFill>
           </a:ln>
         </p:spPr>
@@ -8315,12 +8270,18 @@
             <a:pPr algn="ctr"/>
             <a:r>
               <a:rPr lang="en-AU" sz="1600" b="1" dirty="0" smtClean="0">
+                <a:solidFill>
+                  <a:srgbClr val="6F6FEF"/>
+                </a:solidFill>
                 <a:latin typeface="Arial" panose="020B0604020202020204" pitchFamily="34" charset="0"/>
                 <a:cs typeface="Arial" panose="020B0604020202020204" pitchFamily="34" charset="0"/>
               </a:rPr>
               <a:t>Login</a:t>
             </a:r>
             <a:endParaRPr lang="en-AU" sz="1600" b="1" dirty="0">
+              <a:solidFill>
+                <a:srgbClr val="6F6FEF"/>
+              </a:solidFill>
               <a:latin typeface="Arial" panose="020B0604020202020204" pitchFamily="34" charset="0"/>
               <a:cs typeface="Arial" panose="020B0604020202020204" pitchFamily="34" charset="0"/>
             </a:endParaRPr>
@@ -8529,7 +8490,28 @@
                 <a:latin typeface="Arial" panose="020B0604020202020204" pitchFamily="34" charset="0"/>
                 <a:cs typeface="Arial" panose="020B0604020202020204" pitchFamily="34" charset="0"/>
               </a:rPr>
-              <a:t>Click on the button if you are the guardian</a:t>
+              <a:t>Click on the </a:t>
+            </a:r>
+            <a:r>
+              <a:rPr lang="en-AU" sz="1600" dirty="0" err="1" smtClean="0">
+                <a:latin typeface="Arial" panose="020B0604020202020204" pitchFamily="34" charset="0"/>
+                <a:cs typeface="Arial" panose="020B0604020202020204" pitchFamily="34" charset="0"/>
+              </a:rPr>
+              <a:t>btton</a:t>
+            </a:r>
+            <a:r>
+              <a:rPr lang="en-AU" sz="1600" dirty="0" smtClean="0">
+                <a:latin typeface="Arial" panose="020B0604020202020204" pitchFamily="34" charset="0"/>
+                <a:cs typeface="Arial" panose="020B0604020202020204" pitchFamily="34" charset="0"/>
+              </a:rPr>
+              <a:t> </a:t>
+            </a:r>
+            <a:r>
+              <a:rPr lang="en-AU" sz="1600" dirty="0" smtClean="0">
+                <a:latin typeface="Arial" panose="020B0604020202020204" pitchFamily="34" charset="0"/>
+                <a:cs typeface="Arial" panose="020B0604020202020204" pitchFamily="34" charset="0"/>
+              </a:rPr>
+              <a:t>if you are the guardian</a:t>
             </a:r>
             <a:endParaRPr lang="en-AU" sz="1600" dirty="0">
               <a:latin typeface="Arial" panose="020B0604020202020204" pitchFamily="34" charset="0"/>
@@ -8538,9 +8520,545 @@
           </a:p>
         </p:txBody>
       </p:sp>
+      <p:sp>
+        <p:nvSpPr>
+          <p:cNvPr id="14" name="TextBox 13"/>
+          <p:cNvSpPr txBox="1"/>
+          <p:nvPr/>
+        </p:nvSpPr>
+        <p:spPr>
+          <a:xfrm>
+            <a:off x="323528" y="2204864"/>
+            <a:ext cx="1872208" cy="307777"/>
+          </a:xfrm>
+          <a:prstGeom prst="rect">
+            <a:avLst/>
+          </a:prstGeom>
+          <a:noFill/>
+        </p:spPr>
+        <p:txBody>
+          <a:bodyPr wrap="square" rtlCol="0">
+            <a:spAutoFit/>
+          </a:bodyPr>
+          <a:lstStyle/>
+          <a:p>
+            <a:r>
+              <a:rPr lang="en-AU" sz="1400" dirty="0" smtClean="0">
+                <a:latin typeface="Arial" panose="020B0604020202020204" pitchFamily="34" charset="0"/>
+                <a:cs typeface="Arial" panose="020B0604020202020204" pitchFamily="34" charset="0"/>
+              </a:rPr>
+              <a:t>User Name </a:t>
+            </a:r>
+            <a:endParaRPr lang="en-AU" sz="1400" dirty="0">
+              <a:latin typeface="Arial" panose="020B0604020202020204" pitchFamily="34" charset="0"/>
+              <a:cs typeface="Arial" panose="020B0604020202020204" pitchFamily="34" charset="0"/>
+            </a:endParaRPr>
+          </a:p>
+        </p:txBody>
+      </p:sp>
+      <p:sp>
+        <p:nvSpPr>
+          <p:cNvPr id="16" name="Rectangle 15"/>
+          <p:cNvSpPr/>
+          <p:nvPr/>
+        </p:nvSpPr>
+        <p:spPr>
+          <a:xfrm>
+            <a:off x="1835696" y="2204864"/>
+            <a:ext cx="2475855" cy="338554"/>
+          </a:xfrm>
+          <a:prstGeom prst="rect">
+            <a:avLst/>
+          </a:prstGeom>
+          <a:solidFill>
+            <a:srgbClr val="FFFFFF"/>
+          </a:solidFill>
+          <a:ln>
+            <a:solidFill>
+              <a:schemeClr val="bg1"/>
+            </a:solidFill>
+          </a:ln>
+        </p:spPr>
+        <p:style>
+          <a:lnRef idx="2">
+            <a:schemeClr val="accent1">
+              <a:shade val="50000"/>
+            </a:schemeClr>
+          </a:lnRef>
+          <a:fillRef idx="1">
+            <a:schemeClr val="accent1"/>
+          </a:fillRef>
+          <a:effectRef idx="0">
+            <a:schemeClr val="accent1"/>
+          </a:effectRef>
+          <a:fontRef idx="minor">
+            <a:schemeClr val="lt1"/>
+          </a:fontRef>
+        </p:style>
+        <p:txBody>
+          <a:bodyPr rtlCol="0" anchor="ctr"/>
+          <a:lstStyle/>
+          <a:p>
+            <a:pPr algn="ctr"/>
+            <a:endParaRPr lang="en-AU"/>
+          </a:p>
+        </p:txBody>
+      </p:sp>
+      <p:sp>
+        <p:nvSpPr>
+          <p:cNvPr id="18" name="Double Bracket 17"/>
+          <p:cNvSpPr/>
+          <p:nvPr/>
+        </p:nvSpPr>
+        <p:spPr>
+          <a:xfrm>
+            <a:off x="4427985" y="2276872"/>
+            <a:ext cx="4248471" cy="266546"/>
+          </a:xfrm>
+          <a:prstGeom prst="bracketPair">
+            <a:avLst/>
+          </a:prstGeom>
+          <a:ln>
+            <a:solidFill>
+              <a:srgbClr val="DFDFFF"/>
+            </a:solidFill>
+            <a:tailEnd type="arrow"/>
+          </a:ln>
+        </p:spPr>
+        <p:style>
+          <a:lnRef idx="1">
+            <a:schemeClr val="accent1"/>
+          </a:lnRef>
+          <a:fillRef idx="0">
+            <a:schemeClr val="accent1"/>
+          </a:fillRef>
+          <a:effectRef idx="0">
+            <a:schemeClr val="accent1"/>
+          </a:effectRef>
+          <a:fontRef idx="minor">
+            <a:schemeClr val="tx1"/>
+          </a:fontRef>
+        </p:style>
+        <p:txBody>
+          <a:bodyPr rtlCol="0" anchor="ctr"/>
+          <a:lstStyle/>
+          <a:p>
+            <a:pPr algn="ctr"/>
+            <a:r>
+              <a:rPr lang="en-AU" sz="1200" i="1" dirty="0" smtClean="0">
+                <a:solidFill>
+                  <a:schemeClr val="tx2"/>
+                </a:solidFill>
+              </a:rPr>
+              <a:t>User name should contain an Upper case and a special character </a:t>
+            </a:r>
+            <a:endParaRPr lang="en-AU" sz="1200" i="1" dirty="0">
+              <a:solidFill>
+                <a:schemeClr val="tx2"/>
+              </a:solidFill>
+            </a:endParaRPr>
+          </a:p>
+        </p:txBody>
+      </p:sp>
+      <p:sp>
+        <p:nvSpPr>
+          <p:cNvPr id="25" name="TextBox 24"/>
+          <p:cNvSpPr txBox="1"/>
+          <p:nvPr/>
+        </p:nvSpPr>
+        <p:spPr>
+          <a:xfrm>
+            <a:off x="319510" y="2617915"/>
+            <a:ext cx="4257056" cy="369332"/>
+          </a:xfrm>
+          <a:prstGeom prst="rect">
+            <a:avLst/>
+          </a:prstGeom>
+          <a:noFill/>
+        </p:spPr>
+        <p:txBody>
+          <a:bodyPr wrap="square" rtlCol="0">
+            <a:spAutoFit/>
+          </a:bodyPr>
+          <a:lstStyle/>
+          <a:p>
+            <a:r>
+              <a:rPr lang="en-AU" sz="1400" dirty="0" smtClean="0">
+                <a:latin typeface="Arial" panose="020B0604020202020204" pitchFamily="34" charset="0"/>
+                <a:cs typeface="Arial" panose="020B0604020202020204" pitchFamily="34" charset="0"/>
+              </a:rPr>
+              <a:t>Create</a:t>
+            </a:r>
+            <a:r>
+              <a:rPr lang="en-AU" dirty="0" smtClean="0"/>
+              <a:t> </a:t>
+            </a:r>
+            <a:r>
+              <a:rPr lang="en-AU" sz="1400" dirty="0" smtClean="0"/>
+              <a:t>Password</a:t>
+            </a:r>
+            <a:endParaRPr lang="en-AU" sz="1400" dirty="0"/>
+          </a:p>
+        </p:txBody>
+      </p:sp>
+      <p:sp>
+        <p:nvSpPr>
+          <p:cNvPr id="33" name="Rectangle 32"/>
+          <p:cNvSpPr/>
+          <p:nvPr/>
+        </p:nvSpPr>
+        <p:spPr>
+          <a:xfrm>
+            <a:off x="1835696" y="2648693"/>
+            <a:ext cx="2475855" cy="338554"/>
+          </a:xfrm>
+          <a:prstGeom prst="rect">
+            <a:avLst/>
+          </a:prstGeom>
+          <a:solidFill>
+            <a:srgbClr val="FFFFFF"/>
+          </a:solidFill>
+          <a:ln>
+            <a:solidFill>
+              <a:schemeClr val="bg1"/>
+            </a:solidFill>
+          </a:ln>
+        </p:spPr>
+        <p:style>
+          <a:lnRef idx="2">
+            <a:schemeClr val="accent1">
+              <a:shade val="50000"/>
+            </a:schemeClr>
+          </a:lnRef>
+          <a:fillRef idx="1">
+            <a:schemeClr val="accent1"/>
+          </a:fillRef>
+          <a:effectRef idx="0">
+            <a:schemeClr val="accent1"/>
+          </a:effectRef>
+          <a:fontRef idx="minor">
+            <a:schemeClr val="lt1"/>
+          </a:fontRef>
+        </p:style>
+        <p:txBody>
+          <a:bodyPr rtlCol="0" anchor="ctr"/>
+          <a:lstStyle/>
+          <a:p>
+            <a:pPr algn="ctr"/>
+            <a:endParaRPr lang="en-AU"/>
+          </a:p>
+        </p:txBody>
+      </p:sp>
+      <p:sp>
+        <p:nvSpPr>
+          <p:cNvPr id="34" name="Double Bracket 33"/>
+          <p:cNvSpPr/>
+          <p:nvPr/>
+        </p:nvSpPr>
+        <p:spPr>
+          <a:xfrm>
+            <a:off x="4427985" y="2658398"/>
+            <a:ext cx="2520279" cy="266546"/>
+          </a:xfrm>
+          <a:prstGeom prst="bracketPair">
+            <a:avLst/>
+          </a:prstGeom>
+          <a:ln>
+            <a:solidFill>
+              <a:srgbClr val="DFDFFF"/>
+            </a:solidFill>
+            <a:tailEnd type="arrow"/>
+          </a:ln>
+        </p:spPr>
+        <p:style>
+          <a:lnRef idx="1">
+            <a:schemeClr val="accent1"/>
+          </a:lnRef>
+          <a:fillRef idx="0">
+            <a:schemeClr val="accent1"/>
+          </a:fillRef>
+          <a:effectRef idx="0">
+            <a:schemeClr val="accent1"/>
+          </a:effectRef>
+          <a:fontRef idx="minor">
+            <a:schemeClr val="tx1"/>
+          </a:fontRef>
+        </p:style>
+        <p:txBody>
+          <a:bodyPr rtlCol="0" anchor="ctr"/>
+          <a:lstStyle/>
+          <a:p>
+            <a:pPr algn="ctr"/>
+            <a:r>
+              <a:rPr lang="en-AU" sz="1200" i="1" dirty="0">
+                <a:solidFill>
+                  <a:schemeClr val="tx2"/>
+                </a:solidFill>
+              </a:rPr>
+              <a:t>Password should  be 5-15 character </a:t>
+            </a:r>
+            <a:endParaRPr lang="en-AU" sz="1200" i="1" dirty="0">
+              <a:solidFill>
+                <a:schemeClr val="tx2"/>
+              </a:solidFill>
+            </a:endParaRPr>
+          </a:p>
+        </p:txBody>
+      </p:sp>
+      <p:sp>
+        <p:nvSpPr>
+          <p:cNvPr id="35" name="TextBox 34"/>
+          <p:cNvSpPr txBox="1"/>
+          <p:nvPr/>
+        </p:nvSpPr>
+        <p:spPr>
+          <a:xfrm>
+            <a:off x="319510" y="3059668"/>
+            <a:ext cx="4257056" cy="369332"/>
+          </a:xfrm>
+          <a:prstGeom prst="rect">
+            <a:avLst/>
+          </a:prstGeom>
+          <a:noFill/>
+        </p:spPr>
+        <p:txBody>
+          <a:bodyPr wrap="square" rtlCol="0">
+            <a:spAutoFit/>
+          </a:bodyPr>
+          <a:lstStyle/>
+          <a:p>
+            <a:r>
+              <a:rPr lang="en-AU" sz="1400" dirty="0" smtClean="0">
+                <a:latin typeface="Arial" panose="020B0604020202020204" pitchFamily="34" charset="0"/>
+                <a:cs typeface="Arial" panose="020B0604020202020204" pitchFamily="34" charset="0"/>
+              </a:rPr>
+              <a:t>Confirm</a:t>
+            </a:r>
+            <a:r>
+              <a:rPr lang="en-AU" dirty="0" smtClean="0"/>
+              <a:t> </a:t>
+            </a:r>
+            <a:r>
+              <a:rPr lang="en-AU" sz="1400" dirty="0" smtClean="0"/>
+              <a:t>Password</a:t>
+            </a:r>
+            <a:endParaRPr lang="en-AU" sz="1400" dirty="0"/>
+          </a:p>
+        </p:txBody>
+      </p:sp>
+      <p:sp>
+        <p:nvSpPr>
+          <p:cNvPr id="36" name="Rectangle 35"/>
+          <p:cNvSpPr/>
+          <p:nvPr/>
+        </p:nvSpPr>
+        <p:spPr>
+          <a:xfrm>
+            <a:off x="1835696" y="3090446"/>
+            <a:ext cx="2475855" cy="338554"/>
+          </a:xfrm>
+          <a:prstGeom prst="rect">
+            <a:avLst/>
+          </a:prstGeom>
+          <a:solidFill>
+            <a:srgbClr val="FFFFFF"/>
+          </a:solidFill>
+          <a:ln>
+            <a:solidFill>
+              <a:schemeClr val="bg1"/>
+            </a:solidFill>
+          </a:ln>
+        </p:spPr>
+        <p:style>
+          <a:lnRef idx="2">
+            <a:schemeClr val="accent1">
+              <a:shade val="50000"/>
+            </a:schemeClr>
+          </a:lnRef>
+          <a:fillRef idx="1">
+            <a:schemeClr val="accent1"/>
+          </a:fillRef>
+          <a:effectRef idx="0">
+            <a:schemeClr val="accent1"/>
+          </a:effectRef>
+          <a:fontRef idx="minor">
+            <a:schemeClr val="lt1"/>
+          </a:fontRef>
+        </p:style>
+        <p:txBody>
+          <a:bodyPr rtlCol="0" anchor="ctr"/>
+          <a:lstStyle/>
+          <a:p>
+            <a:pPr algn="ctr"/>
+            <a:endParaRPr lang="en-AU"/>
+          </a:p>
+        </p:txBody>
+      </p:sp>
+      <p:sp>
+        <p:nvSpPr>
+          <p:cNvPr id="38" name="TextBox 37"/>
+          <p:cNvSpPr txBox="1"/>
+          <p:nvPr/>
+        </p:nvSpPr>
+        <p:spPr>
+          <a:xfrm>
+            <a:off x="314485" y="3569558"/>
+            <a:ext cx="4257056" cy="307777"/>
+          </a:xfrm>
+          <a:prstGeom prst="rect">
+            <a:avLst/>
+          </a:prstGeom>
+          <a:noFill/>
+        </p:spPr>
+        <p:txBody>
+          <a:bodyPr wrap="square" rtlCol="0">
+            <a:spAutoFit/>
+          </a:bodyPr>
+          <a:lstStyle/>
+          <a:p>
+            <a:r>
+              <a:rPr lang="en-AU" sz="1400" dirty="0" smtClean="0">
+                <a:latin typeface="Arial" panose="020B0604020202020204" pitchFamily="34" charset="0"/>
+                <a:cs typeface="Arial" panose="020B0604020202020204" pitchFamily="34" charset="0"/>
+              </a:rPr>
+              <a:t>Email ID</a:t>
+            </a:r>
+            <a:endParaRPr lang="en-AU" sz="1400" dirty="0"/>
+          </a:p>
+        </p:txBody>
+      </p:sp>
+      <p:sp>
+        <p:nvSpPr>
+          <p:cNvPr id="39" name="Rectangle 38"/>
+          <p:cNvSpPr/>
+          <p:nvPr/>
+        </p:nvSpPr>
+        <p:spPr>
+          <a:xfrm>
+            <a:off x="1835696" y="3522494"/>
+            <a:ext cx="2475855" cy="338554"/>
+          </a:xfrm>
+          <a:prstGeom prst="rect">
+            <a:avLst/>
+          </a:prstGeom>
+          <a:solidFill>
+            <a:srgbClr val="FFFFFF"/>
+          </a:solidFill>
+          <a:ln>
+            <a:solidFill>
+              <a:schemeClr val="bg1"/>
+            </a:solidFill>
+          </a:ln>
+        </p:spPr>
+        <p:style>
+          <a:lnRef idx="2">
+            <a:schemeClr val="accent1">
+              <a:shade val="50000"/>
+            </a:schemeClr>
+          </a:lnRef>
+          <a:fillRef idx="1">
+            <a:schemeClr val="accent1"/>
+          </a:fillRef>
+          <a:effectRef idx="0">
+            <a:schemeClr val="accent1"/>
+          </a:effectRef>
+          <a:fontRef idx="minor">
+            <a:schemeClr val="lt1"/>
+          </a:fontRef>
+        </p:style>
+        <p:txBody>
+          <a:bodyPr rtlCol="0" anchor="ctr"/>
+          <a:lstStyle/>
+          <a:p>
+            <a:pPr algn="ctr"/>
+            <a:endParaRPr lang="en-AU"/>
+          </a:p>
+        </p:txBody>
+      </p:sp>
+      <p:sp>
+        <p:nvSpPr>
+          <p:cNvPr id="41" name="TextBox 40"/>
+          <p:cNvSpPr txBox="1"/>
+          <p:nvPr/>
+        </p:nvSpPr>
+        <p:spPr>
+          <a:xfrm>
+            <a:off x="328481" y="4029735"/>
+            <a:ext cx="4257056" cy="307777"/>
+          </a:xfrm>
+          <a:prstGeom prst="rect">
+            <a:avLst/>
+          </a:prstGeom>
+          <a:noFill/>
+        </p:spPr>
+        <p:txBody>
+          <a:bodyPr wrap="square" rtlCol="0">
+            <a:spAutoFit/>
+          </a:bodyPr>
+          <a:lstStyle/>
+          <a:p>
+            <a:r>
+              <a:rPr lang="en-AU" sz="1400" dirty="0">
+                <a:latin typeface="Arial" panose="020B0604020202020204" pitchFamily="34" charset="0"/>
+                <a:cs typeface="Arial" panose="020B0604020202020204" pitchFamily="34" charset="0"/>
+              </a:rPr>
+              <a:t>Confirm Email ID</a:t>
+            </a:r>
+            <a:endParaRPr lang="en-AU" sz="1400" dirty="0"/>
+          </a:p>
+        </p:txBody>
+      </p:sp>
+      <p:sp>
+        <p:nvSpPr>
+          <p:cNvPr id="42" name="Rectangle 41"/>
+          <p:cNvSpPr/>
+          <p:nvPr/>
+        </p:nvSpPr>
+        <p:spPr>
+          <a:xfrm>
+            <a:off x="1835696" y="3954542"/>
+            <a:ext cx="2475855" cy="338554"/>
+          </a:xfrm>
+          <a:prstGeom prst="rect">
+            <a:avLst/>
+          </a:prstGeom>
+          <a:solidFill>
+            <a:srgbClr val="FFFFFF"/>
+          </a:solidFill>
+          <a:ln>
+            <a:solidFill>
+              <a:schemeClr val="bg1"/>
+            </a:solidFill>
+          </a:ln>
+        </p:spPr>
+        <p:style>
+          <a:lnRef idx="2">
+            <a:schemeClr val="accent1">
+              <a:shade val="50000"/>
+            </a:schemeClr>
+          </a:lnRef>
+          <a:fillRef idx="1">
+            <a:schemeClr val="accent1"/>
+          </a:fillRef>
+          <a:effectRef idx="0">
+            <a:schemeClr val="accent1"/>
+          </a:effectRef>
+          <a:fontRef idx="minor">
+            <a:schemeClr val="lt1"/>
+          </a:fontRef>
+        </p:style>
+        <p:txBody>
+          <a:bodyPr rtlCol="0" anchor="ctr"/>
+          <a:lstStyle/>
+          <a:p>
+            <a:pPr algn="ctr"/>
+            <a:endParaRPr lang="en-AU"/>
+          </a:p>
+        </p:txBody>
+      </p:sp>
       <p:pic>
         <p:nvPicPr>
-          <p:cNvPr id="1029" name="Picture 5"/>
+          <p:cNvPr id="1032" name="Picture 8"/>
           <p:cNvPicPr>
             <a:picLocks noChangeAspect="1" noChangeArrowheads="1"/>
           </p:cNvPicPr>
@@ -8561,8 +9079,8 @@
         </p:blipFill>
         <p:spPr bwMode="auto">
           <a:xfrm>
-            <a:off x="4311551" y="1665897"/>
-            <a:ext cx="704850" cy="390525"/>
+            <a:off x="410245" y="5177940"/>
+            <a:ext cx="2181225" cy="1563428"/>
           </a:xfrm>
           <a:prstGeom prst="rect">
             <a:avLst/>
@@ -8592,9 +9110,448 @@
           </a:extLst>
         </p:spPr>
       </p:pic>
+      <p:sp>
+        <p:nvSpPr>
+          <p:cNvPr id="27" name="Rounded Rectangle 26"/>
+          <p:cNvSpPr/>
+          <p:nvPr/>
+        </p:nvSpPr>
+        <p:spPr>
+          <a:xfrm>
+            <a:off x="7067315" y="6165304"/>
+            <a:ext cx="1836204" cy="432048"/>
+          </a:xfrm>
+          <a:prstGeom prst="roundRect">
+            <a:avLst/>
+          </a:prstGeom>
+          <a:solidFill>
+            <a:srgbClr val="FFFFFF"/>
+          </a:solidFill>
+          <a:ln>
+            <a:solidFill>
+              <a:srgbClr val="0F0F7F"/>
+            </a:solidFill>
+          </a:ln>
+        </p:spPr>
+        <p:style>
+          <a:lnRef idx="2">
+            <a:schemeClr val="accent1">
+              <a:shade val="50000"/>
+            </a:schemeClr>
+          </a:lnRef>
+          <a:fillRef idx="1">
+            <a:schemeClr val="accent1"/>
+          </a:fillRef>
+          <a:effectRef idx="0">
+            <a:schemeClr val="accent1"/>
+          </a:effectRef>
+          <a:fontRef idx="minor">
+            <a:schemeClr val="lt1"/>
+          </a:fontRef>
+        </p:style>
+        <p:txBody>
+          <a:bodyPr rtlCol="0" anchor="ctr"/>
+          <a:lstStyle/>
+          <a:p>
+            <a:pPr algn="ctr"/>
+            <a:r>
+              <a:rPr lang="en-AU" sz="2000" dirty="0" smtClean="0">
+                <a:solidFill>
+                  <a:srgbClr val="0F0F7F"/>
+                </a:solidFill>
+                <a:latin typeface="Cooper Black" panose="0208090404030B020404" pitchFamily="18" charset="0"/>
+              </a:rPr>
+              <a:t>Submit</a:t>
+            </a:r>
+            <a:r>
+              <a:rPr lang="en-AU" dirty="0" smtClean="0"/>
+              <a:t>t</a:t>
+            </a:r>
+            <a:endParaRPr lang="en-AU" dirty="0"/>
+          </a:p>
+        </p:txBody>
+      </p:sp>
+      <p:sp>
+        <p:nvSpPr>
+          <p:cNvPr id="46" name="Rounded Rectangle 45"/>
+          <p:cNvSpPr/>
+          <p:nvPr/>
+        </p:nvSpPr>
+        <p:spPr>
+          <a:xfrm>
+            <a:off x="5112060" y="6186775"/>
+            <a:ext cx="1836204" cy="432048"/>
+          </a:xfrm>
+          <a:prstGeom prst="roundRect">
+            <a:avLst/>
+          </a:prstGeom>
+          <a:solidFill>
+            <a:srgbClr val="FFFFFF"/>
+          </a:solidFill>
+          <a:ln>
+            <a:solidFill>
+              <a:srgbClr val="0F0F7F"/>
+            </a:solidFill>
+          </a:ln>
+        </p:spPr>
+        <p:style>
+          <a:lnRef idx="2">
+            <a:schemeClr val="accent1">
+              <a:shade val="50000"/>
+            </a:schemeClr>
+          </a:lnRef>
+          <a:fillRef idx="1">
+            <a:schemeClr val="accent1"/>
+          </a:fillRef>
+          <a:effectRef idx="0">
+            <a:schemeClr val="accent1"/>
+          </a:effectRef>
+          <a:fontRef idx="minor">
+            <a:schemeClr val="lt1"/>
+          </a:fontRef>
+        </p:style>
+        <p:txBody>
+          <a:bodyPr rtlCol="0" anchor="ctr"/>
+          <a:lstStyle/>
+          <a:p>
+            <a:pPr algn="ctr"/>
+            <a:r>
+              <a:rPr lang="en-AU" sz="2000" dirty="0" err="1" smtClean="0">
+                <a:solidFill>
+                  <a:srgbClr val="0F0F7F"/>
+                </a:solidFill>
+                <a:latin typeface="Cooper Black" panose="0208090404030B020404" pitchFamily="18" charset="0"/>
+              </a:rPr>
+              <a:t>Cancel</a:t>
+            </a:r>
+            <a:r>
+              <a:rPr lang="en-AU" dirty="0" err="1" smtClean="0"/>
+              <a:t>t</a:t>
+            </a:r>
+            <a:endParaRPr lang="en-AU" dirty="0"/>
+          </a:p>
+        </p:txBody>
+      </p:sp>
+      <p:sp>
+        <p:nvSpPr>
+          <p:cNvPr id="32" name="Rectangle 31"/>
+          <p:cNvSpPr/>
+          <p:nvPr/>
+        </p:nvSpPr>
+        <p:spPr>
+          <a:xfrm>
+            <a:off x="6408204" y="1665897"/>
+            <a:ext cx="1044116" cy="610975"/>
+          </a:xfrm>
+          <a:prstGeom prst="rect">
+            <a:avLst/>
+          </a:prstGeom>
+          <a:solidFill>
+            <a:schemeClr val="accent2">
+              <a:lumMod val="60000"/>
+              <a:lumOff val="40000"/>
+            </a:schemeClr>
+          </a:solidFill>
+        </p:spPr>
+        <p:style>
+          <a:lnRef idx="2">
+            <a:schemeClr val="accent1">
+              <a:shade val="50000"/>
+            </a:schemeClr>
+          </a:lnRef>
+          <a:fillRef idx="1">
+            <a:schemeClr val="accent1"/>
+          </a:fillRef>
+          <a:effectRef idx="0">
+            <a:schemeClr val="accent1"/>
+          </a:effectRef>
+          <a:fontRef idx="minor">
+            <a:schemeClr val="lt1"/>
+          </a:fontRef>
+        </p:style>
+        <p:txBody>
+          <a:bodyPr rtlCol="0" anchor="ctr"/>
+          <a:lstStyle/>
+          <a:p>
+            <a:r>
+              <a:rPr lang="en-AU" sz="1600" dirty="0" smtClean="0"/>
+              <a:t>Arial, 16, #0f0f7f</a:t>
+            </a:r>
+            <a:endParaRPr lang="en-AU" sz="1600" dirty="0"/>
+          </a:p>
+        </p:txBody>
+      </p:sp>
+      <p:sp>
+        <p:nvSpPr>
+          <p:cNvPr id="44" name="Rectangle 43"/>
+          <p:cNvSpPr/>
+          <p:nvPr/>
+        </p:nvSpPr>
+        <p:spPr>
+          <a:xfrm>
+            <a:off x="4860033" y="3090446"/>
+            <a:ext cx="2520279" cy="432048"/>
+          </a:xfrm>
+          <a:prstGeom prst="rect">
+            <a:avLst/>
+          </a:prstGeom>
+          <a:solidFill>
+            <a:schemeClr val="accent2">
+              <a:lumMod val="60000"/>
+              <a:lumOff val="40000"/>
+            </a:schemeClr>
+          </a:solidFill>
+        </p:spPr>
+        <p:style>
+          <a:lnRef idx="2">
+            <a:schemeClr val="accent1">
+              <a:shade val="50000"/>
+            </a:schemeClr>
+          </a:lnRef>
+          <a:fillRef idx="1">
+            <a:schemeClr val="accent1"/>
+          </a:fillRef>
+          <a:effectRef idx="0">
+            <a:schemeClr val="accent1"/>
+          </a:effectRef>
+          <a:fontRef idx="minor">
+            <a:schemeClr val="lt1"/>
+          </a:fontRef>
+        </p:style>
+        <p:txBody>
+          <a:bodyPr rtlCol="0" anchor="ctr"/>
+          <a:lstStyle/>
+          <a:p>
+            <a:pPr algn="ctr"/>
+            <a:r>
+              <a:rPr lang="en-AU" sz="1600" dirty="0" smtClean="0"/>
+              <a:t>Give a text alert if mismatched</a:t>
+            </a:r>
+            <a:endParaRPr lang="en-AU" sz="1600" dirty="0"/>
+          </a:p>
+        </p:txBody>
+      </p:sp>
+      <p:cxnSp>
+        <p:nvCxnSpPr>
+          <p:cNvPr id="52" name="Straight Arrow Connector 51"/>
+          <p:cNvCxnSpPr>
+            <a:stCxn id="36" idx="3"/>
+          </p:cNvCxnSpPr>
+          <p:nvPr/>
+        </p:nvCxnSpPr>
+        <p:spPr>
+          <a:xfrm>
+            <a:off x="4311551" y="3259723"/>
+            <a:ext cx="548482" cy="0"/>
+          </a:xfrm>
+          <a:prstGeom prst="straightConnector1">
+            <a:avLst/>
+          </a:prstGeom>
+          <a:ln>
+            <a:solidFill>
+              <a:srgbClr val="0F0F7F"/>
+            </a:solidFill>
+            <a:tailEnd type="arrow"/>
+          </a:ln>
+        </p:spPr>
+        <p:style>
+          <a:lnRef idx="1">
+            <a:schemeClr val="accent1"/>
+          </a:lnRef>
+          <a:fillRef idx="0">
+            <a:schemeClr val="accent1"/>
+          </a:fillRef>
+          <a:effectRef idx="0">
+            <a:schemeClr val="accent1"/>
+          </a:effectRef>
+          <a:fontRef idx="minor">
+            <a:schemeClr val="tx1"/>
+          </a:fontRef>
+        </p:style>
+      </p:cxnSp>
+      <p:sp>
+        <p:nvSpPr>
+          <p:cNvPr id="62" name="Rectangle 61"/>
+          <p:cNvSpPr/>
+          <p:nvPr/>
+        </p:nvSpPr>
+        <p:spPr>
+          <a:xfrm>
+            <a:off x="5400091" y="3573016"/>
+            <a:ext cx="2520279" cy="432048"/>
+          </a:xfrm>
+          <a:prstGeom prst="rect">
+            <a:avLst/>
+          </a:prstGeom>
+          <a:solidFill>
+            <a:schemeClr val="accent2">
+              <a:lumMod val="60000"/>
+              <a:lumOff val="40000"/>
+            </a:schemeClr>
+          </a:solidFill>
+        </p:spPr>
+        <p:style>
+          <a:lnRef idx="2">
+            <a:schemeClr val="accent1">
+              <a:shade val="50000"/>
+            </a:schemeClr>
+          </a:lnRef>
+          <a:fillRef idx="1">
+            <a:schemeClr val="accent1"/>
+          </a:fillRef>
+          <a:effectRef idx="0">
+            <a:schemeClr val="accent1"/>
+          </a:effectRef>
+          <a:fontRef idx="minor">
+            <a:schemeClr val="lt1"/>
+          </a:fontRef>
+        </p:style>
+        <p:txBody>
+          <a:bodyPr rtlCol="0" anchor="ctr"/>
+          <a:lstStyle/>
+          <a:p>
+            <a:pPr algn="ctr"/>
+            <a:r>
+              <a:rPr lang="en-AU" sz="1600" dirty="0" smtClean="0"/>
+              <a:t>Validate with “@”</a:t>
+            </a:r>
+            <a:endParaRPr lang="en-AU" sz="1600" dirty="0"/>
+          </a:p>
+        </p:txBody>
+      </p:sp>
+      <p:cxnSp>
+        <p:nvCxnSpPr>
+          <p:cNvPr id="63" name="Straight Arrow Connector 62"/>
+          <p:cNvCxnSpPr/>
+          <p:nvPr/>
+        </p:nvCxnSpPr>
+        <p:spPr>
+          <a:xfrm>
+            <a:off x="4283968" y="3717033"/>
+            <a:ext cx="1044115" cy="6413"/>
+          </a:xfrm>
+          <a:prstGeom prst="straightConnector1">
+            <a:avLst/>
+          </a:prstGeom>
+          <a:ln>
+            <a:solidFill>
+              <a:srgbClr val="0F0F7F"/>
+            </a:solidFill>
+            <a:tailEnd type="arrow"/>
+          </a:ln>
+        </p:spPr>
+        <p:style>
+          <a:lnRef idx="1">
+            <a:schemeClr val="accent1"/>
+          </a:lnRef>
+          <a:fillRef idx="0">
+            <a:schemeClr val="accent1"/>
+          </a:fillRef>
+          <a:effectRef idx="0">
+            <a:schemeClr val="accent1"/>
+          </a:effectRef>
+          <a:fontRef idx="minor">
+            <a:schemeClr val="tx1"/>
+          </a:fontRef>
+        </p:style>
+      </p:cxnSp>
+      <p:cxnSp>
+        <p:nvCxnSpPr>
+          <p:cNvPr id="68" name="Straight Arrow Connector 67"/>
+          <p:cNvCxnSpPr/>
+          <p:nvPr/>
+        </p:nvCxnSpPr>
+        <p:spPr>
+          <a:xfrm>
+            <a:off x="4311551" y="4260758"/>
+            <a:ext cx="1044115" cy="6413"/>
+          </a:xfrm>
+          <a:prstGeom prst="straightConnector1">
+            <a:avLst/>
+          </a:prstGeom>
+          <a:ln>
+            <a:solidFill>
+              <a:srgbClr val="0F0F7F"/>
+            </a:solidFill>
+            <a:tailEnd type="arrow"/>
+          </a:ln>
+        </p:spPr>
+        <p:style>
+          <a:lnRef idx="1">
+            <a:schemeClr val="accent1"/>
+          </a:lnRef>
+          <a:fillRef idx="0">
+            <a:schemeClr val="accent1"/>
+          </a:fillRef>
+          <a:effectRef idx="0">
+            <a:schemeClr val="accent1"/>
+          </a:effectRef>
+          <a:fontRef idx="minor">
+            <a:schemeClr val="tx1"/>
+          </a:fontRef>
+        </p:style>
+      </p:cxnSp>
+      <p:sp>
+        <p:nvSpPr>
+          <p:cNvPr id="69" name="Rectangle 68"/>
+          <p:cNvSpPr/>
+          <p:nvPr/>
+        </p:nvSpPr>
+        <p:spPr>
+          <a:xfrm>
+            <a:off x="5405223" y="4077072"/>
+            <a:ext cx="2520279" cy="432048"/>
+          </a:xfrm>
+          <a:prstGeom prst="rect">
+            <a:avLst/>
+          </a:prstGeom>
+          <a:solidFill>
+            <a:schemeClr val="accent2">
+              <a:lumMod val="60000"/>
+              <a:lumOff val="40000"/>
+            </a:schemeClr>
+          </a:solidFill>
+        </p:spPr>
+        <p:style>
+          <a:lnRef idx="2">
+            <a:schemeClr val="accent1">
+              <a:shade val="50000"/>
+            </a:schemeClr>
+          </a:lnRef>
+          <a:fillRef idx="1">
+            <a:schemeClr val="accent1"/>
+          </a:fillRef>
+          <a:effectRef idx="0">
+            <a:schemeClr val="accent1"/>
+          </a:effectRef>
+          <a:fontRef idx="minor">
+            <a:schemeClr val="lt1"/>
+          </a:fontRef>
+        </p:style>
+        <p:txBody>
+          <a:bodyPr rtlCol="0" anchor="ctr"/>
+          <a:lstStyle/>
+          <a:p>
+            <a:pPr algn="ctr"/>
+            <a:r>
+              <a:rPr lang="en-AU" sz="1600" dirty="0" smtClean="0"/>
+              <a:t>Give a text </a:t>
+            </a:r>
+            <a:r>
+              <a:rPr lang="en-AU" sz="1600" dirty="0" err="1" smtClean="0"/>
+              <a:t>alart</a:t>
+            </a:r>
+            <a:r>
+              <a:rPr lang="en-AU" sz="1600" dirty="0" smtClean="0"/>
+              <a:t> if mismatched</a:t>
+            </a:r>
+            <a:endParaRPr lang="en-AU" sz="1600" dirty="0"/>
+          </a:p>
+        </p:txBody>
+      </p:sp>
       <p:pic>
         <p:nvPicPr>
-          <p:cNvPr id="1031" name="Picture 7"/>
+          <p:cNvPr id="1026" name="Picture 2"/>
           <p:cNvPicPr>
             <a:picLocks noChangeAspect="1" noChangeArrowheads="1"/>
           </p:cNvPicPr>
@@ -8615,8 +9572,8 @@
         </p:blipFill>
         <p:spPr bwMode="auto">
           <a:xfrm>
-            <a:off x="5263544" y="1723047"/>
-            <a:ext cx="685800" cy="333375"/>
+            <a:off x="4361681" y="1713521"/>
+            <a:ext cx="714375" cy="352425"/>
           </a:xfrm>
           <a:prstGeom prst="rect">
             <a:avLst/>
@@ -8648,62 +9605,24 @@
       </p:pic>
       <p:sp>
         <p:nvSpPr>
-          <p:cNvPr id="14" name="TextBox 13"/>
-          <p:cNvSpPr txBox="1"/>
-          <p:nvPr/>
-        </p:nvSpPr>
-        <p:spPr>
-          <a:xfrm>
-            <a:off x="323528" y="2204864"/>
-            <a:ext cx="1872208" cy="307777"/>
+          <p:cNvPr id="61" name="Rectangle 60"/>
+          <p:cNvSpPr/>
+          <p:nvPr/>
+        </p:nvSpPr>
+        <p:spPr>
+          <a:xfrm>
+            <a:off x="2781160" y="4970804"/>
+            <a:ext cx="1368152" cy="988850"/>
           </a:xfrm>
           <a:prstGeom prst="rect">
             <a:avLst/>
           </a:prstGeom>
-          <a:noFill/>
-        </p:spPr>
-        <p:txBody>
-          <a:bodyPr wrap="square" rtlCol="0">
-            <a:spAutoFit/>
-          </a:bodyPr>
-          <a:lstStyle/>
-          <a:p>
-            <a:r>
-              <a:rPr lang="en-AU" sz="1400" dirty="0" smtClean="0">
-                <a:latin typeface="Arial" panose="020B0604020202020204" pitchFamily="34" charset="0"/>
-                <a:cs typeface="Arial" panose="020B0604020202020204" pitchFamily="34" charset="0"/>
-              </a:rPr>
-              <a:t>User Name </a:t>
-            </a:r>
-            <a:endParaRPr lang="en-AU" sz="1400" dirty="0">
-              <a:latin typeface="Arial" panose="020B0604020202020204" pitchFamily="34" charset="0"/>
-              <a:cs typeface="Arial" panose="020B0604020202020204" pitchFamily="34" charset="0"/>
-            </a:endParaRPr>
-          </a:p>
-        </p:txBody>
-      </p:sp>
-      <p:sp>
-        <p:nvSpPr>
-          <p:cNvPr id="16" name="Rectangle 15"/>
-          <p:cNvSpPr/>
-          <p:nvPr/>
-        </p:nvSpPr>
-        <p:spPr>
-          <a:xfrm>
-            <a:off x="1835696" y="2204864"/>
-            <a:ext cx="2475855" cy="338554"/>
-          </a:xfrm>
-          <a:prstGeom prst="rect">
-            <a:avLst/>
-          </a:prstGeom>
           <a:solidFill>
-            <a:srgbClr val="FFFFFF"/>
+            <a:schemeClr val="accent2">
+              <a:lumMod val="60000"/>
+              <a:lumOff val="40000"/>
+            </a:schemeClr>
           </a:solidFill>
-          <a:ln>
-            <a:solidFill>
-              <a:schemeClr val="bg1"/>
-            </a:solidFill>
-          </a:ln>
         </p:spPr>
         <p:style>
           <a:lnRef idx="2">
@@ -8725,464 +9644,29 @@
           <a:bodyPr rtlCol="0" anchor="ctr"/>
           <a:lstStyle/>
           <a:p>
-            <a:pPr algn="ctr"/>
-            <a:endParaRPr lang="en-AU"/>
-          </a:p>
-        </p:txBody>
-      </p:sp>
-      <p:sp>
-        <p:nvSpPr>
-          <p:cNvPr id="18" name="Double Bracket 17"/>
-          <p:cNvSpPr/>
-          <p:nvPr/>
-        </p:nvSpPr>
-        <p:spPr>
-          <a:xfrm>
-            <a:off x="4427985" y="2276872"/>
-            <a:ext cx="4248471" cy="266546"/>
-          </a:xfrm>
-          <a:prstGeom prst="bracketPair">
-            <a:avLst/>
-          </a:prstGeom>
-          <a:ln>
-            <a:solidFill>
-              <a:schemeClr val="bg1"/>
-            </a:solidFill>
-          </a:ln>
-        </p:spPr>
-        <p:style>
-          <a:lnRef idx="1">
-            <a:schemeClr val="accent1"/>
-          </a:lnRef>
-          <a:fillRef idx="0">
-            <a:schemeClr val="accent1"/>
-          </a:fillRef>
-          <a:effectRef idx="0">
-            <a:schemeClr val="accent1"/>
-          </a:effectRef>
-          <a:fontRef idx="minor">
-            <a:schemeClr val="tx1"/>
-          </a:fontRef>
-        </p:style>
-        <p:txBody>
-          <a:bodyPr rtlCol="0" anchor="ctr"/>
-          <a:lstStyle/>
-          <a:p>
-            <a:pPr algn="ctr"/>
-            <a:r>
-              <a:rPr lang="en-AU" sz="1200" i="1" dirty="0" smtClean="0">
-                <a:solidFill>
-                  <a:schemeClr val="tx2"/>
-                </a:solidFill>
-              </a:rPr>
-              <a:t>User name should contain an Upper case and a special character </a:t>
-            </a:r>
-            <a:endParaRPr lang="en-AU" sz="1200" i="1" dirty="0">
-              <a:solidFill>
-                <a:schemeClr val="tx2"/>
-              </a:solidFill>
-            </a:endParaRPr>
-          </a:p>
-        </p:txBody>
-      </p:sp>
-      <p:sp>
-        <p:nvSpPr>
-          <p:cNvPr id="25" name="TextBox 24"/>
-          <p:cNvSpPr txBox="1"/>
-          <p:nvPr/>
-        </p:nvSpPr>
-        <p:spPr>
-          <a:xfrm>
-            <a:off x="319510" y="2617915"/>
-            <a:ext cx="4257056" cy="369332"/>
-          </a:xfrm>
-          <a:prstGeom prst="rect">
-            <a:avLst/>
-          </a:prstGeom>
-          <a:noFill/>
-        </p:spPr>
-        <p:txBody>
-          <a:bodyPr wrap="square" rtlCol="0">
-            <a:spAutoFit/>
-          </a:bodyPr>
-          <a:lstStyle/>
-          <a:p>
-            <a:r>
-              <a:rPr lang="en-AU" sz="1400" dirty="0" smtClean="0">
-                <a:latin typeface="Arial" panose="020B0604020202020204" pitchFamily="34" charset="0"/>
-                <a:cs typeface="Arial" panose="020B0604020202020204" pitchFamily="34" charset="0"/>
-              </a:rPr>
-              <a:t>Create</a:t>
-            </a:r>
-            <a:r>
-              <a:rPr lang="en-AU" dirty="0" smtClean="0"/>
-              <a:t> </a:t>
-            </a:r>
-            <a:r>
-              <a:rPr lang="en-AU" sz="1400" dirty="0" smtClean="0"/>
-              <a:t>Password</a:t>
-            </a:r>
-            <a:endParaRPr lang="en-AU" sz="1400" dirty="0"/>
-          </a:p>
-        </p:txBody>
-      </p:sp>
-      <p:sp>
-        <p:nvSpPr>
-          <p:cNvPr id="33" name="Rectangle 32"/>
-          <p:cNvSpPr/>
-          <p:nvPr/>
-        </p:nvSpPr>
-        <p:spPr>
-          <a:xfrm>
-            <a:off x="1835696" y="2648693"/>
-            <a:ext cx="2475855" cy="338554"/>
-          </a:xfrm>
-          <a:prstGeom prst="rect">
-            <a:avLst/>
-          </a:prstGeom>
-          <a:solidFill>
-            <a:srgbClr val="FFFFFF"/>
-          </a:solidFill>
-          <a:ln>
-            <a:solidFill>
-              <a:schemeClr val="bg1"/>
-            </a:solidFill>
-          </a:ln>
-        </p:spPr>
-        <p:style>
-          <a:lnRef idx="2">
-            <a:schemeClr val="accent1">
-              <a:shade val="50000"/>
-            </a:schemeClr>
-          </a:lnRef>
-          <a:fillRef idx="1">
-            <a:schemeClr val="accent1"/>
-          </a:fillRef>
-          <a:effectRef idx="0">
-            <a:schemeClr val="accent1"/>
-          </a:effectRef>
-          <a:fontRef idx="minor">
-            <a:schemeClr val="lt1"/>
-          </a:fontRef>
-        </p:style>
-        <p:txBody>
-          <a:bodyPr rtlCol="0" anchor="ctr"/>
-          <a:lstStyle/>
-          <a:p>
-            <a:pPr algn="ctr"/>
-            <a:endParaRPr lang="en-AU"/>
-          </a:p>
-        </p:txBody>
-      </p:sp>
-      <p:sp>
-        <p:nvSpPr>
-          <p:cNvPr id="34" name="Double Bracket 33"/>
-          <p:cNvSpPr/>
-          <p:nvPr/>
-        </p:nvSpPr>
-        <p:spPr>
-          <a:xfrm>
-            <a:off x="4427985" y="2730406"/>
-            <a:ext cx="2520279" cy="266546"/>
-          </a:xfrm>
-          <a:prstGeom prst="bracketPair">
-            <a:avLst/>
-          </a:prstGeom>
-          <a:ln>
-            <a:solidFill>
-              <a:schemeClr val="bg1"/>
-            </a:solidFill>
-          </a:ln>
-        </p:spPr>
-        <p:style>
-          <a:lnRef idx="1">
-            <a:schemeClr val="accent1"/>
-          </a:lnRef>
-          <a:fillRef idx="0">
-            <a:schemeClr val="accent1"/>
-          </a:fillRef>
-          <a:effectRef idx="0">
-            <a:schemeClr val="accent1"/>
-          </a:effectRef>
-          <a:fontRef idx="minor">
-            <a:schemeClr val="tx1"/>
-          </a:fontRef>
-        </p:style>
-        <p:txBody>
-          <a:bodyPr rtlCol="0" anchor="ctr"/>
-          <a:lstStyle/>
-          <a:p>
-            <a:pPr algn="ctr"/>
-            <a:r>
-              <a:rPr lang="en-AU" sz="1200" i="1" dirty="0" smtClean="0">
-                <a:solidFill>
-                  <a:schemeClr val="tx2"/>
-                </a:solidFill>
-              </a:rPr>
-              <a:t>Password should  be 5-15 character </a:t>
-            </a:r>
-            <a:endParaRPr lang="en-AU" sz="1200" i="1" dirty="0">
-              <a:solidFill>
-                <a:schemeClr val="tx2"/>
-              </a:solidFill>
-            </a:endParaRPr>
-          </a:p>
-        </p:txBody>
-      </p:sp>
-      <p:sp>
-        <p:nvSpPr>
-          <p:cNvPr id="35" name="TextBox 34"/>
-          <p:cNvSpPr txBox="1"/>
-          <p:nvPr/>
-        </p:nvSpPr>
-        <p:spPr>
-          <a:xfrm>
-            <a:off x="319510" y="3059668"/>
-            <a:ext cx="4257056" cy="369332"/>
-          </a:xfrm>
-          <a:prstGeom prst="rect">
-            <a:avLst/>
-          </a:prstGeom>
-          <a:noFill/>
-        </p:spPr>
-        <p:txBody>
-          <a:bodyPr wrap="square" rtlCol="0">
-            <a:spAutoFit/>
-          </a:bodyPr>
-          <a:lstStyle/>
-          <a:p>
-            <a:r>
-              <a:rPr lang="en-AU" sz="1400" dirty="0" smtClean="0">
-                <a:latin typeface="Arial" panose="020B0604020202020204" pitchFamily="34" charset="0"/>
-                <a:cs typeface="Arial" panose="020B0604020202020204" pitchFamily="34" charset="0"/>
-              </a:rPr>
-              <a:t>Confirm</a:t>
-            </a:r>
-            <a:r>
-              <a:rPr lang="en-AU" dirty="0" smtClean="0"/>
-              <a:t> </a:t>
-            </a:r>
-            <a:r>
-              <a:rPr lang="en-AU" sz="1400" dirty="0" smtClean="0"/>
-              <a:t>Password</a:t>
-            </a:r>
-            <a:endParaRPr lang="en-AU" sz="1400" dirty="0"/>
-          </a:p>
-        </p:txBody>
-      </p:sp>
-      <p:sp>
-        <p:nvSpPr>
-          <p:cNvPr id="36" name="Rectangle 35"/>
-          <p:cNvSpPr/>
-          <p:nvPr/>
-        </p:nvSpPr>
-        <p:spPr>
-          <a:xfrm>
-            <a:off x="1835696" y="3090446"/>
-            <a:ext cx="2475855" cy="338554"/>
-          </a:xfrm>
-          <a:prstGeom prst="rect">
-            <a:avLst/>
-          </a:prstGeom>
-          <a:solidFill>
-            <a:srgbClr val="FFFFFF"/>
-          </a:solidFill>
-          <a:ln>
-            <a:solidFill>
-              <a:schemeClr val="bg1"/>
-            </a:solidFill>
-          </a:ln>
-        </p:spPr>
-        <p:style>
-          <a:lnRef idx="2">
-            <a:schemeClr val="accent1">
-              <a:shade val="50000"/>
-            </a:schemeClr>
-          </a:lnRef>
-          <a:fillRef idx="1">
-            <a:schemeClr val="accent1"/>
-          </a:fillRef>
-          <a:effectRef idx="0">
-            <a:schemeClr val="accent1"/>
-          </a:effectRef>
-          <a:fontRef idx="minor">
-            <a:schemeClr val="lt1"/>
-          </a:fontRef>
-        </p:style>
-        <p:txBody>
-          <a:bodyPr rtlCol="0" anchor="ctr"/>
-          <a:lstStyle/>
-          <a:p>
-            <a:pPr algn="ctr"/>
-            <a:endParaRPr lang="en-AU"/>
-          </a:p>
-        </p:txBody>
-      </p:sp>
-      <p:sp>
-        <p:nvSpPr>
-          <p:cNvPr id="38" name="TextBox 37"/>
-          <p:cNvSpPr txBox="1"/>
-          <p:nvPr/>
-        </p:nvSpPr>
-        <p:spPr>
-          <a:xfrm>
-            <a:off x="314485" y="3569558"/>
-            <a:ext cx="4257056" cy="307777"/>
-          </a:xfrm>
-          <a:prstGeom prst="rect">
-            <a:avLst/>
-          </a:prstGeom>
-          <a:noFill/>
-        </p:spPr>
-        <p:txBody>
-          <a:bodyPr wrap="square" rtlCol="0">
-            <a:spAutoFit/>
-          </a:bodyPr>
-          <a:lstStyle/>
-          <a:p>
-            <a:r>
-              <a:rPr lang="en-AU" sz="1400" dirty="0" smtClean="0">
-                <a:latin typeface="Arial" panose="020B0604020202020204" pitchFamily="34" charset="0"/>
-                <a:cs typeface="Arial" panose="020B0604020202020204" pitchFamily="34" charset="0"/>
-              </a:rPr>
-              <a:t>Email ID</a:t>
-            </a:r>
-            <a:endParaRPr lang="en-AU" sz="1400" dirty="0"/>
-          </a:p>
-        </p:txBody>
-      </p:sp>
-      <p:sp>
-        <p:nvSpPr>
-          <p:cNvPr id="39" name="Rectangle 38"/>
-          <p:cNvSpPr/>
-          <p:nvPr/>
-        </p:nvSpPr>
-        <p:spPr>
-          <a:xfrm>
-            <a:off x="1835696" y="3522494"/>
-            <a:ext cx="2475855" cy="338554"/>
-          </a:xfrm>
-          <a:prstGeom prst="rect">
-            <a:avLst/>
-          </a:prstGeom>
-          <a:solidFill>
-            <a:srgbClr val="FFFFFF"/>
-          </a:solidFill>
-          <a:ln>
-            <a:solidFill>
-              <a:schemeClr val="bg1"/>
-            </a:solidFill>
-          </a:ln>
-        </p:spPr>
-        <p:style>
-          <a:lnRef idx="2">
-            <a:schemeClr val="accent1">
-              <a:shade val="50000"/>
-            </a:schemeClr>
-          </a:lnRef>
-          <a:fillRef idx="1">
-            <a:schemeClr val="accent1"/>
-          </a:fillRef>
-          <a:effectRef idx="0">
-            <a:schemeClr val="accent1"/>
-          </a:effectRef>
-          <a:fontRef idx="minor">
-            <a:schemeClr val="lt1"/>
-          </a:fontRef>
-        </p:style>
-        <p:txBody>
-          <a:bodyPr rtlCol="0" anchor="ctr"/>
-          <a:lstStyle/>
-          <a:p>
-            <a:pPr algn="ctr"/>
-            <a:endParaRPr lang="en-AU"/>
-          </a:p>
-        </p:txBody>
-      </p:sp>
-      <p:sp>
-        <p:nvSpPr>
-          <p:cNvPr id="41" name="TextBox 40"/>
-          <p:cNvSpPr txBox="1"/>
-          <p:nvPr/>
-        </p:nvSpPr>
-        <p:spPr>
-          <a:xfrm>
-            <a:off x="328481" y="4029735"/>
-            <a:ext cx="4257056" cy="307777"/>
-          </a:xfrm>
-          <a:prstGeom prst="rect">
-            <a:avLst/>
-          </a:prstGeom>
-          <a:noFill/>
-        </p:spPr>
-        <p:txBody>
-          <a:bodyPr wrap="square" rtlCol="0">
-            <a:spAutoFit/>
-          </a:bodyPr>
-          <a:lstStyle/>
-          <a:p>
-            <a:r>
-              <a:rPr lang="en-AU" sz="1400" dirty="0" smtClean="0">
-                <a:latin typeface="Arial" panose="020B0604020202020204" pitchFamily="34" charset="0"/>
-                <a:cs typeface="Arial" panose="020B0604020202020204" pitchFamily="34" charset="0"/>
-              </a:rPr>
-              <a:t>Confirm Email ID</a:t>
-            </a:r>
-            <a:endParaRPr lang="en-AU" sz="1400" dirty="0"/>
-          </a:p>
-        </p:txBody>
-      </p:sp>
-      <p:sp>
-        <p:nvSpPr>
-          <p:cNvPr id="42" name="Rectangle 41"/>
-          <p:cNvSpPr/>
-          <p:nvPr/>
-        </p:nvSpPr>
-        <p:spPr>
-          <a:xfrm>
-            <a:off x="1835696" y="3954542"/>
-            <a:ext cx="2475855" cy="338554"/>
-          </a:xfrm>
-          <a:prstGeom prst="rect">
-            <a:avLst/>
-          </a:prstGeom>
-          <a:solidFill>
-            <a:srgbClr val="FFFFFF"/>
-          </a:solidFill>
-          <a:ln>
-            <a:solidFill>
-              <a:schemeClr val="bg1"/>
-            </a:solidFill>
-          </a:ln>
-        </p:spPr>
-        <p:style>
-          <a:lnRef idx="2">
-            <a:schemeClr val="accent1">
-              <a:shade val="50000"/>
-            </a:schemeClr>
-          </a:lnRef>
-          <a:fillRef idx="1">
-            <a:schemeClr val="accent1"/>
-          </a:fillRef>
-          <a:effectRef idx="0">
-            <a:schemeClr val="accent1"/>
-          </a:effectRef>
-          <a:fontRef idx="minor">
-            <a:schemeClr val="lt1"/>
-          </a:fontRef>
-        </p:style>
-        <p:txBody>
-          <a:bodyPr rtlCol="0" anchor="ctr"/>
-          <a:lstStyle/>
-          <a:p>
-            <a:pPr algn="ctr"/>
-            <a:endParaRPr lang="en-AU"/>
+            <a:r>
+              <a:rPr lang="en-AU" sz="1600" dirty="0" smtClean="0"/>
+              <a:t>Arial,14, #</a:t>
+            </a:r>
+            <a:r>
+              <a:rPr lang="en-AU" sz="1600" dirty="0" smtClean="0"/>
+              <a:t>0f0f7f (All other </a:t>
+            </a:r>
+            <a:r>
+              <a:rPr lang="en-AU" sz="1600" dirty="0" err="1" smtClean="0"/>
+              <a:t>lebels</a:t>
+            </a:r>
+            <a:r>
+              <a:rPr lang="en-AU" sz="1600" dirty="0" smtClean="0"/>
+              <a:t> will be same )</a:t>
+            </a:r>
+            <a:endParaRPr lang="en-AU" sz="1600" dirty="0"/>
           </a:p>
         </p:txBody>
       </p:sp>
       <p:pic>
         <p:nvPicPr>
-          <p:cNvPr id="1032" name="Picture 8"/>
+          <p:cNvPr id="1027" name="Picture 3"/>
           <p:cNvPicPr>
             <a:picLocks noChangeAspect="1" noChangeArrowheads="1"/>
           </p:cNvPicPr>
@@ -9203,8 +9687,8 @@
         </p:blipFill>
         <p:spPr bwMode="auto">
           <a:xfrm>
-            <a:off x="395536" y="4536394"/>
-            <a:ext cx="2181225" cy="2228850"/>
+            <a:off x="5453422" y="1713521"/>
+            <a:ext cx="666750" cy="352425"/>
           </a:xfrm>
           <a:prstGeom prst="rect">
             <a:avLst/>
@@ -9236,16 +9720,16 @@
       </p:pic>
       <p:sp>
         <p:nvSpPr>
-          <p:cNvPr id="27" name="Rounded Rectangle 26"/>
+          <p:cNvPr id="48" name="Rectangle 47"/>
           <p:cNvSpPr/>
           <p:nvPr/>
         </p:nvSpPr>
         <p:spPr>
           <a:xfrm>
-            <a:off x="6646315" y="6165304"/>
-            <a:ext cx="1836204" cy="432048"/>
-          </a:xfrm>
-          <a:prstGeom prst="roundRect">
+            <a:off x="1835696" y="4410758"/>
+            <a:ext cx="2475855" cy="338554"/>
+          </a:xfrm>
+          <a:prstGeom prst="rect">
             <a:avLst/>
           </a:prstGeom>
           <a:solidFill>
@@ -9253,7 +9737,7 @@
           </a:solidFill>
           <a:ln>
             <a:solidFill>
-              <a:srgbClr val="0F0F7F"/>
+              <a:schemeClr val="bg1"/>
             </a:solidFill>
           </a:ln>
         </p:spPr>
@@ -9278,319 +9762,58 @@
           <a:lstStyle/>
           <a:p>
             <a:pPr algn="ctr"/>
-            <a:r>
-              <a:rPr lang="en-AU" sz="2000" dirty="0" err="1" smtClean="0">
-                <a:solidFill>
-                  <a:srgbClr val="0F0F7F"/>
-                </a:solidFill>
-                <a:latin typeface="Cooper Black" panose="0208090404030B020404" pitchFamily="18" charset="0"/>
+            <a:endParaRPr lang="en-AU"/>
+          </a:p>
+        </p:txBody>
+      </p:sp>
+      <p:sp>
+        <p:nvSpPr>
+          <p:cNvPr id="22" name="TextBox 21"/>
+          <p:cNvSpPr txBox="1"/>
+          <p:nvPr/>
+        </p:nvSpPr>
+        <p:spPr>
+          <a:xfrm>
+            <a:off x="323528" y="4450295"/>
+            <a:ext cx="1331720" cy="307777"/>
+          </a:xfrm>
+          <a:prstGeom prst="rect">
+            <a:avLst/>
+          </a:prstGeom>
+          <a:noFill/>
+        </p:spPr>
+        <p:txBody>
+          <a:bodyPr wrap="square" rtlCol="0">
+            <a:spAutoFit/>
+          </a:bodyPr>
+          <a:lstStyle/>
+          <a:p>
+            <a:r>
+              <a:rPr lang="en-AU" sz="1400" dirty="0" smtClean="0">
+                <a:latin typeface="Arial" panose="020B0604020202020204" pitchFamily="34" charset="0"/>
+                <a:cs typeface="Arial" panose="020B0604020202020204" pitchFamily="34" charset="0"/>
               </a:rPr>
-              <a:t>Submit</a:t>
-            </a:r>
-            <a:r>
-              <a:rPr lang="en-AU" dirty="0" err="1" smtClean="0"/>
-              <a:t>t</a:t>
-            </a:r>
-            <a:endParaRPr lang="en-AU" dirty="0"/>
-          </a:p>
-        </p:txBody>
-      </p:sp>
-      <p:sp>
-        <p:nvSpPr>
-          <p:cNvPr id="46" name="Rounded Rectangle 45"/>
-          <p:cNvSpPr/>
-          <p:nvPr/>
-        </p:nvSpPr>
-        <p:spPr>
-          <a:xfrm>
-            <a:off x="4572000" y="6165304"/>
-            <a:ext cx="1836204" cy="432048"/>
-          </a:xfrm>
-          <a:prstGeom prst="roundRect">
-            <a:avLst/>
-          </a:prstGeom>
-          <a:solidFill>
-            <a:srgbClr val="FFFFFF"/>
-          </a:solidFill>
-          <a:ln>
-            <a:solidFill>
-              <a:srgbClr val="0F0F7F"/>
-            </a:solidFill>
-          </a:ln>
-        </p:spPr>
-        <p:style>
-          <a:lnRef idx="2">
-            <a:schemeClr val="accent1">
-              <a:shade val="50000"/>
-            </a:schemeClr>
-          </a:lnRef>
-          <a:fillRef idx="1">
-            <a:schemeClr val="accent1"/>
-          </a:fillRef>
-          <a:effectRef idx="0">
-            <a:schemeClr val="accent1"/>
-          </a:effectRef>
-          <a:fontRef idx="minor">
-            <a:schemeClr val="lt1"/>
-          </a:fontRef>
-        </p:style>
-        <p:txBody>
-          <a:bodyPr rtlCol="0" anchor="ctr"/>
-          <a:lstStyle/>
-          <a:p>
-            <a:pPr algn="ctr"/>
-            <a:r>
-              <a:rPr lang="en-AU" sz="2000" dirty="0" err="1" smtClean="0">
-                <a:solidFill>
-                  <a:srgbClr val="0F0F7F"/>
-                </a:solidFill>
-                <a:latin typeface="Cooper Black" panose="0208090404030B020404" pitchFamily="18" charset="0"/>
-              </a:rPr>
-              <a:t>Cancel</a:t>
-            </a:r>
-            <a:r>
-              <a:rPr lang="en-AU" dirty="0" err="1" smtClean="0"/>
-              <a:t>t</a:t>
-            </a:r>
-            <a:endParaRPr lang="en-AU" dirty="0"/>
+              <a:t>Mobile No</a:t>
+            </a:r>
+            <a:endParaRPr lang="en-AU" sz="1400" dirty="0">
+              <a:latin typeface="Arial" panose="020B0604020202020204" pitchFamily="34" charset="0"/>
+              <a:cs typeface="Arial" panose="020B0604020202020204" pitchFamily="34" charset="0"/>
+            </a:endParaRPr>
           </a:p>
         </p:txBody>
       </p:sp>
       <p:cxnSp>
         <p:nvCxnSpPr>
-          <p:cNvPr id="31" name="Elbow Connector 30"/>
+          <p:cNvPr id="24" name="Elbow Connector 23"/>
           <p:cNvCxnSpPr/>
           <p:nvPr/>
         </p:nvCxnSpPr>
         <p:spPr>
-          <a:xfrm>
-            <a:off x="4067944" y="1889734"/>
-            <a:ext cx="2340260" cy="315130"/>
+          <a:xfrm rot="16200000" flipH="1">
+            <a:off x="1090025" y="2784972"/>
+            <a:ext cx="2596663" cy="1774999"/>
           </a:xfrm>
           <a:prstGeom prst="bentConnector3">
-            <a:avLst/>
-          </a:prstGeom>
-          <a:ln>
-            <a:solidFill>
-              <a:srgbClr val="0F0F7F"/>
-            </a:solidFill>
-            <a:tailEnd type="arrow"/>
-          </a:ln>
-        </p:spPr>
-        <p:style>
-          <a:lnRef idx="1">
-            <a:schemeClr val="accent1"/>
-          </a:lnRef>
-          <a:fillRef idx="0">
-            <a:schemeClr val="accent1"/>
-          </a:fillRef>
-          <a:effectRef idx="0">
-            <a:schemeClr val="accent1"/>
-          </a:effectRef>
-          <a:fontRef idx="minor">
-            <a:schemeClr val="tx1"/>
-          </a:fontRef>
-        </p:style>
-      </p:cxnSp>
-      <p:sp>
-        <p:nvSpPr>
-          <p:cNvPr id="32" name="Rectangle 31"/>
-          <p:cNvSpPr/>
-          <p:nvPr/>
-        </p:nvSpPr>
-        <p:spPr>
-          <a:xfrm>
-            <a:off x="6408204" y="1665897"/>
-            <a:ext cx="1044116" cy="610975"/>
-          </a:xfrm>
-          <a:prstGeom prst="rect">
-            <a:avLst/>
-          </a:prstGeom>
-          <a:solidFill>
-            <a:schemeClr val="accent2">
-              <a:lumMod val="60000"/>
-              <a:lumOff val="40000"/>
-            </a:schemeClr>
-          </a:solidFill>
-        </p:spPr>
-        <p:style>
-          <a:lnRef idx="2">
-            <a:schemeClr val="accent1">
-              <a:shade val="50000"/>
-            </a:schemeClr>
-          </a:lnRef>
-          <a:fillRef idx="1">
-            <a:schemeClr val="accent1"/>
-          </a:fillRef>
-          <a:effectRef idx="0">
-            <a:schemeClr val="accent1"/>
-          </a:effectRef>
-          <a:fontRef idx="minor">
-            <a:schemeClr val="lt1"/>
-          </a:fontRef>
-        </p:style>
-        <p:txBody>
-          <a:bodyPr rtlCol="0" anchor="ctr"/>
-          <a:lstStyle/>
-          <a:p>
-            <a:r>
-              <a:rPr lang="en-AU" sz="1600" dirty="0" smtClean="0"/>
-              <a:t>Arial, 16, #0f0f7f</a:t>
-            </a:r>
-            <a:endParaRPr lang="en-AU" sz="1600" dirty="0"/>
-          </a:p>
-        </p:txBody>
-      </p:sp>
-      <p:sp>
-        <p:nvSpPr>
-          <p:cNvPr id="44" name="Rectangle 43"/>
-          <p:cNvSpPr/>
-          <p:nvPr/>
-        </p:nvSpPr>
-        <p:spPr>
-          <a:xfrm>
-            <a:off x="4860033" y="3090446"/>
-            <a:ext cx="2520279" cy="432048"/>
-          </a:xfrm>
-          <a:prstGeom prst="rect">
-            <a:avLst/>
-          </a:prstGeom>
-          <a:solidFill>
-            <a:schemeClr val="accent2">
-              <a:lumMod val="60000"/>
-              <a:lumOff val="40000"/>
-            </a:schemeClr>
-          </a:solidFill>
-        </p:spPr>
-        <p:style>
-          <a:lnRef idx="2">
-            <a:schemeClr val="accent1">
-              <a:shade val="50000"/>
-            </a:schemeClr>
-          </a:lnRef>
-          <a:fillRef idx="1">
-            <a:schemeClr val="accent1"/>
-          </a:fillRef>
-          <a:effectRef idx="0">
-            <a:schemeClr val="accent1"/>
-          </a:effectRef>
-          <a:fontRef idx="minor">
-            <a:schemeClr val="lt1"/>
-          </a:fontRef>
-        </p:style>
-        <p:txBody>
-          <a:bodyPr rtlCol="0" anchor="ctr"/>
-          <a:lstStyle/>
-          <a:p>
-            <a:pPr algn="ctr"/>
-            <a:r>
-              <a:rPr lang="en-AU" sz="1600" dirty="0" smtClean="0"/>
-              <a:t>Give a text alert if mismatched</a:t>
-            </a:r>
-            <a:endParaRPr lang="en-AU" sz="1600" dirty="0"/>
-          </a:p>
-        </p:txBody>
-      </p:sp>
-      <p:cxnSp>
-        <p:nvCxnSpPr>
-          <p:cNvPr id="52" name="Straight Arrow Connector 51"/>
-          <p:cNvCxnSpPr>
-            <a:stCxn id="36" idx="3"/>
-          </p:cNvCxnSpPr>
-          <p:nvPr/>
-        </p:nvCxnSpPr>
-        <p:spPr>
-          <a:xfrm>
-            <a:off x="4311551" y="3259723"/>
-            <a:ext cx="548482" cy="0"/>
-          </a:xfrm>
-          <a:prstGeom prst="straightConnector1">
-            <a:avLst/>
-          </a:prstGeom>
-          <a:ln>
-            <a:solidFill>
-              <a:srgbClr val="0F0F7F"/>
-            </a:solidFill>
-            <a:tailEnd type="arrow"/>
-          </a:ln>
-        </p:spPr>
-        <p:style>
-          <a:lnRef idx="1">
-            <a:schemeClr val="accent1"/>
-          </a:lnRef>
-          <a:fillRef idx="0">
-            <a:schemeClr val="accent1"/>
-          </a:fillRef>
-          <a:effectRef idx="0">
-            <a:schemeClr val="accent1"/>
-          </a:effectRef>
-          <a:fontRef idx="minor">
-            <a:schemeClr val="tx1"/>
-          </a:fontRef>
-        </p:style>
-      </p:cxnSp>
-      <p:sp>
-        <p:nvSpPr>
-          <p:cNvPr id="62" name="Rectangle 61"/>
-          <p:cNvSpPr/>
-          <p:nvPr/>
-        </p:nvSpPr>
-        <p:spPr>
-          <a:xfrm>
-            <a:off x="5400091" y="3573016"/>
-            <a:ext cx="2520279" cy="432048"/>
-          </a:xfrm>
-          <a:prstGeom prst="rect">
-            <a:avLst/>
-          </a:prstGeom>
-          <a:solidFill>
-            <a:schemeClr val="accent2">
-              <a:lumMod val="60000"/>
-              <a:lumOff val="40000"/>
-            </a:schemeClr>
-          </a:solidFill>
-        </p:spPr>
-        <p:style>
-          <a:lnRef idx="2">
-            <a:schemeClr val="accent1">
-              <a:shade val="50000"/>
-            </a:schemeClr>
-          </a:lnRef>
-          <a:fillRef idx="1">
-            <a:schemeClr val="accent1"/>
-          </a:fillRef>
-          <a:effectRef idx="0">
-            <a:schemeClr val="accent1"/>
-          </a:effectRef>
-          <a:fontRef idx="minor">
-            <a:schemeClr val="lt1"/>
-          </a:fontRef>
-        </p:style>
-        <p:txBody>
-          <a:bodyPr rtlCol="0" anchor="ctr"/>
-          <a:lstStyle/>
-          <a:p>
-            <a:pPr algn="ctr"/>
-            <a:r>
-              <a:rPr lang="en-AU" sz="1600" dirty="0" smtClean="0"/>
-              <a:t>Validate with “@”</a:t>
-            </a:r>
-            <a:endParaRPr lang="en-AU" sz="1600" dirty="0"/>
-          </a:p>
-        </p:txBody>
-      </p:sp>
-      <p:cxnSp>
-        <p:nvCxnSpPr>
-          <p:cNvPr id="63" name="Straight Arrow Connector 62"/>
-          <p:cNvCxnSpPr/>
-          <p:nvPr/>
-        </p:nvCxnSpPr>
-        <p:spPr>
-          <a:xfrm>
-            <a:off x="4283968" y="3717033"/>
-            <a:ext cx="1044115" cy="6413"/>
-          </a:xfrm>
-          <a:prstGeom prst="straightConnector1">
             <a:avLst/>
           </a:prstGeom>
           <a:ln>
@@ -9617,21 +9840,21 @@
       </p:cxnSp>
       <p:cxnSp>
         <p:nvCxnSpPr>
-          <p:cNvPr id="68" name="Straight Arrow Connector 67"/>
+          <p:cNvPr id="28" name="Straight Arrow Connector 27"/>
           <p:cNvCxnSpPr/>
           <p:nvPr/>
         </p:nvCxnSpPr>
         <p:spPr>
           <a:xfrm>
-            <a:off x="4311551" y="4260758"/>
-            <a:ext cx="1044115" cy="6413"/>
+            <a:off x="3203848" y="1268760"/>
+            <a:ext cx="792087" cy="0"/>
           </a:xfrm>
           <a:prstGeom prst="straightConnector1">
             <a:avLst/>
           </a:prstGeom>
           <a:ln>
             <a:solidFill>
-              <a:schemeClr val="bg1"/>
+              <a:srgbClr val="0F0F7F"/>
             </a:solidFill>
             <a:tailEnd type="arrow"/>
           </a:ln>
@@ -9653,14 +9876,14 @@
       </p:cxnSp>
       <p:sp>
         <p:nvSpPr>
-          <p:cNvPr id="69" name="Rectangle 68"/>
+          <p:cNvPr id="30" name="Rectangle 29"/>
           <p:cNvSpPr/>
           <p:nvPr/>
         </p:nvSpPr>
         <p:spPr>
           <a:xfrm>
-            <a:off x="5405223" y="4077072"/>
-            <a:ext cx="2520279" cy="432048"/>
+            <a:off x="3995936" y="908720"/>
+            <a:ext cx="1610821" cy="468052"/>
           </a:xfrm>
           <a:prstGeom prst="rect">
             <a:avLst/>
@@ -9692,18 +9915,9 @@
           <a:bodyPr rtlCol="0" anchor="ctr"/>
           <a:lstStyle/>
           <a:p>
-            <a:pPr algn="ctr"/>
             <a:r>
               <a:rPr lang="en-AU" sz="1600" dirty="0" smtClean="0"/>
-              <a:t>Give a text </a:t>
-            </a:r>
-            <a:r>
-              <a:rPr lang="en-AU" sz="1600" dirty="0" err="1" smtClean="0"/>
-              <a:t>alart</a:t>
-            </a:r>
-            <a:r>
-              <a:rPr lang="en-AU" sz="1600" dirty="0" smtClean="0"/>
-              <a:t> if mismatched</a:t>
+              <a:t>Arial, 16, B, #6f6fef </a:t>
             </a:r>
             <a:endParaRPr lang="en-AU" sz="1600" dirty="0"/>
           </a:p>
@@ -9711,21 +9925,21 @@
       </p:sp>
       <p:cxnSp>
         <p:nvCxnSpPr>
-          <p:cNvPr id="60" name="Elbow Connector 59"/>
+          <p:cNvPr id="50" name="Elbow Connector 49"/>
           <p:cNvCxnSpPr/>
           <p:nvPr/>
         </p:nvCxnSpPr>
         <p:spPr>
-          <a:xfrm rot="16200000" flipH="1">
-            <a:off x="1235895" y="2887415"/>
-            <a:ext cx="1861465" cy="1813991"/>
+          <a:xfrm>
+            <a:off x="4149312" y="1971384"/>
+            <a:ext cx="2258892" cy="233480"/>
           </a:xfrm>
           <a:prstGeom prst="bentConnector3">
             <a:avLst/>
           </a:prstGeom>
           <a:ln>
             <a:solidFill>
-              <a:schemeClr val="bg1"/>
+              <a:srgbClr val="0F0F7F"/>
             </a:solidFill>
             <a:tailEnd type="arrow"/>
           </a:ln>
@@ -9745,16 +9959,52 @@
           </a:fontRef>
         </p:style>
       </p:cxnSp>
-      <p:sp>
-        <p:nvSpPr>
-          <p:cNvPr id="61" name="Rectangle 60"/>
+      <p:cxnSp>
+        <p:nvCxnSpPr>
+          <p:cNvPr id="53" name="Straight Arrow Connector 52"/>
+          <p:cNvCxnSpPr/>
+          <p:nvPr/>
+        </p:nvCxnSpPr>
+        <p:spPr>
+          <a:xfrm>
+            <a:off x="7740352" y="5733256"/>
+            <a:ext cx="0" cy="432048"/>
+          </a:xfrm>
+          <a:prstGeom prst="straightConnector1">
+            <a:avLst/>
+          </a:prstGeom>
+          <a:ln>
+            <a:solidFill>
+              <a:srgbClr val="0F0F7F"/>
+            </a:solidFill>
+            <a:tailEnd type="arrow"/>
+          </a:ln>
+        </p:spPr>
+        <p:style>
+          <a:lnRef idx="1">
+            <a:schemeClr val="accent1"/>
+          </a:lnRef>
+          <a:fillRef idx="0">
+            <a:schemeClr val="accent1"/>
+          </a:fillRef>
+          <a:effectRef idx="0">
+            <a:schemeClr val="accent1"/>
+          </a:effectRef>
+          <a:fontRef idx="minor">
+            <a:schemeClr val="tx1"/>
+          </a:fontRef>
+        </p:style>
+      </p:cxnSp>
+      <p:sp>
+        <p:nvSpPr>
+          <p:cNvPr id="54" name="Rectangle 53"/>
           <p:cNvSpPr/>
           <p:nvPr/>
         </p:nvSpPr>
         <p:spPr>
           <a:xfrm>
-            <a:off x="2685626" y="4725144"/>
-            <a:ext cx="1368152" cy="720080"/>
+            <a:off x="6930262" y="5301209"/>
+            <a:ext cx="1602178" cy="432048"/>
           </a:xfrm>
           <a:prstGeom prst="rect">
             <a:avLst/>
@@ -9786,11 +10036,342 @@
           <a:bodyPr rtlCol="0" anchor="ctr"/>
           <a:lstStyle/>
           <a:p>
+            <a:pPr algn="ctr"/>
             <a:r>
               <a:rPr lang="en-AU" sz="1600" dirty="0" smtClean="0"/>
-              <a:t>Arial,14, #0f0f7f</a:t>
+              <a:t>Cooper black, 20, B, #0f0f7f</a:t>
             </a:r>
             <a:endParaRPr lang="en-AU" sz="1600" dirty="0"/>
+          </a:p>
+        </p:txBody>
+      </p:sp>
+      <p:sp>
+        <p:nvSpPr>
+          <p:cNvPr id="57" name="Rectangle 56"/>
+          <p:cNvSpPr/>
+          <p:nvPr/>
+        </p:nvSpPr>
+        <p:spPr>
+          <a:xfrm>
+            <a:off x="0" y="965114"/>
+            <a:ext cx="989388" cy="426904"/>
+          </a:xfrm>
+          <a:prstGeom prst="rect">
+            <a:avLst/>
+          </a:prstGeom>
+          <a:solidFill>
+            <a:schemeClr val="accent2">
+              <a:lumMod val="60000"/>
+              <a:lumOff val="40000"/>
+            </a:schemeClr>
+          </a:solidFill>
+        </p:spPr>
+        <p:style>
+          <a:lnRef idx="2">
+            <a:schemeClr val="accent1">
+              <a:shade val="50000"/>
+            </a:schemeClr>
+          </a:lnRef>
+          <a:fillRef idx="1">
+            <a:schemeClr val="accent1"/>
+          </a:fillRef>
+          <a:effectRef idx="0">
+            <a:schemeClr val="accent1"/>
+          </a:effectRef>
+          <a:fontRef idx="minor">
+            <a:schemeClr val="lt1"/>
+          </a:fontRef>
+        </p:style>
+        <p:txBody>
+          <a:bodyPr rtlCol="0" anchor="ctr"/>
+          <a:lstStyle/>
+          <a:p>
+            <a:r>
+              <a:rPr lang="en-AU" sz="1200" dirty="0" smtClean="0">
+                <a:solidFill>
+                  <a:schemeClr val="bg1"/>
+                </a:solidFill>
+              </a:rPr>
+              <a:t>#</a:t>
+            </a:r>
+            <a:r>
+              <a:rPr lang="en-AU" sz="1200" dirty="0" err="1" smtClean="0">
+                <a:solidFill>
+                  <a:schemeClr val="bg1"/>
+                </a:solidFill>
+              </a:rPr>
+              <a:t>fff</a:t>
+            </a:r>
+            <a:r>
+              <a:rPr lang="en-AU" sz="1200" dirty="0" smtClean="0">
+                <a:solidFill>
+                  <a:schemeClr val="bg1"/>
+                </a:solidFill>
+              </a:rPr>
+              <a:t> when Active, 60 px</a:t>
+            </a:r>
+            <a:endParaRPr lang="en-AU" sz="1200" dirty="0">
+              <a:solidFill>
+                <a:schemeClr val="bg1"/>
+              </a:solidFill>
+            </a:endParaRPr>
+          </a:p>
+        </p:txBody>
+      </p:sp>
+      <p:cxnSp>
+        <p:nvCxnSpPr>
+          <p:cNvPr id="71" name="Straight Arrow Connector 70"/>
+          <p:cNvCxnSpPr/>
+          <p:nvPr/>
+        </p:nvCxnSpPr>
+        <p:spPr>
+          <a:xfrm flipH="1">
+            <a:off x="989388" y="1268760"/>
+            <a:ext cx="126228" cy="0"/>
+          </a:xfrm>
+          <a:prstGeom prst="straightConnector1">
+            <a:avLst/>
+          </a:prstGeom>
+          <a:ln>
+            <a:solidFill>
+              <a:srgbClr val="0F0F7F"/>
+            </a:solidFill>
+            <a:tailEnd type="arrow"/>
+          </a:ln>
+        </p:spPr>
+        <p:style>
+          <a:lnRef idx="1">
+            <a:schemeClr val="accent1"/>
+          </a:lnRef>
+          <a:fillRef idx="0">
+            <a:schemeClr val="accent1"/>
+          </a:fillRef>
+          <a:effectRef idx="0">
+            <a:schemeClr val="accent1"/>
+          </a:effectRef>
+          <a:fontRef idx="minor">
+            <a:schemeClr val="tx1"/>
+          </a:fontRef>
+        </p:style>
+      </p:cxnSp>
+      <p:sp>
+        <p:nvSpPr>
+          <p:cNvPr id="72" name="Rectangle 71"/>
+          <p:cNvSpPr/>
+          <p:nvPr/>
+        </p:nvSpPr>
+        <p:spPr>
+          <a:xfrm>
+            <a:off x="3465237" y="1484783"/>
+            <a:ext cx="2942968" cy="228737"/>
+          </a:xfrm>
+          <a:prstGeom prst="rect">
+            <a:avLst/>
+          </a:prstGeom>
+          <a:solidFill>
+            <a:schemeClr val="accent2">
+              <a:lumMod val="60000"/>
+              <a:lumOff val="40000"/>
+            </a:schemeClr>
+          </a:solidFill>
+        </p:spPr>
+        <p:style>
+          <a:lnRef idx="2">
+            <a:schemeClr val="accent1">
+              <a:shade val="50000"/>
+            </a:schemeClr>
+          </a:lnRef>
+          <a:fillRef idx="1">
+            <a:schemeClr val="accent1"/>
+          </a:fillRef>
+          <a:effectRef idx="0">
+            <a:schemeClr val="accent1"/>
+          </a:effectRef>
+          <a:fontRef idx="minor">
+            <a:schemeClr val="lt1"/>
+          </a:fontRef>
+        </p:style>
+        <p:txBody>
+          <a:bodyPr rtlCol="0" anchor="ctr"/>
+          <a:lstStyle/>
+          <a:p>
+            <a:pPr algn="ctr"/>
+            <a:r>
+              <a:rPr lang="en-AU" sz="1400" dirty="0" smtClean="0"/>
+              <a:t>Radio button is Green when Active </a:t>
+            </a:r>
+            <a:endParaRPr lang="en-AU" sz="1400" dirty="0"/>
+          </a:p>
+        </p:txBody>
+      </p:sp>
+      <p:cxnSp>
+        <p:nvCxnSpPr>
+          <p:cNvPr id="74" name="Straight Arrow Connector 73"/>
+          <p:cNvCxnSpPr/>
+          <p:nvPr/>
+        </p:nvCxnSpPr>
+        <p:spPr>
+          <a:xfrm>
+            <a:off x="8388424" y="2410145"/>
+            <a:ext cx="0" cy="248253"/>
+          </a:xfrm>
+          <a:prstGeom prst="straightConnector1">
+            <a:avLst/>
+          </a:prstGeom>
+          <a:ln>
+            <a:solidFill>
+              <a:srgbClr val="0F0F7F"/>
+            </a:solidFill>
+            <a:tailEnd type="arrow"/>
+          </a:ln>
+        </p:spPr>
+        <p:style>
+          <a:lnRef idx="1">
+            <a:schemeClr val="accent1"/>
+          </a:lnRef>
+          <a:fillRef idx="0">
+            <a:schemeClr val="accent1"/>
+          </a:fillRef>
+          <a:effectRef idx="0">
+            <a:schemeClr val="accent1"/>
+          </a:effectRef>
+          <a:fontRef idx="minor">
+            <a:schemeClr val="tx1"/>
+          </a:fontRef>
+        </p:style>
+      </p:cxnSp>
+      <p:sp>
+        <p:nvSpPr>
+          <p:cNvPr id="75" name="Rectangle 74"/>
+          <p:cNvSpPr/>
+          <p:nvPr/>
+        </p:nvSpPr>
+        <p:spPr>
+          <a:xfrm>
+            <a:off x="7985417" y="2658398"/>
+            <a:ext cx="918102" cy="770602"/>
+          </a:xfrm>
+          <a:prstGeom prst="rect">
+            <a:avLst/>
+          </a:prstGeom>
+          <a:solidFill>
+            <a:schemeClr val="accent2">
+              <a:lumMod val="60000"/>
+              <a:lumOff val="40000"/>
+            </a:schemeClr>
+          </a:solidFill>
+        </p:spPr>
+        <p:style>
+          <a:lnRef idx="2">
+            <a:schemeClr val="accent1">
+              <a:shade val="50000"/>
+            </a:schemeClr>
+          </a:lnRef>
+          <a:fillRef idx="1">
+            <a:schemeClr val="accent1"/>
+          </a:fillRef>
+          <a:effectRef idx="0">
+            <a:schemeClr val="accent1"/>
+          </a:effectRef>
+          <a:fontRef idx="minor">
+            <a:schemeClr val="lt1"/>
+          </a:fontRef>
+        </p:style>
+        <p:txBody>
+          <a:bodyPr rtlCol="0" anchor="ctr"/>
+          <a:lstStyle/>
+          <a:p>
+            <a:r>
+              <a:rPr lang="en-AU" sz="1600" dirty="0" smtClean="0"/>
+              <a:t>Calibri, 12, I, #2f2faf</a:t>
+            </a:r>
+            <a:endParaRPr lang="en-AU" sz="1600" dirty="0"/>
+          </a:p>
+        </p:txBody>
+      </p:sp>
+      <p:cxnSp>
+        <p:nvCxnSpPr>
+          <p:cNvPr id="77" name="Straight Arrow Connector 76"/>
+          <p:cNvCxnSpPr/>
+          <p:nvPr/>
+        </p:nvCxnSpPr>
+        <p:spPr>
+          <a:xfrm flipH="1">
+            <a:off x="2591470" y="6597352"/>
+            <a:ext cx="612378" cy="0"/>
+          </a:xfrm>
+          <a:prstGeom prst="straightConnector1">
+            <a:avLst/>
+          </a:prstGeom>
+          <a:ln>
+            <a:solidFill>
+              <a:srgbClr val="0F0F7F"/>
+            </a:solidFill>
+            <a:tailEnd type="arrow"/>
+          </a:ln>
+        </p:spPr>
+        <p:style>
+          <a:lnRef idx="1">
+            <a:schemeClr val="accent1"/>
+          </a:lnRef>
+          <a:fillRef idx="0">
+            <a:schemeClr val="accent1"/>
+          </a:fillRef>
+          <a:effectRef idx="0">
+            <a:schemeClr val="accent1"/>
+          </a:effectRef>
+          <a:fontRef idx="minor">
+            <a:schemeClr val="tx1"/>
+          </a:fontRef>
+        </p:style>
+      </p:cxnSp>
+      <p:sp>
+        <p:nvSpPr>
+          <p:cNvPr id="78" name="Rectangle 77"/>
+          <p:cNvSpPr/>
+          <p:nvPr/>
+        </p:nvSpPr>
+        <p:spPr>
+          <a:xfrm>
+            <a:off x="3227059" y="6381328"/>
+            <a:ext cx="1080120" cy="413610"/>
+          </a:xfrm>
+          <a:prstGeom prst="rect">
+            <a:avLst/>
+          </a:prstGeom>
+          <a:solidFill>
+            <a:schemeClr val="accent2">
+              <a:lumMod val="60000"/>
+              <a:lumOff val="40000"/>
+            </a:schemeClr>
+          </a:solidFill>
+        </p:spPr>
+        <p:style>
+          <a:lnRef idx="2">
+            <a:schemeClr val="accent1">
+              <a:shade val="50000"/>
+            </a:schemeClr>
+          </a:lnRef>
+          <a:fillRef idx="1">
+            <a:schemeClr val="accent1"/>
+          </a:fillRef>
+          <a:effectRef idx="0">
+            <a:schemeClr val="accent1"/>
+          </a:effectRef>
+          <a:fontRef idx="minor">
+            <a:schemeClr val="lt1"/>
+          </a:fontRef>
+        </p:style>
+        <p:txBody>
+          <a:bodyPr rtlCol="0" anchor="ctr"/>
+          <a:lstStyle/>
+          <a:p>
+            <a:pPr algn="ctr"/>
+            <a:r>
+              <a:rPr lang="en-AU" dirty="0" smtClean="0"/>
+              <a:t>Captcha</a:t>
+            </a:r>
+            <a:endParaRPr lang="en-AU" dirty="0"/>
           </a:p>
         </p:txBody>
       </p:sp>
@@ -9798,6 +10379,2499 @@
     <p:extLst>
       <p:ext uri="{BB962C8B-B14F-4D97-AF65-F5344CB8AC3E}">
         <p14:creationId xmlns:p14="http://schemas.microsoft.com/office/powerpoint/2010/main" val="2633618832"/>
+      </p:ext>
+    </p:extLst>
+  </p:cSld>
+  <p:clrMapOvr>
+    <a:masterClrMapping/>
+  </p:clrMapOvr>
+</p:sld>
+</file>
+
+<file path=ppt/slides/slide5.xml><?xml version="1.0" encoding="utf-8"?>
+<p:sld xmlns:a="http://schemas.openxmlformats.org/drawingml/2006/main" xmlns:r="http://schemas.openxmlformats.org/officeDocument/2006/relationships" xmlns:p="http://schemas.openxmlformats.org/presentationml/2006/main">
+  <p:cSld>
+    <p:spTree>
+      <p:nvGrpSpPr>
+        <p:cNvPr id="1" name=""/>
+        <p:cNvGrpSpPr/>
+        <p:nvPr/>
+      </p:nvGrpSpPr>
+      <p:grpSpPr>
+        <a:xfrm>
+          <a:off x="0" y="0"/>
+          <a:ext cx="0" cy="0"/>
+          <a:chOff x="0" y="0"/>
+          <a:chExt cx="0" cy="0"/>
+        </a:xfrm>
+      </p:grpSpPr>
+      <p:sp>
+        <p:nvSpPr>
+          <p:cNvPr id="2" name="Rectangle 1"/>
+          <p:cNvSpPr/>
+          <p:nvPr/>
+        </p:nvSpPr>
+        <p:spPr>
+          <a:xfrm>
+            <a:off x="1" y="-1"/>
+            <a:ext cx="9180512" cy="913865"/>
+          </a:xfrm>
+          <a:prstGeom prst="rect">
+            <a:avLst/>
+          </a:prstGeom>
+          <a:solidFill>
+            <a:srgbClr val="6F6FEF"/>
+          </a:solidFill>
+          <a:ln>
+            <a:solidFill>
+              <a:srgbClr val="6F6FEF"/>
+            </a:solidFill>
+          </a:ln>
+        </p:spPr>
+        <p:style>
+          <a:lnRef idx="2">
+            <a:schemeClr val="accent1">
+              <a:shade val="50000"/>
+            </a:schemeClr>
+          </a:lnRef>
+          <a:fillRef idx="1">
+            <a:schemeClr val="accent1"/>
+          </a:fillRef>
+          <a:effectRef idx="0">
+            <a:schemeClr val="accent1"/>
+          </a:effectRef>
+          <a:fontRef idx="minor">
+            <a:schemeClr val="lt1"/>
+          </a:fontRef>
+        </p:style>
+        <p:txBody>
+          <a:bodyPr rtlCol="0" anchor="ctr"/>
+          <a:lstStyle/>
+          <a:p>
+            <a:pPr lvl="1"/>
+            <a:r>
+              <a:rPr lang="en-AU" sz="3600" dirty="0">
+                <a:solidFill>
+                  <a:schemeClr val="bg1"/>
+                </a:solidFill>
+                <a:latin typeface="Cooper Black" panose="0208090404030B020404" pitchFamily="18" charset="0"/>
+              </a:rPr>
+              <a:t>nodiam</a:t>
+            </a:r>
+            <a:endParaRPr lang="en-AU" sz="3600" dirty="0">
+              <a:solidFill>
+                <a:schemeClr val="bg1"/>
+              </a:solidFill>
+              <a:latin typeface="Cooper Black" panose="0208090404030B020404" pitchFamily="18" charset="0"/>
+            </a:endParaRPr>
+          </a:p>
+        </p:txBody>
+      </p:sp>
+      <p:pic>
+        <p:nvPicPr>
+          <p:cNvPr id="3" name="Picture 2" descr="D:\Anodiam\Docs\ProjectExecution\BA\ImageResources\AnodiamLogoReverseColorRightAligned.bmp"/>
+          <p:cNvPicPr>
+            <a:picLocks noChangeAspect="1" noChangeArrowheads="1"/>
+          </p:cNvPicPr>
+          <p:nvPr/>
+        </p:nvPicPr>
+        <p:blipFill>
+          <a:blip r:embed="rId2">
+            <a:extLst>
+              <a:ext uri="{28A0092B-C50C-407E-A947-70E740481C1C}">
+                <a14:useLocalDpi xmlns:a14="http://schemas.microsoft.com/office/drawing/2010/main" val="0"/>
+              </a:ext>
+            </a:extLst>
+          </a:blip>
+          <a:srcRect/>
+          <a:stretch>
+            <a:fillRect/>
+          </a:stretch>
+        </p:blipFill>
+        <p:spPr bwMode="auto">
+          <a:xfrm>
+            <a:off x="64299" y="188640"/>
+            <a:ext cx="475253" cy="509200"/>
+          </a:xfrm>
+          <a:prstGeom prst="rect">
+            <a:avLst/>
+          </a:prstGeom>
+          <a:noFill/>
+          <a:ln>
+            <a:solidFill>
+              <a:srgbClr val="6F6FEF"/>
+            </a:solidFill>
+          </a:ln>
+          <a:extLst>
+            <a:ext uri="{909E8E84-426E-40DD-AFC4-6F175D3DCCD1}">
+              <a14:hiddenFill xmlns:a14="http://schemas.microsoft.com/office/drawing/2010/main">
+                <a:solidFill>
+                  <a:srgbClr val="FFFFFF"/>
+                </a:solidFill>
+              </a14:hiddenFill>
+            </a:ext>
+          </a:extLst>
+        </p:spPr>
+      </p:pic>
+      <p:sp>
+        <p:nvSpPr>
+          <p:cNvPr id="5" name="Rectangle 4"/>
+          <p:cNvSpPr/>
+          <p:nvPr/>
+        </p:nvSpPr>
+        <p:spPr>
+          <a:xfrm>
+            <a:off x="-1" y="913864"/>
+            <a:ext cx="9180513" cy="5944136"/>
+          </a:xfrm>
+          <a:prstGeom prst="rect">
+            <a:avLst/>
+          </a:prstGeom>
+          <a:solidFill>
+            <a:srgbClr val="DFDFFF"/>
+          </a:solidFill>
+          <a:ln>
+            <a:solidFill>
+              <a:srgbClr val="DFDFFF"/>
+            </a:solidFill>
+          </a:ln>
+        </p:spPr>
+        <p:style>
+          <a:lnRef idx="2">
+            <a:schemeClr val="accent1">
+              <a:shade val="50000"/>
+            </a:schemeClr>
+          </a:lnRef>
+          <a:fillRef idx="1">
+            <a:schemeClr val="accent1"/>
+          </a:fillRef>
+          <a:effectRef idx="0">
+            <a:schemeClr val="accent1"/>
+          </a:effectRef>
+          <a:fontRef idx="minor">
+            <a:schemeClr val="lt1"/>
+          </a:fontRef>
+        </p:style>
+        <p:txBody>
+          <a:bodyPr rtlCol="0" anchor="ctr"/>
+          <a:lstStyle/>
+          <a:p>
+            <a:pPr algn="ctr"/>
+            <a:endParaRPr lang="en-AU"/>
+          </a:p>
+        </p:txBody>
+      </p:sp>
+      <p:sp>
+        <p:nvSpPr>
+          <p:cNvPr id="6" name="Rectangle 5"/>
+          <p:cNvSpPr/>
+          <p:nvPr/>
+        </p:nvSpPr>
+        <p:spPr>
+          <a:xfrm>
+            <a:off x="3995936" y="1700808"/>
+            <a:ext cx="1368152" cy="360040"/>
+          </a:xfrm>
+          <a:prstGeom prst="rect">
+            <a:avLst/>
+          </a:prstGeom>
+          <a:solidFill>
+            <a:srgbClr val="DFDFFF"/>
+          </a:solidFill>
+          <a:ln>
+            <a:solidFill>
+              <a:srgbClr val="DFDFFF"/>
+            </a:solidFill>
+          </a:ln>
+        </p:spPr>
+        <p:style>
+          <a:lnRef idx="2">
+            <a:schemeClr val="accent1">
+              <a:shade val="50000"/>
+            </a:schemeClr>
+          </a:lnRef>
+          <a:fillRef idx="1">
+            <a:schemeClr val="accent1"/>
+          </a:fillRef>
+          <a:effectRef idx="0">
+            <a:schemeClr val="accent1"/>
+          </a:effectRef>
+          <a:fontRef idx="minor">
+            <a:schemeClr val="lt1"/>
+          </a:fontRef>
+        </p:style>
+        <p:txBody>
+          <a:bodyPr rtlCol="0" anchor="ctr"/>
+          <a:lstStyle/>
+          <a:p>
+            <a:pPr algn="ctr"/>
+            <a:r>
+              <a:rPr lang="en-AU" sz="2400" b="1" dirty="0" smtClean="0">
+                <a:solidFill>
+                  <a:srgbClr val="6F6FEF"/>
+                </a:solidFill>
+                <a:latin typeface="Arial" panose="020B0604020202020204" pitchFamily="34" charset="0"/>
+                <a:cs typeface="Arial" panose="020B0604020202020204" pitchFamily="34" charset="0"/>
+              </a:rPr>
+              <a:t>Login</a:t>
+            </a:r>
+            <a:endParaRPr lang="en-AU" sz="2400" b="1" dirty="0">
+              <a:solidFill>
+                <a:srgbClr val="6F6FEF"/>
+              </a:solidFill>
+              <a:latin typeface="Arial" panose="020B0604020202020204" pitchFamily="34" charset="0"/>
+              <a:cs typeface="Arial" panose="020B0604020202020204" pitchFamily="34" charset="0"/>
+            </a:endParaRPr>
+          </a:p>
+        </p:txBody>
+      </p:sp>
+      <p:sp>
+        <p:nvSpPr>
+          <p:cNvPr id="9" name="TextBox 8"/>
+          <p:cNvSpPr txBox="1"/>
+          <p:nvPr/>
+        </p:nvSpPr>
+        <p:spPr>
+          <a:xfrm>
+            <a:off x="2123728" y="2442336"/>
+            <a:ext cx="1944216" cy="369332"/>
+          </a:xfrm>
+          <a:prstGeom prst="rect">
+            <a:avLst/>
+          </a:prstGeom>
+          <a:noFill/>
+        </p:spPr>
+        <p:txBody>
+          <a:bodyPr wrap="square" rtlCol="0">
+            <a:spAutoFit/>
+          </a:bodyPr>
+          <a:lstStyle/>
+          <a:p>
+            <a:r>
+              <a:rPr lang="en-AU" b="1" dirty="0" smtClean="0">
+                <a:solidFill>
+                  <a:srgbClr val="0F0F7F"/>
+                </a:solidFill>
+                <a:latin typeface="Arial" panose="020B0604020202020204" pitchFamily="34" charset="0"/>
+                <a:cs typeface="Arial" panose="020B0604020202020204" pitchFamily="34" charset="0"/>
+              </a:rPr>
+              <a:t>User Name </a:t>
+            </a:r>
+            <a:endParaRPr lang="en-AU" b="1" dirty="0">
+              <a:solidFill>
+                <a:srgbClr val="0F0F7F"/>
+              </a:solidFill>
+              <a:latin typeface="Arial" panose="020B0604020202020204" pitchFamily="34" charset="0"/>
+              <a:cs typeface="Arial" panose="020B0604020202020204" pitchFamily="34" charset="0"/>
+            </a:endParaRPr>
+          </a:p>
+        </p:txBody>
+      </p:sp>
+      <p:sp>
+        <p:nvSpPr>
+          <p:cNvPr id="10" name="Rectangle 9"/>
+          <p:cNvSpPr/>
+          <p:nvPr/>
+        </p:nvSpPr>
+        <p:spPr>
+          <a:xfrm>
+            <a:off x="4211960" y="2420888"/>
+            <a:ext cx="2736304" cy="369332"/>
+          </a:xfrm>
+          <a:prstGeom prst="rect">
+            <a:avLst/>
+          </a:prstGeom>
+          <a:solidFill>
+            <a:schemeClr val="bg1"/>
+          </a:solidFill>
+          <a:ln>
+            <a:solidFill>
+              <a:schemeClr val="bg1"/>
+            </a:solidFill>
+          </a:ln>
+        </p:spPr>
+        <p:style>
+          <a:lnRef idx="2">
+            <a:schemeClr val="accent1">
+              <a:shade val="50000"/>
+            </a:schemeClr>
+          </a:lnRef>
+          <a:fillRef idx="1">
+            <a:schemeClr val="accent1"/>
+          </a:fillRef>
+          <a:effectRef idx="0">
+            <a:schemeClr val="accent1"/>
+          </a:effectRef>
+          <a:fontRef idx="minor">
+            <a:schemeClr val="lt1"/>
+          </a:fontRef>
+        </p:style>
+        <p:txBody>
+          <a:bodyPr rtlCol="0" anchor="ctr"/>
+          <a:lstStyle/>
+          <a:p>
+            <a:pPr algn="ctr"/>
+            <a:endParaRPr lang="en-AU"/>
+          </a:p>
+        </p:txBody>
+      </p:sp>
+      <p:sp>
+        <p:nvSpPr>
+          <p:cNvPr id="11" name="TextBox 10"/>
+          <p:cNvSpPr txBox="1"/>
+          <p:nvPr/>
+        </p:nvSpPr>
+        <p:spPr>
+          <a:xfrm>
+            <a:off x="2195736" y="3356992"/>
+            <a:ext cx="1944216" cy="369332"/>
+          </a:xfrm>
+          <a:prstGeom prst="rect">
+            <a:avLst/>
+          </a:prstGeom>
+          <a:noFill/>
+        </p:spPr>
+        <p:txBody>
+          <a:bodyPr wrap="square" rtlCol="0">
+            <a:spAutoFit/>
+          </a:bodyPr>
+          <a:lstStyle/>
+          <a:p>
+            <a:r>
+              <a:rPr lang="en-AU" b="1" dirty="0" smtClean="0">
+                <a:solidFill>
+                  <a:srgbClr val="0F0F7F"/>
+                </a:solidFill>
+                <a:latin typeface="Arial" panose="020B0604020202020204" pitchFamily="34" charset="0"/>
+                <a:cs typeface="Arial" panose="020B0604020202020204" pitchFamily="34" charset="0"/>
+              </a:rPr>
+              <a:t>Password</a:t>
+            </a:r>
+            <a:endParaRPr lang="en-AU" b="1" dirty="0">
+              <a:solidFill>
+                <a:srgbClr val="0F0F7F"/>
+              </a:solidFill>
+              <a:latin typeface="Arial" panose="020B0604020202020204" pitchFamily="34" charset="0"/>
+              <a:cs typeface="Arial" panose="020B0604020202020204" pitchFamily="34" charset="0"/>
+            </a:endParaRPr>
+          </a:p>
+        </p:txBody>
+      </p:sp>
+      <p:sp>
+        <p:nvSpPr>
+          <p:cNvPr id="12" name="Rectangle 11"/>
+          <p:cNvSpPr/>
+          <p:nvPr/>
+        </p:nvSpPr>
+        <p:spPr>
+          <a:xfrm>
+            <a:off x="4211960" y="3347700"/>
+            <a:ext cx="2736304" cy="369332"/>
+          </a:xfrm>
+          <a:prstGeom prst="rect">
+            <a:avLst/>
+          </a:prstGeom>
+          <a:solidFill>
+            <a:schemeClr val="bg1"/>
+          </a:solidFill>
+          <a:ln>
+            <a:solidFill>
+              <a:schemeClr val="bg1"/>
+            </a:solidFill>
+          </a:ln>
+        </p:spPr>
+        <p:style>
+          <a:lnRef idx="2">
+            <a:schemeClr val="accent1">
+              <a:shade val="50000"/>
+            </a:schemeClr>
+          </a:lnRef>
+          <a:fillRef idx="1">
+            <a:schemeClr val="accent1"/>
+          </a:fillRef>
+          <a:effectRef idx="0">
+            <a:schemeClr val="accent1"/>
+          </a:effectRef>
+          <a:fontRef idx="minor">
+            <a:schemeClr val="lt1"/>
+          </a:fontRef>
+        </p:style>
+        <p:txBody>
+          <a:bodyPr rtlCol="0" anchor="ctr"/>
+          <a:lstStyle/>
+          <a:p>
+            <a:pPr algn="ctr"/>
+            <a:endParaRPr lang="en-AU"/>
+          </a:p>
+        </p:txBody>
+      </p:sp>
+      <p:sp>
+        <p:nvSpPr>
+          <p:cNvPr id="13" name="Rectangle 12"/>
+          <p:cNvSpPr/>
+          <p:nvPr/>
+        </p:nvSpPr>
+        <p:spPr>
+          <a:xfrm>
+            <a:off x="4211960" y="4283804"/>
+            <a:ext cx="2736304" cy="369332"/>
+          </a:xfrm>
+          <a:prstGeom prst="rect">
+            <a:avLst/>
+          </a:prstGeom>
+          <a:solidFill>
+            <a:schemeClr val="bg1"/>
+          </a:solidFill>
+          <a:ln>
+            <a:solidFill>
+              <a:schemeClr val="bg1"/>
+            </a:solidFill>
+          </a:ln>
+        </p:spPr>
+        <p:style>
+          <a:lnRef idx="2">
+            <a:schemeClr val="accent1">
+              <a:shade val="50000"/>
+            </a:schemeClr>
+          </a:lnRef>
+          <a:fillRef idx="1">
+            <a:schemeClr val="accent1"/>
+          </a:fillRef>
+          <a:effectRef idx="0">
+            <a:schemeClr val="accent1"/>
+          </a:effectRef>
+          <a:fontRef idx="minor">
+            <a:schemeClr val="lt1"/>
+          </a:fontRef>
+        </p:style>
+        <p:txBody>
+          <a:bodyPr rtlCol="0" anchor="ctr"/>
+          <a:lstStyle/>
+          <a:p>
+            <a:pPr algn="ctr"/>
+            <a:endParaRPr lang="en-AU"/>
+          </a:p>
+        </p:txBody>
+      </p:sp>
+      <p:sp>
+        <p:nvSpPr>
+          <p:cNvPr id="15" name="TextBox 14"/>
+          <p:cNvSpPr txBox="1"/>
+          <p:nvPr/>
+        </p:nvSpPr>
+        <p:spPr>
+          <a:xfrm>
+            <a:off x="2267744" y="4427820"/>
+            <a:ext cx="1944216" cy="369332"/>
+          </a:xfrm>
+          <a:prstGeom prst="rect">
+            <a:avLst/>
+          </a:prstGeom>
+          <a:noFill/>
+        </p:spPr>
+        <p:txBody>
+          <a:bodyPr wrap="square" rtlCol="0">
+            <a:spAutoFit/>
+          </a:bodyPr>
+          <a:lstStyle/>
+          <a:p>
+            <a:r>
+              <a:rPr lang="en-AU" b="1" dirty="0" smtClean="0">
+                <a:solidFill>
+                  <a:srgbClr val="0F0F7F"/>
+                </a:solidFill>
+                <a:latin typeface="Arial" panose="020B0604020202020204" pitchFamily="34" charset="0"/>
+                <a:cs typeface="Arial" panose="020B0604020202020204" pitchFamily="34" charset="0"/>
+              </a:rPr>
+              <a:t>Email ID</a:t>
+            </a:r>
+            <a:endParaRPr lang="en-AU" b="1" dirty="0">
+              <a:solidFill>
+                <a:srgbClr val="0F0F7F"/>
+              </a:solidFill>
+              <a:latin typeface="Arial" panose="020B0604020202020204" pitchFamily="34" charset="0"/>
+              <a:cs typeface="Arial" panose="020B0604020202020204" pitchFamily="34" charset="0"/>
+            </a:endParaRPr>
+          </a:p>
+        </p:txBody>
+      </p:sp>
+      <p:sp>
+        <p:nvSpPr>
+          <p:cNvPr id="16" name="Rectangle 15"/>
+          <p:cNvSpPr/>
+          <p:nvPr/>
+        </p:nvSpPr>
+        <p:spPr>
+          <a:xfrm>
+            <a:off x="4032368" y="5589240"/>
+            <a:ext cx="1368152" cy="360040"/>
+          </a:xfrm>
+          <a:prstGeom prst="rect">
+            <a:avLst/>
+          </a:prstGeom>
+          <a:solidFill>
+            <a:srgbClr val="6F6FEF"/>
+          </a:solidFill>
+          <a:ln>
+            <a:solidFill>
+              <a:srgbClr val="2F2FAF"/>
+            </a:solidFill>
+          </a:ln>
+        </p:spPr>
+        <p:style>
+          <a:lnRef idx="2">
+            <a:schemeClr val="accent1">
+              <a:shade val="50000"/>
+            </a:schemeClr>
+          </a:lnRef>
+          <a:fillRef idx="1">
+            <a:schemeClr val="accent1"/>
+          </a:fillRef>
+          <a:effectRef idx="0">
+            <a:schemeClr val="accent1"/>
+          </a:effectRef>
+          <a:fontRef idx="minor">
+            <a:schemeClr val="lt1"/>
+          </a:fontRef>
+        </p:style>
+        <p:txBody>
+          <a:bodyPr rtlCol="0" anchor="ctr"/>
+          <a:lstStyle/>
+          <a:p>
+            <a:pPr algn="ctr"/>
+            <a:r>
+              <a:rPr lang="en-AU" b="1" dirty="0" smtClean="0">
+                <a:solidFill>
+                  <a:srgbClr val="0F0F7F"/>
+                </a:solidFill>
+                <a:latin typeface="Arial" panose="020B0604020202020204" pitchFamily="34" charset="0"/>
+                <a:cs typeface="Arial" panose="020B0604020202020204" pitchFamily="34" charset="0"/>
+              </a:rPr>
+              <a:t>Submit</a:t>
+            </a:r>
+            <a:endParaRPr lang="en-AU" sz="1600" b="1" dirty="0">
+              <a:solidFill>
+                <a:srgbClr val="0F0F7F"/>
+              </a:solidFill>
+              <a:latin typeface="Arial" panose="020B0604020202020204" pitchFamily="34" charset="0"/>
+              <a:cs typeface="Arial" panose="020B0604020202020204" pitchFamily="34" charset="0"/>
+            </a:endParaRPr>
+          </a:p>
+        </p:txBody>
+      </p:sp>
+      <p:cxnSp>
+        <p:nvCxnSpPr>
+          <p:cNvPr id="18" name="Straight Arrow Connector 17"/>
+          <p:cNvCxnSpPr/>
+          <p:nvPr/>
+        </p:nvCxnSpPr>
+        <p:spPr>
+          <a:xfrm flipV="1">
+            <a:off x="5076269" y="1880828"/>
+            <a:ext cx="1295931" cy="12759"/>
+          </a:xfrm>
+          <a:prstGeom prst="straightConnector1">
+            <a:avLst/>
+          </a:prstGeom>
+          <a:ln>
+            <a:tailEnd type="arrow"/>
+          </a:ln>
+        </p:spPr>
+        <p:style>
+          <a:lnRef idx="1">
+            <a:schemeClr val="accent1"/>
+          </a:lnRef>
+          <a:fillRef idx="0">
+            <a:schemeClr val="accent1"/>
+          </a:fillRef>
+          <a:effectRef idx="0">
+            <a:schemeClr val="accent1"/>
+          </a:effectRef>
+          <a:fontRef idx="minor">
+            <a:schemeClr val="tx1"/>
+          </a:fontRef>
+        </p:style>
+      </p:cxnSp>
+      <p:sp>
+        <p:nvSpPr>
+          <p:cNvPr id="19" name="Rectangle 18"/>
+          <p:cNvSpPr/>
+          <p:nvPr/>
+        </p:nvSpPr>
+        <p:spPr>
+          <a:xfrm>
+            <a:off x="6372200" y="1196752"/>
+            <a:ext cx="1296144" cy="1080120"/>
+          </a:xfrm>
+          <a:prstGeom prst="rect">
+            <a:avLst/>
+          </a:prstGeom>
+          <a:solidFill>
+            <a:schemeClr val="accent2">
+              <a:lumMod val="40000"/>
+              <a:lumOff val="60000"/>
+            </a:schemeClr>
+          </a:solidFill>
+        </p:spPr>
+        <p:style>
+          <a:lnRef idx="2">
+            <a:schemeClr val="accent1">
+              <a:shade val="50000"/>
+            </a:schemeClr>
+          </a:lnRef>
+          <a:fillRef idx="1">
+            <a:schemeClr val="accent1"/>
+          </a:fillRef>
+          <a:effectRef idx="0">
+            <a:schemeClr val="accent1"/>
+          </a:effectRef>
+          <a:fontRef idx="minor">
+            <a:schemeClr val="lt1"/>
+          </a:fontRef>
+        </p:style>
+        <p:txBody>
+          <a:bodyPr rtlCol="0" anchor="ctr"/>
+          <a:lstStyle/>
+          <a:p>
+            <a:r>
+              <a:rPr lang="en-AU" sz="1600" dirty="0" smtClean="0"/>
+              <a:t>Arial, B, 24, #6f6fef , #</a:t>
+            </a:r>
+            <a:r>
+              <a:rPr lang="en-AU" sz="1600" dirty="0" err="1" smtClean="0"/>
+              <a:t>fff</a:t>
+            </a:r>
+            <a:r>
+              <a:rPr lang="en-AU" sz="1600" dirty="0" smtClean="0"/>
+              <a:t> with mouse rollover</a:t>
+            </a:r>
+            <a:endParaRPr lang="en-AU" sz="1600" dirty="0"/>
+          </a:p>
+        </p:txBody>
+      </p:sp>
+      <p:sp>
+        <p:nvSpPr>
+          <p:cNvPr id="20" name="TextBox 19"/>
+          <p:cNvSpPr txBox="1"/>
+          <p:nvPr/>
+        </p:nvSpPr>
+        <p:spPr>
+          <a:xfrm>
+            <a:off x="7740352" y="282134"/>
+            <a:ext cx="1512168" cy="338554"/>
+          </a:xfrm>
+          <a:prstGeom prst="rect">
+            <a:avLst/>
+          </a:prstGeom>
+          <a:noFill/>
+        </p:spPr>
+        <p:txBody>
+          <a:bodyPr wrap="square" rtlCol="0">
+            <a:spAutoFit/>
+          </a:bodyPr>
+          <a:lstStyle/>
+          <a:p>
+            <a:r>
+              <a:rPr lang="en-AU" sz="1600" b="1" dirty="0" smtClean="0">
+                <a:solidFill>
+                  <a:srgbClr val="0F0F7F"/>
+                </a:solidFill>
+                <a:latin typeface="Arial" panose="020B0604020202020204" pitchFamily="34" charset="0"/>
+                <a:cs typeface="Arial" panose="020B0604020202020204" pitchFamily="34" charset="0"/>
+              </a:rPr>
+              <a:t>Log Out</a:t>
+            </a:r>
+            <a:endParaRPr lang="en-AU" sz="1600" b="1" dirty="0">
+              <a:solidFill>
+                <a:srgbClr val="0F0F7F"/>
+              </a:solidFill>
+              <a:latin typeface="Arial" panose="020B0604020202020204" pitchFamily="34" charset="0"/>
+              <a:cs typeface="Arial" panose="020B0604020202020204" pitchFamily="34" charset="0"/>
+            </a:endParaRPr>
+          </a:p>
+        </p:txBody>
+      </p:sp>
+      <p:sp>
+        <p:nvSpPr>
+          <p:cNvPr id="23" name="Rectangle 22"/>
+          <p:cNvSpPr/>
+          <p:nvPr/>
+        </p:nvSpPr>
+        <p:spPr>
+          <a:xfrm>
+            <a:off x="681894" y="3430119"/>
+            <a:ext cx="1152128" cy="1275321"/>
+          </a:xfrm>
+          <a:prstGeom prst="rect">
+            <a:avLst/>
+          </a:prstGeom>
+          <a:solidFill>
+            <a:schemeClr val="accent2">
+              <a:lumMod val="40000"/>
+              <a:lumOff val="60000"/>
+            </a:schemeClr>
+          </a:solidFill>
+        </p:spPr>
+        <p:style>
+          <a:lnRef idx="2">
+            <a:schemeClr val="accent1">
+              <a:shade val="50000"/>
+            </a:schemeClr>
+          </a:lnRef>
+          <a:fillRef idx="1">
+            <a:schemeClr val="accent1"/>
+          </a:fillRef>
+          <a:effectRef idx="0">
+            <a:schemeClr val="accent1"/>
+          </a:effectRef>
+          <a:fontRef idx="minor">
+            <a:schemeClr val="lt1"/>
+          </a:fontRef>
+        </p:style>
+        <p:txBody>
+          <a:bodyPr rtlCol="0" anchor="ctr"/>
+          <a:lstStyle/>
+          <a:p>
+            <a:r>
+              <a:rPr lang="en-AU" sz="1600" dirty="0" smtClean="0"/>
+              <a:t>Arial, 18, B, #0f0f7f applies for all the </a:t>
+            </a:r>
+            <a:r>
+              <a:rPr lang="en-AU" sz="1600" dirty="0" err="1" smtClean="0"/>
+              <a:t>lebels</a:t>
+            </a:r>
+            <a:endParaRPr lang="en-AU" sz="1600" dirty="0"/>
+          </a:p>
+        </p:txBody>
+      </p:sp>
+      <p:cxnSp>
+        <p:nvCxnSpPr>
+          <p:cNvPr id="28" name="Straight Arrow Connector 27"/>
+          <p:cNvCxnSpPr/>
+          <p:nvPr/>
+        </p:nvCxnSpPr>
+        <p:spPr>
+          <a:xfrm>
+            <a:off x="5400520" y="5769260"/>
+            <a:ext cx="755656" cy="0"/>
+          </a:xfrm>
+          <a:prstGeom prst="straightConnector1">
+            <a:avLst/>
+          </a:prstGeom>
+          <a:ln>
+            <a:tailEnd type="arrow"/>
+          </a:ln>
+        </p:spPr>
+        <p:style>
+          <a:lnRef idx="1">
+            <a:schemeClr val="accent1"/>
+          </a:lnRef>
+          <a:fillRef idx="0">
+            <a:schemeClr val="accent1"/>
+          </a:fillRef>
+          <a:effectRef idx="0">
+            <a:schemeClr val="accent1"/>
+          </a:effectRef>
+          <a:fontRef idx="minor">
+            <a:schemeClr val="tx1"/>
+          </a:fontRef>
+        </p:style>
+      </p:cxnSp>
+      <p:sp>
+        <p:nvSpPr>
+          <p:cNvPr id="29" name="Rectangle 28"/>
+          <p:cNvSpPr/>
+          <p:nvPr/>
+        </p:nvSpPr>
+        <p:spPr>
+          <a:xfrm>
+            <a:off x="6156176" y="5445224"/>
+            <a:ext cx="2700300" cy="792088"/>
+          </a:xfrm>
+          <a:prstGeom prst="rect">
+            <a:avLst/>
+          </a:prstGeom>
+          <a:solidFill>
+            <a:schemeClr val="accent2">
+              <a:lumMod val="40000"/>
+              <a:lumOff val="60000"/>
+            </a:schemeClr>
+          </a:solidFill>
+        </p:spPr>
+        <p:style>
+          <a:lnRef idx="2">
+            <a:schemeClr val="accent1">
+              <a:shade val="50000"/>
+            </a:schemeClr>
+          </a:lnRef>
+          <a:fillRef idx="1">
+            <a:schemeClr val="accent1"/>
+          </a:fillRef>
+          <a:effectRef idx="0">
+            <a:schemeClr val="accent1"/>
+          </a:effectRef>
+          <a:fontRef idx="minor">
+            <a:schemeClr val="lt1"/>
+          </a:fontRef>
+        </p:style>
+        <p:txBody>
+          <a:bodyPr rtlCol="0" anchor="ctr"/>
+          <a:lstStyle/>
+          <a:p>
+            <a:r>
+              <a:rPr lang="en-AU" sz="1600" dirty="0" smtClean="0"/>
+              <a:t>Button fill #6f6fef, button border # 0f0f7f, Arial, 18, B, #0f0f7f (#</a:t>
+            </a:r>
+            <a:r>
+              <a:rPr lang="en-AU" sz="1600" dirty="0" err="1" smtClean="0"/>
+              <a:t>fff</a:t>
+            </a:r>
+            <a:r>
+              <a:rPr lang="en-AU" sz="1600" dirty="0" smtClean="0"/>
+              <a:t> when active)</a:t>
+            </a:r>
+            <a:endParaRPr lang="en-AU" sz="1600" dirty="0"/>
+          </a:p>
+        </p:txBody>
+      </p:sp>
+      <p:cxnSp>
+        <p:nvCxnSpPr>
+          <p:cNvPr id="33" name="Straight Arrow Connector 32"/>
+          <p:cNvCxnSpPr/>
+          <p:nvPr/>
+        </p:nvCxnSpPr>
+        <p:spPr>
+          <a:xfrm>
+            <a:off x="8316416" y="591351"/>
+            <a:ext cx="0" cy="605401"/>
+          </a:xfrm>
+          <a:prstGeom prst="straightConnector1">
+            <a:avLst/>
+          </a:prstGeom>
+          <a:ln>
+            <a:tailEnd type="arrow"/>
+          </a:ln>
+        </p:spPr>
+        <p:style>
+          <a:lnRef idx="1">
+            <a:schemeClr val="accent1"/>
+          </a:lnRef>
+          <a:fillRef idx="0">
+            <a:schemeClr val="accent1"/>
+          </a:fillRef>
+          <a:effectRef idx="0">
+            <a:schemeClr val="accent1"/>
+          </a:effectRef>
+          <a:fontRef idx="minor">
+            <a:schemeClr val="tx1"/>
+          </a:fontRef>
+        </p:style>
+      </p:cxnSp>
+      <p:sp>
+        <p:nvSpPr>
+          <p:cNvPr id="34" name="Rectangle 33"/>
+          <p:cNvSpPr/>
+          <p:nvPr/>
+        </p:nvSpPr>
+        <p:spPr>
+          <a:xfrm>
+            <a:off x="7956376" y="1196752"/>
+            <a:ext cx="1187624" cy="1430250"/>
+          </a:xfrm>
+          <a:prstGeom prst="rect">
+            <a:avLst/>
+          </a:prstGeom>
+          <a:solidFill>
+            <a:schemeClr val="accent2">
+              <a:lumMod val="40000"/>
+              <a:lumOff val="60000"/>
+            </a:schemeClr>
+          </a:solidFill>
+        </p:spPr>
+        <p:style>
+          <a:lnRef idx="2">
+            <a:schemeClr val="accent1">
+              <a:shade val="50000"/>
+            </a:schemeClr>
+          </a:lnRef>
+          <a:fillRef idx="1">
+            <a:schemeClr val="accent1"/>
+          </a:fillRef>
+          <a:effectRef idx="0">
+            <a:schemeClr val="accent1"/>
+          </a:effectRef>
+          <a:fontRef idx="minor">
+            <a:schemeClr val="lt1"/>
+          </a:fontRef>
+        </p:style>
+        <p:txBody>
+          <a:bodyPr rtlCol="0" anchor="ctr"/>
+          <a:lstStyle/>
+          <a:p>
+            <a:r>
+              <a:rPr lang="en-AU" sz="1600" dirty="0" smtClean="0"/>
+              <a:t>Arial, 16, B, #0f0f7f, (#</a:t>
+            </a:r>
+            <a:r>
+              <a:rPr lang="en-AU" sz="1600" dirty="0" err="1" smtClean="0"/>
+              <a:t>fff</a:t>
+            </a:r>
+            <a:r>
+              <a:rPr lang="en-AU" sz="1600" dirty="0" smtClean="0"/>
+              <a:t> with mouse rollover)</a:t>
+            </a:r>
+            <a:endParaRPr lang="en-AU" sz="1600" dirty="0"/>
+          </a:p>
+        </p:txBody>
+      </p:sp>
+      <p:cxnSp>
+        <p:nvCxnSpPr>
+          <p:cNvPr id="36" name="Straight Arrow Connector 35"/>
+          <p:cNvCxnSpPr/>
+          <p:nvPr/>
+        </p:nvCxnSpPr>
+        <p:spPr>
+          <a:xfrm>
+            <a:off x="1" y="2605554"/>
+            <a:ext cx="2123727" cy="0"/>
+          </a:xfrm>
+          <a:prstGeom prst="straightConnector1">
+            <a:avLst/>
+          </a:prstGeom>
+          <a:ln>
+            <a:headEnd type="arrow"/>
+            <a:tailEnd type="arrow"/>
+          </a:ln>
+        </p:spPr>
+        <p:style>
+          <a:lnRef idx="1">
+            <a:schemeClr val="accent1"/>
+          </a:lnRef>
+          <a:fillRef idx="0">
+            <a:schemeClr val="accent1"/>
+          </a:fillRef>
+          <a:effectRef idx="0">
+            <a:schemeClr val="accent1"/>
+          </a:effectRef>
+          <a:fontRef idx="minor">
+            <a:schemeClr val="tx1"/>
+          </a:fontRef>
+        </p:style>
+      </p:cxnSp>
+      <p:cxnSp>
+        <p:nvCxnSpPr>
+          <p:cNvPr id="39" name="Straight Arrow Connector 38"/>
+          <p:cNvCxnSpPr/>
+          <p:nvPr/>
+        </p:nvCxnSpPr>
+        <p:spPr>
+          <a:xfrm>
+            <a:off x="7020272" y="3576149"/>
+            <a:ext cx="2123727" cy="0"/>
+          </a:xfrm>
+          <a:prstGeom prst="straightConnector1">
+            <a:avLst/>
+          </a:prstGeom>
+          <a:ln>
+            <a:headEnd type="arrow"/>
+            <a:tailEnd type="arrow"/>
+          </a:ln>
+        </p:spPr>
+        <p:style>
+          <a:lnRef idx="1">
+            <a:schemeClr val="accent1"/>
+          </a:lnRef>
+          <a:fillRef idx="0">
+            <a:schemeClr val="accent1"/>
+          </a:fillRef>
+          <a:effectRef idx="0">
+            <a:schemeClr val="accent1"/>
+          </a:effectRef>
+          <a:fontRef idx="minor">
+            <a:schemeClr val="tx1"/>
+          </a:fontRef>
+        </p:style>
+      </p:cxnSp>
+      <p:sp>
+        <p:nvSpPr>
+          <p:cNvPr id="40" name="Rectangle 39"/>
+          <p:cNvSpPr/>
+          <p:nvPr/>
+        </p:nvSpPr>
+        <p:spPr>
+          <a:xfrm>
+            <a:off x="681894" y="2722328"/>
+            <a:ext cx="759939" cy="350748"/>
+          </a:xfrm>
+          <a:prstGeom prst="rect">
+            <a:avLst/>
+          </a:prstGeom>
+          <a:solidFill>
+            <a:schemeClr val="accent2">
+              <a:lumMod val="40000"/>
+              <a:lumOff val="60000"/>
+            </a:schemeClr>
+          </a:solidFill>
+        </p:spPr>
+        <p:style>
+          <a:lnRef idx="2">
+            <a:schemeClr val="accent1">
+              <a:shade val="50000"/>
+            </a:schemeClr>
+          </a:lnRef>
+          <a:fillRef idx="1">
+            <a:schemeClr val="accent1"/>
+          </a:fillRef>
+          <a:effectRef idx="0">
+            <a:schemeClr val="accent1"/>
+          </a:effectRef>
+          <a:fontRef idx="minor">
+            <a:schemeClr val="lt1"/>
+          </a:fontRef>
+        </p:style>
+        <p:txBody>
+          <a:bodyPr rtlCol="0" anchor="ctr"/>
+          <a:lstStyle/>
+          <a:p>
+            <a:pPr algn="ctr"/>
+            <a:r>
+              <a:rPr lang="en-AU" dirty="0" smtClean="0"/>
+              <a:t>60 px </a:t>
+            </a:r>
+            <a:endParaRPr lang="en-AU" dirty="0"/>
+          </a:p>
+        </p:txBody>
+      </p:sp>
+      <p:sp>
+        <p:nvSpPr>
+          <p:cNvPr id="42" name="Rectangle 41"/>
+          <p:cNvSpPr/>
+          <p:nvPr/>
+        </p:nvSpPr>
+        <p:spPr>
+          <a:xfrm>
+            <a:off x="7668344" y="3717032"/>
+            <a:ext cx="759939" cy="350748"/>
+          </a:xfrm>
+          <a:prstGeom prst="rect">
+            <a:avLst/>
+          </a:prstGeom>
+          <a:solidFill>
+            <a:schemeClr val="accent2">
+              <a:lumMod val="40000"/>
+              <a:lumOff val="60000"/>
+            </a:schemeClr>
+          </a:solidFill>
+        </p:spPr>
+        <p:style>
+          <a:lnRef idx="2">
+            <a:schemeClr val="accent1">
+              <a:shade val="50000"/>
+            </a:schemeClr>
+          </a:lnRef>
+          <a:fillRef idx="1">
+            <a:schemeClr val="accent1"/>
+          </a:fillRef>
+          <a:effectRef idx="0">
+            <a:schemeClr val="accent1"/>
+          </a:effectRef>
+          <a:fontRef idx="minor">
+            <a:schemeClr val="lt1"/>
+          </a:fontRef>
+        </p:style>
+        <p:txBody>
+          <a:bodyPr rtlCol="0" anchor="ctr"/>
+          <a:lstStyle/>
+          <a:p>
+            <a:pPr algn="ctr"/>
+            <a:r>
+              <a:rPr lang="en-AU" dirty="0" smtClean="0"/>
+              <a:t>60 px </a:t>
+            </a:r>
+            <a:endParaRPr lang="en-AU" dirty="0"/>
+          </a:p>
+        </p:txBody>
+      </p:sp>
+      <p:cxnSp>
+        <p:nvCxnSpPr>
+          <p:cNvPr id="44" name="Straight Arrow Connector 43"/>
+          <p:cNvCxnSpPr/>
+          <p:nvPr/>
+        </p:nvCxnSpPr>
+        <p:spPr>
+          <a:xfrm>
+            <a:off x="4608004" y="5949280"/>
+            <a:ext cx="0" cy="908720"/>
+          </a:xfrm>
+          <a:prstGeom prst="straightConnector1">
+            <a:avLst/>
+          </a:prstGeom>
+          <a:ln>
+            <a:headEnd type="arrow"/>
+            <a:tailEnd type="arrow"/>
+          </a:ln>
+        </p:spPr>
+        <p:style>
+          <a:lnRef idx="1">
+            <a:schemeClr val="accent1"/>
+          </a:lnRef>
+          <a:fillRef idx="0">
+            <a:schemeClr val="accent1"/>
+          </a:fillRef>
+          <a:effectRef idx="0">
+            <a:schemeClr val="accent1"/>
+          </a:effectRef>
+          <a:fontRef idx="minor">
+            <a:schemeClr val="tx1"/>
+          </a:fontRef>
+        </p:style>
+      </p:cxnSp>
+      <p:sp>
+        <p:nvSpPr>
+          <p:cNvPr id="45" name="Rectangle 44"/>
+          <p:cNvSpPr/>
+          <p:nvPr/>
+        </p:nvSpPr>
+        <p:spPr>
+          <a:xfrm>
+            <a:off x="4696300" y="6237312"/>
+            <a:ext cx="759939" cy="350748"/>
+          </a:xfrm>
+          <a:prstGeom prst="rect">
+            <a:avLst/>
+          </a:prstGeom>
+          <a:solidFill>
+            <a:schemeClr val="accent2">
+              <a:lumMod val="40000"/>
+              <a:lumOff val="60000"/>
+            </a:schemeClr>
+          </a:solidFill>
+        </p:spPr>
+        <p:style>
+          <a:lnRef idx="2">
+            <a:schemeClr val="accent1">
+              <a:shade val="50000"/>
+            </a:schemeClr>
+          </a:lnRef>
+          <a:fillRef idx="1">
+            <a:schemeClr val="accent1"/>
+          </a:fillRef>
+          <a:effectRef idx="0">
+            <a:schemeClr val="accent1"/>
+          </a:effectRef>
+          <a:fontRef idx="minor">
+            <a:schemeClr val="lt1"/>
+          </a:fontRef>
+        </p:style>
+        <p:txBody>
+          <a:bodyPr rtlCol="0" anchor="ctr"/>
+          <a:lstStyle/>
+          <a:p>
+            <a:pPr algn="ctr"/>
+            <a:r>
+              <a:rPr lang="en-AU" dirty="0"/>
+              <a:t>3</a:t>
+            </a:r>
+            <a:r>
+              <a:rPr lang="en-AU" dirty="0" smtClean="0"/>
+              <a:t>0 px </a:t>
+            </a:r>
+            <a:endParaRPr lang="en-AU" dirty="0"/>
+          </a:p>
+        </p:txBody>
+      </p:sp>
+      <p:cxnSp>
+        <p:nvCxnSpPr>
+          <p:cNvPr id="46" name="Straight Arrow Connector 45"/>
+          <p:cNvCxnSpPr/>
+          <p:nvPr/>
+        </p:nvCxnSpPr>
+        <p:spPr>
+          <a:xfrm>
+            <a:off x="4608004" y="864096"/>
+            <a:ext cx="0" cy="908720"/>
+          </a:xfrm>
+          <a:prstGeom prst="straightConnector1">
+            <a:avLst/>
+          </a:prstGeom>
+          <a:ln>
+            <a:headEnd type="arrow"/>
+            <a:tailEnd type="arrow"/>
+          </a:ln>
+        </p:spPr>
+        <p:style>
+          <a:lnRef idx="1">
+            <a:schemeClr val="accent1"/>
+          </a:lnRef>
+          <a:fillRef idx="0">
+            <a:schemeClr val="accent1"/>
+          </a:fillRef>
+          <a:effectRef idx="0">
+            <a:schemeClr val="accent1"/>
+          </a:effectRef>
+          <a:fontRef idx="minor">
+            <a:schemeClr val="tx1"/>
+          </a:fontRef>
+        </p:style>
+      </p:cxnSp>
+      <p:cxnSp>
+        <p:nvCxnSpPr>
+          <p:cNvPr id="48" name="Straight Arrow Connector 47"/>
+          <p:cNvCxnSpPr/>
+          <p:nvPr/>
+        </p:nvCxnSpPr>
+        <p:spPr>
+          <a:xfrm>
+            <a:off x="64299" y="5769260"/>
+            <a:ext cx="3931637" cy="0"/>
+          </a:xfrm>
+          <a:prstGeom prst="straightConnector1">
+            <a:avLst/>
+          </a:prstGeom>
+          <a:ln>
+            <a:headEnd type="arrow"/>
+            <a:tailEnd type="arrow"/>
+          </a:ln>
+        </p:spPr>
+        <p:style>
+          <a:lnRef idx="1">
+            <a:schemeClr val="accent1"/>
+          </a:lnRef>
+          <a:fillRef idx="0">
+            <a:schemeClr val="accent1"/>
+          </a:fillRef>
+          <a:effectRef idx="0">
+            <a:schemeClr val="accent1"/>
+          </a:effectRef>
+          <a:fontRef idx="minor">
+            <a:schemeClr val="tx1"/>
+          </a:fontRef>
+        </p:style>
+      </p:cxnSp>
+      <p:sp>
+        <p:nvSpPr>
+          <p:cNvPr id="50" name="Rectangle 49"/>
+          <p:cNvSpPr/>
+          <p:nvPr/>
+        </p:nvSpPr>
+        <p:spPr>
+          <a:xfrm>
+            <a:off x="1594233" y="5886564"/>
+            <a:ext cx="1152054" cy="350748"/>
+          </a:xfrm>
+          <a:prstGeom prst="rect">
+            <a:avLst/>
+          </a:prstGeom>
+          <a:solidFill>
+            <a:schemeClr val="accent2">
+              <a:lumMod val="40000"/>
+              <a:lumOff val="60000"/>
+            </a:schemeClr>
+          </a:solidFill>
+        </p:spPr>
+        <p:style>
+          <a:lnRef idx="2">
+            <a:schemeClr val="accent1">
+              <a:shade val="50000"/>
+            </a:schemeClr>
+          </a:lnRef>
+          <a:fillRef idx="1">
+            <a:schemeClr val="accent1"/>
+          </a:fillRef>
+          <a:effectRef idx="0">
+            <a:schemeClr val="accent1"/>
+          </a:effectRef>
+          <a:fontRef idx="minor">
+            <a:schemeClr val="lt1"/>
+          </a:fontRef>
+        </p:style>
+        <p:txBody>
+          <a:bodyPr rtlCol="0" anchor="ctr"/>
+          <a:lstStyle/>
+          <a:p>
+            <a:pPr algn="ctr"/>
+            <a:r>
+              <a:rPr lang="en-AU" dirty="0" smtClean="0"/>
+              <a:t>120 px </a:t>
+            </a:r>
+            <a:endParaRPr lang="en-AU" dirty="0"/>
+          </a:p>
+        </p:txBody>
+      </p:sp>
+      <p:cxnSp>
+        <p:nvCxnSpPr>
+          <p:cNvPr id="52" name="Straight Arrow Connector 51"/>
+          <p:cNvCxnSpPr>
+            <a:stCxn id="11" idx="1"/>
+          </p:cNvCxnSpPr>
+          <p:nvPr/>
+        </p:nvCxnSpPr>
+        <p:spPr>
+          <a:xfrm flipH="1">
+            <a:off x="1834022" y="3541658"/>
+            <a:ext cx="361714" cy="0"/>
+          </a:xfrm>
+          <a:prstGeom prst="straightConnector1">
+            <a:avLst/>
+          </a:prstGeom>
+          <a:ln>
+            <a:tailEnd type="arrow"/>
+          </a:ln>
+        </p:spPr>
+        <p:style>
+          <a:lnRef idx="1">
+            <a:schemeClr val="accent1"/>
+          </a:lnRef>
+          <a:fillRef idx="0">
+            <a:schemeClr val="accent1"/>
+          </a:fillRef>
+          <a:effectRef idx="0">
+            <a:schemeClr val="accent1"/>
+          </a:effectRef>
+          <a:fontRef idx="minor">
+            <a:schemeClr val="tx1"/>
+          </a:fontRef>
+        </p:style>
+      </p:cxnSp>
+      <p:cxnSp>
+        <p:nvCxnSpPr>
+          <p:cNvPr id="53" name="Straight Arrow Connector 52"/>
+          <p:cNvCxnSpPr/>
+          <p:nvPr/>
+        </p:nvCxnSpPr>
+        <p:spPr>
+          <a:xfrm>
+            <a:off x="64299" y="1911877"/>
+            <a:ext cx="3931637" cy="0"/>
+          </a:xfrm>
+          <a:prstGeom prst="straightConnector1">
+            <a:avLst/>
+          </a:prstGeom>
+          <a:ln>
+            <a:headEnd type="arrow"/>
+            <a:tailEnd type="arrow"/>
+          </a:ln>
+        </p:spPr>
+        <p:style>
+          <a:lnRef idx="1">
+            <a:schemeClr val="accent1"/>
+          </a:lnRef>
+          <a:fillRef idx="0">
+            <a:schemeClr val="accent1"/>
+          </a:fillRef>
+          <a:effectRef idx="0">
+            <a:schemeClr val="accent1"/>
+          </a:effectRef>
+          <a:fontRef idx="minor">
+            <a:schemeClr val="tx1"/>
+          </a:fontRef>
+        </p:style>
+      </p:cxnSp>
+      <p:sp>
+        <p:nvSpPr>
+          <p:cNvPr id="55" name="Rectangle 54"/>
+          <p:cNvSpPr/>
+          <p:nvPr/>
+        </p:nvSpPr>
+        <p:spPr>
+          <a:xfrm>
+            <a:off x="1430406" y="1525434"/>
+            <a:ext cx="1152054" cy="350748"/>
+          </a:xfrm>
+          <a:prstGeom prst="rect">
+            <a:avLst/>
+          </a:prstGeom>
+          <a:solidFill>
+            <a:schemeClr val="accent2">
+              <a:lumMod val="40000"/>
+              <a:lumOff val="60000"/>
+            </a:schemeClr>
+          </a:solidFill>
+        </p:spPr>
+        <p:style>
+          <a:lnRef idx="2">
+            <a:schemeClr val="accent1">
+              <a:shade val="50000"/>
+            </a:schemeClr>
+          </a:lnRef>
+          <a:fillRef idx="1">
+            <a:schemeClr val="accent1"/>
+          </a:fillRef>
+          <a:effectRef idx="0">
+            <a:schemeClr val="accent1"/>
+          </a:effectRef>
+          <a:fontRef idx="minor">
+            <a:schemeClr val="lt1"/>
+          </a:fontRef>
+        </p:style>
+        <p:txBody>
+          <a:bodyPr rtlCol="0" anchor="ctr"/>
+          <a:lstStyle/>
+          <a:p>
+            <a:pPr algn="ctr"/>
+            <a:r>
+              <a:rPr lang="en-AU" dirty="0" smtClean="0"/>
+              <a:t>120 px </a:t>
+            </a:r>
+            <a:endParaRPr lang="en-AU" dirty="0"/>
+          </a:p>
+        </p:txBody>
+      </p:sp>
+      <p:sp>
+        <p:nvSpPr>
+          <p:cNvPr id="57" name="Rectangle 56"/>
+          <p:cNvSpPr/>
+          <p:nvPr/>
+        </p:nvSpPr>
+        <p:spPr>
+          <a:xfrm>
+            <a:off x="3819402" y="1100689"/>
+            <a:ext cx="759939" cy="350748"/>
+          </a:xfrm>
+          <a:prstGeom prst="rect">
+            <a:avLst/>
+          </a:prstGeom>
+          <a:solidFill>
+            <a:schemeClr val="accent2">
+              <a:lumMod val="40000"/>
+              <a:lumOff val="60000"/>
+            </a:schemeClr>
+          </a:solidFill>
+        </p:spPr>
+        <p:style>
+          <a:lnRef idx="2">
+            <a:schemeClr val="accent1">
+              <a:shade val="50000"/>
+            </a:schemeClr>
+          </a:lnRef>
+          <a:fillRef idx="1">
+            <a:schemeClr val="accent1"/>
+          </a:fillRef>
+          <a:effectRef idx="0">
+            <a:schemeClr val="accent1"/>
+          </a:effectRef>
+          <a:fontRef idx="minor">
+            <a:schemeClr val="lt1"/>
+          </a:fontRef>
+        </p:style>
+        <p:txBody>
+          <a:bodyPr rtlCol="0" anchor="ctr"/>
+          <a:lstStyle/>
+          <a:p>
+            <a:pPr algn="ctr"/>
+            <a:r>
+              <a:rPr lang="en-AU" dirty="0"/>
+              <a:t>3</a:t>
+            </a:r>
+            <a:r>
+              <a:rPr lang="en-AU" dirty="0" smtClean="0"/>
+              <a:t>0 px </a:t>
+            </a:r>
+            <a:endParaRPr lang="en-AU" dirty="0"/>
+          </a:p>
+        </p:txBody>
+      </p:sp>
+      <p:cxnSp>
+        <p:nvCxnSpPr>
+          <p:cNvPr id="59" name="Straight Arrow Connector 58"/>
+          <p:cNvCxnSpPr/>
+          <p:nvPr/>
+        </p:nvCxnSpPr>
+        <p:spPr>
+          <a:xfrm>
+            <a:off x="8676456" y="443240"/>
+            <a:ext cx="467543" cy="0"/>
+          </a:xfrm>
+          <a:prstGeom prst="straightConnector1">
+            <a:avLst/>
+          </a:prstGeom>
+          <a:ln>
+            <a:solidFill>
+              <a:srgbClr val="0F0F7F"/>
+            </a:solidFill>
+            <a:headEnd type="arrow"/>
+            <a:tailEnd type="arrow"/>
+          </a:ln>
+        </p:spPr>
+        <p:style>
+          <a:lnRef idx="1">
+            <a:schemeClr val="accent1"/>
+          </a:lnRef>
+          <a:fillRef idx="0">
+            <a:schemeClr val="accent1"/>
+          </a:fillRef>
+          <a:effectRef idx="0">
+            <a:schemeClr val="accent1"/>
+          </a:effectRef>
+          <a:fontRef idx="minor">
+            <a:schemeClr val="tx1"/>
+          </a:fontRef>
+        </p:style>
+      </p:cxnSp>
+      <p:sp>
+        <p:nvSpPr>
+          <p:cNvPr id="60" name="TextBox 59"/>
+          <p:cNvSpPr txBox="1"/>
+          <p:nvPr/>
+        </p:nvSpPr>
+        <p:spPr>
+          <a:xfrm>
+            <a:off x="8676456" y="116632"/>
+            <a:ext cx="702332" cy="338554"/>
+          </a:xfrm>
+          <a:prstGeom prst="rect">
+            <a:avLst/>
+          </a:prstGeom>
+          <a:noFill/>
+        </p:spPr>
+        <p:txBody>
+          <a:bodyPr wrap="square" rtlCol="0">
+            <a:spAutoFit/>
+          </a:bodyPr>
+          <a:lstStyle/>
+          <a:p>
+            <a:r>
+              <a:rPr lang="en-AU" sz="1600" dirty="0" smtClean="0">
+                <a:solidFill>
+                  <a:schemeClr val="bg1"/>
+                </a:solidFill>
+              </a:rPr>
+              <a:t>15 px</a:t>
+            </a:r>
+            <a:endParaRPr lang="en-AU" sz="1600" dirty="0">
+              <a:solidFill>
+                <a:schemeClr val="bg1"/>
+              </a:solidFill>
+            </a:endParaRPr>
+          </a:p>
+        </p:txBody>
+      </p:sp>
+      <p:cxnSp>
+        <p:nvCxnSpPr>
+          <p:cNvPr id="64" name="Straight Arrow Connector 63"/>
+          <p:cNvCxnSpPr/>
+          <p:nvPr/>
+        </p:nvCxnSpPr>
+        <p:spPr>
+          <a:xfrm>
+            <a:off x="8048313" y="-1"/>
+            <a:ext cx="0" cy="338554"/>
+          </a:xfrm>
+          <a:prstGeom prst="straightConnector1">
+            <a:avLst/>
+          </a:prstGeom>
+          <a:ln>
+            <a:solidFill>
+              <a:srgbClr val="0F0F7F"/>
+            </a:solidFill>
+            <a:headEnd type="arrow"/>
+            <a:tailEnd type="arrow"/>
+          </a:ln>
+        </p:spPr>
+        <p:style>
+          <a:lnRef idx="1">
+            <a:schemeClr val="accent1"/>
+          </a:lnRef>
+          <a:fillRef idx="0">
+            <a:schemeClr val="accent1"/>
+          </a:fillRef>
+          <a:effectRef idx="0">
+            <a:schemeClr val="accent1"/>
+          </a:effectRef>
+          <a:fontRef idx="minor">
+            <a:schemeClr val="tx1"/>
+          </a:fontRef>
+        </p:style>
+      </p:cxnSp>
+      <p:sp>
+        <p:nvSpPr>
+          <p:cNvPr id="65" name="TextBox 64"/>
+          <p:cNvSpPr txBox="1"/>
+          <p:nvPr/>
+        </p:nvSpPr>
+        <p:spPr>
+          <a:xfrm>
+            <a:off x="7452320" y="-1"/>
+            <a:ext cx="720080" cy="338554"/>
+          </a:xfrm>
+          <a:prstGeom prst="rect">
+            <a:avLst/>
+          </a:prstGeom>
+          <a:noFill/>
+        </p:spPr>
+        <p:txBody>
+          <a:bodyPr wrap="square" rtlCol="0">
+            <a:spAutoFit/>
+          </a:bodyPr>
+          <a:lstStyle/>
+          <a:p>
+            <a:r>
+              <a:rPr lang="en-AU" sz="1600" dirty="0" smtClean="0">
+                <a:solidFill>
+                  <a:schemeClr val="bg1"/>
+                </a:solidFill>
+              </a:rPr>
+              <a:t>10 px</a:t>
+            </a:r>
+            <a:endParaRPr lang="en-AU" sz="1600" dirty="0">
+              <a:solidFill>
+                <a:schemeClr val="bg1"/>
+              </a:solidFill>
+            </a:endParaRPr>
+          </a:p>
+        </p:txBody>
+      </p:sp>
+      <p:sp>
+        <p:nvSpPr>
+          <p:cNvPr id="66" name="TextBox 65"/>
+          <p:cNvSpPr txBox="1"/>
+          <p:nvPr/>
+        </p:nvSpPr>
+        <p:spPr>
+          <a:xfrm>
+            <a:off x="7739586" y="591351"/>
+            <a:ext cx="720080" cy="338554"/>
+          </a:xfrm>
+          <a:prstGeom prst="rect">
+            <a:avLst/>
+          </a:prstGeom>
+          <a:noFill/>
+        </p:spPr>
+        <p:txBody>
+          <a:bodyPr wrap="square" rtlCol="0">
+            <a:spAutoFit/>
+          </a:bodyPr>
+          <a:lstStyle/>
+          <a:p>
+            <a:r>
+              <a:rPr lang="en-AU" sz="1600" dirty="0" smtClean="0">
+                <a:solidFill>
+                  <a:schemeClr val="bg1"/>
+                </a:solidFill>
+              </a:rPr>
+              <a:t>10 px</a:t>
+            </a:r>
+            <a:endParaRPr lang="en-AU" sz="1600" dirty="0">
+              <a:solidFill>
+                <a:schemeClr val="bg1"/>
+              </a:solidFill>
+            </a:endParaRPr>
+          </a:p>
+        </p:txBody>
+      </p:sp>
+      <p:cxnSp>
+        <p:nvCxnSpPr>
+          <p:cNvPr id="68" name="Straight Arrow Connector 67"/>
+          <p:cNvCxnSpPr/>
+          <p:nvPr/>
+        </p:nvCxnSpPr>
+        <p:spPr>
+          <a:xfrm>
+            <a:off x="8459666" y="529917"/>
+            <a:ext cx="0" cy="364134"/>
+          </a:xfrm>
+          <a:prstGeom prst="straightConnector1">
+            <a:avLst/>
+          </a:prstGeom>
+          <a:ln>
+            <a:solidFill>
+              <a:srgbClr val="0F0F7F"/>
+            </a:solidFill>
+            <a:headEnd type="arrow"/>
+            <a:tailEnd type="arrow"/>
+          </a:ln>
+        </p:spPr>
+        <p:style>
+          <a:lnRef idx="1">
+            <a:schemeClr val="accent1"/>
+          </a:lnRef>
+          <a:fillRef idx="0">
+            <a:schemeClr val="accent1"/>
+          </a:fillRef>
+          <a:effectRef idx="0">
+            <a:schemeClr val="accent1"/>
+          </a:effectRef>
+          <a:fontRef idx="minor">
+            <a:schemeClr val="tx1"/>
+          </a:fontRef>
+        </p:style>
+      </p:cxnSp>
+      <p:sp>
+        <p:nvSpPr>
+          <p:cNvPr id="76" name="TextBox 75"/>
+          <p:cNvSpPr txBox="1"/>
+          <p:nvPr/>
+        </p:nvSpPr>
+        <p:spPr>
+          <a:xfrm>
+            <a:off x="5616116" y="282134"/>
+            <a:ext cx="1512168" cy="338554"/>
+          </a:xfrm>
+          <a:prstGeom prst="rect">
+            <a:avLst/>
+          </a:prstGeom>
+          <a:noFill/>
+        </p:spPr>
+        <p:txBody>
+          <a:bodyPr wrap="square" rtlCol="0">
+            <a:spAutoFit/>
+          </a:bodyPr>
+          <a:lstStyle/>
+          <a:p>
+            <a:r>
+              <a:rPr lang="en-AU" sz="1600" b="1" dirty="0" smtClean="0">
+                <a:solidFill>
+                  <a:srgbClr val="0F0F7F"/>
+                </a:solidFill>
+                <a:latin typeface="Arial" panose="020B0604020202020204" pitchFamily="34" charset="0"/>
+                <a:cs typeface="Arial" panose="020B0604020202020204" pitchFamily="34" charset="0"/>
+              </a:rPr>
+              <a:t>Home</a:t>
+            </a:r>
+            <a:endParaRPr lang="en-AU" sz="1600" b="1" dirty="0">
+              <a:solidFill>
+                <a:srgbClr val="0F0F7F"/>
+              </a:solidFill>
+              <a:latin typeface="Arial" panose="020B0604020202020204" pitchFamily="34" charset="0"/>
+              <a:cs typeface="Arial" panose="020B0604020202020204" pitchFamily="34" charset="0"/>
+            </a:endParaRPr>
+          </a:p>
+        </p:txBody>
+      </p:sp>
+    </p:spTree>
+    <p:extLst>
+      <p:ext uri="{BB962C8B-B14F-4D97-AF65-F5344CB8AC3E}">
+        <p14:creationId xmlns:p14="http://schemas.microsoft.com/office/powerpoint/2010/main" val="4208413230"/>
+      </p:ext>
+    </p:extLst>
+  </p:cSld>
+  <p:clrMapOvr>
+    <a:masterClrMapping/>
+  </p:clrMapOvr>
+</p:sld>
+</file>
+
+<file path=ppt/slides/slide6.xml><?xml version="1.0" encoding="utf-8"?>
+<p:sld xmlns:a="http://schemas.openxmlformats.org/drawingml/2006/main" xmlns:r="http://schemas.openxmlformats.org/officeDocument/2006/relationships" xmlns:p="http://schemas.openxmlformats.org/presentationml/2006/main">
+  <p:cSld>
+    <p:spTree>
+      <p:nvGrpSpPr>
+        <p:cNvPr id="1" name=""/>
+        <p:cNvGrpSpPr/>
+        <p:nvPr/>
+      </p:nvGrpSpPr>
+      <p:grpSpPr>
+        <a:xfrm>
+          <a:off x="0" y="0"/>
+          <a:ext cx="0" cy="0"/>
+          <a:chOff x="0" y="0"/>
+          <a:chExt cx="0" cy="0"/>
+        </a:xfrm>
+      </p:grpSpPr>
+      <p:sp>
+        <p:nvSpPr>
+          <p:cNvPr id="3" name="Rectangle 2"/>
+          <p:cNvSpPr/>
+          <p:nvPr/>
+        </p:nvSpPr>
+        <p:spPr>
+          <a:xfrm>
+            <a:off x="-30299" y="-1"/>
+            <a:ext cx="9174299" cy="913865"/>
+          </a:xfrm>
+          <a:prstGeom prst="rect">
+            <a:avLst/>
+          </a:prstGeom>
+          <a:solidFill>
+            <a:srgbClr val="6F6FEF"/>
+          </a:solidFill>
+          <a:ln>
+            <a:solidFill>
+              <a:srgbClr val="6F6FEF"/>
+            </a:solidFill>
+          </a:ln>
+        </p:spPr>
+        <p:style>
+          <a:lnRef idx="2">
+            <a:schemeClr val="accent1">
+              <a:shade val="50000"/>
+            </a:schemeClr>
+          </a:lnRef>
+          <a:fillRef idx="1">
+            <a:schemeClr val="accent1"/>
+          </a:fillRef>
+          <a:effectRef idx="0">
+            <a:schemeClr val="accent1"/>
+          </a:effectRef>
+          <a:fontRef idx="minor">
+            <a:schemeClr val="lt1"/>
+          </a:fontRef>
+        </p:style>
+        <p:txBody>
+          <a:bodyPr rtlCol="0" anchor="ctr"/>
+          <a:lstStyle/>
+          <a:p>
+            <a:pPr lvl="1"/>
+            <a:r>
+              <a:rPr lang="en-AU" sz="3600" dirty="0">
+                <a:solidFill>
+                  <a:schemeClr val="bg1"/>
+                </a:solidFill>
+                <a:latin typeface="Cooper Black" panose="0208090404030B020404" pitchFamily="18" charset="0"/>
+              </a:rPr>
+              <a:t>nodiam</a:t>
+            </a:r>
+            <a:endParaRPr lang="en-AU" sz="3600" dirty="0">
+              <a:solidFill>
+                <a:schemeClr val="bg1"/>
+              </a:solidFill>
+              <a:latin typeface="Cooper Black" panose="0208090404030B020404" pitchFamily="18" charset="0"/>
+            </a:endParaRPr>
+          </a:p>
+        </p:txBody>
+      </p:sp>
+      <p:pic>
+        <p:nvPicPr>
+          <p:cNvPr id="4" name="Picture 3" descr="D:\Anodiam\Docs\ProjectExecution\BA\ImageResources\AnodiamLogoReverseColorRightAligned.bmp"/>
+          <p:cNvPicPr>
+            <a:picLocks noChangeAspect="1" noChangeArrowheads="1"/>
+          </p:cNvPicPr>
+          <p:nvPr/>
+        </p:nvPicPr>
+        <p:blipFill>
+          <a:blip r:embed="rId2">
+            <a:extLst>
+              <a:ext uri="{28A0092B-C50C-407E-A947-70E740481C1C}">
+                <a14:useLocalDpi xmlns:a14="http://schemas.microsoft.com/office/drawing/2010/main" val="0"/>
+              </a:ext>
+            </a:extLst>
+          </a:blip>
+          <a:srcRect/>
+          <a:stretch>
+            <a:fillRect/>
+          </a:stretch>
+        </p:blipFill>
+        <p:spPr bwMode="auto">
+          <a:xfrm>
+            <a:off x="64299" y="188640"/>
+            <a:ext cx="475253" cy="509200"/>
+          </a:xfrm>
+          <a:prstGeom prst="rect">
+            <a:avLst/>
+          </a:prstGeom>
+          <a:noFill/>
+          <a:ln>
+            <a:solidFill>
+              <a:srgbClr val="6F6FEF"/>
+            </a:solidFill>
+          </a:ln>
+          <a:extLst>
+            <a:ext uri="{909E8E84-426E-40DD-AFC4-6F175D3DCCD1}">
+              <a14:hiddenFill xmlns:a14="http://schemas.microsoft.com/office/drawing/2010/main">
+                <a:solidFill>
+                  <a:srgbClr val="FFFFFF"/>
+                </a:solidFill>
+              </a14:hiddenFill>
+            </a:ext>
+          </a:extLst>
+        </p:spPr>
+      </p:pic>
+      <p:sp>
+        <p:nvSpPr>
+          <p:cNvPr id="5" name="TextBox 4"/>
+          <p:cNvSpPr txBox="1"/>
+          <p:nvPr/>
+        </p:nvSpPr>
+        <p:spPr>
+          <a:xfrm>
+            <a:off x="6444208" y="332656"/>
+            <a:ext cx="756084" cy="338554"/>
+          </a:xfrm>
+          <a:prstGeom prst="rect">
+            <a:avLst/>
+          </a:prstGeom>
+          <a:noFill/>
+        </p:spPr>
+        <p:txBody>
+          <a:bodyPr wrap="square" rtlCol="0">
+            <a:spAutoFit/>
+          </a:bodyPr>
+          <a:lstStyle/>
+          <a:p>
+            <a:r>
+              <a:rPr lang="en-AU" sz="1600" b="1" dirty="0" smtClean="0">
+                <a:solidFill>
+                  <a:srgbClr val="0F0F7F"/>
+                </a:solidFill>
+                <a:latin typeface="Arial" panose="020B0604020202020204" pitchFamily="34" charset="0"/>
+                <a:cs typeface="Arial" panose="020B0604020202020204" pitchFamily="34" charset="0"/>
+              </a:rPr>
+              <a:t>Home</a:t>
+            </a:r>
+            <a:endParaRPr lang="en-AU" sz="1600" b="1" dirty="0">
+              <a:solidFill>
+                <a:srgbClr val="0F0F7F"/>
+              </a:solidFill>
+              <a:latin typeface="Arial" panose="020B0604020202020204" pitchFamily="34" charset="0"/>
+              <a:cs typeface="Arial" panose="020B0604020202020204" pitchFamily="34" charset="0"/>
+            </a:endParaRPr>
+          </a:p>
+        </p:txBody>
+      </p:sp>
+      <p:sp>
+        <p:nvSpPr>
+          <p:cNvPr id="6" name="TextBox 5"/>
+          <p:cNvSpPr txBox="1"/>
+          <p:nvPr/>
+        </p:nvSpPr>
+        <p:spPr>
+          <a:xfrm>
+            <a:off x="7760746" y="332656"/>
+            <a:ext cx="1043608" cy="343698"/>
+          </a:xfrm>
+          <a:prstGeom prst="rect">
+            <a:avLst/>
+          </a:prstGeom>
+          <a:noFill/>
+        </p:spPr>
+        <p:txBody>
+          <a:bodyPr wrap="square" rtlCol="0">
+            <a:spAutoFit/>
+          </a:bodyPr>
+          <a:lstStyle/>
+          <a:p>
+            <a:r>
+              <a:rPr lang="en-AU" sz="1600" b="1" dirty="0" smtClean="0">
+                <a:solidFill>
+                  <a:srgbClr val="0F0F7F"/>
+                </a:solidFill>
+                <a:latin typeface="Arial" panose="020B0604020202020204" pitchFamily="34" charset="0"/>
+                <a:cs typeface="Arial" panose="020B0604020202020204" pitchFamily="34" charset="0"/>
+              </a:rPr>
+              <a:t>Log Out</a:t>
+            </a:r>
+            <a:endParaRPr lang="en-AU" sz="1600" b="1" dirty="0">
+              <a:solidFill>
+                <a:srgbClr val="0F0F7F"/>
+              </a:solidFill>
+              <a:latin typeface="Arial" panose="020B0604020202020204" pitchFamily="34" charset="0"/>
+              <a:cs typeface="Arial" panose="020B0604020202020204" pitchFamily="34" charset="0"/>
+            </a:endParaRPr>
+          </a:p>
+        </p:txBody>
+      </p:sp>
+      <p:sp>
+        <p:nvSpPr>
+          <p:cNvPr id="7" name="Rectangle 6"/>
+          <p:cNvSpPr/>
+          <p:nvPr/>
+        </p:nvSpPr>
+        <p:spPr>
+          <a:xfrm>
+            <a:off x="2483768" y="296112"/>
+            <a:ext cx="2520280" cy="437192"/>
+          </a:xfrm>
+          <a:prstGeom prst="rect">
+            <a:avLst/>
+          </a:prstGeom>
+          <a:ln>
+            <a:solidFill>
+              <a:srgbClr val="6F6FEF"/>
+            </a:solidFill>
+          </a:ln>
+        </p:spPr>
+        <p:style>
+          <a:lnRef idx="2">
+            <a:schemeClr val="dk1"/>
+          </a:lnRef>
+          <a:fillRef idx="1">
+            <a:schemeClr val="lt1"/>
+          </a:fillRef>
+          <a:effectRef idx="0">
+            <a:schemeClr val="dk1"/>
+          </a:effectRef>
+          <a:fontRef idx="minor">
+            <a:schemeClr val="dk1"/>
+          </a:fontRef>
+        </p:style>
+        <p:txBody>
+          <a:bodyPr rtlCol="0" anchor="ctr"/>
+          <a:lstStyle/>
+          <a:p>
+            <a:pPr algn="ctr"/>
+            <a:r>
+              <a:rPr lang="en-AU" sz="1600" dirty="0" smtClean="0">
+                <a:solidFill>
+                  <a:srgbClr val="BFBFFF"/>
+                </a:solidFill>
+                <a:latin typeface="Arial" panose="020B0604020202020204" pitchFamily="34" charset="0"/>
+                <a:cs typeface="Arial" panose="020B0604020202020204" pitchFamily="34" charset="0"/>
+              </a:rPr>
+              <a:t>Type Here</a:t>
+            </a:r>
+            <a:endParaRPr lang="en-AU" sz="1600" dirty="0">
+              <a:solidFill>
+                <a:srgbClr val="BFBFFF"/>
+              </a:solidFill>
+              <a:latin typeface="Arial" panose="020B0604020202020204" pitchFamily="34" charset="0"/>
+              <a:cs typeface="Arial" panose="020B0604020202020204" pitchFamily="34" charset="0"/>
+            </a:endParaRPr>
+          </a:p>
+        </p:txBody>
+      </p:sp>
+      <p:pic>
+        <p:nvPicPr>
+          <p:cNvPr id="8" name="Picture 4" descr="Search Icons - Download Free Vector Icons | Noun Project"/>
+          <p:cNvPicPr>
+            <a:picLocks noChangeAspect="1" noChangeArrowheads="1"/>
+          </p:cNvPicPr>
+          <p:nvPr/>
+        </p:nvPicPr>
+        <p:blipFill>
+          <a:blip r:embed="rId3" cstate="print">
+            <a:extLst>
+              <a:ext uri="{28A0092B-C50C-407E-A947-70E740481C1C}">
+                <a14:useLocalDpi xmlns:a14="http://schemas.microsoft.com/office/drawing/2010/main" val="0"/>
+              </a:ext>
+            </a:extLst>
+          </a:blip>
+          <a:srcRect/>
+          <a:stretch>
+            <a:fillRect/>
+          </a:stretch>
+        </p:blipFill>
+        <p:spPr bwMode="auto">
+          <a:xfrm>
+            <a:off x="4572000" y="368660"/>
+            <a:ext cx="324036" cy="324036"/>
+          </a:xfrm>
+          <a:prstGeom prst="rect">
+            <a:avLst/>
+          </a:prstGeom>
+          <a:noFill/>
+          <a:extLst>
+            <a:ext uri="{909E8E84-426E-40DD-AFC4-6F175D3DCCD1}">
+              <a14:hiddenFill xmlns:a14="http://schemas.microsoft.com/office/drawing/2010/main">
+                <a:solidFill>
+                  <a:srgbClr val="FFFFFF"/>
+                </a:solidFill>
+              </a14:hiddenFill>
+            </a:ext>
+          </a:extLst>
+        </p:spPr>
+      </p:pic>
+      <p:sp>
+        <p:nvSpPr>
+          <p:cNvPr id="10" name="Rectangle 9"/>
+          <p:cNvSpPr/>
+          <p:nvPr/>
+        </p:nvSpPr>
+        <p:spPr>
+          <a:xfrm>
+            <a:off x="-29669" y="920523"/>
+            <a:ext cx="9174298" cy="5944136"/>
+          </a:xfrm>
+          <a:prstGeom prst="rect">
+            <a:avLst/>
+          </a:prstGeom>
+          <a:solidFill>
+            <a:srgbClr val="DFDFFF"/>
+          </a:solidFill>
+          <a:ln>
+            <a:solidFill>
+              <a:srgbClr val="DFDFFF"/>
+            </a:solidFill>
+          </a:ln>
+        </p:spPr>
+        <p:style>
+          <a:lnRef idx="2">
+            <a:schemeClr val="accent1">
+              <a:shade val="50000"/>
+            </a:schemeClr>
+          </a:lnRef>
+          <a:fillRef idx="1">
+            <a:schemeClr val="accent1"/>
+          </a:fillRef>
+          <a:effectRef idx="0">
+            <a:schemeClr val="accent1"/>
+          </a:effectRef>
+          <a:fontRef idx="minor">
+            <a:schemeClr val="lt1"/>
+          </a:fontRef>
+        </p:style>
+        <p:txBody>
+          <a:bodyPr rtlCol="0" anchor="ctr"/>
+          <a:lstStyle/>
+          <a:p>
+            <a:pPr algn="ctr"/>
+            <a:endParaRPr lang="en-AU"/>
+          </a:p>
+        </p:txBody>
+      </p:sp>
+      <p:sp>
+        <p:nvSpPr>
+          <p:cNvPr id="11" name="TextBox 10"/>
+          <p:cNvSpPr txBox="1"/>
+          <p:nvPr/>
+        </p:nvSpPr>
+        <p:spPr>
+          <a:xfrm>
+            <a:off x="35496" y="1124744"/>
+            <a:ext cx="1872208" cy="400110"/>
+          </a:xfrm>
+          <a:prstGeom prst="rect">
+            <a:avLst/>
+          </a:prstGeom>
+          <a:noFill/>
+        </p:spPr>
+        <p:txBody>
+          <a:bodyPr wrap="square" rtlCol="0">
+            <a:spAutoFit/>
+          </a:bodyPr>
+          <a:lstStyle/>
+          <a:p>
+            <a:r>
+              <a:rPr lang="en-AU" sz="2000" b="1" u="sng" dirty="0" smtClean="0">
+                <a:solidFill>
+                  <a:srgbClr val="0F0F7F"/>
+                </a:solidFill>
+                <a:latin typeface="Arial" panose="020B0604020202020204" pitchFamily="34" charset="0"/>
+                <a:cs typeface="Arial" panose="020B0604020202020204" pitchFamily="34" charset="0"/>
+              </a:rPr>
+              <a:t>User account </a:t>
+            </a:r>
+            <a:endParaRPr lang="en-AU" sz="2000" b="1" u="sng" dirty="0">
+              <a:solidFill>
+                <a:srgbClr val="0F0F7F"/>
+              </a:solidFill>
+              <a:latin typeface="Arial" panose="020B0604020202020204" pitchFamily="34" charset="0"/>
+              <a:cs typeface="Arial" panose="020B0604020202020204" pitchFamily="34" charset="0"/>
+            </a:endParaRPr>
+          </a:p>
+        </p:txBody>
+      </p:sp>
+      <p:sp>
+        <p:nvSpPr>
+          <p:cNvPr id="15" name="TextBox 14"/>
+          <p:cNvSpPr txBox="1"/>
+          <p:nvPr/>
+        </p:nvSpPr>
+        <p:spPr>
+          <a:xfrm>
+            <a:off x="2935943" y="1324799"/>
+            <a:ext cx="2880320" cy="338554"/>
+          </a:xfrm>
+          <a:prstGeom prst="rect">
+            <a:avLst/>
+          </a:prstGeom>
+          <a:noFill/>
+        </p:spPr>
+        <p:txBody>
+          <a:bodyPr wrap="square" rtlCol="0">
+            <a:spAutoFit/>
+          </a:bodyPr>
+          <a:lstStyle/>
+          <a:p>
+            <a:r>
+              <a:rPr lang="en-AU" sz="1600" b="1" dirty="0" smtClean="0">
+                <a:solidFill>
+                  <a:srgbClr val="0F0F7F"/>
+                </a:solidFill>
+                <a:latin typeface="Arial" panose="020B0604020202020204" pitchFamily="34" charset="0"/>
+                <a:cs typeface="Arial" panose="020B0604020202020204" pitchFamily="34" charset="0"/>
+              </a:rPr>
+              <a:t>List Of purchased courses</a:t>
+            </a:r>
+            <a:endParaRPr lang="en-AU" sz="1600" b="1" dirty="0">
+              <a:solidFill>
+                <a:srgbClr val="0F0F7F"/>
+              </a:solidFill>
+              <a:latin typeface="Arial" panose="020B0604020202020204" pitchFamily="34" charset="0"/>
+              <a:cs typeface="Arial" panose="020B0604020202020204" pitchFamily="34" charset="0"/>
+            </a:endParaRPr>
+          </a:p>
+        </p:txBody>
+      </p:sp>
+      <p:sp>
+        <p:nvSpPr>
+          <p:cNvPr id="16" name="TextBox 15"/>
+          <p:cNvSpPr txBox="1"/>
+          <p:nvPr/>
+        </p:nvSpPr>
+        <p:spPr>
+          <a:xfrm>
+            <a:off x="6609514" y="1233013"/>
+            <a:ext cx="1764196" cy="338554"/>
+          </a:xfrm>
+          <a:prstGeom prst="rect">
+            <a:avLst/>
+          </a:prstGeom>
+          <a:noFill/>
+        </p:spPr>
+        <p:txBody>
+          <a:bodyPr wrap="square" rtlCol="0">
+            <a:spAutoFit/>
+          </a:bodyPr>
+          <a:lstStyle/>
+          <a:p>
+            <a:r>
+              <a:rPr lang="en-AU" sz="1600" b="1" dirty="0" smtClean="0">
+                <a:solidFill>
+                  <a:srgbClr val="0F0F7F"/>
+                </a:solidFill>
+                <a:latin typeface="Arial" panose="020B0604020202020204" pitchFamily="34" charset="0"/>
+                <a:cs typeface="Arial" panose="020B0604020202020204" pitchFamily="34" charset="0"/>
+              </a:rPr>
+              <a:t>Wish List</a:t>
+            </a:r>
+            <a:endParaRPr lang="en-AU" sz="1600" b="1" dirty="0">
+              <a:solidFill>
+                <a:srgbClr val="0F0F7F"/>
+              </a:solidFill>
+              <a:latin typeface="Arial" panose="020B0604020202020204" pitchFamily="34" charset="0"/>
+              <a:cs typeface="Arial" panose="020B0604020202020204" pitchFamily="34" charset="0"/>
+            </a:endParaRPr>
+          </a:p>
+        </p:txBody>
+      </p:sp>
+      <p:pic>
+        <p:nvPicPr>
+          <p:cNvPr id="2051" name="Picture 3"/>
+          <p:cNvPicPr>
+            <a:picLocks noChangeAspect="1" noChangeArrowheads="1"/>
+          </p:cNvPicPr>
+          <p:nvPr/>
+        </p:nvPicPr>
+        <p:blipFill>
+          <a:blip r:embed="rId4">
+            <a:extLst>
+              <a:ext uri="{28A0092B-C50C-407E-A947-70E740481C1C}">
+                <a14:useLocalDpi xmlns:a14="http://schemas.microsoft.com/office/drawing/2010/main" val="0"/>
+              </a:ext>
+            </a:extLst>
+          </a:blip>
+          <a:srcRect/>
+          <a:stretch>
+            <a:fillRect/>
+          </a:stretch>
+        </p:blipFill>
+        <p:spPr bwMode="auto">
+          <a:xfrm>
+            <a:off x="5673638" y="1402290"/>
+            <a:ext cx="590550" cy="419100"/>
+          </a:xfrm>
+          <a:prstGeom prst="rect">
+            <a:avLst/>
+          </a:prstGeom>
+          <a:noFill/>
+          <a:ln>
+            <a:noFill/>
+          </a:ln>
+          <a:extLst>
+            <a:ext uri="{909E8E84-426E-40DD-AFC4-6F175D3DCCD1}">
+              <a14:hiddenFill xmlns:a14="http://schemas.microsoft.com/office/drawing/2010/main">
+                <a:solidFill>
+                  <a:schemeClr val="accent1"/>
+                </a:solidFill>
+              </a14:hiddenFill>
+            </a:ext>
+            <a:ext uri="{91240B29-F687-4F45-9708-019B960494DF}">
+              <a14:hiddenLine xmlns:a14="http://schemas.microsoft.com/office/drawing/2010/main" w="9525">
+                <a:solidFill>
+                  <a:schemeClr val="tx1"/>
+                </a:solidFill>
+                <a:miter lim="800000"/>
+                <a:headEnd/>
+                <a:tailEnd/>
+              </a14:hiddenLine>
+            </a:ext>
+          </a:extLst>
+        </p:spPr>
+      </p:pic>
+      <p:sp>
+        <p:nvSpPr>
+          <p:cNvPr id="17" name="TextBox 16"/>
+          <p:cNvSpPr txBox="1"/>
+          <p:nvPr/>
+        </p:nvSpPr>
+        <p:spPr>
+          <a:xfrm>
+            <a:off x="35496" y="1664804"/>
+            <a:ext cx="1771397" cy="369332"/>
+          </a:xfrm>
+          <a:prstGeom prst="rect">
+            <a:avLst/>
+          </a:prstGeom>
+          <a:noFill/>
+        </p:spPr>
+        <p:txBody>
+          <a:bodyPr wrap="square" rtlCol="0">
+            <a:spAutoFit/>
+          </a:bodyPr>
+          <a:lstStyle/>
+          <a:p>
+            <a:r>
+              <a:rPr lang="en-AU" b="1" dirty="0" smtClean="0">
+                <a:solidFill>
+                  <a:srgbClr val="0F0F7F"/>
+                </a:solidFill>
+                <a:latin typeface="Arial" panose="020B0604020202020204" pitchFamily="34" charset="0"/>
+                <a:cs typeface="Arial" panose="020B0604020202020204" pitchFamily="34" charset="0"/>
+              </a:rPr>
+              <a:t>Name</a:t>
+            </a:r>
+            <a:endParaRPr lang="en-AU" b="1" dirty="0">
+              <a:solidFill>
+                <a:srgbClr val="0F0F7F"/>
+              </a:solidFill>
+              <a:latin typeface="Arial" panose="020B0604020202020204" pitchFamily="34" charset="0"/>
+              <a:cs typeface="Arial" panose="020B0604020202020204" pitchFamily="34" charset="0"/>
+            </a:endParaRPr>
+          </a:p>
+        </p:txBody>
+      </p:sp>
+      <p:sp>
+        <p:nvSpPr>
+          <p:cNvPr id="20" name="TextBox 19"/>
+          <p:cNvSpPr txBox="1"/>
+          <p:nvPr/>
+        </p:nvSpPr>
+        <p:spPr>
+          <a:xfrm>
+            <a:off x="64299" y="2191909"/>
+            <a:ext cx="1771397" cy="369332"/>
+          </a:xfrm>
+          <a:prstGeom prst="rect">
+            <a:avLst/>
+          </a:prstGeom>
+          <a:noFill/>
+        </p:spPr>
+        <p:txBody>
+          <a:bodyPr wrap="square" rtlCol="0">
+            <a:spAutoFit/>
+          </a:bodyPr>
+          <a:lstStyle/>
+          <a:p>
+            <a:r>
+              <a:rPr lang="en-AU" b="1" dirty="0" smtClean="0">
+                <a:solidFill>
+                  <a:srgbClr val="0F0F7F"/>
+                </a:solidFill>
+                <a:latin typeface="Arial" panose="020B0604020202020204" pitchFamily="34" charset="0"/>
+                <a:cs typeface="Arial" panose="020B0604020202020204" pitchFamily="34" charset="0"/>
+              </a:rPr>
+              <a:t>0405706205</a:t>
+            </a:r>
+            <a:endParaRPr lang="en-AU" b="1" dirty="0">
+              <a:solidFill>
+                <a:srgbClr val="0F0F7F"/>
+              </a:solidFill>
+              <a:latin typeface="Arial" panose="020B0604020202020204" pitchFamily="34" charset="0"/>
+              <a:cs typeface="Arial" panose="020B0604020202020204" pitchFamily="34" charset="0"/>
+            </a:endParaRPr>
+          </a:p>
+        </p:txBody>
+      </p:sp>
+      <p:sp>
+        <p:nvSpPr>
+          <p:cNvPr id="21" name="TextBox 20"/>
+          <p:cNvSpPr txBox="1"/>
+          <p:nvPr/>
+        </p:nvSpPr>
+        <p:spPr>
+          <a:xfrm>
+            <a:off x="35496" y="2780928"/>
+            <a:ext cx="1932778" cy="369332"/>
+          </a:xfrm>
+          <a:prstGeom prst="rect">
+            <a:avLst/>
+          </a:prstGeom>
+          <a:noFill/>
+        </p:spPr>
+        <p:txBody>
+          <a:bodyPr wrap="square" rtlCol="0">
+            <a:spAutoFit/>
+          </a:bodyPr>
+          <a:lstStyle/>
+          <a:p>
+            <a:r>
+              <a:rPr lang="en-AU" b="1" dirty="0" smtClean="0">
+                <a:solidFill>
+                  <a:srgbClr val="0F0F7F"/>
+                </a:solidFill>
+                <a:latin typeface="Arial" panose="020B0604020202020204" pitchFamily="34" charset="0"/>
+                <a:cs typeface="Arial" panose="020B0604020202020204" pitchFamily="34" charset="0"/>
+              </a:rPr>
+              <a:t>abc@gmail.com</a:t>
+            </a:r>
+            <a:endParaRPr lang="en-AU" b="1" dirty="0">
+              <a:solidFill>
+                <a:srgbClr val="0F0F7F"/>
+              </a:solidFill>
+              <a:latin typeface="Arial" panose="020B0604020202020204" pitchFamily="34" charset="0"/>
+              <a:cs typeface="Arial" panose="020B0604020202020204" pitchFamily="34" charset="0"/>
+            </a:endParaRPr>
+          </a:p>
+        </p:txBody>
+      </p:sp>
+      <p:pic>
+        <p:nvPicPr>
+          <p:cNvPr id="2053" name="Picture 5"/>
+          <p:cNvPicPr>
+            <a:picLocks noChangeAspect="1" noChangeArrowheads="1"/>
+          </p:cNvPicPr>
+          <p:nvPr/>
+        </p:nvPicPr>
+        <p:blipFill>
+          <a:blip r:embed="rId5" cstate="print">
+            <a:extLst>
+              <a:ext uri="{28A0092B-C50C-407E-A947-70E740481C1C}">
+                <a14:useLocalDpi xmlns:a14="http://schemas.microsoft.com/office/drawing/2010/main" val="0"/>
+              </a:ext>
+            </a:extLst>
+          </a:blip>
+          <a:srcRect/>
+          <a:stretch>
+            <a:fillRect/>
+          </a:stretch>
+        </p:blipFill>
+        <p:spPr bwMode="auto">
+          <a:xfrm>
+            <a:off x="7745330" y="1236038"/>
+            <a:ext cx="537220" cy="429369"/>
+          </a:xfrm>
+          <a:prstGeom prst="rect">
+            <a:avLst/>
+          </a:prstGeom>
+          <a:noFill/>
+          <a:ln>
+            <a:noFill/>
+          </a:ln>
+          <a:extLst>
+            <a:ext uri="{909E8E84-426E-40DD-AFC4-6F175D3DCCD1}">
+              <a14:hiddenFill xmlns:a14="http://schemas.microsoft.com/office/drawing/2010/main">
+                <a:solidFill>
+                  <a:schemeClr val="accent1"/>
+                </a:solidFill>
+              </a14:hiddenFill>
+            </a:ext>
+            <a:ext uri="{91240B29-F687-4F45-9708-019B960494DF}">
+              <a14:hiddenLine xmlns:a14="http://schemas.microsoft.com/office/drawing/2010/main" w="9525">
+                <a:solidFill>
+                  <a:schemeClr val="tx1"/>
+                </a:solidFill>
+                <a:miter lim="800000"/>
+                <a:headEnd/>
+                <a:tailEnd/>
+              </a14:hiddenLine>
+            </a:ext>
+          </a:extLst>
+        </p:spPr>
+      </p:pic>
+    </p:spTree>
+    <p:extLst>
+      <p:ext uri="{BB962C8B-B14F-4D97-AF65-F5344CB8AC3E}">
+        <p14:creationId xmlns:p14="http://schemas.microsoft.com/office/powerpoint/2010/main" val="2589539821"/>
       </p:ext>
     </p:extLst>
   </p:cSld>
